--- a/COVID VACCINATION and EDUCATION IN THE UNITED STATES-.pptx
+++ b/COVID VACCINATION and EDUCATION IN THE UNITED STATES-.pptx
@@ -5,10 +5,10 @@
     <p:sldMasterId id="2147483660" r:id="rId4"/>
   </p:sldMasterIdLst>
   <p:notesMasterIdLst>
-    <p:notesMasterId r:id="rId18"/>
+    <p:notesMasterId r:id="rId17"/>
   </p:notesMasterIdLst>
   <p:handoutMasterIdLst>
-    <p:handoutMasterId r:id="rId19"/>
+    <p:handoutMasterId r:id="rId18"/>
   </p:handoutMasterIdLst>
   <p:sldIdLst>
     <p:sldId id="259" r:id="rId5"/>
@@ -19,11 +19,10 @@
     <p:sldId id="296" r:id="rId10"/>
     <p:sldId id="308" r:id="rId11"/>
     <p:sldId id="305" r:id="rId12"/>
-    <p:sldId id="310" r:id="rId13"/>
-    <p:sldId id="306" r:id="rId14"/>
-    <p:sldId id="307" r:id="rId15"/>
-    <p:sldId id="300" r:id="rId16"/>
-    <p:sldId id="301" r:id="rId17"/>
+    <p:sldId id="306" r:id="rId13"/>
+    <p:sldId id="307" r:id="rId14"/>
+    <p:sldId id="300" r:id="rId15"/>
+    <p:sldId id="301" r:id="rId16"/>
   </p:sldIdLst>
   <p:sldSz cx="12192000" cy="6858000"/>
   <p:notesSz cx="6858000" cy="9144000"/>
@@ -133,6173 +132,508 @@
 </p:presentation>
 </file>
 
-<file path=ppt/charts/chart1.xml><?xml version="1.0" encoding="utf-8"?>
-<c:chartSpace xmlns:c="http://schemas.openxmlformats.org/drawingml/2006/chart" xmlns:a="http://schemas.openxmlformats.org/drawingml/2006/main" xmlns:r="http://schemas.openxmlformats.org/officeDocument/2006/relationships" xmlns:c16r2="http://schemas.microsoft.com/office/drawing/2015/06/chart">
-  <c:date1904 val="0"/>
-  <c:lang val="en-US"/>
-  <c:roundedCorners val="0"/>
-  <mc:AlternateContent xmlns:mc="http://schemas.openxmlformats.org/markup-compatibility/2006">
-    <mc:Choice xmlns:c14="http://schemas.microsoft.com/office/drawing/2007/8/2/chart" Requires="c14">
-      <c14:style val="102"/>
-    </mc:Choice>
-    <mc:Fallback>
-      <c:style val="2"/>
-    </mc:Fallback>
-  </mc:AlternateContent>
-  <c:chart>
-    <c:title>
-      <c:tx>
-        <c:rich>
-          <a:bodyPr rot="0" spcFirstLastPara="1" vertOverflow="ellipsis" vert="horz" wrap="square" anchor="ctr" anchorCtr="1"/>
-          <a:lstStyle/>
-          <a:p>
-            <a:pPr>
-              <a:defRPr sz="1862" b="0" i="0" u="none" strike="noStrike" kern="1200" spc="0" baseline="0">
-                <a:solidFill>
-                  <a:schemeClr val="tx1">
-                    <a:lumMod val="65000"/>
-                    <a:lumOff val="35000"/>
-                  </a:schemeClr>
-                </a:solidFill>
-                <a:latin typeface="+mn-lt"/>
-                <a:ea typeface="+mn-ea"/>
-                <a:cs typeface="+mn-cs"/>
-              </a:defRPr>
-            </a:pPr>
-            <a:r>
-              <a:rPr lang="en-GB" sz="2000" dirty="0"/>
-              <a:t>Chart Title</a:t>
-            </a:r>
-          </a:p>
-        </c:rich>
-      </c:tx>
-      <c:overlay val="0"/>
-      <c:spPr>
-        <a:noFill/>
-        <a:ln>
-          <a:noFill/>
-        </a:ln>
-        <a:effectLst/>
-      </c:spPr>
-      <c:txPr>
-        <a:bodyPr rot="0" spcFirstLastPara="1" vertOverflow="ellipsis" vert="horz" wrap="square" anchor="ctr" anchorCtr="1"/>
-        <a:lstStyle/>
-        <a:p>
-          <a:pPr>
-            <a:defRPr sz="1862" b="0" i="0" u="none" strike="noStrike" kern="1200" spc="0" baseline="0">
-              <a:solidFill>
-                <a:schemeClr val="tx1">
-                  <a:lumMod val="65000"/>
-                  <a:lumOff val="35000"/>
-                </a:schemeClr>
-              </a:solidFill>
-              <a:latin typeface="+mn-lt"/>
-              <a:ea typeface="+mn-ea"/>
-              <a:cs typeface="+mn-cs"/>
-            </a:defRPr>
-          </a:pPr>
-          <a:endParaRPr lang="en-US"/>
-        </a:p>
-      </c:txPr>
-    </c:title>
-    <c:autoTitleDeleted val="0"/>
-    <c:plotArea>
-      <c:layout/>
-      <c:barChart>
-        <c:barDir val="col"/>
-        <c:grouping val="clustered"/>
-        <c:varyColors val="0"/>
-        <c:ser>
-          <c:idx val="0"/>
-          <c:order val="0"/>
-          <c:tx>
-            <c:strRef>
-              <c:f>Sheet1!$B$1</c:f>
-              <c:strCache>
-                <c:ptCount val="1"/>
-                <c:pt idx="0">
-                  <c:v>Series 1</c:v>
-                </c:pt>
-              </c:strCache>
-            </c:strRef>
-          </c:tx>
-          <c:spPr>
-            <a:solidFill>
-              <a:schemeClr val="accent1"/>
-            </a:solidFill>
-            <a:ln>
-              <a:noFill/>
-            </a:ln>
-            <a:effectLst/>
-          </c:spPr>
-          <c:invertIfNegative val="0"/>
-          <c:cat>
-            <c:strRef>
-              <c:f>Sheet1!$A$2:$A$5</c:f>
-              <c:strCache>
-                <c:ptCount val="4"/>
-                <c:pt idx="0">
-                  <c:v>Category 1</c:v>
-                </c:pt>
-                <c:pt idx="1">
-                  <c:v>Category 2</c:v>
-                </c:pt>
-                <c:pt idx="2">
-                  <c:v>Category 3</c:v>
-                </c:pt>
-                <c:pt idx="3">
-                  <c:v>Category 4</c:v>
-                </c:pt>
-              </c:strCache>
-            </c:strRef>
-          </c:cat>
-          <c:val>
-            <c:numRef>
-              <c:f>Sheet1!$B$2:$B$5</c:f>
-              <c:numCache>
-                <c:formatCode>General</c:formatCode>
-                <c:ptCount val="4"/>
-                <c:pt idx="0">
-                  <c:v>4.3</c:v>
-                </c:pt>
-                <c:pt idx="1">
-                  <c:v>2.5</c:v>
-                </c:pt>
-                <c:pt idx="2">
-                  <c:v>3.5</c:v>
-                </c:pt>
-                <c:pt idx="3">
-                  <c:v>4.5</c:v>
-                </c:pt>
-              </c:numCache>
-            </c:numRef>
-          </c:val>
-          <c:extLst>
-            <c:ext xmlns:c16="http://schemas.microsoft.com/office/drawing/2014/chart" uri="{C3380CC4-5D6E-409C-BE32-E72D297353CC}">
-              <c16:uniqueId val="{00000000-F8DB-459D-860E-1C952E1D0B2D}"/>
-            </c:ext>
-          </c:extLst>
-        </c:ser>
-        <c:ser>
-          <c:idx val="1"/>
-          <c:order val="1"/>
-          <c:tx>
-            <c:strRef>
-              <c:f>Sheet1!$C$1</c:f>
-              <c:strCache>
-                <c:ptCount val="1"/>
-                <c:pt idx="0">
-                  <c:v>Series 2</c:v>
-                </c:pt>
-              </c:strCache>
-            </c:strRef>
-          </c:tx>
-          <c:spPr>
-            <a:solidFill>
-              <a:schemeClr val="accent2"/>
-            </a:solidFill>
-            <a:ln>
-              <a:noFill/>
-            </a:ln>
-            <a:effectLst/>
-          </c:spPr>
-          <c:invertIfNegative val="0"/>
-          <c:cat>
-            <c:strRef>
-              <c:f>Sheet1!$A$2:$A$5</c:f>
-              <c:strCache>
-                <c:ptCount val="4"/>
-                <c:pt idx="0">
-                  <c:v>Category 1</c:v>
-                </c:pt>
-                <c:pt idx="1">
-                  <c:v>Category 2</c:v>
-                </c:pt>
-                <c:pt idx="2">
-                  <c:v>Category 3</c:v>
-                </c:pt>
-                <c:pt idx="3">
-                  <c:v>Category 4</c:v>
-                </c:pt>
-              </c:strCache>
-            </c:strRef>
-          </c:cat>
-          <c:val>
-            <c:numRef>
-              <c:f>Sheet1!$C$2:$C$5</c:f>
-              <c:numCache>
-                <c:formatCode>General</c:formatCode>
-                <c:ptCount val="4"/>
-                <c:pt idx="0">
-                  <c:v>2.4</c:v>
-                </c:pt>
-                <c:pt idx="1">
-                  <c:v>4.4000000000000004</c:v>
-                </c:pt>
-                <c:pt idx="2">
-                  <c:v>1.8</c:v>
-                </c:pt>
-                <c:pt idx="3">
-                  <c:v>2.8</c:v>
-                </c:pt>
-              </c:numCache>
-            </c:numRef>
-          </c:val>
-          <c:extLst>
-            <c:ext xmlns:c16="http://schemas.microsoft.com/office/drawing/2014/chart" uri="{C3380CC4-5D6E-409C-BE32-E72D297353CC}">
-              <c16:uniqueId val="{00000001-F8DB-459D-860E-1C952E1D0B2D}"/>
-            </c:ext>
-          </c:extLst>
-        </c:ser>
-        <c:ser>
-          <c:idx val="2"/>
-          <c:order val="2"/>
-          <c:tx>
-            <c:strRef>
-              <c:f>Sheet1!$D$1</c:f>
-              <c:strCache>
-                <c:ptCount val="1"/>
-                <c:pt idx="0">
-                  <c:v>Series 3</c:v>
-                </c:pt>
-              </c:strCache>
-            </c:strRef>
-          </c:tx>
-          <c:spPr>
-            <a:solidFill>
-              <a:schemeClr val="accent3"/>
-            </a:solidFill>
-            <a:ln>
-              <a:noFill/>
-            </a:ln>
-            <a:effectLst/>
-          </c:spPr>
-          <c:invertIfNegative val="0"/>
-          <c:cat>
-            <c:strRef>
-              <c:f>Sheet1!$A$2:$A$5</c:f>
-              <c:strCache>
-                <c:ptCount val="4"/>
-                <c:pt idx="0">
-                  <c:v>Category 1</c:v>
-                </c:pt>
-                <c:pt idx="1">
-                  <c:v>Category 2</c:v>
-                </c:pt>
-                <c:pt idx="2">
-                  <c:v>Category 3</c:v>
-                </c:pt>
-                <c:pt idx="3">
-                  <c:v>Category 4</c:v>
-                </c:pt>
-              </c:strCache>
-            </c:strRef>
-          </c:cat>
-          <c:val>
-            <c:numRef>
-              <c:f>Sheet1!$D$2:$D$5</c:f>
-              <c:numCache>
-                <c:formatCode>General</c:formatCode>
-                <c:ptCount val="4"/>
-                <c:pt idx="0">
-                  <c:v>2</c:v>
-                </c:pt>
-                <c:pt idx="1">
-                  <c:v>2</c:v>
-                </c:pt>
-                <c:pt idx="2">
-                  <c:v>3</c:v>
-                </c:pt>
-                <c:pt idx="3">
-                  <c:v>5</c:v>
-                </c:pt>
-              </c:numCache>
-            </c:numRef>
-          </c:val>
-          <c:extLst>
-            <c:ext xmlns:c16="http://schemas.microsoft.com/office/drawing/2014/chart" uri="{C3380CC4-5D6E-409C-BE32-E72D297353CC}">
-              <c16:uniqueId val="{00000002-F8DB-459D-860E-1C952E1D0B2D}"/>
-            </c:ext>
-          </c:extLst>
-        </c:ser>
-        <c:dLbls>
-          <c:showLegendKey val="0"/>
-          <c:showVal val="0"/>
-          <c:showCatName val="0"/>
-          <c:showSerName val="0"/>
-          <c:showPercent val="0"/>
-          <c:showBubbleSize val="0"/>
-        </c:dLbls>
-        <c:gapWidth val="219"/>
-        <c:overlap val="-27"/>
-        <c:axId val="917725999"/>
-        <c:axId val="917719343"/>
-      </c:barChart>
-      <c:catAx>
-        <c:axId val="917725999"/>
-        <c:scaling>
-          <c:orientation val="minMax"/>
-        </c:scaling>
-        <c:delete val="0"/>
-        <c:axPos val="b"/>
-        <c:numFmt formatCode="General" sourceLinked="1"/>
-        <c:majorTickMark val="none"/>
-        <c:minorTickMark val="none"/>
-        <c:tickLblPos val="nextTo"/>
-        <c:spPr>
-          <a:noFill/>
-          <a:ln w="9525" cap="flat" cmpd="sng" algn="ctr">
-            <a:solidFill>
-              <a:schemeClr val="tx1">
-                <a:lumMod val="15000"/>
-                <a:lumOff val="85000"/>
-              </a:schemeClr>
-            </a:solidFill>
-            <a:round/>
-          </a:ln>
-          <a:effectLst/>
-        </c:spPr>
-        <c:txPr>
-          <a:bodyPr rot="-60000000" spcFirstLastPara="1" vertOverflow="ellipsis" vert="horz" wrap="square" anchor="ctr" anchorCtr="1"/>
-          <a:lstStyle/>
-          <a:p>
-            <a:pPr>
-              <a:defRPr sz="1197" b="0" i="0" u="none" strike="noStrike" kern="1200" baseline="0">
-                <a:solidFill>
-                  <a:schemeClr val="tx1">
-                    <a:lumMod val="65000"/>
-                    <a:lumOff val="35000"/>
-                  </a:schemeClr>
-                </a:solidFill>
-                <a:latin typeface="+mn-lt"/>
-                <a:ea typeface="+mn-ea"/>
-                <a:cs typeface="+mn-cs"/>
-              </a:defRPr>
-            </a:pPr>
-            <a:endParaRPr lang="en-US"/>
-          </a:p>
-        </c:txPr>
-        <c:crossAx val="917719343"/>
-        <c:crosses val="autoZero"/>
-        <c:auto val="1"/>
-        <c:lblAlgn val="ctr"/>
-        <c:lblOffset val="100"/>
-        <c:noMultiLvlLbl val="0"/>
-      </c:catAx>
-      <c:valAx>
-        <c:axId val="917719343"/>
-        <c:scaling>
-          <c:orientation val="minMax"/>
-        </c:scaling>
-        <c:delete val="0"/>
-        <c:axPos val="l"/>
-        <c:majorGridlines>
-          <c:spPr>
-            <a:ln w="9525" cap="flat" cmpd="sng" algn="ctr">
-              <a:solidFill>
-                <a:schemeClr val="tx1">
-                  <a:lumMod val="15000"/>
-                  <a:lumOff val="85000"/>
-                </a:schemeClr>
-              </a:solidFill>
-              <a:round/>
-            </a:ln>
-            <a:effectLst/>
-          </c:spPr>
-        </c:majorGridlines>
-        <c:numFmt formatCode="General" sourceLinked="1"/>
-        <c:majorTickMark val="none"/>
-        <c:minorTickMark val="none"/>
-        <c:tickLblPos val="nextTo"/>
-        <c:spPr>
-          <a:noFill/>
-          <a:ln>
-            <a:noFill/>
-          </a:ln>
-          <a:effectLst/>
-        </c:spPr>
-        <c:txPr>
-          <a:bodyPr rot="-60000000" spcFirstLastPara="1" vertOverflow="ellipsis" vert="horz" wrap="square" anchor="ctr" anchorCtr="1"/>
-          <a:lstStyle/>
-          <a:p>
-            <a:pPr>
-              <a:defRPr sz="1197" b="0" i="0" u="none" strike="noStrike" kern="1200" baseline="0">
-                <a:solidFill>
-                  <a:schemeClr val="tx1">
-                    <a:lumMod val="65000"/>
-                    <a:lumOff val="35000"/>
-                  </a:schemeClr>
-                </a:solidFill>
-                <a:latin typeface="+mn-lt"/>
-                <a:ea typeface="+mn-ea"/>
-                <a:cs typeface="+mn-cs"/>
-              </a:defRPr>
-            </a:pPr>
-            <a:endParaRPr lang="en-US"/>
-          </a:p>
-        </c:txPr>
-        <c:crossAx val="917725999"/>
-        <c:crosses val="autoZero"/>
-        <c:crossBetween val="between"/>
-      </c:valAx>
-      <c:spPr>
-        <a:noFill/>
-        <a:ln>
-          <a:noFill/>
-        </a:ln>
-        <a:effectLst/>
-      </c:spPr>
-    </c:plotArea>
-    <c:legend>
-      <c:legendPos val="b"/>
-      <c:overlay val="0"/>
-      <c:spPr>
-        <a:noFill/>
-        <a:ln>
-          <a:noFill/>
-        </a:ln>
-        <a:effectLst/>
-      </c:spPr>
-      <c:txPr>
-        <a:bodyPr rot="0" spcFirstLastPara="1" vertOverflow="ellipsis" vert="horz" wrap="square" anchor="ctr" anchorCtr="1"/>
-        <a:lstStyle/>
-        <a:p>
-          <a:pPr>
-            <a:defRPr sz="1197" b="0" i="0" u="none" strike="noStrike" kern="1200" baseline="0">
-              <a:solidFill>
-                <a:schemeClr val="tx1">
-                  <a:lumMod val="65000"/>
-                  <a:lumOff val="35000"/>
-                </a:schemeClr>
-              </a:solidFill>
-              <a:latin typeface="+mn-lt"/>
-              <a:ea typeface="+mn-ea"/>
-              <a:cs typeface="+mn-cs"/>
-            </a:defRPr>
-          </a:pPr>
-          <a:endParaRPr lang="en-US"/>
-        </a:p>
-      </c:txPr>
-    </c:legend>
-    <c:plotVisOnly val="1"/>
-    <c:dispBlanksAs val="gap"/>
-    <c:extLst>
-      <c:ext xmlns:c16r3="http://schemas.microsoft.com/office/drawing/2017/03/chart" uri="{56B9EC1D-385E-4148-901F-78D8002777C0}">
-        <c16r3:dataDisplayOptions16>
-          <c16r3:dispNaAsBlank val="1"/>
-        </c16r3:dataDisplayOptions16>
-      </c:ext>
-    </c:extLst>
-    <c:showDLblsOverMax val="0"/>
-  </c:chart>
-  <c:spPr>
-    <a:noFill/>
-    <a:ln>
-      <a:noFill/>
-    </a:ln>
-    <a:effectLst/>
-  </c:spPr>
-  <c:txPr>
-    <a:bodyPr/>
-    <a:lstStyle/>
-    <a:p>
-      <a:pPr>
-        <a:defRPr/>
-      </a:pPr>
-      <a:endParaRPr lang="en-US"/>
-    </a:p>
-  </c:txPr>
-  <c:externalData r:id="rId3">
-    <c:autoUpdate val="0"/>
-  </c:externalData>
-</c:chartSpace>
-</file>
-
-<file path=ppt/charts/colors1.xml><?xml version="1.0" encoding="utf-8"?>
-<cs:colorStyle xmlns:cs="http://schemas.microsoft.com/office/drawing/2012/chartStyle" xmlns:a="http://schemas.openxmlformats.org/drawingml/2006/main" meth="cycle" id="10">
-  <a:schemeClr val="accent1"/>
-  <a:schemeClr val="accent2"/>
-  <a:schemeClr val="accent3"/>
-  <a:schemeClr val="accent4"/>
-  <a:schemeClr val="accent5"/>
-  <a:schemeClr val="accent6"/>
-  <cs:variation/>
-  <cs:variation>
-    <a:lumMod val="60000"/>
-  </cs:variation>
-  <cs:variation>
-    <a:lumMod val="80000"/>
-    <a:lumOff val="20000"/>
-  </cs:variation>
-  <cs:variation>
-    <a:lumMod val="80000"/>
-  </cs:variation>
-  <cs:variation>
-    <a:lumMod val="60000"/>
-    <a:lumOff val="40000"/>
-  </cs:variation>
-  <cs:variation>
-    <a:lumMod val="50000"/>
-  </cs:variation>
-  <cs:variation>
-    <a:lumMod val="70000"/>
-    <a:lumOff val="30000"/>
-  </cs:variation>
-  <cs:variation>
-    <a:lumMod val="70000"/>
-  </cs:variation>
-  <cs:variation>
-    <a:lumMod val="50000"/>
-    <a:lumOff val="50000"/>
-  </cs:variation>
-</cs:colorStyle>
-</file>
-
-<file path=ppt/charts/style1.xml><?xml version="1.0" encoding="utf-8"?>
-<cs:chartStyle xmlns:cs="http://schemas.microsoft.com/office/drawing/2012/chartStyle" xmlns:a="http://schemas.openxmlformats.org/drawingml/2006/main" id="201">
-  <cs:axisTitle>
-    <cs:lnRef idx="0"/>
-    <cs:fillRef idx="0"/>
-    <cs:effectRef idx="0"/>
-    <cs:fontRef idx="minor">
-      <a:schemeClr val="tx1">
-        <a:lumMod val="65000"/>
-        <a:lumOff val="35000"/>
-      </a:schemeClr>
-    </cs:fontRef>
-    <cs:defRPr sz="1330" kern="1200"/>
-  </cs:axisTitle>
-  <cs:categoryAxis>
-    <cs:lnRef idx="0"/>
-    <cs:fillRef idx="0"/>
-    <cs:effectRef idx="0"/>
-    <cs:fontRef idx="minor">
-      <a:schemeClr val="tx1">
-        <a:lumMod val="65000"/>
-        <a:lumOff val="35000"/>
-      </a:schemeClr>
-    </cs:fontRef>
-    <cs:spPr>
-      <a:ln w="9525" cap="flat" cmpd="sng" algn="ctr">
-        <a:solidFill>
-          <a:schemeClr val="tx1">
-            <a:lumMod val="15000"/>
-            <a:lumOff val="85000"/>
-          </a:schemeClr>
-        </a:solidFill>
-        <a:round/>
-      </a:ln>
-    </cs:spPr>
-    <cs:defRPr sz="1197" kern="1200"/>
-  </cs:categoryAxis>
-  <cs:chartArea mods="allowNoFillOverride allowNoLineOverride">
-    <cs:lnRef idx="0"/>
-    <cs:fillRef idx="0"/>
-    <cs:effectRef idx="0"/>
-    <cs:fontRef idx="minor">
-      <a:schemeClr val="tx1"/>
-    </cs:fontRef>
-    <cs:spPr>
-      <a:solidFill>
-        <a:schemeClr val="bg1"/>
-      </a:solidFill>
-      <a:ln w="9525" cap="flat" cmpd="sng" algn="ctr">
-        <a:solidFill>
-          <a:schemeClr val="tx1">
-            <a:lumMod val="15000"/>
-            <a:lumOff val="85000"/>
-          </a:schemeClr>
-        </a:solidFill>
-        <a:round/>
-      </a:ln>
-    </cs:spPr>
-    <cs:defRPr sz="1330" kern="1200"/>
-  </cs:chartArea>
-  <cs:dataLabel>
-    <cs:lnRef idx="0"/>
-    <cs:fillRef idx="0"/>
-    <cs:effectRef idx="0"/>
-    <cs:fontRef idx="minor">
-      <a:schemeClr val="tx1">
-        <a:lumMod val="75000"/>
-        <a:lumOff val="25000"/>
-      </a:schemeClr>
-    </cs:fontRef>
-    <cs:defRPr sz="1197" kern="1200"/>
-  </cs:dataLabel>
-  <cs:dataLabelCallout>
-    <cs:lnRef idx="0"/>
-    <cs:fillRef idx="0"/>
-    <cs:effectRef idx="0"/>
-    <cs:fontRef idx="minor">
-      <a:schemeClr val="dk1">
-        <a:lumMod val="65000"/>
-        <a:lumOff val="35000"/>
-      </a:schemeClr>
-    </cs:fontRef>
-    <cs:spPr>
-      <a:solidFill>
-        <a:schemeClr val="lt1"/>
-      </a:solidFill>
-      <a:ln>
-        <a:solidFill>
-          <a:schemeClr val="dk1">
-            <a:lumMod val="25000"/>
-            <a:lumOff val="75000"/>
-          </a:schemeClr>
-        </a:solidFill>
-      </a:ln>
-    </cs:spPr>
-    <cs:defRPr sz="1197" kern="1200"/>
-    <cs:bodyPr rot="0" spcFirstLastPara="1" vertOverflow="clip" horzOverflow="clip" vert="horz" wrap="square" lIns="36576" tIns="18288" rIns="36576" bIns="18288" anchor="ctr" anchorCtr="1">
-      <a:spAutoFit/>
-    </cs:bodyPr>
-  </cs:dataLabelCallout>
-  <cs:dataPoint>
-    <cs:lnRef idx="0"/>
-    <cs:fillRef idx="1">
-      <cs:styleClr val="auto"/>
-    </cs:fillRef>
-    <cs:effectRef idx="0"/>
-    <cs:fontRef idx="minor">
-      <a:schemeClr val="tx1"/>
-    </cs:fontRef>
-  </cs:dataPoint>
-  <cs:dataPoint3D>
-    <cs:lnRef idx="0"/>
-    <cs:fillRef idx="1">
-      <cs:styleClr val="auto"/>
-    </cs:fillRef>
-    <cs:effectRef idx="0"/>
-    <cs:fontRef idx="minor">
-      <a:schemeClr val="tx1"/>
-    </cs:fontRef>
-  </cs:dataPoint3D>
-  <cs:dataPointLine>
-    <cs:lnRef idx="0">
-      <cs:styleClr val="auto"/>
-    </cs:lnRef>
-    <cs:fillRef idx="1"/>
-    <cs:effectRef idx="0"/>
-    <cs:fontRef idx="minor">
-      <a:schemeClr val="tx1"/>
-    </cs:fontRef>
-    <cs:spPr>
-      <a:ln w="28575" cap="rnd">
-        <a:solidFill>
-          <a:schemeClr val="phClr"/>
-        </a:solidFill>
-        <a:round/>
-      </a:ln>
-    </cs:spPr>
-  </cs:dataPointLine>
-  <cs:dataPointMarker>
-    <cs:lnRef idx="0">
-      <cs:styleClr val="auto"/>
-    </cs:lnRef>
-    <cs:fillRef idx="1">
-      <cs:styleClr val="auto"/>
-    </cs:fillRef>
-    <cs:effectRef idx="0"/>
-    <cs:fontRef idx="minor">
-      <a:schemeClr val="tx1"/>
-    </cs:fontRef>
-    <cs:spPr>
-      <a:ln w="9525">
-        <a:solidFill>
-          <a:schemeClr val="phClr"/>
-        </a:solidFill>
-      </a:ln>
-    </cs:spPr>
-  </cs:dataPointMarker>
-  <cs:dataPointMarkerLayout symbol="circle" size="5"/>
-  <cs:dataPointWireframe>
-    <cs:lnRef idx="0">
-      <cs:styleClr val="auto"/>
-    </cs:lnRef>
-    <cs:fillRef idx="1"/>
-    <cs:effectRef idx="0"/>
-    <cs:fontRef idx="minor">
-      <a:schemeClr val="tx1"/>
-    </cs:fontRef>
-    <cs:spPr>
-      <a:ln w="9525" cap="rnd">
-        <a:solidFill>
-          <a:schemeClr val="phClr"/>
-        </a:solidFill>
-        <a:round/>
-      </a:ln>
-    </cs:spPr>
-  </cs:dataPointWireframe>
-  <cs:dataTable>
-    <cs:lnRef idx="0"/>
-    <cs:fillRef idx="0"/>
-    <cs:effectRef idx="0"/>
-    <cs:fontRef idx="minor">
-      <a:schemeClr val="tx1">
-        <a:lumMod val="65000"/>
-        <a:lumOff val="35000"/>
-      </a:schemeClr>
-    </cs:fontRef>
-    <cs:spPr>
-      <a:noFill/>
-      <a:ln w="9525" cap="flat" cmpd="sng" algn="ctr">
-        <a:solidFill>
-          <a:schemeClr val="tx1">
-            <a:lumMod val="15000"/>
-            <a:lumOff val="85000"/>
-          </a:schemeClr>
-        </a:solidFill>
-        <a:round/>
-      </a:ln>
-    </cs:spPr>
-    <cs:defRPr sz="1197" kern="1200"/>
-  </cs:dataTable>
-  <cs:downBar>
-    <cs:lnRef idx="0"/>
-    <cs:fillRef idx="0"/>
-    <cs:effectRef idx="0"/>
-    <cs:fontRef idx="minor">
-      <a:schemeClr val="dk1"/>
-    </cs:fontRef>
-    <cs:spPr>
-      <a:solidFill>
-        <a:schemeClr val="dk1">
-          <a:lumMod val="65000"/>
-          <a:lumOff val="35000"/>
-        </a:schemeClr>
-      </a:solidFill>
-      <a:ln w="9525">
-        <a:solidFill>
-          <a:schemeClr val="tx1">
-            <a:lumMod val="65000"/>
-            <a:lumOff val="35000"/>
-          </a:schemeClr>
-        </a:solidFill>
-      </a:ln>
-    </cs:spPr>
-  </cs:downBar>
-  <cs:dropLine>
-    <cs:lnRef idx="0"/>
-    <cs:fillRef idx="0"/>
-    <cs:effectRef idx="0"/>
-    <cs:fontRef idx="minor">
-      <a:schemeClr val="tx1"/>
-    </cs:fontRef>
-    <cs:spPr>
-      <a:ln w="9525" cap="flat" cmpd="sng" algn="ctr">
-        <a:solidFill>
-          <a:schemeClr val="tx1">
-            <a:lumMod val="35000"/>
-            <a:lumOff val="65000"/>
-          </a:schemeClr>
-        </a:solidFill>
-        <a:round/>
-      </a:ln>
-    </cs:spPr>
-  </cs:dropLine>
-  <cs:errorBar>
-    <cs:lnRef idx="0"/>
-    <cs:fillRef idx="0"/>
-    <cs:effectRef idx="0"/>
-    <cs:fontRef idx="minor">
-      <a:schemeClr val="tx1"/>
-    </cs:fontRef>
-    <cs:spPr>
-      <a:ln w="9525" cap="flat" cmpd="sng" algn="ctr">
-        <a:solidFill>
-          <a:schemeClr val="tx1">
-            <a:lumMod val="65000"/>
-            <a:lumOff val="35000"/>
-          </a:schemeClr>
-        </a:solidFill>
-        <a:round/>
-      </a:ln>
-    </cs:spPr>
-  </cs:errorBar>
-  <cs:floor>
-    <cs:lnRef idx="0"/>
-    <cs:fillRef idx="0"/>
-    <cs:effectRef idx="0"/>
-    <cs:fontRef idx="minor">
-      <a:schemeClr val="tx1"/>
-    </cs:fontRef>
-    <cs:spPr>
-      <a:noFill/>
-      <a:ln>
-        <a:noFill/>
-      </a:ln>
-    </cs:spPr>
-  </cs:floor>
-  <cs:gridlineMajor>
-    <cs:lnRef idx="0"/>
-    <cs:fillRef idx="0"/>
-    <cs:effectRef idx="0"/>
-    <cs:fontRef idx="minor">
-      <a:schemeClr val="tx1"/>
-    </cs:fontRef>
-    <cs:spPr>
-      <a:ln w="9525" cap="flat" cmpd="sng" algn="ctr">
-        <a:solidFill>
-          <a:schemeClr val="tx1">
-            <a:lumMod val="15000"/>
-            <a:lumOff val="85000"/>
-          </a:schemeClr>
-        </a:solidFill>
-        <a:round/>
-      </a:ln>
-    </cs:spPr>
-  </cs:gridlineMajor>
-  <cs:gridlineMinor>
-    <cs:lnRef idx="0"/>
-    <cs:fillRef idx="0"/>
-    <cs:effectRef idx="0"/>
-    <cs:fontRef idx="minor">
-      <a:schemeClr val="tx1"/>
-    </cs:fontRef>
-    <cs:spPr>
-      <a:ln w="9525" cap="flat" cmpd="sng" algn="ctr">
-        <a:solidFill>
-          <a:schemeClr val="tx1">
-            <a:lumMod val="5000"/>
-            <a:lumOff val="95000"/>
-          </a:schemeClr>
-        </a:solidFill>
-        <a:round/>
-      </a:ln>
-    </cs:spPr>
-  </cs:gridlineMinor>
-  <cs:hiLoLine>
-    <cs:lnRef idx="0"/>
-    <cs:fillRef idx="0"/>
-    <cs:effectRef idx="0"/>
-    <cs:fontRef idx="minor">
-      <a:schemeClr val="tx1"/>
-    </cs:fontRef>
-    <cs:spPr>
-      <a:ln w="9525" cap="flat" cmpd="sng" algn="ctr">
-        <a:solidFill>
-          <a:schemeClr val="tx1">
-            <a:lumMod val="75000"/>
-            <a:lumOff val="25000"/>
-          </a:schemeClr>
-        </a:solidFill>
-        <a:round/>
-      </a:ln>
-    </cs:spPr>
-  </cs:hiLoLine>
-  <cs:leaderLine>
-    <cs:lnRef idx="0"/>
-    <cs:fillRef idx="0"/>
-    <cs:effectRef idx="0"/>
-    <cs:fontRef idx="minor">
-      <a:schemeClr val="tx1"/>
-    </cs:fontRef>
-    <cs:spPr>
-      <a:ln w="9525" cap="flat" cmpd="sng" algn="ctr">
-        <a:solidFill>
-          <a:schemeClr val="tx1">
-            <a:lumMod val="35000"/>
-            <a:lumOff val="65000"/>
-          </a:schemeClr>
-        </a:solidFill>
-        <a:round/>
-      </a:ln>
-    </cs:spPr>
-  </cs:leaderLine>
-  <cs:legend>
-    <cs:lnRef idx="0"/>
-    <cs:fillRef idx="0"/>
-    <cs:effectRef idx="0"/>
-    <cs:fontRef idx="minor">
-      <a:schemeClr val="tx1">
-        <a:lumMod val="65000"/>
-        <a:lumOff val="35000"/>
-      </a:schemeClr>
-    </cs:fontRef>
-    <cs:defRPr sz="1197" kern="1200"/>
-  </cs:legend>
-  <cs:plotArea mods="allowNoFillOverride allowNoLineOverride">
-    <cs:lnRef idx="0"/>
-    <cs:fillRef idx="0"/>
-    <cs:effectRef idx="0"/>
-    <cs:fontRef idx="minor">
-      <a:schemeClr val="tx1"/>
-    </cs:fontRef>
-  </cs:plotArea>
-  <cs:plotArea3D mods="allowNoFillOverride allowNoLineOverride">
-    <cs:lnRef idx="0"/>
-    <cs:fillRef idx="0"/>
-    <cs:effectRef idx="0"/>
-    <cs:fontRef idx="minor">
-      <a:schemeClr val="tx1"/>
-    </cs:fontRef>
-  </cs:plotArea3D>
-  <cs:seriesAxis>
-    <cs:lnRef idx="0"/>
-    <cs:fillRef idx="0"/>
-    <cs:effectRef idx="0"/>
-    <cs:fontRef idx="minor">
-      <a:schemeClr val="tx1">
-        <a:lumMod val="65000"/>
-        <a:lumOff val="35000"/>
-      </a:schemeClr>
-    </cs:fontRef>
-    <cs:defRPr sz="1197" kern="1200"/>
-  </cs:seriesAxis>
-  <cs:seriesLine>
-    <cs:lnRef idx="0"/>
-    <cs:fillRef idx="0"/>
-    <cs:effectRef idx="0"/>
-    <cs:fontRef idx="minor">
-      <a:schemeClr val="tx1"/>
-    </cs:fontRef>
-    <cs:spPr>
-      <a:ln w="9525" cap="flat" cmpd="sng" algn="ctr">
-        <a:solidFill>
-          <a:schemeClr val="tx1">
-            <a:lumMod val="35000"/>
-            <a:lumOff val="65000"/>
-          </a:schemeClr>
-        </a:solidFill>
-        <a:round/>
-      </a:ln>
-    </cs:spPr>
-  </cs:seriesLine>
-  <cs:title>
-    <cs:lnRef idx="0"/>
-    <cs:fillRef idx="0"/>
-    <cs:effectRef idx="0"/>
-    <cs:fontRef idx="minor">
-      <a:schemeClr val="tx1">
-        <a:lumMod val="65000"/>
-        <a:lumOff val="35000"/>
-      </a:schemeClr>
-    </cs:fontRef>
-    <cs:defRPr sz="1862" b="0" kern="1200" spc="0" baseline="0"/>
-  </cs:title>
-  <cs:trendline>
-    <cs:lnRef idx="0">
-      <cs:styleClr val="auto"/>
-    </cs:lnRef>
-    <cs:fillRef idx="0"/>
-    <cs:effectRef idx="0"/>
-    <cs:fontRef idx="minor">
-      <a:schemeClr val="tx1"/>
-    </cs:fontRef>
-    <cs:spPr>
-      <a:ln w="19050" cap="rnd">
-        <a:solidFill>
-          <a:schemeClr val="phClr"/>
-        </a:solidFill>
-        <a:prstDash val="sysDot"/>
-      </a:ln>
-    </cs:spPr>
-  </cs:trendline>
-  <cs:trendlineLabel>
-    <cs:lnRef idx="0"/>
-    <cs:fillRef idx="0"/>
-    <cs:effectRef idx="0"/>
-    <cs:fontRef idx="minor">
-      <a:schemeClr val="tx1">
-        <a:lumMod val="65000"/>
-        <a:lumOff val="35000"/>
-      </a:schemeClr>
-    </cs:fontRef>
-    <cs:defRPr sz="1197" kern="1200"/>
-  </cs:trendlineLabel>
-  <cs:upBar>
-    <cs:lnRef idx="0"/>
-    <cs:fillRef idx="0"/>
-    <cs:effectRef idx="0"/>
-    <cs:fontRef idx="minor">
-      <a:schemeClr val="dk1"/>
-    </cs:fontRef>
-    <cs:spPr>
-      <a:solidFill>
-        <a:schemeClr val="lt1"/>
-      </a:solidFill>
-      <a:ln w="9525">
-        <a:solidFill>
-          <a:schemeClr val="tx1">
-            <a:lumMod val="15000"/>
-            <a:lumOff val="85000"/>
-          </a:schemeClr>
-        </a:solidFill>
-      </a:ln>
-    </cs:spPr>
-  </cs:upBar>
-  <cs:valueAxis>
-    <cs:lnRef idx="0"/>
-    <cs:fillRef idx="0"/>
-    <cs:effectRef idx="0"/>
-    <cs:fontRef idx="minor">
-      <a:schemeClr val="tx1">
-        <a:lumMod val="65000"/>
-        <a:lumOff val="35000"/>
-      </a:schemeClr>
-    </cs:fontRef>
-    <cs:defRPr sz="1197" kern="1200"/>
-  </cs:valueAxis>
-  <cs:wall>
-    <cs:lnRef idx="0"/>
-    <cs:fillRef idx="0"/>
-    <cs:effectRef idx="0"/>
-    <cs:fontRef idx="minor">
-      <a:schemeClr val="tx1"/>
-    </cs:fontRef>
-    <cs:spPr>
-      <a:noFill/>
-      <a:ln>
-        <a:noFill/>
-      </a:ln>
-    </cs:spPr>
-  </cs:wall>
-</cs:chartStyle>
-</file>
-
-<file path=ppt/diagrams/colors1.xml><?xml version="1.0" encoding="utf-8"?>
-<dgm:colorsDef xmlns:dgm="http://schemas.openxmlformats.org/drawingml/2006/diagram" xmlns:a="http://schemas.openxmlformats.org/drawingml/2006/main" uniqueId="urn:microsoft.com/office/officeart/2005/8/colors/accent2_1">
-  <dgm:title val=""/>
-  <dgm:desc val=""/>
-  <dgm:catLst>
-    <dgm:cat type="accent2" pri="11100"/>
-  </dgm:catLst>
-  <dgm:styleLbl name="node0">
-    <dgm:fillClrLst meth="repeat">
-      <a:schemeClr val="lt1"/>
-    </dgm:fillClrLst>
-    <dgm:linClrLst meth="repeat">
-      <a:schemeClr val="accent2">
-        <a:shade val="80000"/>
-      </a:schemeClr>
-    </dgm:linClrLst>
-    <dgm:effectClrLst/>
-    <dgm:txLinClrLst/>
-    <dgm:txFillClrLst meth="repeat">
-      <a:schemeClr val="dk1"/>
-    </dgm:txFillClrLst>
-    <dgm:txEffectClrLst/>
-  </dgm:styleLbl>
-  <dgm:styleLbl name="node1">
-    <dgm:fillClrLst meth="repeat">
-      <a:schemeClr val="lt1"/>
-    </dgm:fillClrLst>
-    <dgm:linClrLst meth="repeat">
-      <a:schemeClr val="accent2">
-        <a:shade val="80000"/>
-      </a:schemeClr>
-    </dgm:linClrLst>
-    <dgm:effectClrLst/>
-    <dgm:txLinClrLst/>
-    <dgm:txFillClrLst meth="repeat">
-      <a:schemeClr val="dk1"/>
-    </dgm:txFillClrLst>
-    <dgm:txEffectClrLst/>
-  </dgm:styleLbl>
-  <dgm:styleLbl name="alignNode1">
-    <dgm:fillClrLst meth="repeat">
-      <a:schemeClr val="lt1"/>
-    </dgm:fillClrLst>
-    <dgm:linClrLst meth="repeat">
-      <a:schemeClr val="accent2">
-        <a:shade val="80000"/>
-      </a:schemeClr>
-    </dgm:linClrLst>
-    <dgm:effectClrLst/>
-    <dgm:txLinClrLst/>
-    <dgm:txFillClrLst meth="repeat">
-      <a:schemeClr val="dk1"/>
-    </dgm:txFillClrLst>
-    <dgm:txEffectClrLst/>
-  </dgm:styleLbl>
-  <dgm:styleLbl name="lnNode1">
-    <dgm:fillClrLst meth="repeat">
-      <a:schemeClr val="lt1"/>
-    </dgm:fillClrLst>
-    <dgm:linClrLst meth="repeat">
-      <a:schemeClr val="accent2">
-        <a:shade val="80000"/>
-      </a:schemeClr>
-    </dgm:linClrLst>
-    <dgm:effectClrLst/>
-    <dgm:txLinClrLst/>
-    <dgm:txFillClrLst meth="repeat">
-      <a:schemeClr val="dk1"/>
-    </dgm:txFillClrLst>
-    <dgm:txEffectClrLst/>
-  </dgm:styleLbl>
-  <dgm:styleLbl name="vennNode1">
-    <dgm:fillClrLst meth="repeat">
-      <a:schemeClr val="lt1">
-        <a:alpha val="50000"/>
-      </a:schemeClr>
-    </dgm:fillClrLst>
-    <dgm:linClrLst meth="repeat">
-      <a:schemeClr val="accent2">
-        <a:shade val="80000"/>
-      </a:schemeClr>
-    </dgm:linClrLst>
-    <dgm:effectClrLst/>
-    <dgm:txLinClrLst/>
-    <dgm:txFillClrLst/>
-    <dgm:txEffectClrLst/>
-  </dgm:styleLbl>
-  <dgm:styleLbl name="node2">
-    <dgm:fillClrLst meth="repeat">
-      <a:schemeClr val="lt1"/>
-    </dgm:fillClrLst>
-    <dgm:linClrLst meth="repeat">
-      <a:schemeClr val="accent2">
-        <a:shade val="80000"/>
-      </a:schemeClr>
-    </dgm:linClrLst>
-    <dgm:effectClrLst/>
-    <dgm:txLinClrLst/>
-    <dgm:txFillClrLst meth="repeat">
-      <a:schemeClr val="dk1"/>
-    </dgm:txFillClrLst>
-    <dgm:txEffectClrLst/>
-  </dgm:styleLbl>
-  <dgm:styleLbl name="node3">
-    <dgm:fillClrLst meth="repeat">
-      <a:schemeClr val="lt1"/>
-    </dgm:fillClrLst>
-    <dgm:linClrLst meth="repeat">
-      <a:schemeClr val="accent2">
-        <a:shade val="80000"/>
-      </a:schemeClr>
-    </dgm:linClrLst>
-    <dgm:effectClrLst/>
-    <dgm:txLinClrLst/>
-    <dgm:txFillClrLst meth="repeat">
-      <a:schemeClr val="dk1"/>
-    </dgm:txFillClrLst>
-    <dgm:txEffectClrLst/>
-  </dgm:styleLbl>
-  <dgm:styleLbl name="node4">
-    <dgm:fillClrLst meth="repeat">
-      <a:schemeClr val="lt1"/>
-    </dgm:fillClrLst>
-    <dgm:linClrLst meth="repeat">
-      <a:schemeClr val="accent2">
-        <a:shade val="80000"/>
-      </a:schemeClr>
-    </dgm:linClrLst>
-    <dgm:effectClrLst/>
-    <dgm:txLinClrLst/>
-    <dgm:txFillClrLst meth="repeat">
-      <a:schemeClr val="dk1"/>
-    </dgm:txFillClrLst>
-    <dgm:txEffectClrLst/>
-  </dgm:styleLbl>
-  <dgm:styleLbl name="fgImgPlace1">
-    <dgm:fillClrLst meth="repeat">
-      <a:schemeClr val="accent2">
-        <a:tint val="40000"/>
-      </a:schemeClr>
-    </dgm:fillClrLst>
-    <dgm:linClrLst meth="repeat">
-      <a:schemeClr val="accent2">
-        <a:shade val="80000"/>
-      </a:schemeClr>
-    </dgm:linClrLst>
-    <dgm:effectClrLst/>
-    <dgm:txLinClrLst/>
-    <dgm:txFillClrLst meth="repeat">
-      <a:schemeClr val="lt1"/>
-    </dgm:txFillClrLst>
-    <dgm:txEffectClrLst/>
-  </dgm:styleLbl>
-  <dgm:styleLbl name="alignImgPlace1">
-    <dgm:fillClrLst meth="repeat">
-      <a:schemeClr val="accent2">
-        <a:tint val="40000"/>
-      </a:schemeClr>
-    </dgm:fillClrLst>
-    <dgm:linClrLst meth="repeat">
-      <a:schemeClr val="accent2">
-        <a:shade val="80000"/>
-      </a:schemeClr>
-    </dgm:linClrLst>
-    <dgm:effectClrLst/>
-    <dgm:txLinClrLst/>
-    <dgm:txFillClrLst meth="repeat">
-      <a:schemeClr val="lt1"/>
-    </dgm:txFillClrLst>
-    <dgm:txEffectClrLst/>
-  </dgm:styleLbl>
-  <dgm:styleLbl name="bgImgPlace1">
-    <dgm:fillClrLst meth="repeat">
-      <a:schemeClr val="accent2">
-        <a:tint val="40000"/>
-      </a:schemeClr>
-    </dgm:fillClrLst>
-    <dgm:linClrLst meth="repeat">
-      <a:schemeClr val="accent2">
-        <a:shade val="80000"/>
-      </a:schemeClr>
-    </dgm:linClrLst>
-    <dgm:effectClrLst/>
-    <dgm:txLinClrLst/>
-    <dgm:txFillClrLst meth="repeat">
-      <a:schemeClr val="lt1"/>
-    </dgm:txFillClrLst>
-    <dgm:txEffectClrLst/>
-  </dgm:styleLbl>
-  <dgm:styleLbl name="sibTrans2D1">
-    <dgm:fillClrLst meth="repeat">
-      <a:schemeClr val="accent2">
-        <a:tint val="60000"/>
-      </a:schemeClr>
-    </dgm:fillClrLst>
-    <dgm:linClrLst meth="repeat">
-      <a:schemeClr val="accent2">
-        <a:tint val="60000"/>
-      </a:schemeClr>
-    </dgm:linClrLst>
-    <dgm:effectClrLst/>
-    <dgm:txLinClrLst/>
-    <dgm:txFillClrLst meth="repeat">
-      <a:schemeClr val="dk1"/>
-    </dgm:txFillClrLst>
-    <dgm:txEffectClrLst/>
-  </dgm:styleLbl>
-  <dgm:styleLbl name="fgSibTrans2D1">
-    <dgm:fillClrLst meth="repeat">
-      <a:schemeClr val="accent2">
-        <a:tint val="60000"/>
-      </a:schemeClr>
-    </dgm:fillClrLst>
-    <dgm:linClrLst meth="repeat">
-      <a:schemeClr val="accent2">
-        <a:tint val="60000"/>
-      </a:schemeClr>
-    </dgm:linClrLst>
-    <dgm:effectClrLst/>
-    <dgm:txLinClrLst/>
-    <dgm:txFillClrLst meth="repeat">
-      <a:schemeClr val="dk1"/>
-    </dgm:txFillClrLst>
-    <dgm:txEffectClrLst/>
-  </dgm:styleLbl>
-  <dgm:styleLbl name="bgSibTrans2D1">
-    <dgm:fillClrLst meth="repeat">
-      <a:schemeClr val="accent2">
-        <a:tint val="60000"/>
-      </a:schemeClr>
-    </dgm:fillClrLst>
-    <dgm:linClrLst meth="repeat">
-      <a:schemeClr val="accent2">
-        <a:tint val="60000"/>
-      </a:schemeClr>
-    </dgm:linClrLst>
-    <dgm:effectClrLst/>
-    <dgm:txLinClrLst/>
-    <dgm:txFillClrLst meth="repeat">
-      <a:schemeClr val="dk1"/>
-    </dgm:txFillClrLst>
-    <dgm:txEffectClrLst/>
-  </dgm:styleLbl>
-  <dgm:styleLbl name="sibTrans1D1">
-    <dgm:fillClrLst meth="repeat">
-      <a:schemeClr val="accent2"/>
-    </dgm:fillClrLst>
-    <dgm:linClrLst meth="repeat">
-      <a:schemeClr val="accent2"/>
-    </dgm:linClrLst>
-    <dgm:effectClrLst/>
-    <dgm:txLinClrLst/>
-    <dgm:txFillClrLst meth="repeat">
-      <a:schemeClr val="tx1"/>
-    </dgm:txFillClrLst>
-    <dgm:txEffectClrLst/>
-  </dgm:styleLbl>
-  <dgm:styleLbl name="callout">
-    <dgm:fillClrLst meth="repeat">
-      <a:schemeClr val="accent2"/>
-    </dgm:fillClrLst>
-    <dgm:linClrLst meth="repeat">
-      <a:schemeClr val="accent2"/>
-    </dgm:linClrLst>
-    <dgm:effectClrLst/>
-    <dgm:txLinClrLst/>
-    <dgm:txFillClrLst meth="repeat">
-      <a:schemeClr val="tx1"/>
-    </dgm:txFillClrLst>
-    <dgm:txEffectClrLst/>
-  </dgm:styleLbl>
-  <dgm:styleLbl name="asst0">
-    <dgm:fillClrLst meth="repeat">
-      <a:schemeClr val="lt1"/>
-    </dgm:fillClrLst>
-    <dgm:linClrLst meth="repeat">
-      <a:schemeClr val="accent2">
-        <a:shade val="80000"/>
-      </a:schemeClr>
-    </dgm:linClrLst>
-    <dgm:effectClrLst/>
-    <dgm:txLinClrLst/>
-    <dgm:txFillClrLst meth="repeat">
-      <a:schemeClr val="dk1"/>
-    </dgm:txFillClrLst>
-    <dgm:txEffectClrLst/>
-  </dgm:styleLbl>
-  <dgm:styleLbl name="asst1">
-    <dgm:fillClrLst meth="repeat">
-      <a:schemeClr val="lt1"/>
-    </dgm:fillClrLst>
-    <dgm:linClrLst meth="repeat">
-      <a:schemeClr val="accent2">
-        <a:shade val="80000"/>
-      </a:schemeClr>
-    </dgm:linClrLst>
-    <dgm:effectClrLst/>
-    <dgm:txLinClrLst/>
-    <dgm:txFillClrLst meth="repeat">
-      <a:schemeClr val="dk1"/>
-    </dgm:txFillClrLst>
-    <dgm:txEffectClrLst/>
-  </dgm:styleLbl>
-  <dgm:styleLbl name="asst2">
-    <dgm:fillClrLst meth="repeat">
-      <a:schemeClr val="lt1"/>
-    </dgm:fillClrLst>
-    <dgm:linClrLst meth="repeat">
-      <a:schemeClr val="accent2">
-        <a:shade val="80000"/>
-      </a:schemeClr>
-    </dgm:linClrLst>
-    <dgm:effectClrLst/>
-    <dgm:txLinClrLst/>
-    <dgm:txFillClrLst meth="repeat">
-      <a:schemeClr val="dk1"/>
-    </dgm:txFillClrLst>
-    <dgm:txEffectClrLst/>
-  </dgm:styleLbl>
-  <dgm:styleLbl name="asst3">
-    <dgm:fillClrLst meth="repeat">
-      <a:schemeClr val="lt1"/>
-    </dgm:fillClrLst>
-    <dgm:linClrLst meth="repeat">
-      <a:schemeClr val="accent2">
-        <a:shade val="80000"/>
-      </a:schemeClr>
-    </dgm:linClrLst>
-    <dgm:effectClrLst/>
-    <dgm:txLinClrLst/>
-    <dgm:txFillClrLst meth="repeat">
-      <a:schemeClr val="dk1"/>
-    </dgm:txFillClrLst>
-    <dgm:txEffectClrLst/>
-  </dgm:styleLbl>
-  <dgm:styleLbl name="asst4">
-    <dgm:fillClrLst meth="repeat">
-      <a:schemeClr val="lt1"/>
-    </dgm:fillClrLst>
-    <dgm:linClrLst meth="repeat">
-      <a:schemeClr val="accent2">
-        <a:shade val="80000"/>
-      </a:schemeClr>
-    </dgm:linClrLst>
-    <dgm:effectClrLst/>
-    <dgm:txLinClrLst/>
-    <dgm:txFillClrLst meth="repeat">
-      <a:schemeClr val="dk1"/>
-    </dgm:txFillClrLst>
-    <dgm:txEffectClrLst/>
-  </dgm:styleLbl>
-  <dgm:styleLbl name="parChTrans2D1">
-    <dgm:fillClrLst meth="repeat">
-      <a:schemeClr val="accent2">
-        <a:tint val="60000"/>
-      </a:schemeClr>
-    </dgm:fillClrLst>
-    <dgm:linClrLst meth="repeat">
-      <a:schemeClr val="accent2">
-        <a:tint val="60000"/>
-      </a:schemeClr>
-    </dgm:linClrLst>
-    <dgm:effectClrLst/>
-    <dgm:txLinClrLst/>
-    <dgm:txFillClrLst/>
-    <dgm:txEffectClrLst/>
-  </dgm:styleLbl>
-  <dgm:styleLbl name="parChTrans2D2">
-    <dgm:fillClrLst meth="repeat">
-      <a:schemeClr val="accent2"/>
-    </dgm:fillClrLst>
-    <dgm:linClrLst meth="repeat">
-      <a:schemeClr val="accent2"/>
-    </dgm:linClrLst>
-    <dgm:effectClrLst/>
-    <dgm:txLinClrLst/>
-    <dgm:txFillClrLst/>
-    <dgm:txEffectClrLst/>
-  </dgm:styleLbl>
-  <dgm:styleLbl name="parChTrans2D3">
-    <dgm:fillClrLst meth="repeat">
-      <a:schemeClr val="accent2"/>
-    </dgm:fillClrLst>
-    <dgm:linClrLst meth="repeat">
-      <a:schemeClr val="accent2"/>
-    </dgm:linClrLst>
-    <dgm:effectClrLst/>
-    <dgm:txLinClrLst/>
-    <dgm:txFillClrLst/>
-    <dgm:txEffectClrLst/>
-  </dgm:styleLbl>
-  <dgm:styleLbl name="parChTrans2D4">
-    <dgm:fillClrLst meth="repeat">
-      <a:schemeClr val="accent2"/>
-    </dgm:fillClrLst>
-    <dgm:linClrLst meth="repeat">
-      <a:schemeClr val="accent2"/>
-    </dgm:linClrLst>
-    <dgm:effectClrLst/>
-    <dgm:txLinClrLst/>
-    <dgm:txFillClrLst meth="repeat">
-      <a:schemeClr val="lt1"/>
-    </dgm:txFillClrLst>
-    <dgm:txEffectClrLst/>
-  </dgm:styleLbl>
-  <dgm:styleLbl name="parChTrans1D1">
-    <dgm:fillClrLst meth="repeat">
-      <a:schemeClr val="accent2"/>
-    </dgm:fillClrLst>
-    <dgm:linClrLst meth="repeat">
-      <a:schemeClr val="accent2">
-        <a:shade val="60000"/>
-      </a:schemeClr>
-    </dgm:linClrLst>
-    <dgm:effectClrLst/>
-    <dgm:txLinClrLst/>
-    <dgm:txFillClrLst meth="repeat">
-      <a:schemeClr val="tx1"/>
-    </dgm:txFillClrLst>
-    <dgm:txEffectClrLst/>
-  </dgm:styleLbl>
-  <dgm:styleLbl name="parChTrans1D2">
-    <dgm:fillClrLst meth="repeat">
-      <a:schemeClr val="accent2"/>
-    </dgm:fillClrLst>
-    <dgm:linClrLst meth="repeat">
-      <a:schemeClr val="accent2">
-        <a:shade val="60000"/>
-      </a:schemeClr>
-    </dgm:linClrLst>
-    <dgm:effectClrLst/>
-    <dgm:txLinClrLst/>
-    <dgm:txFillClrLst meth="repeat">
-      <a:schemeClr val="tx1"/>
-    </dgm:txFillClrLst>
-    <dgm:txEffectClrLst/>
-  </dgm:styleLbl>
-  <dgm:styleLbl name="parChTrans1D3">
-    <dgm:fillClrLst meth="repeat">
-      <a:schemeClr val="accent2"/>
-    </dgm:fillClrLst>
-    <dgm:linClrLst meth="repeat">
-      <a:schemeClr val="accent2">
-        <a:shade val="80000"/>
-      </a:schemeClr>
-    </dgm:linClrLst>
-    <dgm:effectClrLst/>
-    <dgm:txLinClrLst/>
-    <dgm:txFillClrLst meth="repeat">
-      <a:schemeClr val="tx1"/>
-    </dgm:txFillClrLst>
-    <dgm:txEffectClrLst/>
-  </dgm:styleLbl>
-  <dgm:styleLbl name="parChTrans1D4">
-    <dgm:fillClrLst meth="repeat">
-      <a:schemeClr val="accent2"/>
-    </dgm:fillClrLst>
-    <dgm:linClrLst meth="repeat">
-      <a:schemeClr val="accent2">
-        <a:shade val="80000"/>
-      </a:schemeClr>
-    </dgm:linClrLst>
-    <dgm:effectClrLst/>
-    <dgm:txLinClrLst/>
-    <dgm:txFillClrLst meth="repeat">
-      <a:schemeClr val="tx1"/>
-    </dgm:txFillClrLst>
-    <dgm:txEffectClrLst/>
-  </dgm:styleLbl>
-  <dgm:styleLbl name="fgAcc1">
-    <dgm:fillClrLst meth="repeat">
-      <a:schemeClr val="accent2">
-        <a:alpha val="90000"/>
-        <a:tint val="40000"/>
-      </a:schemeClr>
-    </dgm:fillClrLst>
-    <dgm:linClrLst meth="repeat">
-      <a:schemeClr val="accent2"/>
-    </dgm:linClrLst>
-    <dgm:effectClrLst/>
-    <dgm:txLinClrLst/>
-    <dgm:txFillClrLst meth="repeat">
-      <a:schemeClr val="dk1"/>
-    </dgm:txFillClrLst>
-    <dgm:txEffectClrLst/>
-  </dgm:styleLbl>
-  <dgm:styleLbl name="conFgAcc1">
-    <dgm:fillClrLst meth="repeat">
-      <a:schemeClr val="accent2">
-        <a:alpha val="90000"/>
-        <a:tint val="40000"/>
-      </a:schemeClr>
-    </dgm:fillClrLst>
-    <dgm:linClrLst meth="repeat">
-      <a:schemeClr val="accent2"/>
-    </dgm:linClrLst>
-    <dgm:effectClrLst/>
-    <dgm:txLinClrLst/>
-    <dgm:txFillClrLst meth="repeat">
-      <a:schemeClr val="dk1"/>
-    </dgm:txFillClrLst>
-    <dgm:txEffectClrLst/>
-  </dgm:styleLbl>
-  <dgm:styleLbl name="alignAcc1">
-    <dgm:fillClrLst meth="repeat">
-      <a:schemeClr val="accent2">
-        <a:alpha val="90000"/>
-        <a:tint val="40000"/>
-      </a:schemeClr>
-    </dgm:fillClrLst>
-    <dgm:linClrLst meth="repeat">
-      <a:schemeClr val="accent2"/>
-    </dgm:linClrLst>
-    <dgm:effectClrLst/>
-    <dgm:txLinClrLst/>
-    <dgm:txFillClrLst meth="repeat">
-      <a:schemeClr val="dk1"/>
-    </dgm:txFillClrLst>
-    <dgm:txEffectClrLst/>
-  </dgm:styleLbl>
-  <dgm:styleLbl name="trAlignAcc1">
-    <dgm:fillClrLst meth="repeat">
-      <a:schemeClr val="accent2">
-        <a:alpha val="40000"/>
-        <a:tint val="40000"/>
-      </a:schemeClr>
-    </dgm:fillClrLst>
-    <dgm:linClrLst meth="repeat">
-      <a:schemeClr val="accent2"/>
-    </dgm:linClrLst>
-    <dgm:effectClrLst/>
-    <dgm:txLinClrLst/>
-    <dgm:txFillClrLst meth="repeat">
-      <a:schemeClr val="dk1"/>
-    </dgm:txFillClrLst>
-    <dgm:txEffectClrLst/>
-  </dgm:styleLbl>
-  <dgm:styleLbl name="bgAcc1">
-    <dgm:fillClrLst meth="repeat">
-      <a:schemeClr val="accent2">
-        <a:alpha val="90000"/>
-        <a:tint val="40000"/>
-      </a:schemeClr>
-    </dgm:fillClrLst>
-    <dgm:linClrLst meth="repeat">
-      <a:schemeClr val="accent2"/>
-    </dgm:linClrLst>
-    <dgm:effectClrLst/>
-    <dgm:txLinClrLst/>
-    <dgm:txFillClrLst meth="repeat">
-      <a:schemeClr val="dk1"/>
-    </dgm:txFillClrLst>
-    <dgm:txEffectClrLst/>
-  </dgm:styleLbl>
-  <dgm:styleLbl name="solidFgAcc1">
-    <dgm:fillClrLst meth="repeat">
-      <a:schemeClr val="lt1"/>
-    </dgm:fillClrLst>
-    <dgm:linClrLst meth="repeat">
-      <a:schemeClr val="accent2"/>
-    </dgm:linClrLst>
-    <dgm:effectClrLst/>
-    <dgm:txLinClrLst/>
-    <dgm:txFillClrLst meth="repeat">
-      <a:schemeClr val="dk1"/>
-    </dgm:txFillClrLst>
-    <dgm:txEffectClrLst/>
-  </dgm:styleLbl>
-  <dgm:styleLbl name="solidAlignAcc1">
-    <dgm:fillClrLst meth="repeat">
-      <a:schemeClr val="lt1"/>
-    </dgm:fillClrLst>
-    <dgm:linClrLst meth="repeat">
-      <a:schemeClr val="accent2"/>
-    </dgm:linClrLst>
-    <dgm:effectClrLst/>
-    <dgm:txLinClrLst/>
-    <dgm:txFillClrLst meth="repeat">
-      <a:schemeClr val="dk1"/>
-    </dgm:txFillClrLst>
-    <dgm:txEffectClrLst/>
-  </dgm:styleLbl>
-  <dgm:styleLbl name="solidBgAcc1">
-    <dgm:fillClrLst meth="repeat">
-      <a:schemeClr val="lt1"/>
-    </dgm:fillClrLst>
-    <dgm:linClrLst meth="repeat">
-      <a:schemeClr val="accent2"/>
-    </dgm:linClrLst>
-    <dgm:effectClrLst/>
-    <dgm:txLinClrLst/>
-    <dgm:txFillClrLst meth="repeat">
-      <a:schemeClr val="dk1"/>
-    </dgm:txFillClrLst>
-    <dgm:txEffectClrLst/>
-  </dgm:styleLbl>
-  <dgm:styleLbl name="fgAccFollowNode1">
-    <dgm:fillClrLst meth="repeat">
-      <a:schemeClr val="lt1">
-        <a:alpha val="90000"/>
-        <a:tint val="40000"/>
-      </a:schemeClr>
-    </dgm:fillClrLst>
-    <dgm:linClrLst meth="repeat">
-      <a:schemeClr val="accent2">
-        <a:alpha val="90000"/>
-      </a:schemeClr>
-    </dgm:linClrLst>
-    <dgm:effectClrLst/>
-    <dgm:txLinClrLst/>
-    <dgm:txFillClrLst meth="repeat">
-      <a:schemeClr val="dk1"/>
-    </dgm:txFillClrLst>
-    <dgm:txEffectClrLst/>
-  </dgm:styleLbl>
-  <dgm:styleLbl name="alignAccFollowNode1">
-    <dgm:fillClrLst meth="repeat">
-      <a:schemeClr val="lt1">
-        <a:alpha val="90000"/>
-        <a:tint val="40000"/>
-      </a:schemeClr>
-    </dgm:fillClrLst>
-    <dgm:linClrLst meth="repeat">
-      <a:schemeClr val="accent2">
-        <a:alpha val="90000"/>
-      </a:schemeClr>
-    </dgm:linClrLst>
-    <dgm:effectClrLst/>
-    <dgm:txLinClrLst/>
-    <dgm:txFillClrLst meth="repeat">
-      <a:schemeClr val="dk1"/>
-    </dgm:txFillClrLst>
-    <dgm:txEffectClrLst/>
-  </dgm:styleLbl>
-  <dgm:styleLbl name="bgAccFollowNode1">
-    <dgm:fillClrLst meth="repeat">
-      <a:schemeClr val="lt1">
-        <a:alpha val="90000"/>
-        <a:tint val="40000"/>
-      </a:schemeClr>
-    </dgm:fillClrLst>
-    <dgm:linClrLst meth="repeat">
-      <a:schemeClr val="accent2">
-        <a:alpha val="90000"/>
-      </a:schemeClr>
-    </dgm:linClrLst>
-    <dgm:effectClrLst/>
-    <dgm:txLinClrLst/>
-    <dgm:txFillClrLst meth="repeat">
-      <a:schemeClr val="dk1"/>
-    </dgm:txFillClrLst>
-    <dgm:txEffectClrLst/>
-  </dgm:styleLbl>
-  <dgm:styleLbl name="fgAcc0">
-    <dgm:fillClrLst meth="repeat">
-      <a:schemeClr val="accent2">
-        <a:alpha val="90000"/>
-        <a:tint val="40000"/>
-      </a:schemeClr>
-    </dgm:fillClrLst>
-    <dgm:linClrLst meth="repeat">
-      <a:schemeClr val="accent2"/>
-    </dgm:linClrLst>
-    <dgm:effectClrLst/>
-    <dgm:txLinClrLst/>
-    <dgm:txFillClrLst meth="repeat">
-      <a:schemeClr val="dk1"/>
-    </dgm:txFillClrLst>
-    <dgm:txEffectClrLst/>
-  </dgm:styleLbl>
-  <dgm:styleLbl name="fgAcc2">
-    <dgm:fillClrLst meth="repeat">
-      <a:schemeClr val="accent2">
-        <a:alpha val="90000"/>
-        <a:tint val="40000"/>
-      </a:schemeClr>
-    </dgm:fillClrLst>
-    <dgm:linClrLst meth="repeat">
-      <a:schemeClr val="accent2"/>
-    </dgm:linClrLst>
-    <dgm:effectClrLst/>
-    <dgm:txLinClrLst/>
-    <dgm:txFillClrLst meth="repeat">
-      <a:schemeClr val="dk1"/>
-    </dgm:txFillClrLst>
-    <dgm:txEffectClrLst/>
-  </dgm:styleLbl>
-  <dgm:styleLbl name="fgAcc3">
-    <dgm:fillClrLst meth="repeat">
-      <a:schemeClr val="accent2">
-        <a:alpha val="90000"/>
-        <a:tint val="40000"/>
-      </a:schemeClr>
-    </dgm:fillClrLst>
-    <dgm:linClrLst meth="repeat">
-      <a:schemeClr val="accent2"/>
-    </dgm:linClrLst>
-    <dgm:effectClrLst/>
-    <dgm:txLinClrLst/>
-    <dgm:txFillClrLst meth="repeat">
-      <a:schemeClr val="dk1"/>
-    </dgm:txFillClrLst>
-    <dgm:txEffectClrLst/>
-  </dgm:styleLbl>
-  <dgm:styleLbl name="fgAcc4">
-    <dgm:fillClrLst meth="repeat">
-      <a:schemeClr val="accent2">
-        <a:alpha val="90000"/>
-        <a:tint val="40000"/>
-      </a:schemeClr>
-    </dgm:fillClrLst>
-    <dgm:linClrLst meth="repeat">
-      <a:schemeClr val="accent2"/>
-    </dgm:linClrLst>
-    <dgm:effectClrLst/>
-    <dgm:txLinClrLst/>
-    <dgm:txFillClrLst meth="repeat">
-      <a:schemeClr val="dk1"/>
-    </dgm:txFillClrLst>
-    <dgm:txEffectClrLst/>
-  </dgm:styleLbl>
-  <dgm:styleLbl name="bgShp">
-    <dgm:fillClrLst meth="repeat">
-      <a:schemeClr val="accent2">
-        <a:tint val="40000"/>
-      </a:schemeClr>
-    </dgm:fillClrLst>
-    <dgm:linClrLst meth="repeat">
-      <a:schemeClr val="accent2"/>
-    </dgm:linClrLst>
-    <dgm:effectClrLst/>
-    <dgm:txLinClrLst/>
-    <dgm:txFillClrLst meth="repeat">
-      <a:schemeClr val="dk1"/>
-    </dgm:txFillClrLst>
-    <dgm:txEffectClrLst/>
-  </dgm:styleLbl>
-  <dgm:styleLbl name="dkBgShp">
-    <dgm:fillClrLst meth="repeat">
-      <a:schemeClr val="accent2">
-        <a:shade val="80000"/>
-      </a:schemeClr>
-    </dgm:fillClrLst>
-    <dgm:linClrLst meth="repeat">
-      <a:schemeClr val="accent2"/>
-    </dgm:linClrLst>
-    <dgm:effectClrLst/>
-    <dgm:txLinClrLst/>
-    <dgm:txFillClrLst meth="repeat">
-      <a:schemeClr val="lt1"/>
-    </dgm:txFillClrLst>
-    <dgm:txEffectClrLst/>
-  </dgm:styleLbl>
-  <dgm:styleLbl name="trBgShp">
-    <dgm:fillClrLst meth="repeat">
-      <a:schemeClr val="accent2">
-        <a:tint val="50000"/>
-        <a:alpha val="40000"/>
-      </a:schemeClr>
-    </dgm:fillClrLst>
-    <dgm:linClrLst meth="repeat">
-      <a:schemeClr val="accent2"/>
-    </dgm:linClrLst>
-    <dgm:effectClrLst/>
-    <dgm:txLinClrLst/>
-    <dgm:txFillClrLst meth="repeat">
-      <a:schemeClr val="lt1"/>
-    </dgm:txFillClrLst>
-    <dgm:txEffectClrLst/>
-  </dgm:styleLbl>
-  <dgm:styleLbl name="fgShp">
-    <dgm:fillClrLst meth="repeat">
-      <a:schemeClr val="accent2">
-        <a:tint val="60000"/>
-      </a:schemeClr>
-    </dgm:fillClrLst>
-    <dgm:linClrLst meth="repeat">
-      <a:schemeClr val="lt1"/>
-    </dgm:linClrLst>
-    <dgm:effectClrLst/>
-    <dgm:txLinClrLst/>
-    <dgm:txFillClrLst meth="repeat">
-      <a:schemeClr val="dk1"/>
-    </dgm:txFillClrLst>
-    <dgm:txEffectClrLst/>
-  </dgm:styleLbl>
-  <dgm:styleLbl name="revTx">
-    <dgm:fillClrLst meth="repeat">
-      <a:schemeClr val="lt1">
-        <a:alpha val="0"/>
-      </a:schemeClr>
-    </dgm:fillClrLst>
-    <dgm:linClrLst meth="repeat">
-      <a:schemeClr val="dk1">
-        <a:alpha val="0"/>
-      </a:schemeClr>
-    </dgm:linClrLst>
-    <dgm:effectClrLst/>
-    <dgm:txLinClrLst/>
-    <dgm:txFillClrLst meth="repeat">
-      <a:schemeClr val="tx1"/>
-    </dgm:txFillClrLst>
-    <dgm:txEffectClrLst/>
-  </dgm:styleLbl>
-</dgm:colorsDef>
-</file>
-
-<file path=ppt/diagrams/data1.xml><?xml version="1.0" encoding="utf-8"?>
-<dgm:dataModel xmlns:dgm="http://schemas.openxmlformats.org/drawingml/2006/diagram" xmlns:a="http://schemas.openxmlformats.org/drawingml/2006/main">
-  <dgm:ptLst>
-    <dgm:pt modelId="{160C5714-0868-4287-90D8-28FB7BF6BD2C}" type="doc">
-      <dgm:prSet loTypeId="urn:microsoft.com/office/officeart/2017/3/layout/DropPinTimeline#2" loCatId="other" qsTypeId="urn:microsoft.com/office/officeart/2005/8/quickstyle/simple1" qsCatId="simple" csTypeId="urn:microsoft.com/office/officeart/2005/8/colors/accent2_1" csCatId="accent2" phldr="1"/>
-      <dgm:spPr/>
-      <dgm:t>
-        <a:bodyPr rtlCol="0"/>
-        <a:lstStyle/>
-        <a:p>
-          <a:pPr rtl="0"/>
-          <a:endParaRPr lang="en-GB"/>
-        </a:p>
-      </dgm:t>
-    </dgm:pt>
-    <dgm:pt modelId="{E40F4386-8831-418F-B705-2EF711FB0638}">
-      <dgm:prSet phldrT="[Text]"/>
-      <dgm:spPr/>
-      <dgm:t>
-        <a:bodyPr rtlCol="0"/>
-        <a:lstStyle/>
-        <a:p>
-          <a:pPr rtl="0"/>
-          <a:r>
-            <a:rPr lang="en-GB"/>
-            <a:t>Title</a:t>
-          </a:r>
-        </a:p>
-      </dgm:t>
-    </dgm:pt>
-    <dgm:pt modelId="{BA5DB78F-0BD1-45CF-9B96-46A70AB3D9A2}" type="parTrans" cxnId="{6DB8FFBA-487B-4E87-9D41-FD7AF2F69CF4}">
-      <dgm:prSet/>
-      <dgm:spPr/>
-      <dgm:t>
-        <a:bodyPr rtlCol="0"/>
-        <a:lstStyle/>
-        <a:p>
-          <a:pPr rtl="0"/>
-          <a:endParaRPr lang="en-GB"/>
-        </a:p>
-      </dgm:t>
-    </dgm:pt>
-    <dgm:pt modelId="{D0CAE994-5783-41EC-9711-4E1D519F3834}" type="sibTrans" cxnId="{6DB8FFBA-487B-4E87-9D41-FD7AF2F69CF4}">
-      <dgm:prSet/>
-      <dgm:spPr/>
-      <dgm:t>
-        <a:bodyPr rtlCol="0"/>
-        <a:lstStyle/>
-        <a:p>
-          <a:pPr rtl="0"/>
-          <a:endParaRPr lang="en-GB"/>
-        </a:p>
-      </dgm:t>
-    </dgm:pt>
-    <dgm:pt modelId="{9D775CEA-FB87-47C4-9A33-B679A4F91D5A}">
-      <dgm:prSet phldrT="[Text]" custT="1"/>
-      <dgm:spPr/>
-      <dgm:t>
-        <a:bodyPr rtlCol="0"/>
-        <a:lstStyle/>
-        <a:p>
-          <a:pPr rtl="0"/>
-          <a:r>
-            <a:rPr lang="en-GB" sz="1400" b="0" i="0" u="none"/>
-            <a:t>To start a presentation, go to the Slide Show tab, and select From Beginning.</a:t>
-          </a:r>
-          <a:endParaRPr lang="en-GB" sz="1400" dirty="0"/>
-        </a:p>
-      </dgm:t>
-    </dgm:pt>
-    <dgm:pt modelId="{C3B4CFE3-1417-4427-AA54-FBDCAAFFE651}" type="parTrans" cxnId="{7FD8009C-0CEB-41DE-B0CC-709282B25D15}">
-      <dgm:prSet/>
-      <dgm:spPr/>
-      <dgm:t>
-        <a:bodyPr rtlCol="0"/>
-        <a:lstStyle/>
-        <a:p>
-          <a:pPr rtl="0"/>
-          <a:endParaRPr lang="en-GB"/>
-        </a:p>
-      </dgm:t>
-    </dgm:pt>
-    <dgm:pt modelId="{DCB568C9-3C02-42D5-BA11-189A5C3024AA}" type="sibTrans" cxnId="{7FD8009C-0CEB-41DE-B0CC-709282B25D15}">
-      <dgm:prSet/>
-      <dgm:spPr/>
-      <dgm:t>
-        <a:bodyPr rtlCol="0"/>
-        <a:lstStyle/>
-        <a:p>
-          <a:pPr rtl="0"/>
-          <a:endParaRPr lang="en-GB"/>
-        </a:p>
-      </dgm:t>
-    </dgm:pt>
-    <dgm:pt modelId="{216BC4CD-18EE-4F27-8680-F1299126CE77}">
-      <dgm:prSet phldrT="[Text]"/>
-      <dgm:spPr/>
-      <dgm:t>
-        <a:bodyPr rtlCol="0"/>
-        <a:lstStyle/>
-        <a:p>
-          <a:pPr rtl="0"/>
-          <a:r>
-            <a:rPr lang="en-GB"/>
-            <a:t>Title</a:t>
-          </a:r>
-        </a:p>
-      </dgm:t>
-    </dgm:pt>
-    <dgm:pt modelId="{9035202F-34B7-4FD2-ABEC-FBF9181D08E7}" type="parTrans" cxnId="{0A3B7C5F-7735-4608-8242-E6F73844D071}">
-      <dgm:prSet/>
-      <dgm:spPr/>
-      <dgm:t>
-        <a:bodyPr rtlCol="0"/>
-        <a:lstStyle/>
-        <a:p>
-          <a:pPr rtl="0"/>
-          <a:endParaRPr lang="en-GB"/>
-        </a:p>
-      </dgm:t>
-    </dgm:pt>
-    <dgm:pt modelId="{53BD166D-91E5-487C-BD55-AC4B1FA9AFAB}" type="sibTrans" cxnId="{0A3B7C5F-7735-4608-8242-E6F73844D071}">
-      <dgm:prSet/>
-      <dgm:spPr/>
-      <dgm:t>
-        <a:bodyPr rtlCol="0"/>
-        <a:lstStyle/>
-        <a:p>
-          <a:pPr rtl="0"/>
-          <a:endParaRPr lang="en-GB"/>
-        </a:p>
-      </dgm:t>
-    </dgm:pt>
-    <dgm:pt modelId="{C9D54AD6-2B46-4A5C-8B15-6EB605017506}">
-      <dgm:prSet phldrT="[Text]" custT="1"/>
-      <dgm:spPr/>
-      <dgm:t>
-        <a:bodyPr rtlCol="0"/>
-        <a:lstStyle/>
-        <a:p>
-          <a:pPr rtl="0"/>
-          <a:r>
-            <a:rPr lang="en-GB" sz="1400" b="0" i="0" u="none"/>
-            <a:t>To start a presentation, go to the Slide Show tab, and select From Beginning.</a:t>
-          </a:r>
-          <a:endParaRPr lang="en-GB" sz="1400" dirty="0"/>
-        </a:p>
-      </dgm:t>
-    </dgm:pt>
-    <dgm:pt modelId="{F129E4C2-7904-46D3-A1B6-3961A818C015}" type="parTrans" cxnId="{792B05C2-5166-497A-B522-DD33ED15AE00}">
-      <dgm:prSet/>
-      <dgm:spPr/>
-      <dgm:t>
-        <a:bodyPr rtlCol="0"/>
-        <a:lstStyle/>
-        <a:p>
-          <a:pPr rtl="0"/>
-          <a:endParaRPr lang="en-GB"/>
-        </a:p>
-      </dgm:t>
-    </dgm:pt>
-    <dgm:pt modelId="{BF7E5694-37A7-4053-9E35-03119E673100}" type="sibTrans" cxnId="{792B05C2-5166-497A-B522-DD33ED15AE00}">
-      <dgm:prSet/>
-      <dgm:spPr/>
-      <dgm:t>
-        <a:bodyPr rtlCol="0"/>
-        <a:lstStyle/>
-        <a:p>
-          <a:pPr rtl="0"/>
-          <a:endParaRPr lang="en-GB"/>
-        </a:p>
-      </dgm:t>
-    </dgm:pt>
-    <dgm:pt modelId="{93FF5F9D-AAFA-4950-8546-6AECA4470D48}">
-      <dgm:prSet phldrT="[Text]"/>
-      <dgm:spPr/>
-      <dgm:t>
-        <a:bodyPr rtlCol="0"/>
-        <a:lstStyle/>
-        <a:p>
-          <a:pPr rtl="0"/>
-          <a:r>
-            <a:rPr lang="en-GB"/>
-            <a:t>Title</a:t>
-          </a:r>
-        </a:p>
-      </dgm:t>
-    </dgm:pt>
-    <dgm:pt modelId="{3D298734-E7B7-4677-BE81-F586C8D97438}" type="parTrans" cxnId="{06A2C4EF-834F-43FD-B45A-1554E6A68EBB}">
-      <dgm:prSet/>
-      <dgm:spPr/>
-      <dgm:t>
-        <a:bodyPr rtlCol="0"/>
-        <a:lstStyle/>
-        <a:p>
-          <a:pPr rtl="0"/>
-          <a:endParaRPr lang="en-GB"/>
-        </a:p>
-      </dgm:t>
-    </dgm:pt>
-    <dgm:pt modelId="{38F0A00F-2CCF-46E9-AA53-7C6F7D500B84}" type="sibTrans" cxnId="{06A2C4EF-834F-43FD-B45A-1554E6A68EBB}">
-      <dgm:prSet/>
-      <dgm:spPr/>
-      <dgm:t>
-        <a:bodyPr rtlCol="0"/>
-        <a:lstStyle/>
-        <a:p>
-          <a:pPr rtl="0"/>
-          <a:endParaRPr lang="en-GB"/>
-        </a:p>
-      </dgm:t>
-    </dgm:pt>
-    <dgm:pt modelId="{7C246739-132B-41AD-8DFA-A108B89D138D}">
-      <dgm:prSet phldrT="[Text]" custT="1"/>
-      <dgm:spPr/>
-      <dgm:t>
-        <a:bodyPr rtlCol="0"/>
-        <a:lstStyle/>
-        <a:p>
-          <a:pPr rtl="0"/>
-          <a:r>
-            <a:rPr lang="en-GB" sz="1400" b="0" i="0" u="none"/>
-            <a:t>During your presentation, the speaker notes are visible on your monitor, but aren't visible to the audience. </a:t>
-          </a:r>
-          <a:endParaRPr lang="en-GB" sz="1400" dirty="0"/>
-        </a:p>
-      </dgm:t>
-    </dgm:pt>
-    <dgm:pt modelId="{6DC6AB27-331E-4C02-81E1-D2DC0951F94A}" type="parTrans" cxnId="{21F68C21-0932-40ED-B3AD-15446DF383C2}">
-      <dgm:prSet/>
-      <dgm:spPr/>
-      <dgm:t>
-        <a:bodyPr rtlCol="0"/>
-        <a:lstStyle/>
-        <a:p>
-          <a:pPr rtl="0"/>
-          <a:endParaRPr lang="en-GB"/>
-        </a:p>
-      </dgm:t>
-    </dgm:pt>
-    <dgm:pt modelId="{ABE6CE27-78DF-4DFE-AE98-C519395C0138}" type="sibTrans" cxnId="{21F68C21-0932-40ED-B3AD-15446DF383C2}">
-      <dgm:prSet/>
-      <dgm:spPr/>
-      <dgm:t>
-        <a:bodyPr rtlCol="0"/>
-        <a:lstStyle/>
-        <a:p>
-          <a:pPr rtl="0"/>
-          <a:endParaRPr lang="en-GB"/>
-        </a:p>
-      </dgm:t>
-    </dgm:pt>
-    <dgm:pt modelId="{57D926EE-FF1C-4F8E-BE58-791552003389}">
-      <dgm:prSet phldrT="[Text]"/>
-      <dgm:spPr/>
-      <dgm:t>
-        <a:bodyPr rtlCol="0"/>
-        <a:lstStyle/>
-        <a:p>
-          <a:pPr rtl="0"/>
-          <a:r>
-            <a:rPr lang="en-GB"/>
-            <a:t>Title</a:t>
-          </a:r>
-        </a:p>
-      </dgm:t>
-    </dgm:pt>
-    <dgm:pt modelId="{73E44EEA-ED9D-47FC-9428-986D0A1FC4C0}" type="parTrans" cxnId="{369994A5-D668-4BAA-BAE5-4659A47CAE31}">
-      <dgm:prSet/>
-      <dgm:spPr/>
-      <dgm:t>
-        <a:bodyPr rtlCol="0"/>
-        <a:lstStyle/>
-        <a:p>
-          <a:pPr rtl="0"/>
-          <a:endParaRPr lang="en-GB"/>
-        </a:p>
-      </dgm:t>
-    </dgm:pt>
-    <dgm:pt modelId="{A8CFE573-C424-4A7A-A6DC-2CAFAF6BE4BE}" type="sibTrans" cxnId="{369994A5-D668-4BAA-BAE5-4659A47CAE31}">
-      <dgm:prSet/>
-      <dgm:spPr/>
-      <dgm:t>
-        <a:bodyPr rtlCol="0"/>
-        <a:lstStyle/>
-        <a:p>
-          <a:pPr rtl="0"/>
-          <a:endParaRPr lang="en-GB"/>
-        </a:p>
-      </dgm:t>
-    </dgm:pt>
-    <dgm:pt modelId="{C29A2877-D327-472A-B8DE-A9582740D1C4}">
-      <dgm:prSet phldrT="[Text]"/>
-      <dgm:spPr/>
-      <dgm:t>
-        <a:bodyPr rtlCol="0"/>
-        <a:lstStyle/>
-        <a:p>
-          <a:pPr rtl="0"/>
-          <a:r>
-            <a:rPr lang="en-GB"/>
-            <a:t>Title</a:t>
-          </a:r>
-        </a:p>
-      </dgm:t>
-    </dgm:pt>
-    <dgm:pt modelId="{ACB8F89D-E3F0-46D6-9FE2-0E08ED03F108}" type="parTrans" cxnId="{E06C2FA0-97C9-4115-8036-5641738523F0}">
-      <dgm:prSet/>
-      <dgm:spPr/>
-      <dgm:t>
-        <a:bodyPr rtlCol="0"/>
-        <a:lstStyle/>
-        <a:p>
-          <a:pPr rtl="0"/>
-          <a:endParaRPr lang="en-GB"/>
-        </a:p>
-      </dgm:t>
-    </dgm:pt>
-    <dgm:pt modelId="{4C9B2A60-E155-4BBB-A3EE-15AEEAA6D5C7}" type="sibTrans" cxnId="{E06C2FA0-97C9-4115-8036-5641738523F0}">
-      <dgm:prSet/>
-      <dgm:spPr/>
-      <dgm:t>
-        <a:bodyPr rtlCol="0"/>
-        <a:lstStyle/>
-        <a:p>
-          <a:pPr rtl="0"/>
-          <a:endParaRPr lang="en-GB"/>
-        </a:p>
-      </dgm:t>
-    </dgm:pt>
-    <dgm:pt modelId="{04956CC5-BC9D-4B6B-9065-8589629A4900}">
-      <dgm:prSet phldrT="[Text]" custT="1"/>
-      <dgm:spPr/>
-      <dgm:t>
-        <a:bodyPr rtlCol="0"/>
-        <a:lstStyle/>
-        <a:p>
-          <a:pPr rtl="0"/>
-          <a:r>
-            <a:rPr lang="en-GB" sz="1400" b="0" i="0" u="none"/>
-            <a:t>The Notes pane is a box that appears below each slide. Tap it to add notes. </a:t>
-          </a:r>
-          <a:endParaRPr lang="en-GB" sz="1400" dirty="0"/>
-        </a:p>
-      </dgm:t>
-    </dgm:pt>
-    <dgm:pt modelId="{EF3CCB5D-2D2B-414F-9C3E-2A98641DE75C}" type="parTrans" cxnId="{BE51D2B2-029C-4554-8705-90B588CC81C4}">
-      <dgm:prSet/>
-      <dgm:spPr/>
-      <dgm:t>
-        <a:bodyPr rtlCol="0"/>
-        <a:lstStyle/>
-        <a:p>
-          <a:pPr rtl="0"/>
-          <a:endParaRPr lang="en-GB"/>
-        </a:p>
-      </dgm:t>
-    </dgm:pt>
-    <dgm:pt modelId="{4A8BA95F-C155-4C29-BC73-64B882D2BD09}" type="sibTrans" cxnId="{BE51D2B2-029C-4554-8705-90B588CC81C4}">
-      <dgm:prSet/>
-      <dgm:spPr/>
-      <dgm:t>
-        <a:bodyPr rtlCol="0"/>
-        <a:lstStyle/>
-        <a:p>
-          <a:pPr rtl="0"/>
-          <a:endParaRPr lang="en-GB"/>
-        </a:p>
-      </dgm:t>
-    </dgm:pt>
-    <dgm:pt modelId="{25D1910D-4E8B-4393-8125-38DEB2A68B1E}">
-      <dgm:prSet phldrT="[Text]" custT="1"/>
-      <dgm:spPr/>
-      <dgm:t>
-        <a:bodyPr rtlCol="0"/>
-        <a:lstStyle/>
-        <a:p>
-          <a:pPr rtl="0"/>
-          <a:r>
-            <a:rPr lang="en-GB" sz="1400" b="0" i="0" u="none"/>
-            <a:t>If you can’t see the Notes pane or it is completely minimised, click Notes on the task bar across the bottom of the PowerPoint window.</a:t>
-          </a:r>
-          <a:endParaRPr lang="en-GB" sz="1500" dirty="0"/>
-        </a:p>
-      </dgm:t>
-    </dgm:pt>
-    <dgm:pt modelId="{71FC1CD1-8933-446D-A410-F2E5ECFCDCD4}" type="parTrans" cxnId="{D76B7430-3357-4174-8439-41EDA872EF5F}">
-      <dgm:prSet/>
-      <dgm:spPr/>
-      <dgm:t>
-        <a:bodyPr rtlCol="0"/>
-        <a:lstStyle/>
-        <a:p>
-          <a:pPr rtl="0"/>
-          <a:endParaRPr lang="en-GB"/>
-        </a:p>
-      </dgm:t>
-    </dgm:pt>
-    <dgm:pt modelId="{FD38C820-2D77-442C-81A5-3C5E08D280FF}" type="sibTrans" cxnId="{D76B7430-3357-4174-8439-41EDA872EF5F}">
-      <dgm:prSet/>
-      <dgm:spPr/>
-      <dgm:t>
-        <a:bodyPr rtlCol="0"/>
-        <a:lstStyle/>
-        <a:p>
-          <a:pPr rtl="0"/>
-          <a:endParaRPr lang="en-GB"/>
-        </a:p>
-      </dgm:t>
-    </dgm:pt>
-    <dgm:pt modelId="{407671DE-689A-4402-8922-08873E63480D}" type="pres">
-      <dgm:prSet presAssocID="{160C5714-0868-4287-90D8-28FB7BF6BD2C}" presName="root" presStyleCnt="0">
-        <dgm:presLayoutVars>
-          <dgm:chMax/>
-          <dgm:chPref/>
-          <dgm:dir/>
-          <dgm:animLvl val="lvl"/>
-        </dgm:presLayoutVars>
-      </dgm:prSet>
-      <dgm:spPr/>
-    </dgm:pt>
-    <dgm:pt modelId="{1E8C53CE-312B-400D-8E6A-4635CB4CE270}" type="pres">
-      <dgm:prSet presAssocID="{160C5714-0868-4287-90D8-28FB7BF6BD2C}" presName="divider" presStyleLbl="fgAcc1" presStyleIdx="0" presStyleCnt="6"/>
-      <dgm:spPr>
-        <a:solidFill>
-          <a:schemeClr val="accent2">
-            <a:alpha val="90000"/>
-            <a:tint val="40000"/>
-            <a:hueOff val="0"/>
-            <a:satOff val="0"/>
-            <a:lumOff val="0"/>
-            <a:alphaOff val="0"/>
-          </a:schemeClr>
-        </a:solidFill>
-        <a:ln w="12700" cap="flat" cmpd="sng" algn="ctr">
-          <a:solidFill>
-            <a:schemeClr val="accent2">
-              <a:hueOff val="0"/>
-              <a:satOff val="0"/>
-              <a:lumOff val="0"/>
-              <a:alphaOff val="0"/>
-            </a:schemeClr>
-          </a:solidFill>
-          <a:prstDash val="solid"/>
-          <a:miter lim="800000"/>
-          <a:tailEnd type="triangle" w="lg" len="lg"/>
-        </a:ln>
-        <a:effectLst/>
-      </dgm:spPr>
-    </dgm:pt>
-    <dgm:pt modelId="{46D0A0B6-99C1-4C93-9D07-D394FCD06FBC}" type="pres">
-      <dgm:prSet presAssocID="{160C5714-0868-4287-90D8-28FB7BF6BD2C}" presName="nodes" presStyleCnt="0">
-        <dgm:presLayoutVars>
-          <dgm:chMax/>
-          <dgm:chPref/>
-          <dgm:animLvl val="lvl"/>
-        </dgm:presLayoutVars>
-      </dgm:prSet>
-      <dgm:spPr/>
-    </dgm:pt>
-    <dgm:pt modelId="{54FA9F05-68DF-4858-B50D-DCEC408D98A0}" type="pres">
-      <dgm:prSet presAssocID="{E40F4386-8831-418F-B705-2EF711FB0638}" presName="composite" presStyleCnt="0"/>
-      <dgm:spPr/>
-    </dgm:pt>
-    <dgm:pt modelId="{CDDE1E5C-76D1-411D-97D4-8F1977E9842D}" type="pres">
-      <dgm:prSet presAssocID="{E40F4386-8831-418F-B705-2EF711FB0638}" presName="ConnectorPoint" presStyleLbl="lnNode1" presStyleIdx="0" presStyleCnt="5"/>
-      <dgm:spPr/>
-    </dgm:pt>
-    <dgm:pt modelId="{A3C084F2-0093-4679-BE5F-A72847C99793}" type="pres">
-      <dgm:prSet presAssocID="{E40F4386-8831-418F-B705-2EF711FB0638}" presName="DropPinPlaceHolder" presStyleCnt="0"/>
-      <dgm:spPr/>
-    </dgm:pt>
-    <dgm:pt modelId="{0A69E26B-610A-460B-8DC9-F49A37B64039}" type="pres">
-      <dgm:prSet presAssocID="{E40F4386-8831-418F-B705-2EF711FB0638}" presName="DropPin" presStyleLbl="alignNode1" presStyleIdx="0" presStyleCnt="5" custLinFactNeighborY="-3516"/>
-      <dgm:spPr/>
-    </dgm:pt>
-    <dgm:pt modelId="{0D47F3AA-634C-409F-BD69-E4BACD9CCCFA}" type="pres">
-      <dgm:prSet presAssocID="{E40F4386-8831-418F-B705-2EF711FB0638}" presName="Ellipse" presStyleLbl="fgAcc1" presStyleIdx="1" presStyleCnt="6"/>
-      <dgm:spPr>
-        <a:solidFill>
-          <a:schemeClr val="accent2">
-            <a:alpha val="90000"/>
-            <a:tint val="40000"/>
-            <a:hueOff val="0"/>
-            <a:satOff val="0"/>
-            <a:lumOff val="0"/>
-            <a:alphaOff val="0"/>
-          </a:schemeClr>
-        </a:solidFill>
-        <a:ln w="12700" cap="flat" cmpd="sng" algn="ctr">
-          <a:noFill/>
-          <a:prstDash val="solid"/>
-          <a:miter lim="800000"/>
-        </a:ln>
-        <a:effectLst/>
-      </dgm:spPr>
-    </dgm:pt>
-    <dgm:pt modelId="{A292B0A5-8BE5-4E84-8618-26EA28CFF4A3}" type="pres">
-      <dgm:prSet presAssocID="{E40F4386-8831-418F-B705-2EF711FB0638}" presName="L2TextContainer" presStyleLbl="revTx" presStyleIdx="0" presStyleCnt="10">
-        <dgm:presLayoutVars>
-          <dgm:bulletEnabled val="1"/>
-        </dgm:presLayoutVars>
-      </dgm:prSet>
-      <dgm:spPr/>
-    </dgm:pt>
-    <dgm:pt modelId="{AA393DB5-4DAB-4AB9-875A-4BE9E87DA2BF}" type="pres">
-      <dgm:prSet presAssocID="{E40F4386-8831-418F-B705-2EF711FB0638}" presName="L1TextContainer" presStyleLbl="revTx" presStyleIdx="1" presStyleCnt="10">
-        <dgm:presLayoutVars>
-          <dgm:chMax val="1"/>
-          <dgm:chPref val="1"/>
-          <dgm:bulletEnabled val="1"/>
-        </dgm:presLayoutVars>
-      </dgm:prSet>
-      <dgm:spPr/>
-    </dgm:pt>
-    <dgm:pt modelId="{D10F2BCE-B77B-4F05-95FD-A65109E5DEA0}" type="pres">
-      <dgm:prSet presAssocID="{E40F4386-8831-418F-B705-2EF711FB0638}" presName="ConnectLine" presStyleLbl="sibTrans1D1" presStyleIdx="0" presStyleCnt="5"/>
-      <dgm:spPr>
-        <a:noFill/>
-        <a:ln w="9525" cap="flat" cmpd="sng" algn="ctr">
-          <a:solidFill>
-            <a:schemeClr val="accent2">
-              <a:lumMod val="50000"/>
-            </a:schemeClr>
-          </a:solidFill>
-          <a:prstDash val="dash"/>
-          <a:miter lim="800000"/>
-        </a:ln>
-        <a:effectLst/>
-      </dgm:spPr>
-    </dgm:pt>
-    <dgm:pt modelId="{7842451D-72E5-4EF0-B35E-DA20F99FD31B}" type="pres">
-      <dgm:prSet presAssocID="{E40F4386-8831-418F-B705-2EF711FB0638}" presName="EmptyPlaceHolder" presStyleCnt="0"/>
-      <dgm:spPr/>
-    </dgm:pt>
-    <dgm:pt modelId="{B17D2C92-48C0-4F3D-88BD-E2B451D76F57}" type="pres">
-      <dgm:prSet presAssocID="{D0CAE994-5783-41EC-9711-4E1D519F3834}" presName="spaceBetweenRectangles" presStyleCnt="0"/>
-      <dgm:spPr/>
-    </dgm:pt>
-    <dgm:pt modelId="{FBE92DF5-B8E0-497C-B190-87AC73E45970}" type="pres">
-      <dgm:prSet presAssocID="{216BC4CD-18EE-4F27-8680-F1299126CE77}" presName="composite" presStyleCnt="0"/>
-      <dgm:spPr/>
-    </dgm:pt>
-    <dgm:pt modelId="{94B71067-EBEC-4112-A9D1-8B8A7A437FC8}" type="pres">
-      <dgm:prSet presAssocID="{216BC4CD-18EE-4F27-8680-F1299126CE77}" presName="ConnectorPoint" presStyleLbl="lnNode1" presStyleIdx="1" presStyleCnt="5"/>
-      <dgm:spPr/>
-    </dgm:pt>
-    <dgm:pt modelId="{7514FAA3-F485-4827-B6A2-FC89911A0BB4}" type="pres">
-      <dgm:prSet presAssocID="{216BC4CD-18EE-4F27-8680-F1299126CE77}" presName="DropPinPlaceHolder" presStyleCnt="0"/>
-      <dgm:spPr/>
-    </dgm:pt>
-    <dgm:pt modelId="{11AAD205-8152-4363-B661-3C3A26A103FF}" type="pres">
-      <dgm:prSet presAssocID="{216BC4CD-18EE-4F27-8680-F1299126CE77}" presName="DropPin" presStyleLbl="alignNode1" presStyleIdx="1" presStyleCnt="5" custLinFactNeighborY="3516"/>
-      <dgm:spPr/>
-    </dgm:pt>
-    <dgm:pt modelId="{2E4364CD-3B8A-4A42-AB11-744F4277900A}" type="pres">
-      <dgm:prSet presAssocID="{216BC4CD-18EE-4F27-8680-F1299126CE77}" presName="Ellipse" presStyleLbl="fgAcc1" presStyleIdx="2" presStyleCnt="6"/>
-      <dgm:spPr>
-        <a:solidFill>
-          <a:schemeClr val="accent2">
-            <a:alpha val="90000"/>
-            <a:tint val="40000"/>
-            <a:hueOff val="0"/>
-            <a:satOff val="0"/>
-            <a:lumOff val="0"/>
-            <a:alphaOff val="0"/>
-          </a:schemeClr>
-        </a:solidFill>
-        <a:ln w="12700" cap="flat" cmpd="sng" algn="ctr">
-          <a:noFill/>
-          <a:prstDash val="solid"/>
-          <a:miter lim="800000"/>
-        </a:ln>
-        <a:effectLst/>
-      </dgm:spPr>
-    </dgm:pt>
-    <dgm:pt modelId="{07310A89-F151-435B-963F-FD9908E8C694}" type="pres">
-      <dgm:prSet presAssocID="{216BC4CD-18EE-4F27-8680-F1299126CE77}" presName="L2TextContainer" presStyleLbl="revTx" presStyleIdx="2" presStyleCnt="10">
-        <dgm:presLayoutVars>
-          <dgm:bulletEnabled val="1"/>
-        </dgm:presLayoutVars>
-      </dgm:prSet>
-      <dgm:spPr/>
-    </dgm:pt>
-    <dgm:pt modelId="{6386BA6E-453A-41E1-ADAD-7626B92BD1BF}" type="pres">
-      <dgm:prSet presAssocID="{216BC4CD-18EE-4F27-8680-F1299126CE77}" presName="L1TextContainer" presStyleLbl="revTx" presStyleIdx="3" presStyleCnt="10">
-        <dgm:presLayoutVars>
-          <dgm:chMax val="1"/>
-          <dgm:chPref val="1"/>
-          <dgm:bulletEnabled val="1"/>
-        </dgm:presLayoutVars>
-      </dgm:prSet>
-      <dgm:spPr/>
-    </dgm:pt>
-    <dgm:pt modelId="{DB95D829-80DF-4ADA-B04C-CE92ADFB6606}" type="pres">
-      <dgm:prSet presAssocID="{216BC4CD-18EE-4F27-8680-F1299126CE77}" presName="ConnectLine" presStyleLbl="sibTrans1D1" presStyleIdx="1" presStyleCnt="5"/>
-      <dgm:spPr>
-        <a:noFill/>
-        <a:ln w="9525" cap="flat" cmpd="sng" algn="ctr">
-          <a:solidFill>
-            <a:schemeClr val="accent2">
-              <a:lumMod val="50000"/>
-            </a:schemeClr>
-          </a:solidFill>
-          <a:prstDash val="dash"/>
-          <a:miter lim="800000"/>
-        </a:ln>
-        <a:effectLst/>
-      </dgm:spPr>
-    </dgm:pt>
-    <dgm:pt modelId="{CDFB6879-D0D6-43FC-BC0B-D27687D992EB}" type="pres">
-      <dgm:prSet presAssocID="{216BC4CD-18EE-4F27-8680-F1299126CE77}" presName="EmptyPlaceHolder" presStyleCnt="0"/>
-      <dgm:spPr/>
-    </dgm:pt>
-    <dgm:pt modelId="{73F94D99-690C-4CBF-869A-EF5DD70CF6B4}" type="pres">
-      <dgm:prSet presAssocID="{53BD166D-91E5-487C-BD55-AC4B1FA9AFAB}" presName="spaceBetweenRectangles" presStyleCnt="0"/>
-      <dgm:spPr/>
-    </dgm:pt>
-    <dgm:pt modelId="{CEDC3BDA-322C-4005-A3A5-77E148865242}" type="pres">
-      <dgm:prSet presAssocID="{93FF5F9D-AAFA-4950-8546-6AECA4470D48}" presName="composite" presStyleCnt="0"/>
-      <dgm:spPr/>
-    </dgm:pt>
-    <dgm:pt modelId="{83D4573F-3CB1-4541-8BEE-E8224A8ED015}" type="pres">
-      <dgm:prSet presAssocID="{93FF5F9D-AAFA-4950-8546-6AECA4470D48}" presName="ConnectorPoint" presStyleLbl="lnNode1" presStyleIdx="2" presStyleCnt="5"/>
-      <dgm:spPr/>
-    </dgm:pt>
-    <dgm:pt modelId="{192BBF61-2B64-4E18-92EE-EF8B6030201C}" type="pres">
-      <dgm:prSet presAssocID="{93FF5F9D-AAFA-4950-8546-6AECA4470D48}" presName="DropPinPlaceHolder" presStyleCnt="0"/>
-      <dgm:spPr/>
-    </dgm:pt>
-    <dgm:pt modelId="{63CCDBCC-C40A-41AF-BB40-B20A9AB919D8}" type="pres">
-      <dgm:prSet presAssocID="{93FF5F9D-AAFA-4950-8546-6AECA4470D48}" presName="DropPin" presStyleLbl="alignNode1" presStyleIdx="2" presStyleCnt="5" custLinFactNeighborY="-3516"/>
-      <dgm:spPr/>
-    </dgm:pt>
-    <dgm:pt modelId="{C25D9000-2762-4B6C-BFD6-7B6C2D0122B9}" type="pres">
-      <dgm:prSet presAssocID="{93FF5F9D-AAFA-4950-8546-6AECA4470D48}" presName="Ellipse" presStyleLbl="fgAcc1" presStyleIdx="3" presStyleCnt="6"/>
-      <dgm:spPr>
-        <a:solidFill>
-          <a:schemeClr val="accent2">
-            <a:alpha val="90000"/>
-            <a:tint val="40000"/>
-            <a:hueOff val="0"/>
-            <a:satOff val="0"/>
-            <a:lumOff val="0"/>
-            <a:alphaOff val="0"/>
-          </a:schemeClr>
-        </a:solidFill>
-        <a:ln w="12700" cap="flat" cmpd="sng" algn="ctr">
-          <a:noFill/>
-          <a:prstDash val="solid"/>
-          <a:miter lim="800000"/>
-        </a:ln>
-        <a:effectLst/>
-      </dgm:spPr>
-    </dgm:pt>
-    <dgm:pt modelId="{C08C98A3-4322-425C-8260-4319044AFBF1}" type="pres">
-      <dgm:prSet presAssocID="{93FF5F9D-AAFA-4950-8546-6AECA4470D48}" presName="L2TextContainer" presStyleLbl="revTx" presStyleIdx="4" presStyleCnt="10">
-        <dgm:presLayoutVars>
-          <dgm:bulletEnabled val="1"/>
-        </dgm:presLayoutVars>
-      </dgm:prSet>
-      <dgm:spPr/>
-    </dgm:pt>
-    <dgm:pt modelId="{52F3B4A2-8EDD-4B40-B5F3-A1CECB56D29F}" type="pres">
-      <dgm:prSet presAssocID="{93FF5F9D-AAFA-4950-8546-6AECA4470D48}" presName="L1TextContainer" presStyleLbl="revTx" presStyleIdx="5" presStyleCnt="10">
-        <dgm:presLayoutVars>
-          <dgm:chMax val="1"/>
-          <dgm:chPref val="1"/>
-          <dgm:bulletEnabled val="1"/>
-        </dgm:presLayoutVars>
-      </dgm:prSet>
-      <dgm:spPr/>
-    </dgm:pt>
-    <dgm:pt modelId="{4A2B3FB7-F9B6-43D5-A931-C70A3750EA87}" type="pres">
-      <dgm:prSet presAssocID="{93FF5F9D-AAFA-4950-8546-6AECA4470D48}" presName="ConnectLine" presStyleLbl="sibTrans1D1" presStyleIdx="2" presStyleCnt="5"/>
-      <dgm:spPr>
-        <a:noFill/>
-        <a:ln w="9525" cap="flat" cmpd="sng" algn="ctr">
-          <a:solidFill>
-            <a:schemeClr val="accent2">
-              <a:lumMod val="50000"/>
-            </a:schemeClr>
-          </a:solidFill>
-          <a:prstDash val="dash"/>
-          <a:miter lim="800000"/>
-        </a:ln>
-        <a:effectLst/>
-      </dgm:spPr>
-    </dgm:pt>
-    <dgm:pt modelId="{BA1A1A8C-A776-4D01-B097-263B42C05CD4}" type="pres">
-      <dgm:prSet presAssocID="{93FF5F9D-AAFA-4950-8546-6AECA4470D48}" presName="EmptyPlaceHolder" presStyleCnt="0"/>
-      <dgm:spPr/>
-    </dgm:pt>
-    <dgm:pt modelId="{06E0E481-BB98-4161-9BDE-A1547F63DD20}" type="pres">
-      <dgm:prSet presAssocID="{38F0A00F-2CCF-46E9-AA53-7C6F7D500B84}" presName="spaceBetweenRectangles" presStyleCnt="0"/>
-      <dgm:spPr/>
-    </dgm:pt>
-    <dgm:pt modelId="{FB2E9D8E-3404-4E79-B215-9DBE16583FBD}" type="pres">
-      <dgm:prSet presAssocID="{57D926EE-FF1C-4F8E-BE58-791552003389}" presName="composite" presStyleCnt="0"/>
-      <dgm:spPr/>
-    </dgm:pt>
-    <dgm:pt modelId="{A4A288FA-2972-4660-B846-F0F60F21A8F3}" type="pres">
-      <dgm:prSet presAssocID="{57D926EE-FF1C-4F8E-BE58-791552003389}" presName="ConnectorPoint" presStyleLbl="lnNode1" presStyleIdx="3" presStyleCnt="5"/>
-      <dgm:spPr/>
-    </dgm:pt>
-    <dgm:pt modelId="{B00C1F6C-3838-4D06-B744-0D84C6431A13}" type="pres">
-      <dgm:prSet presAssocID="{57D926EE-FF1C-4F8E-BE58-791552003389}" presName="DropPinPlaceHolder" presStyleCnt="0"/>
-      <dgm:spPr/>
-    </dgm:pt>
-    <dgm:pt modelId="{4C5813BC-956A-4F8C-B1AA-086730732ACF}" type="pres">
-      <dgm:prSet presAssocID="{57D926EE-FF1C-4F8E-BE58-791552003389}" presName="DropPin" presStyleLbl="alignNode1" presStyleIdx="3" presStyleCnt="5" custLinFactNeighborY="3516"/>
-      <dgm:spPr/>
-    </dgm:pt>
-    <dgm:pt modelId="{30745FD9-45E6-4F2F-952E-B76E1E38EA48}" type="pres">
-      <dgm:prSet presAssocID="{57D926EE-FF1C-4F8E-BE58-791552003389}" presName="Ellipse" presStyleLbl="fgAcc1" presStyleIdx="4" presStyleCnt="6"/>
-      <dgm:spPr>
-        <a:solidFill>
-          <a:schemeClr val="accent2">
-            <a:alpha val="90000"/>
-            <a:tint val="40000"/>
-            <a:hueOff val="0"/>
-            <a:satOff val="0"/>
-            <a:lumOff val="0"/>
-            <a:alphaOff val="0"/>
-          </a:schemeClr>
-        </a:solidFill>
-        <a:ln w="12700" cap="flat" cmpd="sng" algn="ctr">
-          <a:noFill/>
-          <a:prstDash val="solid"/>
-          <a:miter lim="800000"/>
-        </a:ln>
-        <a:effectLst/>
-      </dgm:spPr>
-    </dgm:pt>
-    <dgm:pt modelId="{FA75F9D6-BA19-40B6-8EBB-F8B5A1A5DB04}" type="pres">
-      <dgm:prSet presAssocID="{57D926EE-FF1C-4F8E-BE58-791552003389}" presName="L2TextContainer" presStyleLbl="revTx" presStyleIdx="6" presStyleCnt="10">
-        <dgm:presLayoutVars>
-          <dgm:bulletEnabled val="1"/>
-        </dgm:presLayoutVars>
-      </dgm:prSet>
-      <dgm:spPr/>
-    </dgm:pt>
-    <dgm:pt modelId="{7759EFD6-8D9B-407B-BFD2-E887C01621A3}" type="pres">
-      <dgm:prSet presAssocID="{57D926EE-FF1C-4F8E-BE58-791552003389}" presName="L1TextContainer" presStyleLbl="revTx" presStyleIdx="7" presStyleCnt="10">
-        <dgm:presLayoutVars>
-          <dgm:chMax val="1"/>
-          <dgm:chPref val="1"/>
-          <dgm:bulletEnabled val="1"/>
-        </dgm:presLayoutVars>
-      </dgm:prSet>
-      <dgm:spPr/>
-    </dgm:pt>
-    <dgm:pt modelId="{87D01122-9189-4BBF-B5EB-8A13E8CADCB7}" type="pres">
-      <dgm:prSet presAssocID="{57D926EE-FF1C-4F8E-BE58-791552003389}" presName="ConnectLine" presStyleLbl="sibTrans1D1" presStyleIdx="3" presStyleCnt="5"/>
-      <dgm:spPr>
-        <a:noFill/>
-        <a:ln w="9525" cap="flat" cmpd="sng" algn="ctr">
-          <a:solidFill>
-            <a:schemeClr val="accent2">
-              <a:lumMod val="50000"/>
-            </a:schemeClr>
-          </a:solidFill>
-          <a:prstDash val="dash"/>
-          <a:miter lim="800000"/>
-        </a:ln>
-        <a:effectLst/>
-      </dgm:spPr>
-    </dgm:pt>
-    <dgm:pt modelId="{F2083E7F-8909-4F43-97E9-9BDF4D0B9596}" type="pres">
-      <dgm:prSet presAssocID="{57D926EE-FF1C-4F8E-BE58-791552003389}" presName="EmptyPlaceHolder" presStyleCnt="0"/>
-      <dgm:spPr/>
-    </dgm:pt>
-    <dgm:pt modelId="{6A29383C-57EA-4549-AEB6-87AA2F47DB91}" type="pres">
-      <dgm:prSet presAssocID="{A8CFE573-C424-4A7A-A6DC-2CAFAF6BE4BE}" presName="spaceBetweenRectangles" presStyleCnt="0"/>
-      <dgm:spPr/>
-    </dgm:pt>
-    <dgm:pt modelId="{07E7D5C7-192C-4FD4-8FDB-8367E75296B2}" type="pres">
-      <dgm:prSet presAssocID="{C29A2877-D327-472A-B8DE-A9582740D1C4}" presName="composite" presStyleCnt="0"/>
-      <dgm:spPr/>
-    </dgm:pt>
-    <dgm:pt modelId="{E5A60AEB-AC99-48F9-A630-D706383CE830}" type="pres">
-      <dgm:prSet presAssocID="{C29A2877-D327-472A-B8DE-A9582740D1C4}" presName="ConnectorPoint" presStyleLbl="lnNode1" presStyleIdx="4" presStyleCnt="5"/>
-      <dgm:spPr/>
-    </dgm:pt>
-    <dgm:pt modelId="{DAA99B08-B3AE-4897-936E-6B401AF838B8}" type="pres">
-      <dgm:prSet presAssocID="{C29A2877-D327-472A-B8DE-A9582740D1C4}" presName="DropPinPlaceHolder" presStyleCnt="0"/>
-      <dgm:spPr/>
-    </dgm:pt>
-    <dgm:pt modelId="{53AB3C40-A8F3-42AD-ACAA-EFFE0F58231C}" type="pres">
-      <dgm:prSet presAssocID="{C29A2877-D327-472A-B8DE-A9582740D1C4}" presName="DropPin" presStyleLbl="alignNode1" presStyleIdx="4" presStyleCnt="5" custLinFactNeighborY="-3516"/>
-      <dgm:spPr/>
-    </dgm:pt>
-    <dgm:pt modelId="{D2FD05BB-C8D3-4629-A36D-3F0D8E17237D}" type="pres">
-      <dgm:prSet presAssocID="{C29A2877-D327-472A-B8DE-A9582740D1C4}" presName="Ellipse" presStyleLbl="fgAcc1" presStyleIdx="5" presStyleCnt="6"/>
-      <dgm:spPr>
-        <a:solidFill>
-          <a:schemeClr val="accent2">
-            <a:alpha val="90000"/>
-            <a:tint val="40000"/>
-            <a:hueOff val="0"/>
-            <a:satOff val="0"/>
-            <a:lumOff val="0"/>
-            <a:alphaOff val="0"/>
-          </a:schemeClr>
-        </a:solidFill>
-        <a:ln w="12700" cap="flat" cmpd="sng" algn="ctr">
-          <a:noFill/>
-          <a:prstDash val="solid"/>
-          <a:miter lim="800000"/>
-        </a:ln>
-        <a:effectLst/>
-      </dgm:spPr>
-    </dgm:pt>
-    <dgm:pt modelId="{A27C66FE-A882-45CB-AA8B-D41CAAC87FCE}" type="pres">
-      <dgm:prSet presAssocID="{C29A2877-D327-472A-B8DE-A9582740D1C4}" presName="L2TextContainer" presStyleLbl="revTx" presStyleIdx="8" presStyleCnt="10">
-        <dgm:presLayoutVars>
-          <dgm:bulletEnabled val="1"/>
-        </dgm:presLayoutVars>
-      </dgm:prSet>
-      <dgm:spPr/>
-    </dgm:pt>
-    <dgm:pt modelId="{A3AC5A82-45CF-44A1-B41F-635DAC5A92BB}" type="pres">
-      <dgm:prSet presAssocID="{C29A2877-D327-472A-B8DE-A9582740D1C4}" presName="L1TextContainer" presStyleLbl="revTx" presStyleIdx="9" presStyleCnt="10">
-        <dgm:presLayoutVars>
-          <dgm:chMax val="1"/>
-          <dgm:chPref val="1"/>
-          <dgm:bulletEnabled val="1"/>
-        </dgm:presLayoutVars>
-      </dgm:prSet>
-      <dgm:spPr/>
-    </dgm:pt>
-    <dgm:pt modelId="{1513F0EC-F72E-4447-AE42-46AD1B95828E}" type="pres">
-      <dgm:prSet presAssocID="{C29A2877-D327-472A-B8DE-A9582740D1C4}" presName="ConnectLine" presStyleLbl="sibTrans1D1" presStyleIdx="4" presStyleCnt="5"/>
-      <dgm:spPr>
-        <a:noFill/>
-        <a:ln w="9525" cap="flat" cmpd="sng" algn="ctr">
-          <a:solidFill>
-            <a:schemeClr val="accent2">
-              <a:lumMod val="50000"/>
-            </a:schemeClr>
-          </a:solidFill>
-          <a:prstDash val="dash"/>
-          <a:miter lim="800000"/>
-        </a:ln>
-        <a:effectLst/>
-      </dgm:spPr>
-    </dgm:pt>
-    <dgm:pt modelId="{AEE1B82C-0846-4933-84C5-2CE9F6ABE6B4}" type="pres">
-      <dgm:prSet presAssocID="{C29A2877-D327-472A-B8DE-A9582740D1C4}" presName="EmptyPlaceHolder" presStyleCnt="0"/>
-      <dgm:spPr/>
-    </dgm:pt>
-  </dgm:ptLst>
-  <dgm:cxnLst>
-    <dgm:cxn modelId="{2F8D9110-DEE1-4530-A787-7B1F955B8D11}" type="presOf" srcId="{E40F4386-8831-418F-B705-2EF711FB0638}" destId="{AA393DB5-4DAB-4AB9-875A-4BE9E87DA2BF}" srcOrd="0" destOrd="0" presId="urn:microsoft.com/office/officeart/2017/3/layout/DropPinTimeline#2"/>
-    <dgm:cxn modelId="{21F68C21-0932-40ED-B3AD-15446DF383C2}" srcId="{93FF5F9D-AAFA-4950-8546-6AECA4470D48}" destId="{7C246739-132B-41AD-8DFA-A108B89D138D}" srcOrd="0" destOrd="0" parTransId="{6DC6AB27-331E-4C02-81E1-D2DC0951F94A}" sibTransId="{ABE6CE27-78DF-4DFE-AE98-C519395C0138}"/>
-    <dgm:cxn modelId="{D76B7430-3357-4174-8439-41EDA872EF5F}" srcId="{C29A2877-D327-472A-B8DE-A9582740D1C4}" destId="{25D1910D-4E8B-4393-8125-38DEB2A68B1E}" srcOrd="0" destOrd="0" parTransId="{71FC1CD1-8933-446D-A410-F2E5ECFCDCD4}" sibTransId="{FD38C820-2D77-442C-81A5-3C5E08D280FF}"/>
-    <dgm:cxn modelId="{10C14F34-D61A-4E98-B25B-3E085A103CE3}" type="presOf" srcId="{160C5714-0868-4287-90D8-28FB7BF6BD2C}" destId="{407671DE-689A-4402-8922-08873E63480D}" srcOrd="0" destOrd="0" presId="urn:microsoft.com/office/officeart/2017/3/layout/DropPinTimeline#2"/>
-    <dgm:cxn modelId="{0A3B7C5F-7735-4608-8242-E6F73844D071}" srcId="{160C5714-0868-4287-90D8-28FB7BF6BD2C}" destId="{216BC4CD-18EE-4F27-8680-F1299126CE77}" srcOrd="1" destOrd="0" parTransId="{9035202F-34B7-4FD2-ABEC-FBF9181D08E7}" sibTransId="{53BD166D-91E5-487C-BD55-AC4B1FA9AFAB}"/>
-    <dgm:cxn modelId="{676C0349-F2D6-4D2C-9FCF-F305471D4E59}" type="presOf" srcId="{216BC4CD-18EE-4F27-8680-F1299126CE77}" destId="{6386BA6E-453A-41E1-ADAD-7626B92BD1BF}" srcOrd="0" destOrd="0" presId="urn:microsoft.com/office/officeart/2017/3/layout/DropPinTimeline#2"/>
-    <dgm:cxn modelId="{5014994C-918A-42D4-A167-074D88DB0B7A}" type="presOf" srcId="{7C246739-132B-41AD-8DFA-A108B89D138D}" destId="{C08C98A3-4322-425C-8260-4319044AFBF1}" srcOrd="0" destOrd="0" presId="urn:microsoft.com/office/officeart/2017/3/layout/DropPinTimeline#2"/>
-    <dgm:cxn modelId="{6EE63C79-C3BB-40FB-8A21-3E84A0431EC1}" type="presOf" srcId="{04956CC5-BC9D-4B6B-9065-8589629A4900}" destId="{FA75F9D6-BA19-40B6-8EBB-F8B5A1A5DB04}" srcOrd="0" destOrd="0" presId="urn:microsoft.com/office/officeart/2017/3/layout/DropPinTimeline#2"/>
-    <dgm:cxn modelId="{D8458B8B-6A4A-41F6-A4AC-6449A963A532}" type="presOf" srcId="{57D926EE-FF1C-4F8E-BE58-791552003389}" destId="{7759EFD6-8D9B-407B-BFD2-E887C01621A3}" srcOrd="0" destOrd="0" presId="urn:microsoft.com/office/officeart/2017/3/layout/DropPinTimeline#2"/>
-    <dgm:cxn modelId="{7FD8009C-0CEB-41DE-B0CC-709282B25D15}" srcId="{E40F4386-8831-418F-B705-2EF711FB0638}" destId="{9D775CEA-FB87-47C4-9A33-B679A4F91D5A}" srcOrd="0" destOrd="0" parTransId="{C3B4CFE3-1417-4427-AA54-FBDCAAFFE651}" sibTransId="{DCB568C9-3C02-42D5-BA11-189A5C3024AA}"/>
-    <dgm:cxn modelId="{E06C2FA0-97C9-4115-8036-5641738523F0}" srcId="{160C5714-0868-4287-90D8-28FB7BF6BD2C}" destId="{C29A2877-D327-472A-B8DE-A9582740D1C4}" srcOrd="4" destOrd="0" parTransId="{ACB8F89D-E3F0-46D6-9FE2-0E08ED03F108}" sibTransId="{4C9B2A60-E155-4BBB-A3EE-15AEEAA6D5C7}"/>
-    <dgm:cxn modelId="{369994A5-D668-4BAA-BAE5-4659A47CAE31}" srcId="{160C5714-0868-4287-90D8-28FB7BF6BD2C}" destId="{57D926EE-FF1C-4F8E-BE58-791552003389}" srcOrd="3" destOrd="0" parTransId="{73E44EEA-ED9D-47FC-9428-986D0A1FC4C0}" sibTransId="{A8CFE573-C424-4A7A-A6DC-2CAFAF6BE4BE}"/>
-    <dgm:cxn modelId="{BE51D2B2-029C-4554-8705-90B588CC81C4}" srcId="{57D926EE-FF1C-4F8E-BE58-791552003389}" destId="{04956CC5-BC9D-4B6B-9065-8589629A4900}" srcOrd="0" destOrd="0" parTransId="{EF3CCB5D-2D2B-414F-9C3E-2A98641DE75C}" sibTransId="{4A8BA95F-C155-4C29-BC73-64B882D2BD09}"/>
-    <dgm:cxn modelId="{A3C550B7-D35D-4082-8B0A-7D10ADFE124B}" type="presOf" srcId="{25D1910D-4E8B-4393-8125-38DEB2A68B1E}" destId="{A27C66FE-A882-45CB-AA8B-D41CAAC87FCE}" srcOrd="0" destOrd="0" presId="urn:microsoft.com/office/officeart/2017/3/layout/DropPinTimeline#2"/>
-    <dgm:cxn modelId="{6DB8FFBA-487B-4E87-9D41-FD7AF2F69CF4}" srcId="{160C5714-0868-4287-90D8-28FB7BF6BD2C}" destId="{E40F4386-8831-418F-B705-2EF711FB0638}" srcOrd="0" destOrd="0" parTransId="{BA5DB78F-0BD1-45CF-9B96-46A70AB3D9A2}" sibTransId="{D0CAE994-5783-41EC-9711-4E1D519F3834}"/>
-    <dgm:cxn modelId="{792B05C2-5166-497A-B522-DD33ED15AE00}" srcId="{216BC4CD-18EE-4F27-8680-F1299126CE77}" destId="{C9D54AD6-2B46-4A5C-8B15-6EB605017506}" srcOrd="0" destOrd="0" parTransId="{F129E4C2-7904-46D3-A1B6-3961A818C015}" sibTransId="{BF7E5694-37A7-4053-9E35-03119E673100}"/>
-    <dgm:cxn modelId="{71FE39CF-70A2-4C21-8FB1-F54587B63FA9}" type="presOf" srcId="{9D775CEA-FB87-47C4-9A33-B679A4F91D5A}" destId="{A292B0A5-8BE5-4E84-8618-26EA28CFF4A3}" srcOrd="0" destOrd="0" presId="urn:microsoft.com/office/officeart/2017/3/layout/DropPinTimeline#2"/>
-    <dgm:cxn modelId="{300126DA-65CE-4820-8449-FCF3ECC004FE}" type="presOf" srcId="{93FF5F9D-AAFA-4950-8546-6AECA4470D48}" destId="{52F3B4A2-8EDD-4B40-B5F3-A1CECB56D29F}" srcOrd="0" destOrd="0" presId="urn:microsoft.com/office/officeart/2017/3/layout/DropPinTimeline#2"/>
-    <dgm:cxn modelId="{382E8FED-2C26-4F51-BA70-9056716C7596}" type="presOf" srcId="{C9D54AD6-2B46-4A5C-8B15-6EB605017506}" destId="{07310A89-F151-435B-963F-FD9908E8C694}" srcOrd="0" destOrd="0" presId="urn:microsoft.com/office/officeart/2017/3/layout/DropPinTimeline#2"/>
-    <dgm:cxn modelId="{06A2C4EF-834F-43FD-B45A-1554E6A68EBB}" srcId="{160C5714-0868-4287-90D8-28FB7BF6BD2C}" destId="{93FF5F9D-AAFA-4950-8546-6AECA4470D48}" srcOrd="2" destOrd="0" parTransId="{3D298734-E7B7-4677-BE81-F586C8D97438}" sibTransId="{38F0A00F-2CCF-46E9-AA53-7C6F7D500B84}"/>
-    <dgm:cxn modelId="{08E607FE-15AE-432C-8214-161F17E777E2}" type="presOf" srcId="{C29A2877-D327-472A-B8DE-A9582740D1C4}" destId="{A3AC5A82-45CF-44A1-B41F-635DAC5A92BB}" srcOrd="0" destOrd="0" presId="urn:microsoft.com/office/officeart/2017/3/layout/DropPinTimeline#2"/>
-    <dgm:cxn modelId="{6C89CD35-86C2-488C-B1B6-B8E91AB121B7}" type="presParOf" srcId="{407671DE-689A-4402-8922-08873E63480D}" destId="{1E8C53CE-312B-400D-8E6A-4635CB4CE270}" srcOrd="0" destOrd="0" presId="urn:microsoft.com/office/officeart/2017/3/layout/DropPinTimeline#2"/>
-    <dgm:cxn modelId="{F459E339-6CF5-4935-83C6-C36F4BD218C0}" type="presParOf" srcId="{407671DE-689A-4402-8922-08873E63480D}" destId="{46D0A0B6-99C1-4C93-9D07-D394FCD06FBC}" srcOrd="1" destOrd="0" presId="urn:microsoft.com/office/officeart/2017/3/layout/DropPinTimeline#2"/>
-    <dgm:cxn modelId="{6F671416-8896-48F7-9C8D-78A9E6200C9E}" type="presParOf" srcId="{46D0A0B6-99C1-4C93-9D07-D394FCD06FBC}" destId="{54FA9F05-68DF-4858-B50D-DCEC408D98A0}" srcOrd="0" destOrd="0" presId="urn:microsoft.com/office/officeart/2017/3/layout/DropPinTimeline#2"/>
-    <dgm:cxn modelId="{3C9C78E0-7D90-4559-B028-76D9854C715A}" type="presParOf" srcId="{54FA9F05-68DF-4858-B50D-DCEC408D98A0}" destId="{CDDE1E5C-76D1-411D-97D4-8F1977E9842D}" srcOrd="0" destOrd="0" presId="urn:microsoft.com/office/officeart/2017/3/layout/DropPinTimeline#2"/>
-    <dgm:cxn modelId="{F124A0A7-8845-4FD1-970D-3228C7936FA5}" type="presParOf" srcId="{54FA9F05-68DF-4858-B50D-DCEC408D98A0}" destId="{A3C084F2-0093-4679-BE5F-A72847C99793}" srcOrd="1" destOrd="0" presId="urn:microsoft.com/office/officeart/2017/3/layout/DropPinTimeline#2"/>
-    <dgm:cxn modelId="{30B266FB-6D91-48A0-8521-4B28317839A2}" type="presParOf" srcId="{A3C084F2-0093-4679-BE5F-A72847C99793}" destId="{0A69E26B-610A-460B-8DC9-F49A37B64039}" srcOrd="0" destOrd="0" presId="urn:microsoft.com/office/officeart/2017/3/layout/DropPinTimeline#2"/>
-    <dgm:cxn modelId="{8EA730A7-9BDD-4EC8-BFE3-AECA1A87608E}" type="presParOf" srcId="{A3C084F2-0093-4679-BE5F-A72847C99793}" destId="{0D47F3AA-634C-409F-BD69-E4BACD9CCCFA}" srcOrd="1" destOrd="0" presId="urn:microsoft.com/office/officeart/2017/3/layout/DropPinTimeline#2"/>
-    <dgm:cxn modelId="{AB889069-66C0-4C20-8871-9CD6DB4AAEDF}" type="presParOf" srcId="{54FA9F05-68DF-4858-B50D-DCEC408D98A0}" destId="{A292B0A5-8BE5-4E84-8618-26EA28CFF4A3}" srcOrd="2" destOrd="0" presId="urn:microsoft.com/office/officeart/2017/3/layout/DropPinTimeline#2"/>
-    <dgm:cxn modelId="{8EE28F01-EC56-49AE-AA2A-6BED9349E934}" type="presParOf" srcId="{54FA9F05-68DF-4858-B50D-DCEC408D98A0}" destId="{AA393DB5-4DAB-4AB9-875A-4BE9E87DA2BF}" srcOrd="3" destOrd="0" presId="urn:microsoft.com/office/officeart/2017/3/layout/DropPinTimeline#2"/>
-    <dgm:cxn modelId="{AD2F8BAC-CA83-42B5-B2B5-BE243F3B4F28}" type="presParOf" srcId="{54FA9F05-68DF-4858-B50D-DCEC408D98A0}" destId="{D10F2BCE-B77B-4F05-95FD-A65109E5DEA0}" srcOrd="4" destOrd="0" presId="urn:microsoft.com/office/officeart/2017/3/layout/DropPinTimeline#2"/>
-    <dgm:cxn modelId="{974311E6-8FCD-474C-869D-9C58AA2AB2CF}" type="presParOf" srcId="{54FA9F05-68DF-4858-B50D-DCEC408D98A0}" destId="{7842451D-72E5-4EF0-B35E-DA20F99FD31B}" srcOrd="5" destOrd="0" presId="urn:microsoft.com/office/officeart/2017/3/layout/DropPinTimeline#2"/>
-    <dgm:cxn modelId="{B93D1322-F8DE-4529-B816-60B23439AEB9}" type="presParOf" srcId="{46D0A0B6-99C1-4C93-9D07-D394FCD06FBC}" destId="{B17D2C92-48C0-4F3D-88BD-E2B451D76F57}" srcOrd="1" destOrd="0" presId="urn:microsoft.com/office/officeart/2017/3/layout/DropPinTimeline#2"/>
-    <dgm:cxn modelId="{595F7212-8F79-4AF4-B1FF-0AC83B4AE9B1}" type="presParOf" srcId="{46D0A0B6-99C1-4C93-9D07-D394FCD06FBC}" destId="{FBE92DF5-B8E0-497C-B190-87AC73E45970}" srcOrd="2" destOrd="0" presId="urn:microsoft.com/office/officeart/2017/3/layout/DropPinTimeline#2"/>
-    <dgm:cxn modelId="{434F4C38-C0FC-417D-9B39-5099EDEEE6AF}" type="presParOf" srcId="{FBE92DF5-B8E0-497C-B190-87AC73E45970}" destId="{94B71067-EBEC-4112-A9D1-8B8A7A437FC8}" srcOrd="0" destOrd="0" presId="urn:microsoft.com/office/officeart/2017/3/layout/DropPinTimeline#2"/>
-    <dgm:cxn modelId="{02D4C1E5-049A-416A-B437-DBE3A8F2ECB9}" type="presParOf" srcId="{FBE92DF5-B8E0-497C-B190-87AC73E45970}" destId="{7514FAA3-F485-4827-B6A2-FC89911A0BB4}" srcOrd="1" destOrd="0" presId="urn:microsoft.com/office/officeart/2017/3/layout/DropPinTimeline#2"/>
-    <dgm:cxn modelId="{7253F39D-0DDC-4FD9-AFC0-83404612483E}" type="presParOf" srcId="{7514FAA3-F485-4827-B6A2-FC89911A0BB4}" destId="{11AAD205-8152-4363-B661-3C3A26A103FF}" srcOrd="0" destOrd="0" presId="urn:microsoft.com/office/officeart/2017/3/layout/DropPinTimeline#2"/>
-    <dgm:cxn modelId="{D0BF01F7-A241-4AFA-B343-C9675FA7C34B}" type="presParOf" srcId="{7514FAA3-F485-4827-B6A2-FC89911A0BB4}" destId="{2E4364CD-3B8A-4A42-AB11-744F4277900A}" srcOrd="1" destOrd="0" presId="urn:microsoft.com/office/officeart/2017/3/layout/DropPinTimeline#2"/>
-    <dgm:cxn modelId="{5C867F54-5644-46E9-BC8E-EA7641189546}" type="presParOf" srcId="{FBE92DF5-B8E0-497C-B190-87AC73E45970}" destId="{07310A89-F151-435B-963F-FD9908E8C694}" srcOrd="2" destOrd="0" presId="urn:microsoft.com/office/officeart/2017/3/layout/DropPinTimeline#2"/>
-    <dgm:cxn modelId="{F1511C53-DEAF-428E-BBAD-152AEB55E9D3}" type="presParOf" srcId="{FBE92DF5-B8E0-497C-B190-87AC73E45970}" destId="{6386BA6E-453A-41E1-ADAD-7626B92BD1BF}" srcOrd="3" destOrd="0" presId="urn:microsoft.com/office/officeart/2017/3/layout/DropPinTimeline#2"/>
-    <dgm:cxn modelId="{1B62D03D-1AE0-4F33-89E7-3D0A353803F6}" type="presParOf" srcId="{FBE92DF5-B8E0-497C-B190-87AC73E45970}" destId="{DB95D829-80DF-4ADA-B04C-CE92ADFB6606}" srcOrd="4" destOrd="0" presId="urn:microsoft.com/office/officeart/2017/3/layout/DropPinTimeline#2"/>
-    <dgm:cxn modelId="{48A92201-C498-4CC2-8D33-EA76DB90ACB5}" type="presParOf" srcId="{FBE92DF5-B8E0-497C-B190-87AC73E45970}" destId="{CDFB6879-D0D6-43FC-BC0B-D27687D992EB}" srcOrd="5" destOrd="0" presId="urn:microsoft.com/office/officeart/2017/3/layout/DropPinTimeline#2"/>
-    <dgm:cxn modelId="{D5D63A18-1518-429A-AB02-5016F347C211}" type="presParOf" srcId="{46D0A0B6-99C1-4C93-9D07-D394FCD06FBC}" destId="{73F94D99-690C-4CBF-869A-EF5DD70CF6B4}" srcOrd="3" destOrd="0" presId="urn:microsoft.com/office/officeart/2017/3/layout/DropPinTimeline#2"/>
-    <dgm:cxn modelId="{142AC4D7-5C4C-4E46-BF7E-0B965E0F52C1}" type="presParOf" srcId="{46D0A0B6-99C1-4C93-9D07-D394FCD06FBC}" destId="{CEDC3BDA-322C-4005-A3A5-77E148865242}" srcOrd="4" destOrd="0" presId="urn:microsoft.com/office/officeart/2017/3/layout/DropPinTimeline#2"/>
-    <dgm:cxn modelId="{7A85A911-4730-450E-BBAF-1819B73DC3C7}" type="presParOf" srcId="{CEDC3BDA-322C-4005-A3A5-77E148865242}" destId="{83D4573F-3CB1-4541-8BEE-E8224A8ED015}" srcOrd="0" destOrd="0" presId="urn:microsoft.com/office/officeart/2017/3/layout/DropPinTimeline#2"/>
-    <dgm:cxn modelId="{185C458B-2BC9-4C68-BFC3-CAD51CD716F1}" type="presParOf" srcId="{CEDC3BDA-322C-4005-A3A5-77E148865242}" destId="{192BBF61-2B64-4E18-92EE-EF8B6030201C}" srcOrd="1" destOrd="0" presId="urn:microsoft.com/office/officeart/2017/3/layout/DropPinTimeline#2"/>
-    <dgm:cxn modelId="{F317F21D-B461-4C78-9610-E3909525DD39}" type="presParOf" srcId="{192BBF61-2B64-4E18-92EE-EF8B6030201C}" destId="{63CCDBCC-C40A-41AF-BB40-B20A9AB919D8}" srcOrd="0" destOrd="0" presId="urn:microsoft.com/office/officeart/2017/3/layout/DropPinTimeline#2"/>
-    <dgm:cxn modelId="{A53C25CC-754C-4C2C-AC2B-FA5244A4187C}" type="presParOf" srcId="{192BBF61-2B64-4E18-92EE-EF8B6030201C}" destId="{C25D9000-2762-4B6C-BFD6-7B6C2D0122B9}" srcOrd="1" destOrd="0" presId="urn:microsoft.com/office/officeart/2017/3/layout/DropPinTimeline#2"/>
-    <dgm:cxn modelId="{14F9ABB0-B0E9-4CC3-8676-EC0DE9EF0D9A}" type="presParOf" srcId="{CEDC3BDA-322C-4005-A3A5-77E148865242}" destId="{C08C98A3-4322-425C-8260-4319044AFBF1}" srcOrd="2" destOrd="0" presId="urn:microsoft.com/office/officeart/2017/3/layout/DropPinTimeline#2"/>
-    <dgm:cxn modelId="{6664A547-22FC-4194-9E56-BD20A082C8B5}" type="presParOf" srcId="{CEDC3BDA-322C-4005-A3A5-77E148865242}" destId="{52F3B4A2-8EDD-4B40-B5F3-A1CECB56D29F}" srcOrd="3" destOrd="0" presId="urn:microsoft.com/office/officeart/2017/3/layout/DropPinTimeline#2"/>
-    <dgm:cxn modelId="{4EDC28BC-D823-4911-9A32-7CEA0779224F}" type="presParOf" srcId="{CEDC3BDA-322C-4005-A3A5-77E148865242}" destId="{4A2B3FB7-F9B6-43D5-A931-C70A3750EA87}" srcOrd="4" destOrd="0" presId="urn:microsoft.com/office/officeart/2017/3/layout/DropPinTimeline#2"/>
-    <dgm:cxn modelId="{4FF873D1-57F2-4835-BC51-E337A4EA4241}" type="presParOf" srcId="{CEDC3BDA-322C-4005-A3A5-77E148865242}" destId="{BA1A1A8C-A776-4D01-B097-263B42C05CD4}" srcOrd="5" destOrd="0" presId="urn:microsoft.com/office/officeart/2017/3/layout/DropPinTimeline#2"/>
-    <dgm:cxn modelId="{3B6D012D-455F-4006-A536-A6C4353C2052}" type="presParOf" srcId="{46D0A0B6-99C1-4C93-9D07-D394FCD06FBC}" destId="{06E0E481-BB98-4161-9BDE-A1547F63DD20}" srcOrd="5" destOrd="0" presId="urn:microsoft.com/office/officeart/2017/3/layout/DropPinTimeline#2"/>
-    <dgm:cxn modelId="{C6A89C30-6AD3-4D93-A6B6-89620029568F}" type="presParOf" srcId="{46D0A0B6-99C1-4C93-9D07-D394FCD06FBC}" destId="{FB2E9D8E-3404-4E79-B215-9DBE16583FBD}" srcOrd="6" destOrd="0" presId="urn:microsoft.com/office/officeart/2017/3/layout/DropPinTimeline#2"/>
-    <dgm:cxn modelId="{0BA6FAD4-C82F-4CF2-B050-BC6402D72317}" type="presParOf" srcId="{FB2E9D8E-3404-4E79-B215-9DBE16583FBD}" destId="{A4A288FA-2972-4660-B846-F0F60F21A8F3}" srcOrd="0" destOrd="0" presId="urn:microsoft.com/office/officeart/2017/3/layout/DropPinTimeline#2"/>
-    <dgm:cxn modelId="{D827CF64-DAAB-46B4-AAE8-CAC4EDF45D65}" type="presParOf" srcId="{FB2E9D8E-3404-4E79-B215-9DBE16583FBD}" destId="{B00C1F6C-3838-4D06-B744-0D84C6431A13}" srcOrd="1" destOrd="0" presId="urn:microsoft.com/office/officeart/2017/3/layout/DropPinTimeline#2"/>
-    <dgm:cxn modelId="{B6F441BE-7CC5-4BA2-AD5C-E397940C8C56}" type="presParOf" srcId="{B00C1F6C-3838-4D06-B744-0D84C6431A13}" destId="{4C5813BC-956A-4F8C-B1AA-086730732ACF}" srcOrd="0" destOrd="0" presId="urn:microsoft.com/office/officeart/2017/3/layout/DropPinTimeline#2"/>
-    <dgm:cxn modelId="{942C4F31-20BC-4420-856C-1100353964F4}" type="presParOf" srcId="{B00C1F6C-3838-4D06-B744-0D84C6431A13}" destId="{30745FD9-45E6-4F2F-952E-B76E1E38EA48}" srcOrd="1" destOrd="0" presId="urn:microsoft.com/office/officeart/2017/3/layout/DropPinTimeline#2"/>
-    <dgm:cxn modelId="{D0CD9DFA-2FB2-44B9-8DE3-5F6532133847}" type="presParOf" srcId="{FB2E9D8E-3404-4E79-B215-9DBE16583FBD}" destId="{FA75F9D6-BA19-40B6-8EBB-F8B5A1A5DB04}" srcOrd="2" destOrd="0" presId="urn:microsoft.com/office/officeart/2017/3/layout/DropPinTimeline#2"/>
-    <dgm:cxn modelId="{D679C82D-63E2-463C-9A92-3904D69176C2}" type="presParOf" srcId="{FB2E9D8E-3404-4E79-B215-9DBE16583FBD}" destId="{7759EFD6-8D9B-407B-BFD2-E887C01621A3}" srcOrd="3" destOrd="0" presId="urn:microsoft.com/office/officeart/2017/3/layout/DropPinTimeline#2"/>
-    <dgm:cxn modelId="{EC658906-BA2C-4173-BD0D-D9C187057EC8}" type="presParOf" srcId="{FB2E9D8E-3404-4E79-B215-9DBE16583FBD}" destId="{87D01122-9189-4BBF-B5EB-8A13E8CADCB7}" srcOrd="4" destOrd="0" presId="urn:microsoft.com/office/officeart/2017/3/layout/DropPinTimeline#2"/>
-    <dgm:cxn modelId="{C5AA415B-AF76-4B6A-AE9F-5AF709639D9B}" type="presParOf" srcId="{FB2E9D8E-3404-4E79-B215-9DBE16583FBD}" destId="{F2083E7F-8909-4F43-97E9-9BDF4D0B9596}" srcOrd="5" destOrd="0" presId="urn:microsoft.com/office/officeart/2017/3/layout/DropPinTimeline#2"/>
-    <dgm:cxn modelId="{E1E1593E-C8C5-4C96-A007-7871FDFD795F}" type="presParOf" srcId="{46D0A0B6-99C1-4C93-9D07-D394FCD06FBC}" destId="{6A29383C-57EA-4549-AEB6-87AA2F47DB91}" srcOrd="7" destOrd="0" presId="urn:microsoft.com/office/officeart/2017/3/layout/DropPinTimeline#2"/>
-    <dgm:cxn modelId="{5E6C8F40-D55B-4CFE-845F-72F885373850}" type="presParOf" srcId="{46D0A0B6-99C1-4C93-9D07-D394FCD06FBC}" destId="{07E7D5C7-192C-4FD4-8FDB-8367E75296B2}" srcOrd="8" destOrd="0" presId="urn:microsoft.com/office/officeart/2017/3/layout/DropPinTimeline#2"/>
-    <dgm:cxn modelId="{A0B36C88-2CD6-4929-A7AC-59DF384FF4AE}" type="presParOf" srcId="{07E7D5C7-192C-4FD4-8FDB-8367E75296B2}" destId="{E5A60AEB-AC99-48F9-A630-D706383CE830}" srcOrd="0" destOrd="0" presId="urn:microsoft.com/office/officeart/2017/3/layout/DropPinTimeline#2"/>
-    <dgm:cxn modelId="{FD306634-A80C-4523-BBE1-D7866903FDDF}" type="presParOf" srcId="{07E7D5C7-192C-4FD4-8FDB-8367E75296B2}" destId="{DAA99B08-B3AE-4897-936E-6B401AF838B8}" srcOrd="1" destOrd="0" presId="urn:microsoft.com/office/officeart/2017/3/layout/DropPinTimeline#2"/>
-    <dgm:cxn modelId="{F28D313F-CFB9-48AB-8BB0-83AE20F069ED}" type="presParOf" srcId="{DAA99B08-B3AE-4897-936E-6B401AF838B8}" destId="{53AB3C40-A8F3-42AD-ACAA-EFFE0F58231C}" srcOrd="0" destOrd="0" presId="urn:microsoft.com/office/officeart/2017/3/layout/DropPinTimeline#2"/>
-    <dgm:cxn modelId="{3068948A-D087-458D-BC9B-5989E89D823C}" type="presParOf" srcId="{DAA99B08-B3AE-4897-936E-6B401AF838B8}" destId="{D2FD05BB-C8D3-4629-A36D-3F0D8E17237D}" srcOrd="1" destOrd="0" presId="urn:microsoft.com/office/officeart/2017/3/layout/DropPinTimeline#2"/>
-    <dgm:cxn modelId="{CC2FFC25-F039-45DE-9081-1A23B9F0EE07}" type="presParOf" srcId="{07E7D5C7-192C-4FD4-8FDB-8367E75296B2}" destId="{A27C66FE-A882-45CB-AA8B-D41CAAC87FCE}" srcOrd="2" destOrd="0" presId="urn:microsoft.com/office/officeart/2017/3/layout/DropPinTimeline#2"/>
-    <dgm:cxn modelId="{55086221-BF52-4988-BFDC-9AFFA91F7ADC}" type="presParOf" srcId="{07E7D5C7-192C-4FD4-8FDB-8367E75296B2}" destId="{A3AC5A82-45CF-44A1-B41F-635DAC5A92BB}" srcOrd="3" destOrd="0" presId="urn:microsoft.com/office/officeart/2017/3/layout/DropPinTimeline#2"/>
-    <dgm:cxn modelId="{E35186B6-D3D9-4D2D-A30A-5D6398D7DCAF}" type="presParOf" srcId="{07E7D5C7-192C-4FD4-8FDB-8367E75296B2}" destId="{1513F0EC-F72E-4447-AE42-46AD1B95828E}" srcOrd="4" destOrd="0" presId="urn:microsoft.com/office/officeart/2017/3/layout/DropPinTimeline#2"/>
-    <dgm:cxn modelId="{5246CFDA-A2E7-400D-984B-A14DF13E2A13}" type="presParOf" srcId="{07E7D5C7-192C-4FD4-8FDB-8367E75296B2}" destId="{AEE1B82C-0846-4933-84C5-2CE9F6ABE6B4}" srcOrd="5" destOrd="0" presId="urn:microsoft.com/office/officeart/2017/3/layout/DropPinTimeline#2"/>
-  </dgm:cxnLst>
-  <dgm:bg/>
-  <dgm:whole/>
-  <dgm:extLst>
-    <a:ext uri="http://schemas.microsoft.com/office/drawing/2008/diagram">
-      <dsp:dataModelExt xmlns:dsp="http://schemas.microsoft.com/office/drawing/2008/diagram" relId="rId6" minVer="http://schemas.openxmlformats.org/drawingml/2006/diagram"/>
-    </a:ext>
-  </dgm:extLst>
-</dgm:dataModel>
-</file>
-
-<file path=ppt/diagrams/drawing1.xml><?xml version="1.0" encoding="utf-8"?>
-<dsp:drawing xmlns:dgm="http://schemas.openxmlformats.org/drawingml/2006/diagram" xmlns:dsp="http://schemas.microsoft.com/office/drawing/2008/diagram" xmlns:a="http://schemas.openxmlformats.org/drawingml/2006/main">
-  <dsp:spTree>
-    <dsp:nvGrpSpPr>
-      <dsp:cNvPr id="0" name=""/>
-      <dsp:cNvGrpSpPr/>
-    </dsp:nvGrpSpPr>
-    <dsp:grpSpPr/>
-    <dsp:sp modelId="{1E8C53CE-312B-400D-8E6A-4635CB4CE270}">
-      <dsp:nvSpPr>
-        <dsp:cNvPr id="0" name=""/>
-        <dsp:cNvSpPr/>
-      </dsp:nvSpPr>
-      <dsp:spPr>
-        <a:xfrm>
-          <a:off x="0" y="2175669"/>
-          <a:ext cx="10693400" cy="0"/>
-        </a:xfrm>
-        <a:prstGeom prst="line">
-          <a:avLst/>
-        </a:prstGeom>
-        <a:solidFill>
-          <a:schemeClr val="accent2">
-            <a:alpha val="90000"/>
-            <a:tint val="40000"/>
-            <a:hueOff val="0"/>
-            <a:satOff val="0"/>
-            <a:lumOff val="0"/>
-            <a:alphaOff val="0"/>
-          </a:schemeClr>
-        </a:solidFill>
-        <a:ln w="12700" cap="flat" cmpd="sng" algn="ctr">
-          <a:solidFill>
-            <a:schemeClr val="accent2">
-              <a:hueOff val="0"/>
-              <a:satOff val="0"/>
-              <a:lumOff val="0"/>
-              <a:alphaOff val="0"/>
-            </a:schemeClr>
-          </a:solidFill>
-          <a:prstDash val="solid"/>
-          <a:miter lim="800000"/>
-          <a:tailEnd type="triangle" w="lg" len="lg"/>
-        </a:ln>
-        <a:effectLst/>
-      </dsp:spPr>
-      <dsp:style>
-        <a:lnRef idx="2">
-          <a:scrgbClr r="0" g="0" b="0"/>
-        </a:lnRef>
-        <a:fillRef idx="1">
-          <a:scrgbClr r="0" g="0" b="0"/>
-        </a:fillRef>
-        <a:effectRef idx="0">
-          <a:scrgbClr r="0" g="0" b="0"/>
-        </a:effectRef>
-        <a:fontRef idx="minor"/>
-      </dsp:style>
-    </dsp:sp>
-    <dsp:sp modelId="{0A69E26B-610A-460B-8DC9-F49A37B64039}">
-      <dsp:nvSpPr>
-        <dsp:cNvPr id="0" name=""/>
-        <dsp:cNvSpPr/>
-      </dsp:nvSpPr>
-      <dsp:spPr>
-        <a:xfrm rot="8100000">
-          <a:off x="166287" y="487298"/>
-          <a:ext cx="316387" cy="316387"/>
-        </a:xfrm>
-        <a:prstGeom prst="teardrop">
-          <a:avLst>
-            <a:gd name="adj" fmla="val 115000"/>
-          </a:avLst>
-        </a:prstGeom>
-        <a:solidFill>
-          <a:schemeClr val="lt1">
-            <a:hueOff val="0"/>
-            <a:satOff val="0"/>
-            <a:lumOff val="0"/>
-            <a:alphaOff val="0"/>
-          </a:schemeClr>
-        </a:solidFill>
-        <a:ln w="12700" cap="flat" cmpd="sng" algn="ctr">
-          <a:solidFill>
-            <a:schemeClr val="accent2">
-              <a:shade val="80000"/>
-              <a:hueOff val="0"/>
-              <a:satOff val="0"/>
-              <a:lumOff val="0"/>
-              <a:alphaOff val="0"/>
-            </a:schemeClr>
-          </a:solidFill>
-          <a:prstDash val="solid"/>
-          <a:miter lim="800000"/>
-        </a:ln>
-        <a:effectLst/>
-      </dsp:spPr>
-      <dsp:style>
-        <a:lnRef idx="2">
-          <a:scrgbClr r="0" g="0" b="0"/>
-        </a:lnRef>
-        <a:fillRef idx="1">
-          <a:scrgbClr r="0" g="0" b="0"/>
-        </a:fillRef>
-        <a:effectRef idx="0">
-          <a:scrgbClr r="0" g="0" b="0"/>
-        </a:effectRef>
-        <a:fontRef idx="minor">
-          <a:schemeClr val="lt1"/>
-        </a:fontRef>
-      </dsp:style>
-    </dsp:sp>
-    <dsp:sp modelId="{0D47F3AA-634C-409F-BD69-E4BACD9CCCFA}">
-      <dsp:nvSpPr>
-        <dsp:cNvPr id="0" name=""/>
-        <dsp:cNvSpPr/>
-      </dsp:nvSpPr>
-      <dsp:spPr>
-        <a:xfrm>
-          <a:off x="201435" y="522446"/>
-          <a:ext cx="246091" cy="246091"/>
-        </a:xfrm>
-        <a:prstGeom prst="ellipse">
-          <a:avLst/>
-        </a:prstGeom>
-        <a:solidFill>
-          <a:schemeClr val="accent2">
-            <a:alpha val="90000"/>
-            <a:tint val="40000"/>
-            <a:hueOff val="0"/>
-            <a:satOff val="0"/>
-            <a:lumOff val="0"/>
-            <a:alphaOff val="0"/>
-          </a:schemeClr>
-        </a:solidFill>
-        <a:ln w="12700" cap="flat" cmpd="sng" algn="ctr">
-          <a:noFill/>
-          <a:prstDash val="solid"/>
-          <a:miter lim="800000"/>
-        </a:ln>
-        <a:effectLst/>
-      </dsp:spPr>
-      <dsp:style>
-        <a:lnRef idx="2">
-          <a:scrgbClr r="0" g="0" b="0"/>
-        </a:lnRef>
-        <a:fillRef idx="1">
-          <a:scrgbClr r="0" g="0" b="0"/>
-        </a:fillRef>
-        <a:effectRef idx="0">
-          <a:scrgbClr r="0" g="0" b="0"/>
-        </a:effectRef>
-        <a:fontRef idx="minor"/>
-      </dsp:style>
-    </dsp:sp>
-    <dsp:sp modelId="{A292B0A5-8BE5-4E84-8618-26EA28CFF4A3}">
-      <dsp:nvSpPr>
-        <dsp:cNvPr id="0" name=""/>
-        <dsp:cNvSpPr/>
-      </dsp:nvSpPr>
-      <dsp:spPr>
-        <a:xfrm>
-          <a:off x="548200" y="887672"/>
-          <a:ext cx="2932566" cy="1287996"/>
-        </a:xfrm>
-        <a:prstGeom prst="rect">
-          <a:avLst/>
-        </a:prstGeom>
-        <a:noFill/>
-        <a:ln>
-          <a:noFill/>
-        </a:ln>
-        <a:effectLst/>
-      </dsp:spPr>
-      <dsp:style>
-        <a:lnRef idx="0">
-          <a:scrgbClr r="0" g="0" b="0"/>
-        </a:lnRef>
-        <a:fillRef idx="0">
-          <a:scrgbClr r="0" g="0" b="0"/>
-        </a:fillRef>
-        <a:effectRef idx="0">
-          <a:scrgbClr r="0" g="0" b="0"/>
-        </a:effectRef>
-        <a:fontRef idx="minor"/>
-      </dsp:style>
-      <dsp:txBody>
-        <a:bodyPr spcFirstLastPara="0" vert="horz" wrap="square" lIns="0" tIns="27263" rIns="0" bIns="27263" numCol="1" spcCol="1270" rtlCol="0" anchor="t" anchorCtr="0">
-          <a:noAutofit/>
-        </a:bodyPr>
-        <a:lstStyle/>
-        <a:p>
-          <a:pPr marL="0" lvl="0" indent="0" algn="l" defTabSz="622300" rtl="0">
-            <a:lnSpc>
-              <a:spcPct val="90000"/>
-            </a:lnSpc>
-            <a:spcBef>
-              <a:spcPct val="0"/>
-            </a:spcBef>
-            <a:spcAft>
-              <a:spcPct val="35000"/>
-            </a:spcAft>
-            <a:buNone/>
-          </a:pPr>
-          <a:r>
-            <a:rPr lang="en-GB" sz="1400" b="0" i="0" u="none" kern="1200"/>
-            <a:t>To start a presentation, go to the Slide Show tab, and select From Beginning.</a:t>
-          </a:r>
-          <a:endParaRPr lang="en-GB" sz="1400" kern="1200" dirty="0"/>
-        </a:p>
-      </dsp:txBody>
-      <dsp:txXfrm>
-        <a:off x="548200" y="887672"/>
-        <a:ext cx="2932566" cy="1287996"/>
-      </dsp:txXfrm>
-    </dsp:sp>
-    <dsp:sp modelId="{AA393DB5-4DAB-4AB9-875A-4BE9E87DA2BF}">
-      <dsp:nvSpPr>
-        <dsp:cNvPr id="0" name=""/>
-        <dsp:cNvSpPr/>
-      </dsp:nvSpPr>
-      <dsp:spPr>
-        <a:xfrm>
-          <a:off x="548200" y="435133"/>
-          <a:ext cx="2932566" cy="452539"/>
-        </a:xfrm>
-        <a:prstGeom prst="rect">
-          <a:avLst/>
-        </a:prstGeom>
-        <a:noFill/>
-        <a:ln>
-          <a:noFill/>
-        </a:ln>
-        <a:effectLst/>
-      </dsp:spPr>
-      <dsp:style>
-        <a:lnRef idx="0">
-          <a:scrgbClr r="0" g="0" b="0"/>
-        </a:lnRef>
-        <a:fillRef idx="0">
-          <a:scrgbClr r="0" g="0" b="0"/>
-        </a:fillRef>
-        <a:effectRef idx="0">
-          <a:scrgbClr r="0" g="0" b="0"/>
-        </a:effectRef>
-        <a:fontRef idx="minor"/>
-      </dsp:style>
-      <dsp:txBody>
-        <a:bodyPr spcFirstLastPara="0" vert="horz" wrap="square" lIns="0" tIns="0" rIns="0" bIns="0" numCol="1" spcCol="1270" rtlCol="0" anchor="ctr" anchorCtr="0">
-          <a:noAutofit/>
-        </a:bodyPr>
-        <a:lstStyle/>
-        <a:p>
-          <a:pPr marL="0" lvl="0" indent="0" algn="l" defTabSz="889000" rtl="0">
-            <a:lnSpc>
-              <a:spcPct val="90000"/>
-            </a:lnSpc>
-            <a:spcBef>
-              <a:spcPct val="0"/>
-            </a:spcBef>
-            <a:spcAft>
-              <a:spcPct val="35000"/>
-            </a:spcAft>
-            <a:buNone/>
-          </a:pPr>
-          <a:r>
-            <a:rPr lang="en-GB" sz="2000" kern="1200"/>
-            <a:t>Title</a:t>
-          </a:r>
-        </a:p>
-      </dsp:txBody>
-      <dsp:txXfrm>
-        <a:off x="548200" y="435133"/>
-        <a:ext cx="2932566" cy="452539"/>
-      </dsp:txXfrm>
-    </dsp:sp>
-    <dsp:sp modelId="{D10F2BCE-B77B-4F05-95FD-A65109E5DEA0}">
-      <dsp:nvSpPr>
-        <dsp:cNvPr id="0" name=""/>
-        <dsp:cNvSpPr/>
-      </dsp:nvSpPr>
-      <dsp:spPr>
-        <a:xfrm>
-          <a:off x="324480" y="887672"/>
-          <a:ext cx="0" cy="1287996"/>
-        </a:xfrm>
-        <a:prstGeom prst="line">
-          <a:avLst/>
-        </a:prstGeom>
-        <a:noFill/>
-        <a:ln w="9525" cap="flat" cmpd="sng" algn="ctr">
-          <a:solidFill>
-            <a:schemeClr val="accent2">
-              <a:lumMod val="50000"/>
-            </a:schemeClr>
-          </a:solidFill>
-          <a:prstDash val="dash"/>
-          <a:miter lim="800000"/>
-        </a:ln>
-        <a:effectLst/>
-      </dsp:spPr>
-      <dsp:style>
-        <a:lnRef idx="1">
-          <a:scrgbClr r="0" g="0" b="0"/>
-        </a:lnRef>
-        <a:fillRef idx="0">
-          <a:scrgbClr r="0" g="0" b="0"/>
-        </a:fillRef>
-        <a:effectRef idx="0">
-          <a:scrgbClr r="0" g="0" b="0"/>
-        </a:effectRef>
-        <a:fontRef idx="minor"/>
-      </dsp:style>
-    </dsp:sp>
-    <dsp:sp modelId="{CDDE1E5C-76D1-411D-97D4-8F1977E9842D}">
-      <dsp:nvSpPr>
-        <dsp:cNvPr id="0" name=""/>
-        <dsp:cNvSpPr/>
-      </dsp:nvSpPr>
-      <dsp:spPr>
-        <a:xfrm>
-          <a:off x="286761" y="2134940"/>
-          <a:ext cx="80539" cy="81457"/>
-        </a:xfrm>
-        <a:prstGeom prst="ellipse">
-          <a:avLst/>
-        </a:prstGeom>
-        <a:solidFill>
-          <a:schemeClr val="lt1">
-            <a:hueOff val="0"/>
-            <a:satOff val="0"/>
-            <a:lumOff val="0"/>
-            <a:alphaOff val="0"/>
-          </a:schemeClr>
-        </a:solidFill>
-        <a:ln w="12700" cap="flat" cmpd="sng" algn="ctr">
-          <a:solidFill>
-            <a:schemeClr val="accent2">
-              <a:shade val="80000"/>
-              <a:hueOff val="0"/>
-              <a:satOff val="0"/>
-              <a:lumOff val="0"/>
-              <a:alphaOff val="0"/>
-            </a:schemeClr>
-          </a:solidFill>
-          <a:prstDash val="solid"/>
-          <a:miter lim="800000"/>
-        </a:ln>
-        <a:effectLst/>
-      </dsp:spPr>
-      <dsp:style>
-        <a:lnRef idx="2">
-          <a:scrgbClr r="0" g="0" b="0"/>
-        </a:lnRef>
-        <a:fillRef idx="1">
-          <a:scrgbClr r="0" g="0" b="0"/>
-        </a:fillRef>
-        <a:effectRef idx="0">
-          <a:scrgbClr r="0" g="0" b="0"/>
-        </a:effectRef>
-        <a:fontRef idx="minor">
-          <a:schemeClr val="lt1"/>
-        </a:fontRef>
-      </dsp:style>
-    </dsp:sp>
-    <dsp:sp modelId="{11AAD205-8152-4363-B661-3C3A26A103FF}">
-      <dsp:nvSpPr>
-        <dsp:cNvPr id="0" name=""/>
-        <dsp:cNvSpPr/>
-      </dsp:nvSpPr>
-      <dsp:spPr>
-        <a:xfrm rot="18900000">
-          <a:off x="1905953" y="3547652"/>
-          <a:ext cx="316387" cy="316387"/>
-        </a:xfrm>
-        <a:prstGeom prst="teardrop">
-          <a:avLst>
-            <a:gd name="adj" fmla="val 115000"/>
-          </a:avLst>
-        </a:prstGeom>
-        <a:solidFill>
-          <a:schemeClr val="lt1">
-            <a:hueOff val="0"/>
-            <a:satOff val="0"/>
-            <a:lumOff val="0"/>
-            <a:alphaOff val="0"/>
-          </a:schemeClr>
-        </a:solidFill>
-        <a:ln w="12700" cap="flat" cmpd="sng" algn="ctr">
-          <a:solidFill>
-            <a:schemeClr val="accent2">
-              <a:shade val="80000"/>
-              <a:hueOff val="0"/>
-              <a:satOff val="0"/>
-              <a:lumOff val="0"/>
-              <a:alphaOff val="0"/>
-            </a:schemeClr>
-          </a:solidFill>
-          <a:prstDash val="solid"/>
-          <a:miter lim="800000"/>
-        </a:ln>
-        <a:effectLst/>
-      </dsp:spPr>
-      <dsp:style>
-        <a:lnRef idx="2">
-          <a:scrgbClr r="0" g="0" b="0"/>
-        </a:lnRef>
-        <a:fillRef idx="1">
-          <a:scrgbClr r="0" g="0" b="0"/>
-        </a:fillRef>
-        <a:effectRef idx="0">
-          <a:scrgbClr r="0" g="0" b="0"/>
-        </a:effectRef>
-        <a:fontRef idx="minor">
-          <a:schemeClr val="lt1"/>
-        </a:fontRef>
-      </dsp:style>
-    </dsp:sp>
-    <dsp:sp modelId="{2E4364CD-3B8A-4A42-AB11-744F4277900A}">
-      <dsp:nvSpPr>
-        <dsp:cNvPr id="0" name=""/>
-        <dsp:cNvSpPr/>
-      </dsp:nvSpPr>
-      <dsp:spPr>
-        <a:xfrm>
-          <a:off x="1941101" y="3582800"/>
-          <a:ext cx="246091" cy="246091"/>
-        </a:xfrm>
-        <a:prstGeom prst="ellipse">
-          <a:avLst/>
-        </a:prstGeom>
-        <a:solidFill>
-          <a:schemeClr val="accent2">
-            <a:alpha val="90000"/>
-            <a:tint val="40000"/>
-            <a:hueOff val="0"/>
-            <a:satOff val="0"/>
-            <a:lumOff val="0"/>
-            <a:alphaOff val="0"/>
-          </a:schemeClr>
-        </a:solidFill>
-        <a:ln w="12700" cap="flat" cmpd="sng" algn="ctr">
-          <a:noFill/>
-          <a:prstDash val="solid"/>
-          <a:miter lim="800000"/>
-        </a:ln>
-        <a:effectLst/>
-      </dsp:spPr>
-      <dsp:style>
-        <a:lnRef idx="2">
-          <a:scrgbClr r="0" g="0" b="0"/>
-        </a:lnRef>
-        <a:fillRef idx="1">
-          <a:scrgbClr r="0" g="0" b="0"/>
-        </a:fillRef>
-        <a:effectRef idx="0">
-          <a:scrgbClr r="0" g="0" b="0"/>
-        </a:effectRef>
-        <a:fontRef idx="minor"/>
-      </dsp:style>
-    </dsp:sp>
-    <dsp:sp modelId="{07310A89-F151-435B-963F-FD9908E8C694}">
-      <dsp:nvSpPr>
-        <dsp:cNvPr id="0" name=""/>
-        <dsp:cNvSpPr/>
-      </dsp:nvSpPr>
-      <dsp:spPr>
-        <a:xfrm>
-          <a:off x="2287866" y="2175669"/>
-          <a:ext cx="2932566" cy="1287996"/>
-        </a:xfrm>
-        <a:prstGeom prst="rect">
-          <a:avLst/>
-        </a:prstGeom>
-        <a:noFill/>
-        <a:ln>
-          <a:noFill/>
-        </a:ln>
-        <a:effectLst/>
-      </dsp:spPr>
-      <dsp:style>
-        <a:lnRef idx="0">
-          <a:scrgbClr r="0" g="0" b="0"/>
-        </a:lnRef>
-        <a:fillRef idx="0">
-          <a:scrgbClr r="0" g="0" b="0"/>
-        </a:fillRef>
-        <a:effectRef idx="0">
-          <a:scrgbClr r="0" g="0" b="0"/>
-        </a:effectRef>
-        <a:fontRef idx="minor"/>
-      </dsp:style>
-      <dsp:txBody>
-        <a:bodyPr spcFirstLastPara="0" vert="horz" wrap="square" lIns="0" tIns="27263" rIns="0" bIns="27263" numCol="1" spcCol="1270" rtlCol="0" anchor="b" anchorCtr="0">
-          <a:noAutofit/>
-        </a:bodyPr>
-        <a:lstStyle/>
-        <a:p>
-          <a:pPr marL="0" lvl="0" indent="0" algn="l" defTabSz="622300" rtl="0">
-            <a:lnSpc>
-              <a:spcPct val="90000"/>
-            </a:lnSpc>
-            <a:spcBef>
-              <a:spcPct val="0"/>
-            </a:spcBef>
-            <a:spcAft>
-              <a:spcPct val="35000"/>
-            </a:spcAft>
-            <a:buNone/>
-          </a:pPr>
-          <a:r>
-            <a:rPr lang="en-GB" sz="1400" b="0" i="0" u="none" kern="1200"/>
-            <a:t>To start a presentation, go to the Slide Show tab, and select From Beginning.</a:t>
-          </a:r>
-          <a:endParaRPr lang="en-GB" sz="1400" kern="1200" dirty="0"/>
-        </a:p>
-      </dsp:txBody>
-      <dsp:txXfrm>
-        <a:off x="2287866" y="2175669"/>
-        <a:ext cx="2932566" cy="1287996"/>
-      </dsp:txXfrm>
-    </dsp:sp>
-    <dsp:sp modelId="{6386BA6E-453A-41E1-ADAD-7626B92BD1BF}">
-      <dsp:nvSpPr>
-        <dsp:cNvPr id="0" name=""/>
-        <dsp:cNvSpPr/>
-      </dsp:nvSpPr>
-      <dsp:spPr>
-        <a:xfrm>
-          <a:off x="2287866" y="3463665"/>
-          <a:ext cx="2932566" cy="452539"/>
-        </a:xfrm>
-        <a:prstGeom prst="rect">
-          <a:avLst/>
-        </a:prstGeom>
-        <a:noFill/>
-        <a:ln>
-          <a:noFill/>
-        </a:ln>
-        <a:effectLst/>
-      </dsp:spPr>
-      <dsp:style>
-        <a:lnRef idx="0">
-          <a:scrgbClr r="0" g="0" b="0"/>
-        </a:lnRef>
-        <a:fillRef idx="0">
-          <a:scrgbClr r="0" g="0" b="0"/>
-        </a:fillRef>
-        <a:effectRef idx="0">
-          <a:scrgbClr r="0" g="0" b="0"/>
-        </a:effectRef>
-        <a:fontRef idx="minor"/>
-      </dsp:style>
-      <dsp:txBody>
-        <a:bodyPr spcFirstLastPara="0" vert="horz" wrap="square" lIns="0" tIns="0" rIns="0" bIns="0" numCol="1" spcCol="1270" rtlCol="0" anchor="ctr" anchorCtr="0">
-          <a:noAutofit/>
-        </a:bodyPr>
-        <a:lstStyle/>
-        <a:p>
-          <a:pPr marL="0" lvl="0" indent="0" algn="l" defTabSz="889000" rtl="0">
-            <a:lnSpc>
-              <a:spcPct val="90000"/>
-            </a:lnSpc>
-            <a:spcBef>
-              <a:spcPct val="0"/>
-            </a:spcBef>
-            <a:spcAft>
-              <a:spcPct val="35000"/>
-            </a:spcAft>
-            <a:buNone/>
-          </a:pPr>
-          <a:r>
-            <a:rPr lang="en-GB" sz="2000" kern="1200"/>
-            <a:t>Title</a:t>
-          </a:r>
-        </a:p>
-      </dsp:txBody>
-      <dsp:txXfrm>
-        <a:off x="2287866" y="3463665"/>
-        <a:ext cx="2932566" cy="452539"/>
-      </dsp:txXfrm>
-    </dsp:sp>
-    <dsp:sp modelId="{DB95D829-80DF-4ADA-B04C-CE92ADFB6606}">
-      <dsp:nvSpPr>
-        <dsp:cNvPr id="0" name=""/>
-        <dsp:cNvSpPr/>
-      </dsp:nvSpPr>
-      <dsp:spPr>
-        <a:xfrm>
-          <a:off x="2064147" y="2175669"/>
-          <a:ext cx="0" cy="1287996"/>
-        </a:xfrm>
-        <a:prstGeom prst="line">
-          <a:avLst/>
-        </a:prstGeom>
-        <a:noFill/>
-        <a:ln w="9525" cap="flat" cmpd="sng" algn="ctr">
-          <a:solidFill>
-            <a:schemeClr val="accent2">
-              <a:lumMod val="50000"/>
-            </a:schemeClr>
-          </a:solidFill>
-          <a:prstDash val="dash"/>
-          <a:miter lim="800000"/>
-        </a:ln>
-        <a:effectLst/>
-      </dsp:spPr>
-      <dsp:style>
-        <a:lnRef idx="1">
-          <a:scrgbClr r="0" g="0" b="0"/>
-        </a:lnRef>
-        <a:fillRef idx="0">
-          <a:scrgbClr r="0" g="0" b="0"/>
-        </a:fillRef>
-        <a:effectRef idx="0">
-          <a:scrgbClr r="0" g="0" b="0"/>
-        </a:effectRef>
-        <a:fontRef idx="minor"/>
-      </dsp:style>
-    </dsp:sp>
-    <dsp:sp modelId="{94B71067-EBEC-4112-A9D1-8B8A7A437FC8}">
-      <dsp:nvSpPr>
-        <dsp:cNvPr id="0" name=""/>
-        <dsp:cNvSpPr/>
-      </dsp:nvSpPr>
-      <dsp:spPr>
-        <a:xfrm>
-          <a:off x="2026427" y="2134940"/>
-          <a:ext cx="80539" cy="81457"/>
-        </a:xfrm>
-        <a:prstGeom prst="ellipse">
-          <a:avLst/>
-        </a:prstGeom>
-        <a:solidFill>
-          <a:schemeClr val="lt1">
-            <a:hueOff val="0"/>
-            <a:satOff val="0"/>
-            <a:lumOff val="0"/>
-            <a:alphaOff val="0"/>
-          </a:schemeClr>
-        </a:solidFill>
-        <a:ln w="12700" cap="flat" cmpd="sng" algn="ctr">
-          <a:solidFill>
-            <a:schemeClr val="accent2">
-              <a:shade val="80000"/>
-              <a:hueOff val="0"/>
-              <a:satOff val="0"/>
-              <a:lumOff val="0"/>
-              <a:alphaOff val="0"/>
-            </a:schemeClr>
-          </a:solidFill>
-          <a:prstDash val="solid"/>
-          <a:miter lim="800000"/>
-        </a:ln>
-        <a:effectLst/>
-      </dsp:spPr>
-      <dsp:style>
-        <a:lnRef idx="2">
-          <a:scrgbClr r="0" g="0" b="0"/>
-        </a:lnRef>
-        <a:fillRef idx="1">
-          <a:scrgbClr r="0" g="0" b="0"/>
-        </a:fillRef>
-        <a:effectRef idx="0">
-          <a:scrgbClr r="0" g="0" b="0"/>
-        </a:effectRef>
-        <a:fontRef idx="minor">
-          <a:schemeClr val="lt1"/>
-        </a:fontRef>
-      </dsp:style>
-    </dsp:sp>
-    <dsp:sp modelId="{63CCDBCC-C40A-41AF-BB40-B20A9AB919D8}">
-      <dsp:nvSpPr>
-        <dsp:cNvPr id="0" name=""/>
-        <dsp:cNvSpPr/>
-      </dsp:nvSpPr>
-      <dsp:spPr>
-        <a:xfrm rot="8100000">
-          <a:off x="3645619" y="487298"/>
-          <a:ext cx="316387" cy="316387"/>
-        </a:xfrm>
-        <a:prstGeom prst="teardrop">
-          <a:avLst>
-            <a:gd name="adj" fmla="val 115000"/>
-          </a:avLst>
-        </a:prstGeom>
-        <a:solidFill>
-          <a:schemeClr val="lt1">
-            <a:hueOff val="0"/>
-            <a:satOff val="0"/>
-            <a:lumOff val="0"/>
-            <a:alphaOff val="0"/>
-          </a:schemeClr>
-        </a:solidFill>
-        <a:ln w="12700" cap="flat" cmpd="sng" algn="ctr">
-          <a:solidFill>
-            <a:schemeClr val="accent2">
-              <a:shade val="80000"/>
-              <a:hueOff val="0"/>
-              <a:satOff val="0"/>
-              <a:lumOff val="0"/>
-              <a:alphaOff val="0"/>
-            </a:schemeClr>
-          </a:solidFill>
-          <a:prstDash val="solid"/>
-          <a:miter lim="800000"/>
-        </a:ln>
-        <a:effectLst/>
-      </dsp:spPr>
-      <dsp:style>
-        <a:lnRef idx="2">
-          <a:scrgbClr r="0" g="0" b="0"/>
-        </a:lnRef>
-        <a:fillRef idx="1">
-          <a:scrgbClr r="0" g="0" b="0"/>
-        </a:fillRef>
-        <a:effectRef idx="0">
-          <a:scrgbClr r="0" g="0" b="0"/>
-        </a:effectRef>
-        <a:fontRef idx="minor">
-          <a:schemeClr val="lt1"/>
-        </a:fontRef>
-      </dsp:style>
-    </dsp:sp>
-    <dsp:sp modelId="{C25D9000-2762-4B6C-BFD6-7B6C2D0122B9}">
-      <dsp:nvSpPr>
-        <dsp:cNvPr id="0" name=""/>
-        <dsp:cNvSpPr/>
-      </dsp:nvSpPr>
-      <dsp:spPr>
-        <a:xfrm>
-          <a:off x="3680767" y="522446"/>
-          <a:ext cx="246091" cy="246091"/>
-        </a:xfrm>
-        <a:prstGeom prst="ellipse">
-          <a:avLst/>
-        </a:prstGeom>
-        <a:solidFill>
-          <a:schemeClr val="accent2">
-            <a:alpha val="90000"/>
-            <a:tint val="40000"/>
-            <a:hueOff val="0"/>
-            <a:satOff val="0"/>
-            <a:lumOff val="0"/>
-            <a:alphaOff val="0"/>
-          </a:schemeClr>
-        </a:solidFill>
-        <a:ln w="12700" cap="flat" cmpd="sng" algn="ctr">
-          <a:noFill/>
-          <a:prstDash val="solid"/>
-          <a:miter lim="800000"/>
-        </a:ln>
-        <a:effectLst/>
-      </dsp:spPr>
-      <dsp:style>
-        <a:lnRef idx="2">
-          <a:scrgbClr r="0" g="0" b="0"/>
-        </a:lnRef>
-        <a:fillRef idx="1">
-          <a:scrgbClr r="0" g="0" b="0"/>
-        </a:fillRef>
-        <a:effectRef idx="0">
-          <a:scrgbClr r="0" g="0" b="0"/>
-        </a:effectRef>
-        <a:fontRef idx="minor"/>
-      </dsp:style>
-    </dsp:sp>
-    <dsp:sp modelId="{C08C98A3-4322-425C-8260-4319044AFBF1}">
-      <dsp:nvSpPr>
-        <dsp:cNvPr id="0" name=""/>
-        <dsp:cNvSpPr/>
-      </dsp:nvSpPr>
-      <dsp:spPr>
-        <a:xfrm>
-          <a:off x="4027533" y="887672"/>
-          <a:ext cx="2932566" cy="1287996"/>
-        </a:xfrm>
-        <a:prstGeom prst="rect">
-          <a:avLst/>
-        </a:prstGeom>
-        <a:noFill/>
-        <a:ln>
-          <a:noFill/>
-        </a:ln>
-        <a:effectLst/>
-      </dsp:spPr>
-      <dsp:style>
-        <a:lnRef idx="0">
-          <a:scrgbClr r="0" g="0" b="0"/>
-        </a:lnRef>
-        <a:fillRef idx="0">
-          <a:scrgbClr r="0" g="0" b="0"/>
-        </a:fillRef>
-        <a:effectRef idx="0">
-          <a:scrgbClr r="0" g="0" b="0"/>
-        </a:effectRef>
-        <a:fontRef idx="minor"/>
-      </dsp:style>
-      <dsp:txBody>
-        <a:bodyPr spcFirstLastPara="0" vert="horz" wrap="square" lIns="0" tIns="27263" rIns="0" bIns="27263" numCol="1" spcCol="1270" rtlCol="0" anchor="t" anchorCtr="0">
-          <a:noAutofit/>
-        </a:bodyPr>
-        <a:lstStyle/>
-        <a:p>
-          <a:pPr marL="0" lvl="0" indent="0" algn="l" defTabSz="622300" rtl="0">
-            <a:lnSpc>
-              <a:spcPct val="90000"/>
-            </a:lnSpc>
-            <a:spcBef>
-              <a:spcPct val="0"/>
-            </a:spcBef>
-            <a:spcAft>
-              <a:spcPct val="35000"/>
-            </a:spcAft>
-            <a:buNone/>
-          </a:pPr>
-          <a:r>
-            <a:rPr lang="en-GB" sz="1400" b="0" i="0" u="none" kern="1200"/>
-            <a:t>During your presentation, the speaker notes are visible on your monitor, but aren't visible to the audience. </a:t>
-          </a:r>
-          <a:endParaRPr lang="en-GB" sz="1400" kern="1200" dirty="0"/>
-        </a:p>
-      </dsp:txBody>
-      <dsp:txXfrm>
-        <a:off x="4027533" y="887672"/>
-        <a:ext cx="2932566" cy="1287996"/>
-      </dsp:txXfrm>
-    </dsp:sp>
-    <dsp:sp modelId="{52F3B4A2-8EDD-4B40-B5F3-A1CECB56D29F}">
-      <dsp:nvSpPr>
-        <dsp:cNvPr id="0" name=""/>
-        <dsp:cNvSpPr/>
-      </dsp:nvSpPr>
-      <dsp:spPr>
-        <a:xfrm>
-          <a:off x="4027533" y="435133"/>
-          <a:ext cx="2932566" cy="452539"/>
-        </a:xfrm>
-        <a:prstGeom prst="rect">
-          <a:avLst/>
-        </a:prstGeom>
-        <a:noFill/>
-        <a:ln>
-          <a:noFill/>
-        </a:ln>
-        <a:effectLst/>
-      </dsp:spPr>
-      <dsp:style>
-        <a:lnRef idx="0">
-          <a:scrgbClr r="0" g="0" b="0"/>
-        </a:lnRef>
-        <a:fillRef idx="0">
-          <a:scrgbClr r="0" g="0" b="0"/>
-        </a:fillRef>
-        <a:effectRef idx="0">
-          <a:scrgbClr r="0" g="0" b="0"/>
-        </a:effectRef>
-        <a:fontRef idx="minor"/>
-      </dsp:style>
-      <dsp:txBody>
-        <a:bodyPr spcFirstLastPara="0" vert="horz" wrap="square" lIns="0" tIns="0" rIns="0" bIns="0" numCol="1" spcCol="1270" rtlCol="0" anchor="ctr" anchorCtr="0">
-          <a:noAutofit/>
-        </a:bodyPr>
-        <a:lstStyle/>
-        <a:p>
-          <a:pPr marL="0" lvl="0" indent="0" algn="l" defTabSz="889000" rtl="0">
-            <a:lnSpc>
-              <a:spcPct val="90000"/>
-            </a:lnSpc>
-            <a:spcBef>
-              <a:spcPct val="0"/>
-            </a:spcBef>
-            <a:spcAft>
-              <a:spcPct val="35000"/>
-            </a:spcAft>
-            <a:buNone/>
-          </a:pPr>
-          <a:r>
-            <a:rPr lang="en-GB" sz="2000" kern="1200"/>
-            <a:t>Title</a:t>
-          </a:r>
-        </a:p>
-      </dsp:txBody>
-      <dsp:txXfrm>
-        <a:off x="4027533" y="435133"/>
-        <a:ext cx="2932566" cy="452539"/>
-      </dsp:txXfrm>
-    </dsp:sp>
-    <dsp:sp modelId="{4A2B3FB7-F9B6-43D5-A931-C70A3750EA87}">
-      <dsp:nvSpPr>
-        <dsp:cNvPr id="0" name=""/>
-        <dsp:cNvSpPr/>
-      </dsp:nvSpPr>
-      <dsp:spPr>
-        <a:xfrm>
-          <a:off x="3803813" y="887672"/>
-          <a:ext cx="0" cy="1287996"/>
-        </a:xfrm>
-        <a:prstGeom prst="line">
-          <a:avLst/>
-        </a:prstGeom>
-        <a:noFill/>
-        <a:ln w="9525" cap="flat" cmpd="sng" algn="ctr">
-          <a:solidFill>
-            <a:schemeClr val="accent2">
-              <a:lumMod val="50000"/>
-            </a:schemeClr>
-          </a:solidFill>
-          <a:prstDash val="dash"/>
-          <a:miter lim="800000"/>
-        </a:ln>
-        <a:effectLst/>
-      </dsp:spPr>
-      <dsp:style>
-        <a:lnRef idx="1">
-          <a:scrgbClr r="0" g="0" b="0"/>
-        </a:lnRef>
-        <a:fillRef idx="0">
-          <a:scrgbClr r="0" g="0" b="0"/>
-        </a:fillRef>
-        <a:effectRef idx="0">
-          <a:scrgbClr r="0" g="0" b="0"/>
-        </a:effectRef>
-        <a:fontRef idx="minor"/>
-      </dsp:style>
-    </dsp:sp>
-    <dsp:sp modelId="{83D4573F-3CB1-4541-8BEE-E8224A8ED015}">
-      <dsp:nvSpPr>
-        <dsp:cNvPr id="0" name=""/>
-        <dsp:cNvSpPr/>
-      </dsp:nvSpPr>
-      <dsp:spPr>
-        <a:xfrm>
-          <a:off x="3766093" y="2134940"/>
-          <a:ext cx="80539" cy="81457"/>
-        </a:xfrm>
-        <a:prstGeom prst="ellipse">
-          <a:avLst/>
-        </a:prstGeom>
-        <a:solidFill>
-          <a:schemeClr val="lt1">
-            <a:hueOff val="0"/>
-            <a:satOff val="0"/>
-            <a:lumOff val="0"/>
-            <a:alphaOff val="0"/>
-          </a:schemeClr>
-        </a:solidFill>
-        <a:ln w="12700" cap="flat" cmpd="sng" algn="ctr">
-          <a:solidFill>
-            <a:schemeClr val="accent2">
-              <a:shade val="80000"/>
-              <a:hueOff val="0"/>
-              <a:satOff val="0"/>
-              <a:lumOff val="0"/>
-              <a:alphaOff val="0"/>
-            </a:schemeClr>
-          </a:solidFill>
-          <a:prstDash val="solid"/>
-          <a:miter lim="800000"/>
-        </a:ln>
-        <a:effectLst/>
-      </dsp:spPr>
-      <dsp:style>
-        <a:lnRef idx="2">
-          <a:scrgbClr r="0" g="0" b="0"/>
-        </a:lnRef>
-        <a:fillRef idx="1">
-          <a:scrgbClr r="0" g="0" b="0"/>
-        </a:fillRef>
-        <a:effectRef idx="0">
-          <a:scrgbClr r="0" g="0" b="0"/>
-        </a:effectRef>
-        <a:fontRef idx="minor">
-          <a:schemeClr val="lt1"/>
-        </a:fontRef>
-      </dsp:style>
-    </dsp:sp>
-    <dsp:sp modelId="{4C5813BC-956A-4F8C-B1AA-086730732ACF}">
-      <dsp:nvSpPr>
-        <dsp:cNvPr id="0" name=""/>
-        <dsp:cNvSpPr/>
-      </dsp:nvSpPr>
-      <dsp:spPr>
-        <a:xfrm rot="18900000">
-          <a:off x="5385285" y="3547652"/>
-          <a:ext cx="316387" cy="316387"/>
-        </a:xfrm>
-        <a:prstGeom prst="teardrop">
-          <a:avLst>
-            <a:gd name="adj" fmla="val 115000"/>
-          </a:avLst>
-        </a:prstGeom>
-        <a:solidFill>
-          <a:schemeClr val="lt1">
-            <a:hueOff val="0"/>
-            <a:satOff val="0"/>
-            <a:lumOff val="0"/>
-            <a:alphaOff val="0"/>
-          </a:schemeClr>
-        </a:solidFill>
-        <a:ln w="12700" cap="flat" cmpd="sng" algn="ctr">
-          <a:solidFill>
-            <a:schemeClr val="accent2">
-              <a:shade val="80000"/>
-              <a:hueOff val="0"/>
-              <a:satOff val="0"/>
-              <a:lumOff val="0"/>
-              <a:alphaOff val="0"/>
-            </a:schemeClr>
-          </a:solidFill>
-          <a:prstDash val="solid"/>
-          <a:miter lim="800000"/>
-        </a:ln>
-        <a:effectLst/>
-      </dsp:spPr>
-      <dsp:style>
-        <a:lnRef idx="2">
-          <a:scrgbClr r="0" g="0" b="0"/>
-        </a:lnRef>
-        <a:fillRef idx="1">
-          <a:scrgbClr r="0" g="0" b="0"/>
-        </a:fillRef>
-        <a:effectRef idx="0">
-          <a:scrgbClr r="0" g="0" b="0"/>
-        </a:effectRef>
-        <a:fontRef idx="minor">
-          <a:schemeClr val="lt1"/>
-        </a:fontRef>
-      </dsp:style>
-    </dsp:sp>
-    <dsp:sp modelId="{30745FD9-45E6-4F2F-952E-B76E1E38EA48}">
-      <dsp:nvSpPr>
-        <dsp:cNvPr id="0" name=""/>
-        <dsp:cNvSpPr/>
-      </dsp:nvSpPr>
-      <dsp:spPr>
-        <a:xfrm>
-          <a:off x="5420433" y="3582800"/>
-          <a:ext cx="246091" cy="246091"/>
-        </a:xfrm>
-        <a:prstGeom prst="ellipse">
-          <a:avLst/>
-        </a:prstGeom>
-        <a:solidFill>
-          <a:schemeClr val="accent2">
-            <a:alpha val="90000"/>
-            <a:tint val="40000"/>
-            <a:hueOff val="0"/>
-            <a:satOff val="0"/>
-            <a:lumOff val="0"/>
-            <a:alphaOff val="0"/>
-          </a:schemeClr>
-        </a:solidFill>
-        <a:ln w="12700" cap="flat" cmpd="sng" algn="ctr">
-          <a:noFill/>
-          <a:prstDash val="solid"/>
-          <a:miter lim="800000"/>
-        </a:ln>
-        <a:effectLst/>
-      </dsp:spPr>
-      <dsp:style>
-        <a:lnRef idx="2">
-          <a:scrgbClr r="0" g="0" b="0"/>
-        </a:lnRef>
-        <a:fillRef idx="1">
-          <a:scrgbClr r="0" g="0" b="0"/>
-        </a:fillRef>
-        <a:effectRef idx="0">
-          <a:scrgbClr r="0" g="0" b="0"/>
-        </a:effectRef>
-        <a:fontRef idx="minor"/>
-      </dsp:style>
-    </dsp:sp>
-    <dsp:sp modelId="{FA75F9D6-BA19-40B6-8EBB-F8B5A1A5DB04}">
-      <dsp:nvSpPr>
-        <dsp:cNvPr id="0" name=""/>
-        <dsp:cNvSpPr/>
-      </dsp:nvSpPr>
-      <dsp:spPr>
-        <a:xfrm>
-          <a:off x="5767199" y="2175669"/>
-          <a:ext cx="2932566" cy="1287996"/>
-        </a:xfrm>
-        <a:prstGeom prst="rect">
-          <a:avLst/>
-        </a:prstGeom>
-        <a:noFill/>
-        <a:ln>
-          <a:noFill/>
-        </a:ln>
-        <a:effectLst/>
-      </dsp:spPr>
-      <dsp:style>
-        <a:lnRef idx="0">
-          <a:scrgbClr r="0" g="0" b="0"/>
-        </a:lnRef>
-        <a:fillRef idx="0">
-          <a:scrgbClr r="0" g="0" b="0"/>
-        </a:fillRef>
-        <a:effectRef idx="0">
-          <a:scrgbClr r="0" g="0" b="0"/>
-        </a:effectRef>
-        <a:fontRef idx="minor"/>
-      </dsp:style>
-      <dsp:txBody>
-        <a:bodyPr spcFirstLastPara="0" vert="horz" wrap="square" lIns="0" tIns="27263" rIns="0" bIns="27263" numCol="1" spcCol="1270" rtlCol="0" anchor="b" anchorCtr="0">
-          <a:noAutofit/>
-        </a:bodyPr>
-        <a:lstStyle/>
-        <a:p>
-          <a:pPr marL="0" lvl="0" indent="0" algn="l" defTabSz="622300" rtl="0">
-            <a:lnSpc>
-              <a:spcPct val="90000"/>
-            </a:lnSpc>
-            <a:spcBef>
-              <a:spcPct val="0"/>
-            </a:spcBef>
-            <a:spcAft>
-              <a:spcPct val="35000"/>
-            </a:spcAft>
-            <a:buNone/>
-          </a:pPr>
-          <a:r>
-            <a:rPr lang="en-GB" sz="1400" b="0" i="0" u="none" kern="1200"/>
-            <a:t>The Notes pane is a box that appears below each slide. Tap it to add notes. </a:t>
-          </a:r>
-          <a:endParaRPr lang="en-GB" sz="1400" kern="1200" dirty="0"/>
-        </a:p>
-      </dsp:txBody>
-      <dsp:txXfrm>
-        <a:off x="5767199" y="2175669"/>
-        <a:ext cx="2932566" cy="1287996"/>
-      </dsp:txXfrm>
-    </dsp:sp>
-    <dsp:sp modelId="{7759EFD6-8D9B-407B-BFD2-E887C01621A3}">
-      <dsp:nvSpPr>
-        <dsp:cNvPr id="0" name=""/>
-        <dsp:cNvSpPr/>
-      </dsp:nvSpPr>
-      <dsp:spPr>
-        <a:xfrm>
-          <a:off x="5767199" y="3463665"/>
-          <a:ext cx="2932566" cy="452539"/>
-        </a:xfrm>
-        <a:prstGeom prst="rect">
-          <a:avLst/>
-        </a:prstGeom>
-        <a:noFill/>
-        <a:ln>
-          <a:noFill/>
-        </a:ln>
-        <a:effectLst/>
-      </dsp:spPr>
-      <dsp:style>
-        <a:lnRef idx="0">
-          <a:scrgbClr r="0" g="0" b="0"/>
-        </a:lnRef>
-        <a:fillRef idx="0">
-          <a:scrgbClr r="0" g="0" b="0"/>
-        </a:fillRef>
-        <a:effectRef idx="0">
-          <a:scrgbClr r="0" g="0" b="0"/>
-        </a:effectRef>
-        <a:fontRef idx="minor"/>
-      </dsp:style>
-      <dsp:txBody>
-        <a:bodyPr spcFirstLastPara="0" vert="horz" wrap="square" lIns="0" tIns="0" rIns="0" bIns="0" numCol="1" spcCol="1270" rtlCol="0" anchor="ctr" anchorCtr="0">
-          <a:noAutofit/>
-        </a:bodyPr>
-        <a:lstStyle/>
-        <a:p>
-          <a:pPr marL="0" lvl="0" indent="0" algn="l" defTabSz="889000" rtl="0">
-            <a:lnSpc>
-              <a:spcPct val="90000"/>
-            </a:lnSpc>
-            <a:spcBef>
-              <a:spcPct val="0"/>
-            </a:spcBef>
-            <a:spcAft>
-              <a:spcPct val="35000"/>
-            </a:spcAft>
-            <a:buNone/>
-          </a:pPr>
-          <a:r>
-            <a:rPr lang="en-GB" sz="2000" kern="1200"/>
-            <a:t>Title</a:t>
-          </a:r>
-        </a:p>
-      </dsp:txBody>
-      <dsp:txXfrm>
-        <a:off x="5767199" y="3463665"/>
-        <a:ext cx="2932566" cy="452539"/>
-      </dsp:txXfrm>
-    </dsp:sp>
-    <dsp:sp modelId="{87D01122-9189-4BBF-B5EB-8A13E8CADCB7}">
-      <dsp:nvSpPr>
-        <dsp:cNvPr id="0" name=""/>
-        <dsp:cNvSpPr/>
-      </dsp:nvSpPr>
-      <dsp:spPr>
-        <a:xfrm>
-          <a:off x="5543479" y="2175669"/>
-          <a:ext cx="0" cy="1287996"/>
-        </a:xfrm>
-        <a:prstGeom prst="line">
-          <a:avLst/>
-        </a:prstGeom>
-        <a:noFill/>
-        <a:ln w="9525" cap="flat" cmpd="sng" algn="ctr">
-          <a:solidFill>
-            <a:schemeClr val="accent2">
-              <a:lumMod val="50000"/>
-            </a:schemeClr>
-          </a:solidFill>
-          <a:prstDash val="dash"/>
-          <a:miter lim="800000"/>
-        </a:ln>
-        <a:effectLst/>
-      </dsp:spPr>
-      <dsp:style>
-        <a:lnRef idx="1">
-          <a:scrgbClr r="0" g="0" b="0"/>
-        </a:lnRef>
-        <a:fillRef idx="0">
-          <a:scrgbClr r="0" g="0" b="0"/>
-        </a:fillRef>
-        <a:effectRef idx="0">
-          <a:scrgbClr r="0" g="0" b="0"/>
-        </a:effectRef>
-        <a:fontRef idx="minor"/>
-      </dsp:style>
-    </dsp:sp>
-    <dsp:sp modelId="{A4A288FA-2972-4660-B846-F0F60F21A8F3}">
-      <dsp:nvSpPr>
-        <dsp:cNvPr id="0" name=""/>
-        <dsp:cNvSpPr/>
-      </dsp:nvSpPr>
-      <dsp:spPr>
-        <a:xfrm>
-          <a:off x="5505759" y="2134940"/>
-          <a:ext cx="80539" cy="81457"/>
-        </a:xfrm>
-        <a:prstGeom prst="ellipse">
-          <a:avLst/>
-        </a:prstGeom>
-        <a:solidFill>
-          <a:schemeClr val="lt1">
-            <a:hueOff val="0"/>
-            <a:satOff val="0"/>
-            <a:lumOff val="0"/>
-            <a:alphaOff val="0"/>
-          </a:schemeClr>
-        </a:solidFill>
-        <a:ln w="12700" cap="flat" cmpd="sng" algn="ctr">
-          <a:solidFill>
-            <a:schemeClr val="accent2">
-              <a:shade val="80000"/>
-              <a:hueOff val="0"/>
-              <a:satOff val="0"/>
-              <a:lumOff val="0"/>
-              <a:alphaOff val="0"/>
-            </a:schemeClr>
-          </a:solidFill>
-          <a:prstDash val="solid"/>
-          <a:miter lim="800000"/>
-        </a:ln>
-        <a:effectLst/>
-      </dsp:spPr>
-      <dsp:style>
-        <a:lnRef idx="2">
-          <a:scrgbClr r="0" g="0" b="0"/>
-        </a:lnRef>
-        <a:fillRef idx="1">
-          <a:scrgbClr r="0" g="0" b="0"/>
-        </a:fillRef>
-        <a:effectRef idx="0">
-          <a:scrgbClr r="0" g="0" b="0"/>
-        </a:effectRef>
-        <a:fontRef idx="minor">
-          <a:schemeClr val="lt1"/>
-        </a:fontRef>
-      </dsp:style>
-    </dsp:sp>
-    <dsp:sp modelId="{53AB3C40-A8F3-42AD-ACAA-EFFE0F58231C}">
-      <dsp:nvSpPr>
-        <dsp:cNvPr id="0" name=""/>
-        <dsp:cNvSpPr/>
-      </dsp:nvSpPr>
-      <dsp:spPr>
-        <a:xfrm rot="8100000">
-          <a:off x="7124952" y="487298"/>
-          <a:ext cx="316387" cy="316387"/>
-        </a:xfrm>
-        <a:prstGeom prst="teardrop">
-          <a:avLst>
-            <a:gd name="adj" fmla="val 115000"/>
-          </a:avLst>
-        </a:prstGeom>
-        <a:solidFill>
-          <a:schemeClr val="lt1">
-            <a:hueOff val="0"/>
-            <a:satOff val="0"/>
-            <a:lumOff val="0"/>
-            <a:alphaOff val="0"/>
-          </a:schemeClr>
-        </a:solidFill>
-        <a:ln w="12700" cap="flat" cmpd="sng" algn="ctr">
-          <a:solidFill>
-            <a:schemeClr val="accent2">
-              <a:shade val="80000"/>
-              <a:hueOff val="0"/>
-              <a:satOff val="0"/>
-              <a:lumOff val="0"/>
-              <a:alphaOff val="0"/>
-            </a:schemeClr>
-          </a:solidFill>
-          <a:prstDash val="solid"/>
-          <a:miter lim="800000"/>
-        </a:ln>
-        <a:effectLst/>
-      </dsp:spPr>
-      <dsp:style>
-        <a:lnRef idx="2">
-          <a:scrgbClr r="0" g="0" b="0"/>
-        </a:lnRef>
-        <a:fillRef idx="1">
-          <a:scrgbClr r="0" g="0" b="0"/>
-        </a:fillRef>
-        <a:effectRef idx="0">
-          <a:scrgbClr r="0" g="0" b="0"/>
-        </a:effectRef>
-        <a:fontRef idx="minor">
-          <a:schemeClr val="lt1"/>
-        </a:fontRef>
-      </dsp:style>
-    </dsp:sp>
-    <dsp:sp modelId="{D2FD05BB-C8D3-4629-A36D-3F0D8E17237D}">
-      <dsp:nvSpPr>
-        <dsp:cNvPr id="0" name=""/>
-        <dsp:cNvSpPr/>
-      </dsp:nvSpPr>
-      <dsp:spPr>
-        <a:xfrm>
-          <a:off x="7160100" y="522446"/>
-          <a:ext cx="246091" cy="246091"/>
-        </a:xfrm>
-        <a:prstGeom prst="ellipse">
-          <a:avLst/>
-        </a:prstGeom>
-        <a:solidFill>
-          <a:schemeClr val="accent2">
-            <a:alpha val="90000"/>
-            <a:tint val="40000"/>
-            <a:hueOff val="0"/>
-            <a:satOff val="0"/>
-            <a:lumOff val="0"/>
-            <a:alphaOff val="0"/>
-          </a:schemeClr>
-        </a:solidFill>
-        <a:ln w="12700" cap="flat" cmpd="sng" algn="ctr">
-          <a:noFill/>
-          <a:prstDash val="solid"/>
-          <a:miter lim="800000"/>
-        </a:ln>
-        <a:effectLst/>
-      </dsp:spPr>
-      <dsp:style>
-        <a:lnRef idx="2">
-          <a:scrgbClr r="0" g="0" b="0"/>
-        </a:lnRef>
-        <a:fillRef idx="1">
-          <a:scrgbClr r="0" g="0" b="0"/>
-        </a:fillRef>
-        <a:effectRef idx="0">
-          <a:scrgbClr r="0" g="0" b="0"/>
-        </a:effectRef>
-        <a:fontRef idx="minor"/>
-      </dsp:style>
-    </dsp:sp>
-    <dsp:sp modelId="{A27C66FE-A882-45CB-AA8B-D41CAAC87FCE}">
-      <dsp:nvSpPr>
-        <dsp:cNvPr id="0" name=""/>
-        <dsp:cNvSpPr/>
-      </dsp:nvSpPr>
-      <dsp:spPr>
-        <a:xfrm>
-          <a:off x="7506865" y="887672"/>
-          <a:ext cx="2932566" cy="1287996"/>
-        </a:xfrm>
-        <a:prstGeom prst="rect">
-          <a:avLst/>
-        </a:prstGeom>
-        <a:noFill/>
-        <a:ln>
-          <a:noFill/>
-        </a:ln>
-        <a:effectLst/>
-      </dsp:spPr>
-      <dsp:style>
-        <a:lnRef idx="0">
-          <a:scrgbClr r="0" g="0" b="0"/>
-        </a:lnRef>
-        <a:fillRef idx="0">
-          <a:scrgbClr r="0" g="0" b="0"/>
-        </a:fillRef>
-        <a:effectRef idx="0">
-          <a:scrgbClr r="0" g="0" b="0"/>
-        </a:effectRef>
-        <a:fontRef idx="minor"/>
-      </dsp:style>
-      <dsp:txBody>
-        <a:bodyPr spcFirstLastPara="0" vert="horz" wrap="square" lIns="0" tIns="27263" rIns="0" bIns="27263" numCol="1" spcCol="1270" rtlCol="0" anchor="t" anchorCtr="0">
-          <a:noAutofit/>
-        </a:bodyPr>
-        <a:lstStyle/>
-        <a:p>
-          <a:pPr marL="0" lvl="0" indent="0" algn="l" defTabSz="622300" rtl="0">
-            <a:lnSpc>
-              <a:spcPct val="90000"/>
-            </a:lnSpc>
-            <a:spcBef>
-              <a:spcPct val="0"/>
-            </a:spcBef>
-            <a:spcAft>
-              <a:spcPct val="35000"/>
-            </a:spcAft>
-            <a:buNone/>
-          </a:pPr>
-          <a:r>
-            <a:rPr lang="en-GB" sz="1400" b="0" i="0" u="none" kern="1200"/>
-            <a:t>If you can’t see the Notes pane or it is completely minimised, click Notes on the task bar across the bottom of the PowerPoint window.</a:t>
-          </a:r>
-          <a:endParaRPr lang="en-GB" sz="1500" kern="1200" dirty="0"/>
-        </a:p>
-      </dsp:txBody>
-      <dsp:txXfrm>
-        <a:off x="7506865" y="887672"/>
-        <a:ext cx="2932566" cy="1287996"/>
-      </dsp:txXfrm>
-    </dsp:sp>
-    <dsp:sp modelId="{A3AC5A82-45CF-44A1-B41F-635DAC5A92BB}">
-      <dsp:nvSpPr>
-        <dsp:cNvPr id="0" name=""/>
-        <dsp:cNvSpPr/>
-      </dsp:nvSpPr>
-      <dsp:spPr>
-        <a:xfrm>
-          <a:off x="7506865" y="435133"/>
-          <a:ext cx="2932566" cy="452539"/>
-        </a:xfrm>
-        <a:prstGeom prst="rect">
-          <a:avLst/>
-        </a:prstGeom>
-        <a:noFill/>
-        <a:ln>
-          <a:noFill/>
-        </a:ln>
-        <a:effectLst/>
-      </dsp:spPr>
-      <dsp:style>
-        <a:lnRef idx="0">
-          <a:scrgbClr r="0" g="0" b="0"/>
-        </a:lnRef>
-        <a:fillRef idx="0">
-          <a:scrgbClr r="0" g="0" b="0"/>
-        </a:fillRef>
-        <a:effectRef idx="0">
-          <a:scrgbClr r="0" g="0" b="0"/>
-        </a:effectRef>
-        <a:fontRef idx="minor"/>
-      </dsp:style>
-      <dsp:txBody>
-        <a:bodyPr spcFirstLastPara="0" vert="horz" wrap="square" lIns="0" tIns="0" rIns="0" bIns="0" numCol="1" spcCol="1270" rtlCol="0" anchor="ctr" anchorCtr="0">
-          <a:noAutofit/>
-        </a:bodyPr>
-        <a:lstStyle/>
-        <a:p>
-          <a:pPr marL="0" lvl="0" indent="0" algn="l" defTabSz="889000" rtl="0">
-            <a:lnSpc>
-              <a:spcPct val="90000"/>
-            </a:lnSpc>
-            <a:spcBef>
-              <a:spcPct val="0"/>
-            </a:spcBef>
-            <a:spcAft>
-              <a:spcPct val="35000"/>
-            </a:spcAft>
-            <a:buNone/>
-          </a:pPr>
-          <a:r>
-            <a:rPr lang="en-GB" sz="2000" kern="1200"/>
-            <a:t>Title</a:t>
-          </a:r>
-        </a:p>
-      </dsp:txBody>
-      <dsp:txXfrm>
-        <a:off x="7506865" y="435133"/>
-        <a:ext cx="2932566" cy="452539"/>
-      </dsp:txXfrm>
-    </dsp:sp>
-    <dsp:sp modelId="{1513F0EC-F72E-4447-AE42-46AD1B95828E}">
-      <dsp:nvSpPr>
-        <dsp:cNvPr id="0" name=""/>
-        <dsp:cNvSpPr/>
-      </dsp:nvSpPr>
-      <dsp:spPr>
-        <a:xfrm>
-          <a:off x="7283145" y="887672"/>
-          <a:ext cx="0" cy="1287996"/>
-        </a:xfrm>
-        <a:prstGeom prst="line">
-          <a:avLst/>
-        </a:prstGeom>
-        <a:noFill/>
-        <a:ln w="9525" cap="flat" cmpd="sng" algn="ctr">
-          <a:solidFill>
-            <a:schemeClr val="accent2">
-              <a:lumMod val="50000"/>
-            </a:schemeClr>
-          </a:solidFill>
-          <a:prstDash val="dash"/>
-          <a:miter lim="800000"/>
-        </a:ln>
-        <a:effectLst/>
-      </dsp:spPr>
-      <dsp:style>
-        <a:lnRef idx="1">
-          <a:scrgbClr r="0" g="0" b="0"/>
-        </a:lnRef>
-        <a:fillRef idx="0">
-          <a:scrgbClr r="0" g="0" b="0"/>
-        </a:fillRef>
-        <a:effectRef idx="0">
-          <a:scrgbClr r="0" g="0" b="0"/>
-        </a:effectRef>
-        <a:fontRef idx="minor"/>
-      </dsp:style>
-    </dsp:sp>
-    <dsp:sp modelId="{E5A60AEB-AC99-48F9-A630-D706383CE830}">
-      <dsp:nvSpPr>
-        <dsp:cNvPr id="0" name=""/>
-        <dsp:cNvSpPr/>
-      </dsp:nvSpPr>
-      <dsp:spPr>
-        <a:xfrm>
-          <a:off x="7245426" y="2134940"/>
-          <a:ext cx="80539" cy="81457"/>
-        </a:xfrm>
-        <a:prstGeom prst="ellipse">
-          <a:avLst/>
-        </a:prstGeom>
-        <a:solidFill>
-          <a:schemeClr val="lt1">
-            <a:hueOff val="0"/>
-            <a:satOff val="0"/>
-            <a:lumOff val="0"/>
-            <a:alphaOff val="0"/>
-          </a:schemeClr>
-        </a:solidFill>
-        <a:ln w="12700" cap="flat" cmpd="sng" algn="ctr">
-          <a:solidFill>
-            <a:schemeClr val="accent2">
-              <a:shade val="80000"/>
-              <a:hueOff val="0"/>
-              <a:satOff val="0"/>
-              <a:lumOff val="0"/>
-              <a:alphaOff val="0"/>
-            </a:schemeClr>
-          </a:solidFill>
-          <a:prstDash val="solid"/>
-          <a:miter lim="800000"/>
-        </a:ln>
-        <a:effectLst/>
-      </dsp:spPr>
-      <dsp:style>
-        <a:lnRef idx="2">
-          <a:scrgbClr r="0" g="0" b="0"/>
-        </a:lnRef>
-        <a:fillRef idx="1">
-          <a:scrgbClr r="0" g="0" b="0"/>
-        </a:fillRef>
-        <a:effectRef idx="0">
-          <a:scrgbClr r="0" g="0" b="0"/>
-        </a:effectRef>
-        <a:fontRef idx="minor">
-          <a:schemeClr val="lt1"/>
-        </a:fontRef>
-      </dsp:style>
-    </dsp:sp>
-  </dsp:spTree>
-</dsp:drawing>
-</file>
-
-<file path=ppt/diagrams/layout1.xml><?xml version="1.0" encoding="utf-8"?>
-<dgm:layoutDef xmlns:dgm="http://schemas.openxmlformats.org/drawingml/2006/diagram" xmlns:a="http://schemas.openxmlformats.org/drawingml/2006/main" uniqueId="urn:microsoft.com/office/officeart/2017/3/layout/DropPinTimeline#2">
-  <dgm:title val="Drop Pin Timeline"/>
-  <dgm:desc val="Use to show a list of events in chronological order. The rectangular shape contains the description while the date is shown near the circular dot. It’s the perfect SmartArt for displaying large amount of text with a short date format."/>
-  <dgm:catLst>
-    <dgm:cat type="timeline" pri="500"/>
-  </dgm:catLst>
-  <dgm:sampData>
-    <dgm:dataModel>
-      <dgm:ptLst>
-        <dgm:pt modelId="0" type="doc"/>
-        <dgm:pt modelId="10">
-          <dgm:prSet phldr="1"/>
-        </dgm:pt>
-        <dgm:pt modelId="11">
-          <dgm:prSet phldr="1"/>
-        </dgm:pt>
-        <dgm:pt modelId="20">
-          <dgm:prSet phldr="1"/>
-        </dgm:pt>
-        <dgm:pt modelId="21">
-          <dgm:prSet phldr="1"/>
-        </dgm:pt>
-        <dgm:pt modelId="30">
-          <dgm:prSet phldr="1"/>
-        </dgm:pt>
-        <dgm:pt modelId="31">
-          <dgm:prSet phldr="1"/>
-        </dgm:pt>
-      </dgm:ptLst>
-      <dgm:cxnLst>
-        <dgm:cxn modelId="40" srcId="0" destId="10" srcOrd="0" destOrd="0"/>
-        <dgm:cxn modelId="12" srcId="10" destId="11" srcOrd="0" destOrd="0"/>
-        <dgm:cxn modelId="50" srcId="0" destId="20" srcOrd="1" destOrd="0"/>
-        <dgm:cxn modelId="22" srcId="20" destId="21" srcOrd="0" destOrd="0"/>
-        <dgm:cxn modelId="60" srcId="0" destId="30" srcOrd="1" destOrd="0"/>
-        <dgm:cxn modelId="32" srcId="30" destId="31" srcOrd="0" destOrd="0"/>
-      </dgm:cxnLst>
-      <dgm:bg/>
-      <dgm:whole/>
-    </dgm:dataModel>
-  </dgm:sampData>
-  <dgm:styleData>
-    <dgm:dataModel>
-      <dgm:ptLst>
-        <dgm:pt modelId="0" type="doc"/>
-        <dgm:pt modelId="10">
-          <dgm:prSet phldr="1"/>
-        </dgm:pt>
-        <dgm:pt modelId="20">
-          <dgm:prSet phldr="1"/>
-        </dgm:pt>
-      </dgm:ptLst>
-      <dgm:cxnLst>
-        <dgm:cxn modelId="60" srcId="0" destId="10" srcOrd="0" destOrd="0"/>
-        <dgm:cxn modelId="70" srcId="0" destId="20" srcOrd="1" destOrd="0"/>
-      </dgm:cxnLst>
-      <dgm:bg/>
-      <dgm:whole/>
-    </dgm:dataModel>
-  </dgm:styleData>
-  <dgm:clrData>
-    <dgm:dataModel>
-      <dgm:ptLst>
-        <dgm:pt modelId="0" type="doc"/>
-        <dgm:pt modelId="10">
-          <dgm:prSet phldr="1"/>
-        </dgm:pt>
-        <dgm:pt modelId="20">
-          <dgm:prSet phldr="1"/>
-        </dgm:pt>
-        <dgm:pt modelId="30">
-          <dgm:prSet phldr="1"/>
-        </dgm:pt>
-        <dgm:pt modelId="40">
-          <dgm:prSet phldr="1"/>
-        </dgm:pt>
-      </dgm:ptLst>
-      <dgm:cxnLst>
-        <dgm:cxn modelId="60" srcId="0" destId="10" srcOrd="0" destOrd="0"/>
-        <dgm:cxn modelId="70" srcId="0" destId="20" srcOrd="1" destOrd="0"/>
-        <dgm:cxn modelId="80" srcId="0" destId="30" srcOrd="2" destOrd="0"/>
-        <dgm:cxn modelId="90" srcId="0" destId="40" srcOrd="3" destOrd="0"/>
-      </dgm:cxnLst>
-      <dgm:bg/>
-      <dgm:whole/>
-    </dgm:dataModel>
-  </dgm:clrData>
-  <dgm:layoutNode name="root">
-    <dgm:varLst>
-      <dgm:chMax/>
-      <dgm:chPref/>
-      <dgm:dir/>
-      <dgm:animLvl val="lvl"/>
-    </dgm:varLst>
-    <dgm:alg type="composite"/>
-    <dgm:shape xmlns:r="http://schemas.openxmlformats.org/officeDocument/2006/relationships" r:blip="">
-      <dgm:adjLst/>
-    </dgm:shape>
-    <dgm:constrLst>
-      <dgm:constr type="w" for="ch" forName="divider" refType="w"/>
-      <dgm:constr type="h" for="ch" forName="divider"/>
-      <dgm:constr type="ctrY" for="ch" forName="divider" refType="h" fact="0.5"/>
-      <dgm:constr type="l" for="ch" forName="divider"/>
-      <dgm:constr type="w" for="ch" forName="nodes" refType="w"/>
-      <dgm:constr type="h" for="ch" forName="nodes" refType="h" fact="0.8"/>
-      <dgm:constr type="ctrY" for="ch" forName="nodes" refType="h" fact="0.5"/>
-    </dgm:constrLst>
-    <dgm:layoutNode name="divider" styleLbl="fgAcc1">
-      <dgm:alg type="sp"/>
-      <dgm:choose name="ArrowShape">
-        <dgm:if name="ArrowShapeLTR" func="var" arg="dir" op="equ" val="norm">
-          <dgm:shape xmlns:r="http://schemas.openxmlformats.org/officeDocument/2006/relationships" type="line" r:blip="" zOrderOff="-1">
-            <dgm:adjLst/>
-            <dgm:extLst>
-              <a:ext uri="{B698B0E9-8C71-41B9-8309-B3DCBF30829C}">
-                <dgm1612:spPr xmlns:dgm1612="http://schemas.microsoft.com/office/drawing/2016/12/diagram">
-                  <a:ln>
-                    <a:solidFill>
-                      <a:srgbClr val="000000"/>
-                    </a:solidFill>
-                    <a:tailEnd type="triangle" w="lg" len="lg"/>
-                  </a:ln>
-                </dgm1612:spPr>
-              </a:ext>
-            </dgm:extLst>
-          </dgm:shape>
-        </dgm:if>
-        <dgm:else name="ArrowShapeRTL">
-          <dgm:shape xmlns:r="http://schemas.openxmlformats.org/officeDocument/2006/relationships" type="line" r:blip="" zOrderOff="-1">
-            <dgm:adjLst/>
-            <dgm:extLst>
-              <a:ext uri="{B698B0E9-8C71-41B9-8309-B3DCBF30829C}">
-                <dgm1612:spPr xmlns:dgm1612="http://schemas.microsoft.com/office/drawing/2016/12/diagram">
-                  <a:ln>
-                    <a:solidFill>
-                      <a:srgbClr val="000000"/>
-                    </a:solidFill>
-                    <a:headEnd type="triangle" w="lg" len="lg"/>
-                  </a:ln>
-                </dgm1612:spPr>
-              </a:ext>
-            </dgm:extLst>
-          </dgm:shape>
-        </dgm:else>
-      </dgm:choose>
-      <dgm:presOf/>
-      <dgm:constrLst/>
-      <dgm:ruleLst/>
-    </dgm:layoutNode>
-    <dgm:layoutNode name="nodes">
-      <dgm:varLst>
-        <dgm:chMax/>
-        <dgm:chPref/>
-        <dgm:animLvl val="lvl"/>
-      </dgm:varLst>
-      <dgm:choose name="Name1">
-        <dgm:if name="Name2" func="var" arg="dir" op="equ" val="norm">
-          <dgm:alg type="lin"/>
-        </dgm:if>
-        <dgm:else name="Name3">
-          <dgm:alg type="lin">
-            <dgm:param type="linDir" val="fromR"/>
-          </dgm:alg>
-        </dgm:else>
-      </dgm:choose>
-      <dgm:shape xmlns:r="http://schemas.openxmlformats.org/officeDocument/2006/relationships" r:blip="">
-        <dgm:adjLst/>
-      </dgm:shape>
-      <dgm:constrLst>
-        <dgm:constr type="primFontSz" for="des" forName="L1TextContainer" val="20"/>
-        <dgm:constr type="primFontSz" for="des" forName="L2TextContainer" refType="primFontSz" refFor="des" refForName="L1TextContainer" op="equ" fact="0.75"/>
-        <dgm:constr type="w" for="ch" forName="composite" refType="w"/>
-        <dgm:constr type="h" for="ch" forName="composite" refType="h"/>
-        <dgm:constr type="w" for="ch" forName="spaceBetweenRectangles" refType="w" refFor="ch" refForName="composite" fact="-0.5"/>
-        <dgm:constr type="w" for="ch" ptType="sibTrans" op="equ"/>
-        <dgm:constr type="primFontSz" for="des" forName="L1TextContainer" op="equ"/>
-        <dgm:constr type="primFontSz" for="des" forName="L2TextContainer" op="equ"/>
-        <dgm:constr type="primFontSz" for="des" forName="L1TextContainer1" val="20"/>
-        <dgm:constr type="primFontSz" for="des" forName="L2TextContainer1" refType="primFontSz" refFor="des" refForName="L1TextContainer1" op="equ" fact="0.75"/>
-        <dgm:constr type="w" for="ch" forName="composite1" refType="w"/>
-        <dgm:constr type="h" for="ch" forName="composite1" refType="h"/>
-        <dgm:constr type="w" for="ch" forName="spaceBetweenRectangles1" refType="w" refFor="ch" refForName="composite1" fact="0.28"/>
-        <dgm:constr type="primFontSz" for="des" forName="L1TextContainer1" op="equ"/>
-        <dgm:constr type="primFontSz" for="des" forName="L2TextContainer1" op="equ"/>
-      </dgm:constrLst>
-      <dgm:choose name="LayoutBasedOnCountOfNodes">
-        <dgm:if name="LessThanOrEqualToTwoNodes" axis="ch" ptType="node" func="cnt" op="lte" val="2">
-          <dgm:forEach name="nodesForEach1" axis="ch" ptType="node">
-            <dgm:layoutNode name="composite1">
-              <dgm:alg type="composite"/>
-              <dgm:shape xmlns:r="http://schemas.openxmlformats.org/officeDocument/2006/relationships" r:blip="">
-                <dgm:adjLst/>
-              </dgm:shape>
-              <dgm:choose name="CaseForLayoutDirection1">
-                <dgm:if name="CaseForLayoutDirectionLTR1" func="var" arg="dir" op="equ" val="norm">
-                  <dgm:choose name="CaseForPlacingNodesAboveAndBelowDividerLTR1">
-                    <dgm:if name="CaseForPlacingNodeAboveDividerLTR1" axis="self" ptType="node" func="posOdd" op="equ" val="1">
-                      <dgm:constrLst>
-                        <dgm:constr type="w" for="ch" forName="ConnectorPoint1" refType="h" refFor="ch" refForName="DropPinPlaceHolder1" fact="0.18"/>
-                        <dgm:constr type="h" for="ch" forName="ConnectorPoint1" refType="h" refFor="ch" refForName="DropPinPlaceHolder1" fact="0.18"/>
-                        <dgm:constr type="ctrX" for="ch" forName="ConnectorPoint1" refType="ctrX" refFor="ch" refForName="DropPinPlaceHolder1"/>
-                        <dgm:constr type="ctrY" for="ch" forName="ConnectorPoint1" refType="h" fact="0.5"/>
-                        <dgm:constr type="w" for="ch" forName="DropPinPlaceHolder1" refType="h" fact="0.13"/>
-                        <dgm:constr type="h" for="ch" forName="DropPinPlaceHolder1" refType="h" fact="0.13"/>
-                        <dgm:constr type="t" for="ch" forName="DropPinPlaceHolder1" refType="h" fact="0"/>
-                        <dgm:constr type="l" for="ch" forName="DropPinPlaceHolder1" refType="w" fact="0"/>
-                        <dgm:constr type="w" for="ch" forName="L2TextContainer1" refType="w" fact="0.83"/>
-                        <dgm:constr type="l" for="ch" forName="L2TextContainer1" refType="r" refFor="ch" refForName="DropPinPlaceHolder1"/>
-                        <dgm:constr type="t" for="ch" forName="L2TextContainer1" refType="b" refFor="ch" refForName="DropPinPlaceHolder1"/>
-                        <dgm:constr type="h" for="ch" forName="L2TextContainer1" refType="h" op="gte" fact="0.1"/>
-                        <dgm:constr type="b" for="ch" forName="L2TextContainer1" refType="h" fact="0.5"/>
-                        <dgm:constr type="w" for="ch" forName="L1TextContainer1" refType="w" fact="0.83"/>
-                        <dgm:constr type="l" for="ch" forName="L1TextContainer1" refType="r" refFor="ch" refForName="DropPinPlaceHolder1"/>
-                        <dgm:constr type="b" for="ch" forName="L1TextContainer1" refType="b" refFor="ch" refForName="DropPinPlaceHolder1"/>
-                        <dgm:constr type="t" for="ch" forName="L1TextContainer1" refType="t" refFor="ch" refForName="DropPinPlaceHolder1"/>
-                        <dgm:constr type="w" for="ch" forName="ConnectLine1"/>
-                        <dgm:constr type="ctrX" for="ch" forName="ConnectLine1" refType="ctrX" refFor="ch" refForName="DropPinPlaceHolder1"/>
-                        <dgm:constr type="b" for="ch" forName="ConnectLine1" refType="h" fact="0.5"/>
-                        <dgm:constr type="t" for="ch" forName="ConnectLine1" refType="b" refFor="ch" refForName="DropPinPlaceHolder1"/>
-                        <dgm:constr type="w" for="ch" forName="EmptyPlaceHolder1" refType="w"/>
-                        <dgm:constr type="h" for="ch" forName="EmptyPlaceHolder1" refType="h" fact="0.5"/>
-                        <dgm:constr type="t" for="ch" forName="EmptyPlaceHolder1" refType="h" fact="0.5"/>
-                      </dgm:constrLst>
-                    </dgm:if>
-                    <dgm:else name="CaseForPlacingNodeBelowDividerLTR1">
-                      <dgm:constrLst>
-                        <dgm:constr type="w" for="ch" forName="ConnectorPoint1" refType="h" refFor="ch" refForName="DropPinPlaceHolder1" fact="0.18"/>
-                        <dgm:constr type="h" for="ch" forName="ConnectorPoint1" refType="h" refFor="ch" refForName="DropPinPlaceHolder1" fact="0.18"/>
-                        <dgm:constr type="ctrX" for="ch" forName="ConnectorPoint1" refType="ctrX" refFor="ch" refForName="DropPinPlaceHolder1"/>
-                        <dgm:constr type="ctrY" for="ch" forName="ConnectorPoint1" refType="h" fact="0.5"/>
-                        <dgm:constr type="w" for="ch" forName="DropPinPlaceHolder1" refType="h" fact="0.13"/>
-                        <dgm:constr type="h" for="ch" forName="DropPinPlaceHolder1" refType="h" fact="0.13"/>
-                        <dgm:constr type="b" for="ch" forName="DropPinPlaceHolder1" refType="h"/>
-                        <dgm:constr type="l" for="ch" forName="DropPinPlaceHolder1" refType="w" fact="0"/>
-                        <dgm:constr type="w" for="ch" forName="L2TextContainer1" refType="w" fact="0.83"/>
-                        <dgm:constr type="l" for="ch" forName="L2TextContainer1" refType="r" refFor="ch" refForName="DropPinPlaceHolder1"/>
-                        <dgm:constr type="b" for="ch" forName="L2TextContainer1" refType="t" refFor="ch" refForName="DropPinPlaceHolder1"/>
-                        <dgm:constr type="h" for="ch" forName="L2TextContainer1" refType="h" op="gte" fact="0.1"/>
-                        <dgm:constr type="t" for="ch" forName="L2TextContainer1" refType="h" fact="0.5"/>
-                        <dgm:constr type="w" for="ch" forName="L1TextContainer1" refType="w" fact="0.83"/>
-                        <dgm:constr type="l" for="ch" forName="L1TextContainer1" refType="r" refFor="ch" refForName="DropPinPlaceHolder1"/>
-                        <dgm:constr type="b" for="ch" forName="L1TextContainer1" refType="b" refFor="ch" refForName="DropPinPlaceHolder1"/>
-                        <dgm:constr type="t" for="ch" forName="L1TextContainer1" refType="t" refFor="ch" refForName="DropPinPlaceHolder1"/>
-                        <dgm:constr type="w" for="ch" forName="ConnectLine1"/>
-                        <dgm:constr type="ctrX" for="ch" forName="ConnectLine1" refType="ctrX" refFor="ch" refForName="DropPinPlaceHolder1"/>
-                        <dgm:constr type="t" for="ch" forName="ConnectLine1" refType="h" fact="0.5"/>
-                        <dgm:constr type="b" for="ch" forName="ConnectLine1" refType="t" refFor="ch" refForName="DropPinPlaceHolder1"/>
-                        <dgm:constr type="w" for="ch" forName="EmptyPlaceHolder1" refType="w"/>
-                        <dgm:constr type="h" for="ch" forName="EmptyPlaceHolder1" refType="h" fact="0.5"/>
-                        <dgm:constr type="t" for="ch" forName="EmptyPlaceHolder1" refType="h" fact="0"/>
-                      </dgm:constrLst>
-                    </dgm:else>
-                  </dgm:choose>
-                </dgm:if>
-                <dgm:else name="CaseForLayoutDirectionRTL1">
-                  <dgm:choose name="CaseForPlacingNodesAboveAndBelowDividerRTL1">
-                    <dgm:if name="CaseForPlacingNodeAboveDividerRTL1" axis="self" ptType="node" func="posOdd" op="equ" val="1">
-                      <dgm:constrLst>
-                        <dgm:constr type="w" for="ch" forName="ConnectorPoint1" refType="h" refFor="ch" refForName="DropPinPlaceHolder1" fact="0.18"/>
-                        <dgm:constr type="h" for="ch" forName="ConnectorPoint1" refType="h" refFor="ch" refForName="DropPinPlaceHolder1" fact="0.18"/>
-                        <dgm:constr type="ctrX" for="ch" forName="ConnectorPoint1" refType="ctrX" refFor="ch" refForName="DropPinPlaceHolder1"/>
-                        <dgm:constr type="ctrY" for="ch" forName="ConnectorPoint1" refType="h" fact="0.5"/>
-                        <dgm:constr type="w" for="ch" forName="DropPinPlaceHolder1" refType="h" fact="0.13"/>
-                        <dgm:constr type="h" for="ch" forName="DropPinPlaceHolder1" refType="h" fact="0.13"/>
-                        <dgm:constr type="t" for="ch" forName="DropPinPlaceHolder1" refType="h" fact="0"/>
-                        <dgm:constr type="l" for="ch" forName="DropPinPlaceHolder1" refType="w" fact="0"/>
-                        <dgm:constr type="w" for="ch" forName="L2TextContainer1" refType="w" fact="0.83"/>
-                        <dgm:constr type="l" for="ch" forName="L2TextContainer1" refType="r" refFor="ch" refForName="DropPinPlaceHolder1"/>
-                        <dgm:constr type="t" for="ch" forName="L2TextContainer1" refType="b" refFor="ch" refForName="DropPinPlaceHolder1"/>
-                        <dgm:constr type="h" for="ch" forName="L2TextContainer1" refType="h" op="gte" fact="0.1"/>
-                        <dgm:constr type="b" for="ch" forName="L2TextContainer1" refType="h" fact="0.5"/>
-                        <dgm:constr type="w" for="ch" forName="L1TextContainer1" refType="w" fact="0.83"/>
-                        <dgm:constr type="l" for="ch" forName="L1TextContainer1" refType="r" refFor="ch" refForName="DropPinPlaceHolder1"/>
-                        <dgm:constr type="b" for="ch" forName="L1TextContainer1" refType="b" refFor="ch" refForName="DropPinPlaceHolder1"/>
-                        <dgm:constr type="t" for="ch" forName="L1TextContainer1" refType="t" refFor="ch" refForName="DropPinPlaceHolder1"/>
-                        <dgm:constr type="w" for="ch" forName="ConnectLine1"/>
-                        <dgm:constr type="ctrX" for="ch" forName="ConnectLine1" refType="ctrX" refFor="ch" refForName="DropPinPlaceHolder1"/>
-                        <dgm:constr type="b" for="ch" forName="ConnectLine1" refType="h" fact="0.5"/>
-                        <dgm:constr type="t" for="ch" forName="ConnectLine1" refType="b" refFor="ch" refForName="DropPinPlaceHolder1"/>
-                        <dgm:constr type="w" for="ch" forName="EmptyPlaceHolder1" refType="w"/>
-                        <dgm:constr type="h" for="ch" forName="EmptyPlaceHolder1" refType="h" fact="0.5"/>
-                        <dgm:constr type="t" for="ch" forName="EmptyPlaceHolder1" refType="h" fact="0.5"/>
-                      </dgm:constrLst>
-                    </dgm:if>
-                    <dgm:else name="CaseForPlacingNodeBelowDividerRTL1">
-                      <dgm:constrLst>
-                        <dgm:constr type="w" for="ch" forName="ConnectorPoint1" refType="h" refFor="ch" refForName="DropPinPlaceHolder1" fact="0.18"/>
-                        <dgm:constr type="h" for="ch" forName="ConnectorPoint1" refType="h" refFor="ch" refForName="DropPinPlaceHolder1" fact="0.18"/>
-                        <dgm:constr type="ctrX" for="ch" forName="ConnectorPoint1" refType="ctrX" refFor="ch" refForName="DropPinPlaceHolder1"/>
-                        <dgm:constr type="ctrY" for="ch" forName="ConnectorPoint1" refType="h" fact="0.5"/>
-                        <dgm:constr type="w" for="ch" forName="DropPinPlaceHolder1" refType="h" fact="0.13"/>
-                        <dgm:constr type="h" for="ch" forName="DropPinPlaceHolder1" refType="h" fact="0.13"/>
-                        <dgm:constr type="b" for="ch" forName="DropPinPlaceHolder1" refType="h"/>
-                        <dgm:constr type="l" for="ch" forName="DropPinPlaceHolder1" refType="w" fact="0"/>
-                        <dgm:constr type="w" for="ch" forName="L2TextContainer1" refType="w" fact="0.83"/>
-                        <dgm:constr type="l" for="ch" forName="L2TextContainer1" refType="r" refFor="ch" refForName="DropPinPlaceHolder1"/>
-                        <dgm:constr type="b" for="ch" forName="L2TextContainer1" refType="t" refFor="ch" refForName="DropPinPlaceHolder1"/>
-                        <dgm:constr type="h" for="ch" forName="L2TextContainer1" refType="h" op="gte" fact="0.1"/>
-                        <dgm:constr type="t" for="ch" forName="L2TextContainer1" refType="h" fact="0.5"/>
-                        <dgm:constr type="w" for="ch" forName="L1TextContainer1" refType="w" fact="0.83"/>
-                        <dgm:constr type="l" for="ch" forName="L1TextContainer1" refType="r" refFor="ch" refForName="DropPinPlaceHolder1"/>
-                        <dgm:constr type="b" for="ch" forName="L1TextContainer1" refType="b" refFor="ch" refForName="DropPinPlaceHolder1"/>
-                        <dgm:constr type="t" for="ch" forName="L1TextContainer1" refType="t" refFor="ch" refForName="DropPinPlaceHolder1"/>
-                        <dgm:constr type="w" for="ch" forName="ConnectLine1"/>
-                        <dgm:constr type="ctrX" for="ch" forName="ConnectLine1" refType="ctrX" refFor="ch" refForName="DropPinPlaceHolder1"/>
-                        <dgm:constr type="t" for="ch" forName="ConnectLine1" refType="h" fact="0.5"/>
-                        <dgm:constr type="b" for="ch" forName="ConnectLine1" refType="t" refFor="ch" refForName="DropPinPlaceHolder1"/>
-                        <dgm:constr type="w" for="ch" forName="EmptyPlaceHolder1" refType="w"/>
-                        <dgm:constr type="h" for="ch" forName="EmptyPlaceHolder1" refType="h" fact="0.5"/>
-                        <dgm:constr type="t" for="ch" forName="EmptyPlaceHolder1" refType="h" fact="0"/>
-                      </dgm:constrLst>
-                    </dgm:else>
-                  </dgm:choose>
-                </dgm:else>
-              </dgm:choose>
-              <dgm:layoutNode name="ConnectorPoint1" styleLbl="lnNode1" moveWith="L1TextContainer">
-                <dgm:alg type="sp"/>
-                <dgm:shape xmlns:r="http://schemas.openxmlformats.org/officeDocument/2006/relationships" type="ellipse" r:blip="" zOrderOff="10">
-                  <dgm:adjLst/>
-                </dgm:shape>
-                <dgm:presOf/>
-                <dgm:constrLst/>
-              </dgm:layoutNode>
-              <dgm:layoutNode name="DropPinPlaceHolder1" moveWith="L1TextContainer">
-                <dgm:alg type="composite"/>
-                <dgm:shape xmlns:r="http://schemas.openxmlformats.org/officeDocument/2006/relationships" r:blip="">
-                  <dgm:adjLst/>
-                </dgm:shape>
-                <dgm:constrLst>
-                  <dgm:constr type="w" for="ch" forName="DropPin1" refType="w"/>
-                  <dgm:constr type="h" for="ch" forName="DropPin1" refType="h"/>
-                  <dgm:constr type="ctrX" for="ch" forName="DropPin1" refType="w" fact="0.5"/>
-                  <dgm:constr type="ctrY" for="ch" forName="DropPin1" refType="h" fact="0.5"/>
-                  <dgm:constr type="w" for="ch" forName="Ellipse1" refType="w" refFor="ch" refForName="DropPin1" fact="0.55"/>
-                  <dgm:constr type="h" for="ch" forName="Ellipse1" refType="w" refFor="ch" refForName="DropPin1" fact="0.55"/>
-                  <dgm:constr type="ctrX" for="ch" forName="Ellipse1" refType="ctrX" refFor="ch" refForName="DropPin1"/>
-                  <dgm:constr type="ctrY" for="ch" forName="Ellipse1" refType="ctrY" refFor="ch" refForName="DropPin1"/>
-                </dgm:constrLst>
-                <dgm:layoutNode name="DropPin1" styleLbl="alignNode1">
-                  <dgm:alg type="sp"/>
-                  <dgm:choose name="CaseForPlacingTearDropAboveAndBelowDivider1">
-                    <dgm:if name="CaseForPlacingTearDropAboveDivider1" axis="self" ptType="node" func="posOdd" op="equ" val="1">
-                      <dgm:shape xmlns:r="http://schemas.openxmlformats.org/officeDocument/2006/relationships" rot="135" type="teardrop" r:blip="">
-                        <dgm:adjLst>
-                          <dgm:adj idx="1" val="1.15"/>
-                        </dgm:adjLst>
-                      </dgm:shape>
-                    </dgm:if>
-                    <dgm:else name="CaseForPlacingTearDropBelowDivider1">
-                      <dgm:shape xmlns:r="http://schemas.openxmlformats.org/officeDocument/2006/relationships" rot="-45" type="teardrop" r:blip="">
-                        <dgm:adjLst>
-                          <dgm:adj idx="1" val="1.15"/>
-                        </dgm:adjLst>
-                      </dgm:shape>
-                    </dgm:else>
-                  </dgm:choose>
-                  <dgm:presOf/>
-                  <dgm:constrLst/>
-                </dgm:layoutNode>
-                <dgm:layoutNode name="Ellipse1" styleLbl="fgAcc1" moveWith="DropPin">
-                  <dgm:alg type="sp"/>
-                  <dgm:shape xmlns:r="http://schemas.openxmlformats.org/officeDocument/2006/relationships" type="ellipse" r:blip="">
-                    <dgm:adjLst/>
-                    <dgm:extLst>
-                      <a:ext uri="{B698B0E9-8C71-41B9-8309-B3DCBF30829C}">
-                        <dgm1612:spPr xmlns:dgm1612="http://schemas.microsoft.com/office/drawing/2016/12/diagram">
-                          <a:ln>
-                            <a:noFill/>
-                          </a:ln>
-                        </dgm1612:spPr>
-                      </a:ext>
-                    </dgm:extLst>
-                  </dgm:shape>
-                  <dgm:presOf/>
-                  <dgm:constrLst/>
-                </dgm:layoutNode>
-              </dgm:layoutNode>
-              <dgm:layoutNode name="L2TextContainer1" styleLbl="revTx" moveWith="L1TextContainer">
-                <dgm:varLst>
-                  <dgm:bulletEnabled val="1"/>
-                </dgm:varLst>
-                <dgm:choose name="casesForTxtDirLogic1">
-                  <dgm:if name="Name771" axis="self" ptType="node" func="posOdd" op="equ" val="1">
-                    <dgm:alg type="tx">
-                      <dgm:param type="txAnchorVert" val="t"/>
-                      <dgm:param type="parTxLTRAlign" val="l"/>
-                      <dgm:param type="parTxRTLAlign" val="l"/>
-                      <dgm:param type="txAnchorVertCh" val="t"/>
-                      <dgm:param type="shpTxRTLAlignCh" val="l"/>
-                      <dgm:param type="shpTxLTRAlignCh" val="l"/>
-                    </dgm:alg>
-                  </dgm:if>
-                  <dgm:else name="Name881">
-                    <dgm:alg type="tx">
-                      <dgm:param type="txAnchorVert" val="b"/>
-                      <dgm:param type="parTxLTRAlign" val="l"/>
-                      <dgm:param type="parTxRTLAlign" val="l"/>
-                      <dgm:param type="txAnchorVertCh" val="b"/>
-                      <dgm:param type="shpTxRTLAlignCh" val="l"/>
-                      <dgm:param type="shpTxLTRAlignCh" val="l"/>
-                    </dgm:alg>
-                  </dgm:else>
-                </dgm:choose>
-                <dgm:shape xmlns:r="http://schemas.openxmlformats.org/officeDocument/2006/relationships" type="rect" r:blip="">
-                  <dgm:adjLst/>
-                </dgm:shape>
-                <dgm:presOf axis="des" ptType="node"/>
-                <dgm:constrLst>
-                  <dgm:constr type="lMarg"/>
-                  <dgm:constr type="rMarg"/>
-                  <dgm:constr type="tMarg" refType="h" fact="0.06"/>
-                  <dgm:constr type="bMarg" refType="h" fact="0.06"/>
-                </dgm:constrLst>
-                <dgm:ruleLst>
-                  <dgm:rule type="h" val="INF" fact="NaN" max="NaN"/>
-                </dgm:ruleLst>
-              </dgm:layoutNode>
-              <dgm:layoutNode name="L1TextContainer1" styleLbl="revTx">
-                <dgm:varLst>
-                  <dgm:chMax val="1"/>
-                  <dgm:chPref val="1"/>
-                  <dgm:bulletEnabled val="1"/>
-                </dgm:varLst>
-                <dgm:alg type="tx">
-                  <dgm:param type="txAnchorVert" val="mid"/>
-                  <dgm:param type="parTxLTRAlign" val="l"/>
-                  <dgm:param type="parTxRTLAlign" val="l"/>
-                </dgm:alg>
-                <dgm:shape xmlns:r="http://schemas.openxmlformats.org/officeDocument/2006/relationships" type="rect" r:blip="">
-                  <dgm:adjLst/>
-                </dgm:shape>
-                <dgm:presOf axis="self"/>
-                <dgm:constrLst>
-                  <dgm:constr type="lMarg"/>
-                  <dgm:constr type="rMarg"/>
-                  <dgm:constr type="tMarg"/>
-                  <dgm:constr type="bMarg"/>
-                </dgm:constrLst>
-                <dgm:ruleLst>
-                  <dgm:rule type="primFontSz" val="13" fact="NaN" max="NaN"/>
-                </dgm:ruleLst>
-              </dgm:layoutNode>
-              <dgm:layoutNode name="ConnectLine1" styleLbl="sibTrans1D1" moveWith="L1TextContainer">
-                <dgm:alg type="sp"/>
-                <dgm:shape xmlns:r="http://schemas.openxmlformats.org/officeDocument/2006/relationships" type="line" r:blip="">
-                  <dgm:adjLst/>
-                </dgm:shape>
-                <dgm:presOf/>
-                <dgm:constrLst/>
-              </dgm:layoutNode>
-              <dgm:layoutNode name="EmptyPlaceHolder1">
-                <dgm:alg type="sp"/>
-                <dgm:shape xmlns:r="http://schemas.openxmlformats.org/officeDocument/2006/relationships" r:blip="">
-                  <dgm:adjLst/>
-                </dgm:shape>
-                <dgm:presOf/>
-                <dgm:constrLst/>
-              </dgm:layoutNode>
-            </dgm:layoutNode>
-            <dgm:forEach name="Name281" axis="followSib" ptType="sibTrans" cnt="1">
-              <dgm:layoutNode name="spaceBetweenRectangles1">
-                <dgm:alg type="sp"/>
-                <dgm:shape xmlns:r="http://schemas.openxmlformats.org/officeDocument/2006/relationships" r:blip="">
-                  <dgm:adjLst/>
-                </dgm:shape>
-                <dgm:presOf/>
-                <dgm:constrLst/>
-                <dgm:ruleLst/>
-              </dgm:layoutNode>
-            </dgm:forEach>
-          </dgm:forEach>
-        </dgm:if>
-        <dgm:else name="MoreThanTwoNodes">
-          <dgm:forEach name="nodesForEach" axis="ch" ptType="node">
-            <dgm:layoutNode name="composite">
-              <dgm:alg type="composite"/>
-              <dgm:shape xmlns:r="http://schemas.openxmlformats.org/officeDocument/2006/relationships" r:blip="">
-                <dgm:adjLst/>
-              </dgm:shape>
-              <dgm:choose name="CaseForLayoutDirection">
-                <dgm:if name="CaseForLayoutDirectionLTR" func="var" arg="dir" op="equ" val="norm">
-                  <dgm:choose name="CaseForPlacingNodesAboveAndBelowDividerLTR">
-                    <dgm:if name="CaseForPlacingNodeAboveDividerLTR" axis="self" ptType="node" func="posOdd" op="equ" val="1">
-                      <dgm:constrLst>
-                        <dgm:constr type="w" for="ch" forName="ConnectorPoint" refType="h" refFor="ch" refForName="DropPinPlaceHolder" fact="0.18"/>
-                        <dgm:constr type="h" for="ch" forName="ConnectorPoint" refType="h" refFor="ch" refForName="DropPinPlaceHolder" fact="0.18"/>
-                        <dgm:constr type="ctrX" for="ch" forName="ConnectorPoint" refType="ctrX" refFor="ch" refForName="DropPinPlaceHolder"/>
-                        <dgm:constr type="ctrY" for="ch" forName="ConnectorPoint" refType="h" fact="0.5"/>
-                        <dgm:constr type="w" for="ch" forName="DropPinPlaceHolder" refType="h" fact="0.13"/>
-                        <dgm:constr type="h" for="ch" forName="DropPinPlaceHolder" refType="h" fact="0.13"/>
-                        <dgm:constr type="t" for="ch" forName="DropPinPlaceHolder" refType="h" fact="0"/>
-                        <dgm:constr type="l" for="ch" forName="DropPinPlaceHolder" refType="w" fact="0"/>
-                        <dgm:constr type="w" for="ch" forName="L2TextContainer" refType="w" fact="0.83"/>
-                        <dgm:constr type="l" for="ch" forName="L2TextContainer" refType="r" refFor="ch" refForName="DropPinPlaceHolder"/>
-                        <dgm:constr type="t" for="ch" forName="L2TextContainer" refType="b" refFor="ch" refForName="DropPinPlaceHolder"/>
-                        <dgm:constr type="h" for="ch" forName="L2TextContainer" refType="h" op="gte" fact="0.1"/>
-                        <dgm:constr type="b" for="ch" forName="L2TextContainer" refType="h" fact="0.5"/>
-                        <dgm:constr type="w" for="ch" forName="L1TextContainer" refType="w" fact="0.83"/>
-                        <dgm:constr type="l" for="ch" forName="L1TextContainer" refType="r" refFor="ch" refForName="DropPinPlaceHolder"/>
-                        <dgm:constr type="b" for="ch" forName="L1TextContainer" refType="b" refFor="ch" refForName="DropPinPlaceHolder"/>
-                        <dgm:constr type="t" for="ch" forName="L1TextContainer" refType="t" refFor="ch" refForName="DropPinPlaceHolder"/>
-                        <dgm:constr type="w" for="ch" forName="ConnectLine"/>
-                        <dgm:constr type="ctrX" for="ch" forName="ConnectLine" refType="ctrX" refFor="ch" refForName="DropPinPlaceHolder"/>
-                        <dgm:constr type="b" for="ch" forName="ConnectLine" refType="h" fact="0.5"/>
-                        <dgm:constr type="t" for="ch" forName="ConnectLine" refType="b" refFor="ch" refForName="DropPinPlaceHolder"/>
-                        <dgm:constr type="w" for="ch" forName="EmptyPlaceHolder" refType="w"/>
-                        <dgm:constr type="h" for="ch" forName="EmptyPlaceHolder" refType="h" fact="0.5"/>
-                        <dgm:constr type="t" for="ch" forName="EmptyPlaceHolder" refType="h" fact="0.5"/>
-                      </dgm:constrLst>
-                    </dgm:if>
-                    <dgm:else name="CaseForPlacingNodeBelowDividerLTR">
-                      <dgm:constrLst>
-                        <dgm:constr type="w" for="ch" forName="ConnectorPoint" refType="h" refFor="ch" refForName="DropPinPlaceHolder" fact="0.18"/>
-                        <dgm:constr type="h" for="ch" forName="ConnectorPoint" refType="h" refFor="ch" refForName="DropPinPlaceHolder" fact="0.18"/>
-                        <dgm:constr type="ctrX" for="ch" forName="ConnectorPoint" refType="ctrX" refFor="ch" refForName="DropPinPlaceHolder"/>
-                        <dgm:constr type="ctrY" for="ch" forName="ConnectorPoint" refType="h" fact="0.5"/>
-                        <dgm:constr type="w" for="ch" forName="DropPinPlaceHolder" refType="h" fact="0.13"/>
-                        <dgm:constr type="h" for="ch" forName="DropPinPlaceHolder" refType="h" fact="0.13"/>
-                        <dgm:constr type="b" for="ch" forName="DropPinPlaceHolder" refType="h"/>
-                        <dgm:constr type="l" for="ch" forName="DropPinPlaceHolder" refType="w" fact="0"/>
-                        <dgm:constr type="w" for="ch" forName="L2TextContainer" refType="w" fact="0.83"/>
-                        <dgm:constr type="l" for="ch" forName="L2TextContainer" refType="r" refFor="ch" refForName="DropPinPlaceHolder"/>
-                        <dgm:constr type="b" for="ch" forName="L2TextContainer" refType="t" refFor="ch" refForName="DropPinPlaceHolder"/>
-                        <dgm:constr type="h" for="ch" forName="L2TextContainer" refType="h" op="gte" fact="0.1"/>
-                        <dgm:constr type="t" for="ch" forName="L2TextContainer" refType="h" fact="0.5"/>
-                        <dgm:constr type="w" for="ch" forName="L1TextContainer" refType="w" fact="0.83"/>
-                        <dgm:constr type="l" for="ch" forName="L1TextContainer" refType="r" refFor="ch" refForName="DropPinPlaceHolder"/>
-                        <dgm:constr type="b" for="ch" forName="L1TextContainer" refType="b" refFor="ch" refForName="DropPinPlaceHolder"/>
-                        <dgm:constr type="t" for="ch" forName="L1TextContainer" refType="t" refFor="ch" refForName="DropPinPlaceHolder"/>
-                        <dgm:constr type="w" for="ch" forName="ConnectLine"/>
-                        <dgm:constr type="ctrX" for="ch" forName="ConnectLine" refType="ctrX" refFor="ch" refForName="DropPinPlaceHolder"/>
-                        <dgm:constr type="t" for="ch" forName="ConnectLine" refType="h" fact="0.5"/>
-                        <dgm:constr type="b" for="ch" forName="ConnectLine" refType="t" refFor="ch" refForName="DropPinPlaceHolder"/>
-                        <dgm:constr type="w" for="ch" forName="EmptyPlaceHolder" refType="w"/>
-                        <dgm:constr type="h" for="ch" forName="EmptyPlaceHolder" refType="h" fact="0.5"/>
-                        <dgm:constr type="t" for="ch" forName="EmptyPlaceHolder" refType="h" fact="0"/>
-                      </dgm:constrLst>
-                    </dgm:else>
-                  </dgm:choose>
-                </dgm:if>
-                <dgm:else name="CaseForLayoutDirectionRTL">
-                  <dgm:choose name="CaseForPlacingNodesAboveAndBelowDividerRTL">
-                    <dgm:if name="CaseForPlacingNodeAboveDividerRTL" axis="self" ptType="node" func="posOdd" op="equ" val="1">
-                      <dgm:constrLst>
-                        <dgm:constr type="w" for="ch" forName="ConnectorPoint" refType="h" refFor="ch" refForName="DropPinPlaceHolder" fact="0.18"/>
-                        <dgm:constr type="h" for="ch" forName="ConnectorPoint" refType="h" refFor="ch" refForName="DropPinPlaceHolder" fact="0.18"/>
-                        <dgm:constr type="ctrX" for="ch" forName="ConnectorPoint" refType="ctrX" refFor="ch" refForName="DropPinPlaceHolder"/>
-                        <dgm:constr type="ctrY" for="ch" forName="ConnectorPoint" refType="h" fact="0.5"/>
-                        <dgm:constr type="w" for="ch" forName="DropPinPlaceHolder" refType="h" fact="0.13"/>
-                        <dgm:constr type="h" for="ch" forName="DropPinPlaceHolder" refType="h" fact="0.13"/>
-                        <dgm:constr type="t" for="ch" forName="DropPinPlaceHolder" refType="h" fact="0"/>
-                        <dgm:constr type="l" for="ch" forName="DropPinPlaceHolder" refType="w" fact="0"/>
-                        <dgm:constr type="w" for="ch" forName="L2TextContainer" refType="w" fact="0.83"/>
-                        <dgm:constr type="l" for="ch" forName="L2TextContainer" refType="r" refFor="ch" refForName="DropPinPlaceHolder"/>
-                        <dgm:constr type="t" for="ch" forName="L2TextContainer" refType="b" refFor="ch" refForName="DropPinPlaceHolder"/>
-                        <dgm:constr type="h" for="ch" forName="L2TextContainer" refType="h" op="gte" fact="0.1"/>
-                        <dgm:constr type="b" for="ch" forName="L2TextContainer" refType="h" fact="0.5"/>
-                        <dgm:constr type="w" for="ch" forName="L1TextContainer" refType="w" fact="0.83"/>
-                        <dgm:constr type="l" for="ch" forName="L1TextContainer" refType="r" refFor="ch" refForName="DropPinPlaceHolder"/>
-                        <dgm:constr type="b" for="ch" forName="L1TextContainer" refType="b" refFor="ch" refForName="DropPinPlaceHolder"/>
-                        <dgm:constr type="t" for="ch" forName="L1TextContainer" refType="t" refFor="ch" refForName="DropPinPlaceHolder"/>
-                        <dgm:constr type="w" for="ch" forName="ConnectLine"/>
-                        <dgm:constr type="ctrX" for="ch" forName="ConnectLine" refType="ctrX" refFor="ch" refForName="DropPinPlaceHolder"/>
-                        <dgm:constr type="b" for="ch" forName="ConnectLine" refType="h" fact="0.5"/>
-                        <dgm:constr type="t" for="ch" forName="ConnectLine" refType="b" refFor="ch" refForName="DropPinPlaceHolder"/>
-                        <dgm:constr type="w" for="ch" forName="EmptyPlaceHolder" refType="w"/>
-                        <dgm:constr type="h" for="ch" forName="EmptyPlaceHolder" refType="h" fact="0.5"/>
-                        <dgm:constr type="t" for="ch" forName="EmptyPlaceHolder" refType="h" fact="0.5"/>
-                      </dgm:constrLst>
-                    </dgm:if>
-                    <dgm:else name="CaseForPlacingNodeBelowDividerRTL">
-                      <dgm:constrLst>
-                        <dgm:constr type="w" for="ch" forName="ConnectorPoint" refType="h" refFor="ch" refForName="DropPinPlaceHolder" fact="0.18"/>
-                        <dgm:constr type="h" for="ch" forName="ConnectorPoint" refType="h" refFor="ch" refForName="DropPinPlaceHolder" fact="0.18"/>
-                        <dgm:constr type="ctrX" for="ch" forName="ConnectorPoint" refType="ctrX" refFor="ch" refForName="DropPinPlaceHolder"/>
-                        <dgm:constr type="ctrY" for="ch" forName="ConnectorPoint" refType="h" fact="0.5"/>
-                        <dgm:constr type="w" for="ch" forName="DropPinPlaceHolder" refType="h" fact="0.13"/>
-                        <dgm:constr type="h" for="ch" forName="DropPinPlaceHolder" refType="h" fact="0.13"/>
-                        <dgm:constr type="b" for="ch" forName="DropPinPlaceHolder" refType="h"/>
-                        <dgm:constr type="l" for="ch" forName="DropPinPlaceHolder" refType="w" fact="0"/>
-                        <dgm:constr type="w" for="ch" forName="L2TextContainer" refType="w" fact="0.83"/>
-                        <dgm:constr type="l" for="ch" forName="L2TextContainer" refType="r" refFor="ch" refForName="DropPinPlaceHolder"/>
-                        <dgm:constr type="b" for="ch" forName="L2TextContainer" refType="t" refFor="ch" refForName="DropPinPlaceHolder"/>
-                        <dgm:constr type="h" for="ch" forName="L2TextContainer" refType="h" op="gte" fact="0.1"/>
-                        <dgm:constr type="t" for="ch" forName="L2TextContainer" refType="h" fact="0.5"/>
-                        <dgm:constr type="w" for="ch" forName="L1TextContainer" refType="w" fact="0.83"/>
-                        <dgm:constr type="l" for="ch" forName="L1TextContainer" refType="r" refFor="ch" refForName="DropPinPlaceHolder"/>
-                        <dgm:constr type="b" for="ch" forName="L1TextContainer" refType="b" refFor="ch" refForName="DropPinPlaceHolder"/>
-                        <dgm:constr type="t" for="ch" forName="L1TextContainer" refType="t" refFor="ch" refForName="DropPinPlaceHolder"/>
-                        <dgm:constr type="w" for="ch" forName="ConnectLine"/>
-                        <dgm:constr type="ctrX" for="ch" forName="ConnectLine" refType="ctrX" refFor="ch" refForName="DropPinPlaceHolder"/>
-                        <dgm:constr type="t" for="ch" forName="ConnectLine" refType="h" fact="0.5"/>
-                        <dgm:constr type="b" for="ch" forName="ConnectLine" refType="t" refFor="ch" refForName="DropPinPlaceHolder"/>
-                        <dgm:constr type="w" for="ch" forName="EmptyPlaceHolder" refType="w"/>
-                        <dgm:constr type="h" for="ch" forName="EmptyPlaceHolder" refType="h" fact="0.5"/>
-                        <dgm:constr type="t" for="ch" forName="EmptyPlaceHolder" refType="h" fact="0"/>
-                      </dgm:constrLst>
-                    </dgm:else>
-                  </dgm:choose>
-                </dgm:else>
-              </dgm:choose>
-              <dgm:layoutNode name="ConnectorPoint" styleLbl="lnNode1" moveWith="L1TextContainer">
-                <dgm:alg type="sp"/>
-                <dgm:shape xmlns:r="http://schemas.openxmlformats.org/officeDocument/2006/relationships" type="ellipse" r:blip="" zOrderOff="10">
-                  <dgm:adjLst/>
-                </dgm:shape>
-                <dgm:presOf/>
-                <dgm:constrLst/>
-              </dgm:layoutNode>
-              <dgm:layoutNode name="DropPinPlaceHolder" moveWith="L1TextContainer">
-                <dgm:alg type="composite"/>
-                <dgm:shape xmlns:r="http://schemas.openxmlformats.org/officeDocument/2006/relationships" r:blip="">
-                  <dgm:adjLst/>
-                </dgm:shape>
-                <dgm:constrLst>
-                  <dgm:constr type="w" for="ch" forName="DropPin" refType="w"/>
-                  <dgm:constr type="h" for="ch" forName="DropPin" refType="h"/>
-                  <dgm:constr type="ctrX" for="ch" forName="DropPin" refType="w" fact="0.5"/>
-                  <dgm:constr type="ctrY" for="ch" forName="DropPin" refType="h" fact="0.5"/>
-                  <dgm:constr type="w" for="ch" forName="Ellipse" refType="w" refFor="ch" refForName="DropPin" fact="0.55"/>
-                  <dgm:constr type="h" for="ch" forName="Ellipse" refType="w" refFor="ch" refForName="DropPin" fact="0.55"/>
-                  <dgm:constr type="ctrX" for="ch" forName="Ellipse" refType="ctrX" refFor="ch" refForName="DropPin"/>
-                  <dgm:constr type="ctrY" for="ch" forName="Ellipse" refType="ctrY" refFor="ch" refForName="DropPin"/>
-                </dgm:constrLst>
-                <dgm:layoutNode name="DropPin" styleLbl="alignNode1">
-                  <dgm:alg type="sp"/>
-                  <dgm:choose name="CaseForPlacingTearDropAboveAndBelowDivider">
-                    <dgm:if name="CaseForPlacingTearDropAboveDivider" axis="self" ptType="node" func="posOdd" op="equ" val="1">
-                      <dgm:shape xmlns:r="http://schemas.openxmlformats.org/officeDocument/2006/relationships" rot="135" type="teardrop" r:blip="">
-                        <dgm:adjLst>
-                          <dgm:adj idx="1" val="1.15"/>
-                        </dgm:adjLst>
-                      </dgm:shape>
-                    </dgm:if>
-                    <dgm:else name="CaseForPlacingTearDropBelowDivider">
-                      <dgm:shape xmlns:r="http://schemas.openxmlformats.org/officeDocument/2006/relationships" rot="-45" type="teardrop" r:blip="">
-                        <dgm:adjLst>
-                          <dgm:adj idx="1" val="1.15"/>
-                        </dgm:adjLst>
-                      </dgm:shape>
-                    </dgm:else>
-                  </dgm:choose>
-                  <dgm:presOf/>
-                  <dgm:constrLst/>
-                </dgm:layoutNode>
-                <dgm:layoutNode name="Ellipse" styleLbl="fgAcc1" moveWith="DropPin">
-                  <dgm:alg type="sp"/>
-                  <dgm:shape xmlns:r="http://schemas.openxmlformats.org/officeDocument/2006/relationships" type="ellipse" r:blip="">
-                    <dgm:adjLst/>
-                    <dgm:extLst>
-                      <a:ext uri="{B698B0E9-8C71-41B9-8309-B3DCBF30829C}">
-                        <dgm1612:spPr xmlns:dgm1612="http://schemas.microsoft.com/office/drawing/2016/12/diagram">
-                          <a:ln>
-                            <a:noFill/>
-                          </a:ln>
-                        </dgm1612:spPr>
-                      </a:ext>
-                    </dgm:extLst>
-                  </dgm:shape>
-                  <dgm:presOf/>
-                  <dgm:constrLst/>
-                </dgm:layoutNode>
-              </dgm:layoutNode>
-              <dgm:layoutNode name="L2TextContainer" styleLbl="revTx" moveWith="L1TextContainer">
-                <dgm:varLst>
-                  <dgm:bulletEnabled val="1"/>
-                </dgm:varLst>
-                <dgm:choose name="casesForTxtDirLogic">
-                  <dgm:if name="Name77" axis="self" ptType="node" func="posOdd" op="equ" val="1">
-                    <dgm:alg type="tx">
-                      <dgm:param type="txAnchorVert" val="t"/>
-                      <dgm:param type="parTxLTRAlign" val="l"/>
-                      <dgm:param type="parTxRTLAlign" val="l"/>
-                      <dgm:param type="txAnchorVertCh" val="t"/>
-                      <dgm:param type="shpTxRTLAlignCh" val="l"/>
-                      <dgm:param type="shpTxLTRAlignCh" val="l"/>
-                    </dgm:alg>
-                  </dgm:if>
-                  <dgm:else name="Name88">
-                    <dgm:alg type="tx">
-                      <dgm:param type="txAnchorVert" val="b"/>
-                      <dgm:param type="parTxLTRAlign" val="l"/>
-                      <dgm:param type="parTxRTLAlign" val="l"/>
-                      <dgm:param type="txAnchorVertCh" val="b"/>
-                      <dgm:param type="shpTxRTLAlignCh" val="l"/>
-                      <dgm:param type="shpTxLTRAlignCh" val="l"/>
-                    </dgm:alg>
-                  </dgm:else>
-                </dgm:choose>
-                <dgm:shape xmlns:r="http://schemas.openxmlformats.org/officeDocument/2006/relationships" type="rect" r:blip="">
-                  <dgm:adjLst/>
-                </dgm:shape>
-                <dgm:presOf axis="des" ptType="node"/>
-                <dgm:constrLst>
-                  <dgm:constr type="lMarg"/>
-                  <dgm:constr type="rMarg"/>
-                  <dgm:constr type="tMarg" refType="h" fact="0.06"/>
-                  <dgm:constr type="bMarg" refType="h" fact="0.06"/>
-                </dgm:constrLst>
-                <dgm:ruleLst>
-                  <dgm:rule type="h" val="INF" fact="NaN" max="NaN"/>
-                </dgm:ruleLst>
-              </dgm:layoutNode>
-              <dgm:layoutNode name="L1TextContainer" styleLbl="revTx">
-                <dgm:varLst>
-                  <dgm:chMax val="1"/>
-                  <dgm:chPref val="1"/>
-                  <dgm:bulletEnabled val="1"/>
-                </dgm:varLst>
-                <dgm:alg type="tx">
-                  <dgm:param type="txAnchorVert" val="mid"/>
-                  <dgm:param type="parTxLTRAlign" val="l"/>
-                  <dgm:param type="parTxRTLAlign" val="l"/>
-                </dgm:alg>
-                <dgm:shape xmlns:r="http://schemas.openxmlformats.org/officeDocument/2006/relationships" type="rect" r:blip="">
-                  <dgm:adjLst/>
-                </dgm:shape>
-                <dgm:presOf axis="self"/>
-                <dgm:constrLst>
-                  <dgm:constr type="lMarg"/>
-                  <dgm:constr type="rMarg"/>
-                  <dgm:constr type="tMarg"/>
-                  <dgm:constr type="bMarg"/>
-                </dgm:constrLst>
-                <dgm:ruleLst>
-                  <dgm:rule type="primFontSz" val="13" fact="NaN" max="NaN"/>
-                </dgm:ruleLst>
-              </dgm:layoutNode>
-              <dgm:layoutNode name="ConnectLine" styleLbl="sibTrans1D1" moveWith="L1TextContainer">
-                <dgm:alg type="sp"/>
-                <dgm:shape xmlns:r="http://schemas.openxmlformats.org/officeDocument/2006/relationships" type="line" r:blip="">
-                  <dgm:adjLst/>
-                  <dgm:extLst>
-                    <a:ext uri="{B698B0E9-8C71-41B9-8309-B3DCBF30829C}">
-                      <dgm1612:spPr xmlns:dgm1612="http://schemas.microsoft.com/office/drawing/2016/12/diagram">
-                        <a:ln>
-                          <a:prstDash val="dash"/>
-                        </a:ln>
-                      </dgm1612:spPr>
-                    </a:ext>
-                  </dgm:extLst>
-                </dgm:shape>
-                <dgm:presOf/>
-                <dgm:constrLst/>
-              </dgm:layoutNode>
-              <dgm:layoutNode name="EmptyPlaceHolder">
-                <dgm:alg type="sp"/>
-                <dgm:shape xmlns:r="http://schemas.openxmlformats.org/officeDocument/2006/relationships" r:blip="">
-                  <dgm:adjLst/>
-                </dgm:shape>
-                <dgm:presOf/>
-                <dgm:constrLst/>
-              </dgm:layoutNode>
-            </dgm:layoutNode>
-            <dgm:forEach name="Name28" axis="followSib" ptType="sibTrans" cnt="1">
-              <dgm:layoutNode name="spaceBetweenRectangles">
-                <dgm:alg type="sp"/>
-                <dgm:shape xmlns:r="http://schemas.openxmlformats.org/officeDocument/2006/relationships" r:blip="">
-                  <dgm:adjLst/>
-                </dgm:shape>
-                <dgm:presOf/>
-                <dgm:constrLst/>
-                <dgm:ruleLst/>
-              </dgm:layoutNode>
-            </dgm:forEach>
-          </dgm:forEach>
-        </dgm:else>
-      </dgm:choose>
-    </dgm:layoutNode>
-  </dgm:layoutNode>
-</dgm:layoutDef>
-</file>
-
-<file path=ppt/diagrams/quickStyle1.xml><?xml version="1.0" encoding="utf-8"?>
-<dgm:styleDef xmlns:dgm="http://schemas.openxmlformats.org/drawingml/2006/diagram" xmlns:a="http://schemas.openxmlformats.org/drawingml/2006/main" uniqueId="urn:microsoft.com/office/officeart/2005/8/quickstyle/simple1">
-  <dgm:title val=""/>
-  <dgm:desc val=""/>
-  <dgm:catLst>
-    <dgm:cat type="simple" pri="10100"/>
-  </dgm:catLst>
-  <dgm:scene3d>
-    <a:camera prst="orthographicFront"/>
-    <a:lightRig rig="threePt" dir="t"/>
-  </dgm:scene3d>
-  <dgm:styleLbl name="node0">
-    <dgm:scene3d>
-      <a:camera prst="orthographicFront"/>
-      <a:lightRig rig="threePt" dir="t"/>
-    </dgm:scene3d>
-    <dgm:sp3d/>
-    <dgm:txPr/>
-    <dgm:style>
-      <a:lnRef idx="2">
-        <a:scrgbClr r="0" g="0" b="0"/>
-      </a:lnRef>
-      <a:fillRef idx="1">
-        <a:scrgbClr r="0" g="0" b="0"/>
-      </a:fillRef>
-      <a:effectRef idx="0">
-        <a:scrgbClr r="0" g="0" b="0"/>
-      </a:effectRef>
-      <a:fontRef idx="minor">
-        <a:schemeClr val="lt1"/>
-      </a:fontRef>
-    </dgm:style>
-  </dgm:styleLbl>
-  <dgm:styleLbl name="lnNode1">
-    <dgm:scene3d>
-      <a:camera prst="orthographicFront"/>
-      <a:lightRig rig="threePt" dir="t"/>
-    </dgm:scene3d>
-    <dgm:sp3d/>
-    <dgm:txPr/>
-    <dgm:style>
-      <a:lnRef idx="2">
-        <a:scrgbClr r="0" g="0" b="0"/>
-      </a:lnRef>
-      <a:fillRef idx="1">
-        <a:scrgbClr r="0" g="0" b="0"/>
-      </a:fillRef>
-      <a:effectRef idx="0">
-        <a:scrgbClr r="0" g="0" b="0"/>
-      </a:effectRef>
-      <a:fontRef idx="minor">
-        <a:schemeClr val="lt1"/>
-      </a:fontRef>
-    </dgm:style>
-  </dgm:styleLbl>
-  <dgm:styleLbl name="vennNode1">
-    <dgm:scene3d>
-      <a:camera prst="orthographicFront"/>
-      <a:lightRig rig="threePt" dir="t"/>
-    </dgm:scene3d>
-    <dgm:sp3d/>
-    <dgm:txPr/>
-    <dgm:style>
-      <a:lnRef idx="2">
-        <a:scrgbClr r="0" g="0" b="0"/>
-      </a:lnRef>
-      <a:fillRef idx="1">
-        <a:scrgbClr r="0" g="0" b="0"/>
-      </a:fillRef>
-      <a:effectRef idx="0">
-        <a:scrgbClr r="0" g="0" b="0"/>
-      </a:effectRef>
-      <a:fontRef idx="minor">
-        <a:schemeClr val="tx1"/>
-      </a:fontRef>
-    </dgm:style>
-  </dgm:styleLbl>
-  <dgm:styleLbl name="alignNode1">
-    <dgm:scene3d>
-      <a:camera prst="orthographicFront"/>
-      <a:lightRig rig="threePt" dir="t"/>
-    </dgm:scene3d>
-    <dgm:sp3d/>
-    <dgm:txPr/>
-    <dgm:style>
-      <a:lnRef idx="2">
-        <a:scrgbClr r="0" g="0" b="0"/>
-      </a:lnRef>
-      <a:fillRef idx="1">
-        <a:scrgbClr r="0" g="0" b="0"/>
-      </a:fillRef>
-      <a:effectRef idx="0">
-        <a:scrgbClr r="0" g="0" b="0"/>
-      </a:effectRef>
-      <a:fontRef idx="minor">
-        <a:schemeClr val="lt1"/>
-      </a:fontRef>
-    </dgm:style>
-  </dgm:styleLbl>
-  <dgm:styleLbl name="node1">
-    <dgm:scene3d>
-      <a:camera prst="orthographicFront"/>
-      <a:lightRig rig="threePt" dir="t"/>
-    </dgm:scene3d>
-    <dgm:sp3d/>
-    <dgm:txPr/>
-    <dgm:style>
-      <a:lnRef idx="2">
-        <a:scrgbClr r="0" g="0" b="0"/>
-      </a:lnRef>
-      <a:fillRef idx="1">
-        <a:scrgbClr r="0" g="0" b="0"/>
-      </a:fillRef>
-      <a:effectRef idx="0">
-        <a:scrgbClr r="0" g="0" b="0"/>
-      </a:effectRef>
-      <a:fontRef idx="minor">
-        <a:schemeClr val="lt1"/>
-      </a:fontRef>
-    </dgm:style>
-  </dgm:styleLbl>
-  <dgm:styleLbl name="node2">
-    <dgm:scene3d>
-      <a:camera prst="orthographicFront"/>
-      <a:lightRig rig="threePt" dir="t"/>
-    </dgm:scene3d>
-    <dgm:sp3d/>
-    <dgm:txPr/>
-    <dgm:style>
-      <a:lnRef idx="2">
-        <a:scrgbClr r="0" g="0" b="0"/>
-      </a:lnRef>
-      <a:fillRef idx="1">
-        <a:scrgbClr r="0" g="0" b="0"/>
-      </a:fillRef>
-      <a:effectRef idx="0">
-        <a:scrgbClr r="0" g="0" b="0"/>
-      </a:effectRef>
-      <a:fontRef idx="minor">
-        <a:schemeClr val="lt1"/>
-      </a:fontRef>
-    </dgm:style>
-  </dgm:styleLbl>
-  <dgm:styleLbl name="node3">
-    <dgm:scene3d>
-      <a:camera prst="orthographicFront"/>
-      <a:lightRig rig="threePt" dir="t"/>
-    </dgm:scene3d>
-    <dgm:sp3d/>
-    <dgm:txPr/>
-    <dgm:style>
-      <a:lnRef idx="2">
-        <a:scrgbClr r="0" g="0" b="0"/>
-      </a:lnRef>
-      <a:fillRef idx="1">
-        <a:scrgbClr r="0" g="0" b="0"/>
-      </a:fillRef>
-      <a:effectRef idx="0">
-        <a:scrgbClr r="0" g="0" b="0"/>
-      </a:effectRef>
-      <a:fontRef idx="minor">
-        <a:schemeClr val="lt1"/>
-      </a:fontRef>
-    </dgm:style>
-  </dgm:styleLbl>
-  <dgm:styleLbl name="node4">
-    <dgm:scene3d>
-      <a:camera prst="orthographicFront"/>
-      <a:lightRig rig="threePt" dir="t"/>
-    </dgm:scene3d>
-    <dgm:sp3d/>
-    <dgm:txPr/>
-    <dgm:style>
-      <a:lnRef idx="2">
-        <a:scrgbClr r="0" g="0" b="0"/>
-      </a:lnRef>
-      <a:fillRef idx="1">
-        <a:scrgbClr r="0" g="0" b="0"/>
-      </a:fillRef>
-      <a:effectRef idx="0">
-        <a:scrgbClr r="0" g="0" b="0"/>
-      </a:effectRef>
-      <a:fontRef idx="minor">
-        <a:schemeClr val="lt1"/>
-      </a:fontRef>
-    </dgm:style>
-  </dgm:styleLbl>
-  <dgm:styleLbl name="fgImgPlace1">
-    <dgm:scene3d>
-      <a:camera prst="orthographicFront"/>
-      <a:lightRig rig="threePt" dir="t"/>
-    </dgm:scene3d>
-    <dgm:sp3d/>
-    <dgm:txPr/>
-    <dgm:style>
-      <a:lnRef idx="2">
-        <a:scrgbClr r="0" g="0" b="0"/>
-      </a:lnRef>
-      <a:fillRef idx="1">
-        <a:scrgbClr r="0" g="0" b="0"/>
-      </a:fillRef>
-      <a:effectRef idx="0">
-        <a:scrgbClr r="0" g="0" b="0"/>
-      </a:effectRef>
-      <a:fontRef idx="minor"/>
-    </dgm:style>
-  </dgm:styleLbl>
-  <dgm:styleLbl name="alignImgPlace1">
-    <dgm:scene3d>
-      <a:camera prst="orthographicFront"/>
-      <a:lightRig rig="threePt" dir="t"/>
-    </dgm:scene3d>
-    <dgm:sp3d/>
-    <dgm:txPr/>
-    <dgm:style>
-      <a:lnRef idx="2">
-        <a:scrgbClr r="0" g="0" b="0"/>
-      </a:lnRef>
-      <a:fillRef idx="1">
-        <a:scrgbClr r="0" g="0" b="0"/>
-      </a:fillRef>
-      <a:effectRef idx="0">
-        <a:scrgbClr r="0" g="0" b="0"/>
-      </a:effectRef>
-      <a:fontRef idx="minor"/>
-    </dgm:style>
-  </dgm:styleLbl>
-  <dgm:styleLbl name="bgImgPlace1">
-    <dgm:scene3d>
-      <a:camera prst="orthographicFront"/>
-      <a:lightRig rig="threePt" dir="t"/>
-    </dgm:scene3d>
-    <dgm:sp3d/>
-    <dgm:txPr/>
-    <dgm:style>
-      <a:lnRef idx="2">
-        <a:scrgbClr r="0" g="0" b="0"/>
-      </a:lnRef>
-      <a:fillRef idx="1">
-        <a:scrgbClr r="0" g="0" b="0"/>
-      </a:fillRef>
-      <a:effectRef idx="0">
-        <a:scrgbClr r="0" g="0" b="0"/>
-      </a:effectRef>
-      <a:fontRef idx="minor"/>
-    </dgm:style>
-  </dgm:styleLbl>
-  <dgm:styleLbl name="sibTrans2D1">
-    <dgm:scene3d>
-      <a:camera prst="orthographicFront"/>
-      <a:lightRig rig="threePt" dir="t"/>
-    </dgm:scene3d>
-    <dgm:sp3d/>
-    <dgm:txPr/>
-    <dgm:style>
-      <a:lnRef idx="0">
-        <a:scrgbClr r="0" g="0" b="0"/>
-      </a:lnRef>
-      <a:fillRef idx="1">
-        <a:scrgbClr r="0" g="0" b="0"/>
-      </a:fillRef>
-      <a:effectRef idx="0">
-        <a:scrgbClr r="0" g="0" b="0"/>
-      </a:effectRef>
-      <a:fontRef idx="minor">
-        <a:schemeClr val="lt1"/>
-      </a:fontRef>
-    </dgm:style>
-  </dgm:styleLbl>
-  <dgm:styleLbl name="fgSibTrans2D1">
-    <dgm:scene3d>
-      <a:camera prst="orthographicFront"/>
-      <a:lightRig rig="threePt" dir="t"/>
-    </dgm:scene3d>
-    <dgm:sp3d/>
-    <dgm:txPr/>
-    <dgm:style>
-      <a:lnRef idx="0">
-        <a:scrgbClr r="0" g="0" b="0"/>
-      </a:lnRef>
-      <a:fillRef idx="1">
-        <a:scrgbClr r="0" g="0" b="0"/>
-      </a:fillRef>
-      <a:effectRef idx="0">
-        <a:scrgbClr r="0" g="0" b="0"/>
-      </a:effectRef>
-      <a:fontRef idx="minor">
-        <a:schemeClr val="lt1"/>
-      </a:fontRef>
-    </dgm:style>
-  </dgm:styleLbl>
-  <dgm:styleLbl name="bgSibTrans2D1">
-    <dgm:scene3d>
-      <a:camera prst="orthographicFront"/>
-      <a:lightRig rig="threePt" dir="t"/>
-    </dgm:scene3d>
-    <dgm:sp3d/>
-    <dgm:txPr/>
-    <dgm:style>
-      <a:lnRef idx="0">
-        <a:scrgbClr r="0" g="0" b="0"/>
-      </a:lnRef>
-      <a:fillRef idx="1">
-        <a:scrgbClr r="0" g="0" b="0"/>
-      </a:fillRef>
-      <a:effectRef idx="0">
-        <a:scrgbClr r="0" g="0" b="0"/>
-      </a:effectRef>
-      <a:fontRef idx="minor">
-        <a:schemeClr val="lt1"/>
-      </a:fontRef>
-    </dgm:style>
-  </dgm:styleLbl>
-  <dgm:styleLbl name="sibTrans1D1">
-    <dgm:scene3d>
-      <a:camera prst="orthographicFront"/>
-      <a:lightRig rig="threePt" dir="t"/>
-    </dgm:scene3d>
-    <dgm:sp3d/>
-    <dgm:txPr/>
-    <dgm:style>
-      <a:lnRef idx="1">
-        <a:scrgbClr r="0" g="0" b="0"/>
-      </a:lnRef>
-      <a:fillRef idx="0">
-        <a:scrgbClr r="0" g="0" b="0"/>
-      </a:fillRef>
-      <a:effectRef idx="0">
-        <a:scrgbClr r="0" g="0" b="0"/>
-      </a:effectRef>
-      <a:fontRef idx="minor"/>
-    </dgm:style>
-  </dgm:styleLbl>
-  <dgm:styleLbl name="callout">
-    <dgm:scene3d>
-      <a:camera prst="orthographicFront"/>
-      <a:lightRig rig="threePt" dir="t"/>
-    </dgm:scene3d>
-    <dgm:sp3d/>
-    <dgm:txPr/>
-    <dgm:style>
-      <a:lnRef idx="2">
-        <a:scrgbClr r="0" g="0" b="0"/>
-      </a:lnRef>
-      <a:fillRef idx="1">
-        <a:scrgbClr r="0" g="0" b="0"/>
-      </a:fillRef>
-      <a:effectRef idx="0">
-        <a:scrgbClr r="0" g="0" b="0"/>
-      </a:effectRef>
-      <a:fontRef idx="minor"/>
-    </dgm:style>
-  </dgm:styleLbl>
-  <dgm:styleLbl name="asst0">
-    <dgm:scene3d>
-      <a:camera prst="orthographicFront"/>
-      <a:lightRig rig="threePt" dir="t"/>
-    </dgm:scene3d>
-    <dgm:sp3d/>
-    <dgm:txPr/>
-    <dgm:style>
-      <a:lnRef idx="2">
-        <a:scrgbClr r="0" g="0" b="0"/>
-      </a:lnRef>
-      <a:fillRef idx="1">
-        <a:scrgbClr r="0" g="0" b="0"/>
-      </a:fillRef>
-      <a:effectRef idx="0">
-        <a:scrgbClr r="0" g="0" b="0"/>
-      </a:effectRef>
-      <a:fontRef idx="minor">
-        <a:schemeClr val="lt1"/>
-      </a:fontRef>
-    </dgm:style>
-  </dgm:styleLbl>
-  <dgm:styleLbl name="asst1">
-    <dgm:scene3d>
-      <a:camera prst="orthographicFront"/>
-      <a:lightRig rig="threePt" dir="t"/>
-    </dgm:scene3d>
-    <dgm:sp3d/>
-    <dgm:txPr/>
-    <dgm:style>
-      <a:lnRef idx="2">
-        <a:scrgbClr r="0" g="0" b="0"/>
-      </a:lnRef>
-      <a:fillRef idx="1">
-        <a:scrgbClr r="0" g="0" b="0"/>
-      </a:fillRef>
-      <a:effectRef idx="0">
-        <a:scrgbClr r="0" g="0" b="0"/>
-      </a:effectRef>
-      <a:fontRef idx="minor">
-        <a:schemeClr val="lt1"/>
-      </a:fontRef>
-    </dgm:style>
-  </dgm:styleLbl>
-  <dgm:styleLbl name="asst2">
-    <dgm:scene3d>
-      <a:camera prst="orthographicFront"/>
-      <a:lightRig rig="threePt" dir="t"/>
-    </dgm:scene3d>
-    <dgm:sp3d/>
-    <dgm:txPr/>
-    <dgm:style>
-      <a:lnRef idx="2">
-        <a:scrgbClr r="0" g="0" b="0"/>
-      </a:lnRef>
-      <a:fillRef idx="1">
-        <a:scrgbClr r="0" g="0" b="0"/>
-      </a:fillRef>
-      <a:effectRef idx="0">
-        <a:scrgbClr r="0" g="0" b="0"/>
-      </a:effectRef>
-      <a:fontRef idx="minor">
-        <a:schemeClr val="lt1"/>
-      </a:fontRef>
-    </dgm:style>
-  </dgm:styleLbl>
-  <dgm:styleLbl name="asst3">
-    <dgm:scene3d>
-      <a:camera prst="orthographicFront"/>
-      <a:lightRig rig="threePt" dir="t"/>
-    </dgm:scene3d>
-    <dgm:sp3d/>
-    <dgm:txPr/>
-    <dgm:style>
-      <a:lnRef idx="2">
-        <a:scrgbClr r="0" g="0" b="0"/>
-      </a:lnRef>
-      <a:fillRef idx="1">
-        <a:scrgbClr r="0" g="0" b="0"/>
-      </a:fillRef>
-      <a:effectRef idx="0">
-        <a:scrgbClr r="0" g="0" b="0"/>
-      </a:effectRef>
-      <a:fontRef idx="minor">
-        <a:schemeClr val="lt1"/>
-      </a:fontRef>
-    </dgm:style>
-  </dgm:styleLbl>
-  <dgm:styleLbl name="asst4">
-    <dgm:scene3d>
-      <a:camera prst="orthographicFront"/>
-      <a:lightRig rig="threePt" dir="t"/>
-    </dgm:scene3d>
-    <dgm:sp3d/>
-    <dgm:txPr/>
-    <dgm:style>
-      <a:lnRef idx="2">
-        <a:scrgbClr r="0" g="0" b="0"/>
-      </a:lnRef>
-      <a:fillRef idx="1">
-        <a:scrgbClr r="0" g="0" b="0"/>
-      </a:fillRef>
-      <a:effectRef idx="0">
-        <a:scrgbClr r="0" g="0" b="0"/>
-      </a:effectRef>
-      <a:fontRef idx="minor">
-        <a:schemeClr val="lt1"/>
-      </a:fontRef>
-    </dgm:style>
-  </dgm:styleLbl>
-  <dgm:styleLbl name="parChTrans2D1">
-    <dgm:scene3d>
-      <a:camera prst="orthographicFront"/>
-      <a:lightRig rig="threePt" dir="t"/>
-    </dgm:scene3d>
-    <dgm:sp3d/>
-    <dgm:txPr/>
-    <dgm:style>
-      <a:lnRef idx="2">
-        <a:scrgbClr r="0" g="0" b="0"/>
-      </a:lnRef>
-      <a:fillRef idx="1">
-        <a:scrgbClr r="0" g="0" b="0"/>
-      </a:fillRef>
-      <a:effectRef idx="0">
-        <a:scrgbClr r="0" g="0" b="0"/>
-      </a:effectRef>
-      <a:fontRef idx="minor">
-        <a:schemeClr val="lt1"/>
-      </a:fontRef>
-    </dgm:style>
-  </dgm:styleLbl>
-  <dgm:styleLbl name="parChTrans2D2">
-    <dgm:scene3d>
-      <a:camera prst="orthographicFront"/>
-      <a:lightRig rig="threePt" dir="t"/>
-    </dgm:scene3d>
-    <dgm:sp3d/>
-    <dgm:txPr/>
-    <dgm:style>
-      <a:lnRef idx="2">
-        <a:scrgbClr r="0" g="0" b="0"/>
-      </a:lnRef>
-      <a:fillRef idx="1">
-        <a:scrgbClr r="0" g="0" b="0"/>
-      </a:fillRef>
-      <a:effectRef idx="0">
-        <a:scrgbClr r="0" g="0" b="0"/>
-      </a:effectRef>
-      <a:fontRef idx="minor">
-        <a:schemeClr val="lt1"/>
-      </a:fontRef>
-    </dgm:style>
-  </dgm:styleLbl>
-  <dgm:styleLbl name="parChTrans2D3">
-    <dgm:scene3d>
-      <a:camera prst="orthographicFront"/>
-      <a:lightRig rig="threePt" dir="t"/>
-    </dgm:scene3d>
-    <dgm:sp3d/>
-    <dgm:txPr/>
-    <dgm:style>
-      <a:lnRef idx="2">
-        <a:scrgbClr r="0" g="0" b="0"/>
-      </a:lnRef>
-      <a:fillRef idx="1">
-        <a:scrgbClr r="0" g="0" b="0"/>
-      </a:fillRef>
-      <a:effectRef idx="0">
-        <a:scrgbClr r="0" g="0" b="0"/>
-      </a:effectRef>
-      <a:fontRef idx="minor">
-        <a:schemeClr val="lt1"/>
-      </a:fontRef>
-    </dgm:style>
-  </dgm:styleLbl>
-  <dgm:styleLbl name="parChTrans2D4">
-    <dgm:scene3d>
-      <a:camera prst="orthographicFront"/>
-      <a:lightRig rig="threePt" dir="t"/>
-    </dgm:scene3d>
-    <dgm:sp3d/>
-    <dgm:txPr/>
-    <dgm:style>
-      <a:lnRef idx="2">
-        <a:scrgbClr r="0" g="0" b="0"/>
-      </a:lnRef>
-      <a:fillRef idx="1">
-        <a:scrgbClr r="0" g="0" b="0"/>
-      </a:fillRef>
-      <a:effectRef idx="0">
-        <a:scrgbClr r="0" g="0" b="0"/>
-      </a:effectRef>
-      <a:fontRef idx="minor">
-        <a:schemeClr val="lt1"/>
-      </a:fontRef>
-    </dgm:style>
-  </dgm:styleLbl>
-  <dgm:styleLbl name="parChTrans1D1">
-    <dgm:scene3d>
-      <a:camera prst="orthographicFront"/>
-      <a:lightRig rig="threePt" dir="t"/>
-    </dgm:scene3d>
-    <dgm:sp3d/>
-    <dgm:txPr/>
-    <dgm:style>
-      <a:lnRef idx="2">
-        <a:scrgbClr r="0" g="0" b="0"/>
-      </a:lnRef>
-      <a:fillRef idx="0">
-        <a:scrgbClr r="0" g="0" b="0"/>
-      </a:fillRef>
-      <a:effectRef idx="0">
-        <a:scrgbClr r="0" g="0" b="0"/>
-      </a:effectRef>
-      <a:fontRef idx="minor"/>
-    </dgm:style>
-  </dgm:styleLbl>
-  <dgm:styleLbl name="parChTrans1D2">
-    <dgm:scene3d>
-      <a:camera prst="orthographicFront"/>
-      <a:lightRig rig="threePt" dir="t"/>
-    </dgm:scene3d>
-    <dgm:sp3d/>
-    <dgm:txPr/>
-    <dgm:style>
-      <a:lnRef idx="2">
-        <a:scrgbClr r="0" g="0" b="0"/>
-      </a:lnRef>
-      <a:fillRef idx="0">
-        <a:scrgbClr r="0" g="0" b="0"/>
-      </a:fillRef>
-      <a:effectRef idx="0">
-        <a:scrgbClr r="0" g="0" b="0"/>
-      </a:effectRef>
-      <a:fontRef idx="minor"/>
-    </dgm:style>
-  </dgm:styleLbl>
-  <dgm:styleLbl name="parChTrans1D3">
-    <dgm:scene3d>
-      <a:camera prst="orthographicFront"/>
-      <a:lightRig rig="threePt" dir="t"/>
-    </dgm:scene3d>
-    <dgm:sp3d/>
-    <dgm:txPr/>
-    <dgm:style>
-      <a:lnRef idx="2">
-        <a:scrgbClr r="0" g="0" b="0"/>
-      </a:lnRef>
-      <a:fillRef idx="0">
-        <a:scrgbClr r="0" g="0" b="0"/>
-      </a:fillRef>
-      <a:effectRef idx="0">
-        <a:scrgbClr r="0" g="0" b="0"/>
-      </a:effectRef>
-      <a:fontRef idx="minor"/>
-    </dgm:style>
-  </dgm:styleLbl>
-  <dgm:styleLbl name="parChTrans1D4">
-    <dgm:scene3d>
-      <a:camera prst="orthographicFront"/>
-      <a:lightRig rig="threePt" dir="t"/>
-    </dgm:scene3d>
-    <dgm:sp3d/>
-    <dgm:txPr/>
-    <dgm:style>
-      <a:lnRef idx="2">
-        <a:scrgbClr r="0" g="0" b="0"/>
-      </a:lnRef>
-      <a:fillRef idx="0">
-        <a:scrgbClr r="0" g="0" b="0"/>
-      </a:fillRef>
-      <a:effectRef idx="0">
-        <a:scrgbClr r="0" g="0" b="0"/>
-      </a:effectRef>
-      <a:fontRef idx="minor"/>
-    </dgm:style>
-  </dgm:styleLbl>
-  <dgm:styleLbl name="fgAcc1">
-    <dgm:scene3d>
-      <a:camera prst="orthographicFront"/>
-      <a:lightRig rig="threePt" dir="t"/>
-    </dgm:scene3d>
-    <dgm:sp3d/>
-    <dgm:txPr/>
-    <dgm:style>
-      <a:lnRef idx="2">
-        <a:scrgbClr r="0" g="0" b="0"/>
-      </a:lnRef>
-      <a:fillRef idx="1">
-        <a:scrgbClr r="0" g="0" b="0"/>
-      </a:fillRef>
-      <a:effectRef idx="0">
-        <a:scrgbClr r="0" g="0" b="0"/>
-      </a:effectRef>
-      <a:fontRef idx="minor"/>
-    </dgm:style>
-  </dgm:styleLbl>
-  <dgm:styleLbl name="conFgAcc1">
-    <dgm:scene3d>
-      <a:camera prst="orthographicFront"/>
-      <a:lightRig rig="threePt" dir="t"/>
-    </dgm:scene3d>
-    <dgm:sp3d/>
-    <dgm:txPr/>
-    <dgm:style>
-      <a:lnRef idx="2">
-        <a:scrgbClr r="0" g="0" b="0"/>
-      </a:lnRef>
-      <a:fillRef idx="1">
-        <a:scrgbClr r="0" g="0" b="0"/>
-      </a:fillRef>
-      <a:effectRef idx="0">
-        <a:scrgbClr r="0" g="0" b="0"/>
-      </a:effectRef>
-      <a:fontRef idx="minor"/>
-    </dgm:style>
-  </dgm:styleLbl>
-  <dgm:styleLbl name="alignAcc1">
-    <dgm:scene3d>
-      <a:camera prst="orthographicFront"/>
-      <a:lightRig rig="threePt" dir="t"/>
-    </dgm:scene3d>
-    <dgm:sp3d/>
-    <dgm:txPr/>
-    <dgm:style>
-      <a:lnRef idx="2">
-        <a:scrgbClr r="0" g="0" b="0"/>
-      </a:lnRef>
-      <a:fillRef idx="1">
-        <a:scrgbClr r="0" g="0" b="0"/>
-      </a:fillRef>
-      <a:effectRef idx="0">
-        <a:scrgbClr r="0" g="0" b="0"/>
-      </a:effectRef>
-      <a:fontRef idx="minor"/>
-    </dgm:style>
-  </dgm:styleLbl>
-  <dgm:styleLbl name="trAlignAcc1">
-    <dgm:scene3d>
-      <a:camera prst="orthographicFront"/>
-      <a:lightRig rig="threePt" dir="t"/>
-    </dgm:scene3d>
-    <dgm:sp3d/>
-    <dgm:txPr/>
-    <dgm:style>
-      <a:lnRef idx="1">
-        <a:scrgbClr r="0" g="0" b="0"/>
-      </a:lnRef>
-      <a:fillRef idx="1">
-        <a:scrgbClr r="0" g="0" b="0"/>
-      </a:fillRef>
-      <a:effectRef idx="0">
-        <a:scrgbClr r="0" g="0" b="0"/>
-      </a:effectRef>
-      <a:fontRef idx="minor"/>
-    </dgm:style>
-  </dgm:styleLbl>
-  <dgm:styleLbl name="bgAcc1">
-    <dgm:scene3d>
-      <a:camera prst="orthographicFront"/>
-      <a:lightRig rig="threePt" dir="t"/>
-    </dgm:scene3d>
-    <dgm:sp3d/>
-    <dgm:txPr/>
-    <dgm:style>
-      <a:lnRef idx="2">
-        <a:scrgbClr r="0" g="0" b="0"/>
-      </a:lnRef>
-      <a:fillRef idx="1">
-        <a:scrgbClr r="0" g="0" b="0"/>
-      </a:fillRef>
-      <a:effectRef idx="0">
-        <a:scrgbClr r="0" g="0" b="0"/>
-      </a:effectRef>
-      <a:fontRef idx="minor"/>
-    </dgm:style>
-  </dgm:styleLbl>
-  <dgm:styleLbl name="solidFgAcc1">
-    <dgm:scene3d>
-      <a:camera prst="orthographicFront"/>
-      <a:lightRig rig="threePt" dir="t"/>
-    </dgm:scene3d>
-    <dgm:sp3d/>
-    <dgm:txPr/>
-    <dgm:style>
-      <a:lnRef idx="2">
-        <a:scrgbClr r="0" g="0" b="0"/>
-      </a:lnRef>
-      <a:fillRef idx="1">
-        <a:scrgbClr r="0" g="0" b="0"/>
-      </a:fillRef>
-      <a:effectRef idx="0">
-        <a:scrgbClr r="0" g="0" b="0"/>
-      </a:effectRef>
-      <a:fontRef idx="minor"/>
-    </dgm:style>
-  </dgm:styleLbl>
-  <dgm:styleLbl name="solidAlignAcc1">
-    <dgm:scene3d>
-      <a:camera prst="orthographicFront"/>
-      <a:lightRig rig="threePt" dir="t"/>
-    </dgm:scene3d>
-    <dgm:sp3d/>
-    <dgm:txPr/>
-    <dgm:style>
-      <a:lnRef idx="2">
-        <a:scrgbClr r="0" g="0" b="0"/>
-      </a:lnRef>
-      <a:fillRef idx="1">
-        <a:scrgbClr r="0" g="0" b="0"/>
-      </a:fillRef>
-      <a:effectRef idx="0">
-        <a:scrgbClr r="0" g="0" b="0"/>
-      </a:effectRef>
-      <a:fontRef idx="minor"/>
-    </dgm:style>
-  </dgm:styleLbl>
-  <dgm:styleLbl name="solidBgAcc1">
-    <dgm:scene3d>
-      <a:camera prst="orthographicFront"/>
-      <a:lightRig rig="threePt" dir="t"/>
-    </dgm:scene3d>
-    <dgm:sp3d/>
-    <dgm:txPr/>
-    <dgm:style>
-      <a:lnRef idx="2">
-        <a:scrgbClr r="0" g="0" b="0"/>
-      </a:lnRef>
-      <a:fillRef idx="1">
-        <a:scrgbClr r="0" g="0" b="0"/>
-      </a:fillRef>
-      <a:effectRef idx="0">
-        <a:scrgbClr r="0" g="0" b="0"/>
-      </a:effectRef>
-      <a:fontRef idx="minor"/>
-    </dgm:style>
-  </dgm:styleLbl>
-  <dgm:styleLbl name="fgAccFollowNode1">
-    <dgm:scene3d>
-      <a:camera prst="orthographicFront"/>
-      <a:lightRig rig="threePt" dir="t"/>
-    </dgm:scene3d>
-    <dgm:sp3d/>
-    <dgm:txPr/>
-    <dgm:style>
-      <a:lnRef idx="2">
-        <a:scrgbClr r="0" g="0" b="0"/>
-      </a:lnRef>
-      <a:fillRef idx="1">
-        <a:scrgbClr r="0" g="0" b="0"/>
-      </a:fillRef>
-      <a:effectRef idx="0">
-        <a:scrgbClr r="0" g="0" b="0"/>
-      </a:effectRef>
-      <a:fontRef idx="minor"/>
-    </dgm:style>
-  </dgm:styleLbl>
-  <dgm:styleLbl name="alignAccFollowNode1">
-    <dgm:scene3d>
-      <a:camera prst="orthographicFront"/>
-      <a:lightRig rig="threePt" dir="t"/>
-    </dgm:scene3d>
-    <dgm:sp3d/>
-    <dgm:txPr/>
-    <dgm:style>
-      <a:lnRef idx="2">
-        <a:scrgbClr r="0" g="0" b="0"/>
-      </a:lnRef>
-      <a:fillRef idx="1">
-        <a:scrgbClr r="0" g="0" b="0"/>
-      </a:fillRef>
-      <a:effectRef idx="0">
-        <a:scrgbClr r="0" g="0" b="0"/>
-      </a:effectRef>
-      <a:fontRef idx="minor"/>
-    </dgm:style>
-  </dgm:styleLbl>
-  <dgm:styleLbl name="bgAccFollowNode1">
-    <dgm:scene3d>
-      <a:camera prst="orthographicFront"/>
-      <a:lightRig rig="threePt" dir="t"/>
-    </dgm:scene3d>
-    <dgm:sp3d/>
-    <dgm:txPr/>
-    <dgm:style>
-      <a:lnRef idx="2">
-        <a:scrgbClr r="0" g="0" b="0"/>
-      </a:lnRef>
-      <a:fillRef idx="1">
-        <a:scrgbClr r="0" g="0" b="0"/>
-      </a:fillRef>
-      <a:effectRef idx="0">
-        <a:scrgbClr r="0" g="0" b="0"/>
-      </a:effectRef>
-      <a:fontRef idx="minor"/>
-    </dgm:style>
-  </dgm:styleLbl>
-  <dgm:styleLbl name="fgAcc0">
-    <dgm:scene3d>
-      <a:camera prst="orthographicFront"/>
-      <a:lightRig rig="threePt" dir="t"/>
-    </dgm:scene3d>
-    <dgm:sp3d/>
-    <dgm:txPr/>
-    <dgm:style>
-      <a:lnRef idx="2">
-        <a:scrgbClr r="0" g="0" b="0"/>
-      </a:lnRef>
-      <a:fillRef idx="1">
-        <a:scrgbClr r="0" g="0" b="0"/>
-      </a:fillRef>
-      <a:effectRef idx="0">
-        <a:scrgbClr r="0" g="0" b="0"/>
-      </a:effectRef>
-      <a:fontRef idx="minor"/>
-    </dgm:style>
-  </dgm:styleLbl>
-  <dgm:styleLbl name="fgAcc2">
-    <dgm:scene3d>
-      <a:camera prst="orthographicFront"/>
-      <a:lightRig rig="threePt" dir="t"/>
-    </dgm:scene3d>
-    <dgm:sp3d/>
-    <dgm:txPr/>
-    <dgm:style>
-      <a:lnRef idx="2">
-        <a:scrgbClr r="0" g="0" b="0"/>
-      </a:lnRef>
-      <a:fillRef idx="1">
-        <a:scrgbClr r="0" g="0" b="0"/>
-      </a:fillRef>
-      <a:effectRef idx="0">
-        <a:scrgbClr r="0" g="0" b="0"/>
-      </a:effectRef>
-      <a:fontRef idx="minor"/>
-    </dgm:style>
-  </dgm:styleLbl>
-  <dgm:styleLbl name="fgAcc3">
-    <dgm:scene3d>
-      <a:camera prst="orthographicFront"/>
-      <a:lightRig rig="threePt" dir="t"/>
-    </dgm:scene3d>
-    <dgm:sp3d/>
-    <dgm:txPr/>
-    <dgm:style>
-      <a:lnRef idx="2">
-        <a:scrgbClr r="0" g="0" b="0"/>
-      </a:lnRef>
-      <a:fillRef idx="1">
-        <a:scrgbClr r="0" g="0" b="0"/>
-      </a:fillRef>
-      <a:effectRef idx="0">
-        <a:scrgbClr r="0" g="0" b="0"/>
-      </a:effectRef>
-      <a:fontRef idx="minor"/>
-    </dgm:style>
-  </dgm:styleLbl>
-  <dgm:styleLbl name="fgAcc4">
-    <dgm:scene3d>
-      <a:camera prst="orthographicFront"/>
-      <a:lightRig rig="threePt" dir="t"/>
-    </dgm:scene3d>
-    <dgm:sp3d/>
-    <dgm:txPr/>
-    <dgm:style>
-      <a:lnRef idx="2">
-        <a:scrgbClr r="0" g="0" b="0"/>
-      </a:lnRef>
-      <a:fillRef idx="1">
-        <a:scrgbClr r="0" g="0" b="0"/>
-      </a:fillRef>
-      <a:effectRef idx="0">
-        <a:scrgbClr r="0" g="0" b="0"/>
-      </a:effectRef>
-      <a:fontRef idx="minor"/>
-    </dgm:style>
-  </dgm:styleLbl>
-  <dgm:styleLbl name="bgShp">
-    <dgm:scene3d>
-      <a:camera prst="orthographicFront"/>
-      <a:lightRig rig="threePt" dir="t"/>
-    </dgm:scene3d>
-    <dgm:sp3d/>
-    <dgm:txPr/>
-    <dgm:style>
-      <a:lnRef idx="0">
-        <a:scrgbClr r="0" g="0" b="0"/>
-      </a:lnRef>
-      <a:fillRef idx="1">
-        <a:scrgbClr r="0" g="0" b="0"/>
-      </a:fillRef>
-      <a:effectRef idx="0">
-        <a:scrgbClr r="0" g="0" b="0"/>
-      </a:effectRef>
-      <a:fontRef idx="minor"/>
-    </dgm:style>
-  </dgm:styleLbl>
-  <dgm:styleLbl name="dkBgShp">
-    <dgm:scene3d>
-      <a:camera prst="orthographicFront"/>
-      <a:lightRig rig="threePt" dir="t"/>
-    </dgm:scene3d>
-    <dgm:sp3d/>
-    <dgm:txPr/>
-    <dgm:style>
-      <a:lnRef idx="0">
-        <a:scrgbClr r="0" g="0" b="0"/>
-      </a:lnRef>
-      <a:fillRef idx="1">
-        <a:scrgbClr r="0" g="0" b="0"/>
-      </a:fillRef>
-      <a:effectRef idx="0">
-        <a:scrgbClr r="0" g="0" b="0"/>
-      </a:effectRef>
-      <a:fontRef idx="minor"/>
-    </dgm:style>
-  </dgm:styleLbl>
-  <dgm:styleLbl name="trBgShp">
-    <dgm:scene3d>
-      <a:camera prst="orthographicFront"/>
-      <a:lightRig rig="threePt" dir="t"/>
-    </dgm:scene3d>
-    <dgm:sp3d/>
-    <dgm:txPr/>
-    <dgm:style>
-      <a:lnRef idx="0">
-        <a:scrgbClr r="0" g="0" b="0"/>
-      </a:lnRef>
-      <a:fillRef idx="1">
-        <a:scrgbClr r="0" g="0" b="0"/>
-      </a:fillRef>
-      <a:effectRef idx="0">
-        <a:scrgbClr r="0" g="0" b="0"/>
-      </a:effectRef>
-      <a:fontRef idx="minor"/>
-    </dgm:style>
-  </dgm:styleLbl>
-  <dgm:styleLbl name="fgShp">
-    <dgm:scene3d>
-      <a:camera prst="orthographicFront"/>
-      <a:lightRig rig="threePt" dir="t"/>
-    </dgm:scene3d>
-    <dgm:sp3d/>
-    <dgm:txPr/>
-    <dgm:style>
-      <a:lnRef idx="2">
-        <a:scrgbClr r="0" g="0" b="0"/>
-      </a:lnRef>
-      <a:fillRef idx="1">
-        <a:scrgbClr r="0" g="0" b="0"/>
-      </a:fillRef>
-      <a:effectRef idx="0">
-        <a:scrgbClr r="0" g="0" b="0"/>
-      </a:effectRef>
-      <a:fontRef idx="minor"/>
-    </dgm:style>
-  </dgm:styleLbl>
-  <dgm:styleLbl name="revTx">
-    <dgm:scene3d>
-      <a:camera prst="orthographicFront"/>
-      <a:lightRig rig="threePt" dir="t"/>
-    </dgm:scene3d>
-    <dgm:sp3d/>
-    <dgm:txPr/>
-    <dgm:style>
-      <a:lnRef idx="0">
-        <a:scrgbClr r="0" g="0" b="0"/>
-      </a:lnRef>
-      <a:fillRef idx="0">
-        <a:scrgbClr r="0" g="0" b="0"/>
-      </a:fillRef>
-      <a:effectRef idx="0">
-        <a:scrgbClr r="0" g="0" b="0"/>
-      </a:effectRef>
-      <a:fontRef idx="minor"/>
-    </dgm:style>
-  </dgm:styleLbl>
-</dgm:styleDef>
+<file path=ppt/changesInfos/changesInfo1.xml><?xml version="1.0" encoding="utf-8"?>
+<pc:chgInfo xmlns:a="http://schemas.openxmlformats.org/drawingml/2006/main" xmlns:r="http://schemas.openxmlformats.org/officeDocument/2006/relationships" xmlns:ac="http://schemas.microsoft.com/office/drawing/2013/main/command" xmlns:pc="http://schemas.microsoft.com/office/powerpoint/2013/main/command">
+  <pc:docChgLst>
+    <pc:chgData name="Ayomide Olanrewaju" userId="9e2ef167a983f186" providerId="LiveId" clId="{5C7725D8-2EA3-40AF-AC7C-B95C809A25E4}"/>
+    <pc:docChg chg="undo custSel delSld modSld">
+      <pc:chgData name="Ayomide Olanrewaju" userId="9e2ef167a983f186" providerId="LiveId" clId="{5C7725D8-2EA3-40AF-AC7C-B95C809A25E4}" dt="2024-02-14T19:22:15.902" v="425" actId="14100"/>
+      <pc:docMkLst>
+        <pc:docMk/>
+      </pc:docMkLst>
+      <pc:sldChg chg="addSp delSp modSp mod">
+        <pc:chgData name="Ayomide Olanrewaju" userId="9e2ef167a983f186" providerId="LiveId" clId="{5C7725D8-2EA3-40AF-AC7C-B95C809A25E4}" dt="2024-02-14T19:08:37.736" v="12" actId="478"/>
+        <pc:sldMkLst>
+          <pc:docMk/>
+          <pc:sldMk cId="2694395794" sldId="296"/>
+        </pc:sldMkLst>
+        <pc:spChg chg="del">
+          <ac:chgData name="Ayomide Olanrewaju" userId="9e2ef167a983f186" providerId="LiveId" clId="{5C7725D8-2EA3-40AF-AC7C-B95C809A25E4}" dt="2024-02-14T19:07:05.733" v="8" actId="478"/>
+          <ac:spMkLst>
+            <pc:docMk/>
+            <pc:sldMk cId="2694395794" sldId="296"/>
+            <ac:spMk id="2" creationId="{973992A4-0D40-4A0F-BB3B-3E1AE6C3BF9D}"/>
+          </ac:spMkLst>
+        </pc:spChg>
+        <pc:spChg chg="add del mod">
+          <ac:chgData name="Ayomide Olanrewaju" userId="9e2ef167a983f186" providerId="LiveId" clId="{5C7725D8-2EA3-40AF-AC7C-B95C809A25E4}" dt="2024-02-14T19:07:00.588" v="7" actId="478"/>
+          <ac:spMkLst>
+            <pc:docMk/>
+            <pc:sldMk cId="2694395794" sldId="296"/>
+            <ac:spMk id="4" creationId="{E4923617-65C7-78EE-C78B-481C66EF8312}"/>
+          </ac:spMkLst>
+        </pc:spChg>
+        <pc:spChg chg="add del mod">
+          <ac:chgData name="Ayomide Olanrewaju" userId="9e2ef167a983f186" providerId="LiveId" clId="{5C7725D8-2EA3-40AF-AC7C-B95C809A25E4}" dt="2024-02-14T19:07:07.721" v="9" actId="478"/>
+          <ac:spMkLst>
+            <pc:docMk/>
+            <pc:sldMk cId="2694395794" sldId="296"/>
+            <ac:spMk id="9" creationId="{0A7BF8AD-A299-17F9-63AE-7C2F98C08C44}"/>
+          </ac:spMkLst>
+        </pc:spChg>
+        <pc:graphicFrameChg chg="del">
+          <ac:chgData name="Ayomide Olanrewaju" userId="9e2ef167a983f186" providerId="LiveId" clId="{5C7725D8-2EA3-40AF-AC7C-B95C809A25E4}" dt="2024-02-14T19:06:56.605" v="6" actId="478"/>
+          <ac:graphicFrameMkLst>
+            <pc:docMk/>
+            <pc:sldMk cId="2694395794" sldId="296"/>
+            <ac:graphicFrameMk id="39" creationId="{828FCC7C-9CA7-4A08-B1B6-91B39D2A90C7}"/>
+          </ac:graphicFrameMkLst>
+        </pc:graphicFrameChg>
+        <pc:picChg chg="add del">
+          <ac:chgData name="Ayomide Olanrewaju" userId="9e2ef167a983f186" providerId="LiveId" clId="{5C7725D8-2EA3-40AF-AC7C-B95C809A25E4}" dt="2024-02-14T19:08:37.736" v="12" actId="478"/>
+          <ac:picMkLst>
+            <pc:docMk/>
+            <pc:sldMk cId="2694395794" sldId="296"/>
+            <ac:picMk id="11" creationId="{3298EE06-85B7-3390-9E0F-B255366AF65B}"/>
+          </ac:picMkLst>
+        </pc:picChg>
+        <pc:picChg chg="add">
+          <ac:chgData name="Ayomide Olanrewaju" userId="9e2ef167a983f186" providerId="LiveId" clId="{5C7725D8-2EA3-40AF-AC7C-B95C809A25E4}" dt="2024-02-14T19:08:33.820" v="11" actId="22"/>
+          <ac:picMkLst>
+            <pc:docMk/>
+            <pc:sldMk cId="2694395794" sldId="296"/>
+            <ac:picMk id="13" creationId="{EBBCACB3-E24A-A754-4B7B-ECB6BE8A220F}"/>
+          </ac:picMkLst>
+        </pc:picChg>
+      </pc:sldChg>
+      <pc:sldChg chg="modSp mod">
+        <pc:chgData name="Ayomide Olanrewaju" userId="9e2ef167a983f186" providerId="LiveId" clId="{5C7725D8-2EA3-40AF-AC7C-B95C809A25E4}" dt="2024-02-14T19:21:30.476" v="421" actId="33524"/>
+        <pc:sldMkLst>
+          <pc:docMk/>
+          <pc:sldMk cId="3495264433" sldId="300"/>
+        </pc:sldMkLst>
+        <pc:spChg chg="mod">
+          <ac:chgData name="Ayomide Olanrewaju" userId="9e2ef167a983f186" providerId="LiveId" clId="{5C7725D8-2EA3-40AF-AC7C-B95C809A25E4}" dt="2024-02-14T19:21:30.476" v="421" actId="33524"/>
+          <ac:spMkLst>
+            <pc:docMk/>
+            <pc:sldMk cId="3495264433" sldId="300"/>
+            <ac:spMk id="3" creationId="{9925E272-AF60-4462-95A9-115739F781AE}"/>
+          </ac:spMkLst>
+        </pc:spChg>
+      </pc:sldChg>
+      <pc:sldChg chg="addSp delSp modSp mod">
+        <pc:chgData name="Ayomide Olanrewaju" userId="9e2ef167a983f186" providerId="LiveId" clId="{5C7725D8-2EA3-40AF-AC7C-B95C809A25E4}" dt="2024-02-14T19:13:42.795" v="41" actId="22"/>
+        <pc:sldMkLst>
+          <pc:docMk/>
+          <pc:sldMk cId="276079138" sldId="305"/>
+        </pc:sldMkLst>
+        <pc:spChg chg="add del mod">
+          <ac:chgData name="Ayomide Olanrewaju" userId="9e2ef167a983f186" providerId="LiveId" clId="{5C7725D8-2EA3-40AF-AC7C-B95C809A25E4}" dt="2024-02-14T19:08:52.214" v="14" actId="478"/>
+          <ac:spMkLst>
+            <pc:docMk/>
+            <pc:sldMk cId="276079138" sldId="305"/>
+            <ac:spMk id="3" creationId="{3DCEFC1C-D789-EFF1-B9CD-4482BD6012D1}"/>
+          </ac:spMkLst>
+        </pc:spChg>
+        <pc:spChg chg="add del mod">
+          <ac:chgData name="Ayomide Olanrewaju" userId="9e2ef167a983f186" providerId="LiveId" clId="{5C7725D8-2EA3-40AF-AC7C-B95C809A25E4}" dt="2024-02-14T19:12:09.648" v="16" actId="478"/>
+          <ac:spMkLst>
+            <pc:docMk/>
+            <pc:sldMk cId="276079138" sldId="305"/>
+            <ac:spMk id="5" creationId="{37D5CD38-4EE5-5732-948E-1613D8D37348}"/>
+          </ac:spMkLst>
+        </pc:spChg>
+        <pc:spChg chg="add del mod">
+          <ac:chgData name="Ayomide Olanrewaju" userId="9e2ef167a983f186" providerId="LiveId" clId="{5C7725D8-2EA3-40AF-AC7C-B95C809A25E4}" dt="2024-02-14T19:12:15.568" v="18" actId="478"/>
+          <ac:spMkLst>
+            <pc:docMk/>
+            <pc:sldMk cId="276079138" sldId="305"/>
+            <ac:spMk id="7" creationId="{1739F913-E523-C715-10B0-DA7493597FF6}"/>
+          </ac:spMkLst>
+        </pc:spChg>
+        <pc:spChg chg="add del mod">
+          <ac:chgData name="Ayomide Olanrewaju" userId="9e2ef167a983f186" providerId="LiveId" clId="{5C7725D8-2EA3-40AF-AC7C-B95C809A25E4}" dt="2024-02-14T19:12:20.474" v="20" actId="478"/>
+          <ac:spMkLst>
+            <pc:docMk/>
+            <pc:sldMk cId="276079138" sldId="305"/>
+            <ac:spMk id="9" creationId="{5951EFC9-4C15-11F8-7C97-9EDC081FF3DA}"/>
+          </ac:spMkLst>
+        </pc:spChg>
+        <pc:spChg chg="del">
+          <ac:chgData name="Ayomide Olanrewaju" userId="9e2ef167a983f186" providerId="LiveId" clId="{5C7725D8-2EA3-40AF-AC7C-B95C809A25E4}" dt="2024-02-14T19:08:49.436" v="13" actId="478"/>
+          <ac:spMkLst>
+            <pc:docMk/>
+            <pc:sldMk cId="276079138" sldId="305"/>
+            <ac:spMk id="11" creationId="{B5FF8487-12CC-455B-BB28-092AAA3E43A4}"/>
+          </ac:spMkLst>
+        </pc:spChg>
+        <pc:spChg chg="del mod">
+          <ac:chgData name="Ayomide Olanrewaju" userId="9e2ef167a983f186" providerId="LiveId" clId="{5C7725D8-2EA3-40AF-AC7C-B95C809A25E4}" dt="2024-02-14T19:12:33.213" v="25" actId="478"/>
+          <ac:spMkLst>
+            <pc:docMk/>
+            <pc:sldMk cId="276079138" sldId="305"/>
+            <ac:spMk id="12" creationId="{9CC19BCA-4923-4952-996B-EDA82BCF117C}"/>
+          </ac:spMkLst>
+        </pc:spChg>
+        <pc:spChg chg="del">
+          <ac:chgData name="Ayomide Olanrewaju" userId="9e2ef167a983f186" providerId="LiveId" clId="{5C7725D8-2EA3-40AF-AC7C-B95C809A25E4}" dt="2024-02-14T19:12:37.650" v="27" actId="478"/>
+          <ac:spMkLst>
+            <pc:docMk/>
+            <pc:sldMk cId="276079138" sldId="305"/>
+            <ac:spMk id="13" creationId="{CF48DD50-F55B-417A-A09A-9FF61091CD37}"/>
+          </ac:spMkLst>
+        </pc:spChg>
+        <pc:spChg chg="del">
+          <ac:chgData name="Ayomide Olanrewaju" userId="9e2ef167a983f186" providerId="LiveId" clId="{5C7725D8-2EA3-40AF-AC7C-B95C809A25E4}" dt="2024-02-14T19:12:43.170" v="29" actId="478"/>
+          <ac:spMkLst>
+            <pc:docMk/>
+            <pc:sldMk cId="276079138" sldId="305"/>
+            <ac:spMk id="14" creationId="{F7A0AB77-FE60-4102-A808-335BC24E9950}"/>
+          </ac:spMkLst>
+        </pc:spChg>
+        <pc:spChg chg="del">
+          <ac:chgData name="Ayomide Olanrewaju" userId="9e2ef167a983f186" providerId="LiveId" clId="{5C7725D8-2EA3-40AF-AC7C-B95C809A25E4}" dt="2024-02-14T19:12:48.506" v="31" actId="478"/>
+          <ac:spMkLst>
+            <pc:docMk/>
+            <pc:sldMk cId="276079138" sldId="305"/>
+            <ac:spMk id="15" creationId="{55900307-389C-4833-9F6D-23CF84A7E974}"/>
+          </ac:spMkLst>
+        </pc:spChg>
+        <pc:spChg chg="del">
+          <ac:chgData name="Ayomide Olanrewaju" userId="9e2ef167a983f186" providerId="LiveId" clId="{5C7725D8-2EA3-40AF-AC7C-B95C809A25E4}" dt="2024-02-14T19:12:53.470" v="33" actId="478"/>
+          <ac:spMkLst>
+            <pc:docMk/>
+            <pc:sldMk cId="276079138" sldId="305"/>
+            <ac:spMk id="16" creationId="{2D7A6FC1-6929-4A5F-90E7-8D66A6079B21}"/>
+          </ac:spMkLst>
+        </pc:spChg>
+        <pc:spChg chg="del">
+          <ac:chgData name="Ayomide Olanrewaju" userId="9e2ef167a983f186" providerId="LiveId" clId="{5C7725D8-2EA3-40AF-AC7C-B95C809A25E4}" dt="2024-02-14T19:13:00.081" v="35" actId="478"/>
+          <ac:spMkLst>
+            <pc:docMk/>
+            <pc:sldMk cId="276079138" sldId="305"/>
+            <ac:spMk id="17" creationId="{2455B81D-74E1-4993-9CB7-C86E383417E1}"/>
+          </ac:spMkLst>
+        </pc:spChg>
+        <pc:spChg chg="del">
+          <ac:chgData name="Ayomide Olanrewaju" userId="9e2ef167a983f186" providerId="LiveId" clId="{5C7725D8-2EA3-40AF-AC7C-B95C809A25E4}" dt="2024-02-14T19:13:05.707" v="37" actId="478"/>
+          <ac:spMkLst>
+            <pc:docMk/>
+            <pc:sldMk cId="276079138" sldId="305"/>
+            <ac:spMk id="18" creationId="{B6AF93C3-3990-4E16-BC70-CEEBCF7E9B79}"/>
+          </ac:spMkLst>
+        </pc:spChg>
+        <pc:spChg chg="del">
+          <ac:chgData name="Ayomide Olanrewaju" userId="9e2ef167a983f186" providerId="LiveId" clId="{5C7725D8-2EA3-40AF-AC7C-B95C809A25E4}" dt="2024-02-14T19:13:10.116" v="39" actId="478"/>
+          <ac:spMkLst>
+            <pc:docMk/>
+            <pc:sldMk cId="276079138" sldId="305"/>
+            <ac:spMk id="19" creationId="{6D7685B1-86AF-4938-BC50-1C6253189708}"/>
+          </ac:spMkLst>
+        </pc:spChg>
+        <pc:spChg chg="add del mod">
+          <ac:chgData name="Ayomide Olanrewaju" userId="9e2ef167a983f186" providerId="LiveId" clId="{5C7725D8-2EA3-40AF-AC7C-B95C809A25E4}" dt="2024-02-14T19:12:28.372" v="23" actId="478"/>
+          <ac:spMkLst>
+            <pc:docMk/>
+            <pc:sldMk cId="276079138" sldId="305"/>
+            <ac:spMk id="20" creationId="{A50031F6-76CD-A737-4897-F8D714FC5EFF}"/>
+          </ac:spMkLst>
+        </pc:spChg>
+        <pc:spChg chg="add del mod">
+          <ac:chgData name="Ayomide Olanrewaju" userId="9e2ef167a983f186" providerId="LiveId" clId="{5C7725D8-2EA3-40AF-AC7C-B95C809A25E4}" dt="2024-02-14T19:12:34.776" v="26" actId="478"/>
+          <ac:spMkLst>
+            <pc:docMk/>
+            <pc:sldMk cId="276079138" sldId="305"/>
+            <ac:spMk id="22" creationId="{9A4A63DF-9E8E-ED4B-507B-B20BD25A394D}"/>
+          </ac:spMkLst>
+        </pc:spChg>
+        <pc:spChg chg="add del mod">
+          <ac:chgData name="Ayomide Olanrewaju" userId="9e2ef167a983f186" providerId="LiveId" clId="{5C7725D8-2EA3-40AF-AC7C-B95C809A25E4}" dt="2024-02-14T19:12:40.188" v="28" actId="478"/>
+          <ac:spMkLst>
+            <pc:docMk/>
+            <pc:sldMk cId="276079138" sldId="305"/>
+            <ac:spMk id="24" creationId="{E4E56F62-CA74-2999-344F-588939EA4BF8}"/>
+          </ac:spMkLst>
+        </pc:spChg>
+        <pc:spChg chg="add del mod">
+          <ac:chgData name="Ayomide Olanrewaju" userId="9e2ef167a983f186" providerId="LiveId" clId="{5C7725D8-2EA3-40AF-AC7C-B95C809A25E4}" dt="2024-02-14T19:12:45.468" v="30" actId="478"/>
+          <ac:spMkLst>
+            <pc:docMk/>
+            <pc:sldMk cId="276079138" sldId="305"/>
+            <ac:spMk id="28" creationId="{A901E497-51DD-DB54-B286-DEEFCBF9B433}"/>
+          </ac:spMkLst>
+        </pc:spChg>
+        <pc:spChg chg="add del mod">
+          <ac:chgData name="Ayomide Olanrewaju" userId="9e2ef167a983f186" providerId="LiveId" clId="{5C7725D8-2EA3-40AF-AC7C-B95C809A25E4}" dt="2024-02-14T19:12:50.861" v="32" actId="478"/>
+          <ac:spMkLst>
+            <pc:docMk/>
+            <pc:sldMk cId="276079138" sldId="305"/>
+            <ac:spMk id="35" creationId="{F0E51619-6108-3E25-1DDC-61BB0552DAF6}"/>
+          </ac:spMkLst>
+        </pc:spChg>
+        <pc:spChg chg="add del mod">
+          <ac:chgData name="Ayomide Olanrewaju" userId="9e2ef167a983f186" providerId="LiveId" clId="{5C7725D8-2EA3-40AF-AC7C-B95C809A25E4}" dt="2024-02-14T19:12:55.584" v="34" actId="478"/>
+          <ac:spMkLst>
+            <pc:docMk/>
+            <pc:sldMk cId="276079138" sldId="305"/>
+            <ac:spMk id="37" creationId="{A9050AAE-922D-922B-2323-F799A848C3CC}"/>
+          </ac:spMkLst>
+        </pc:spChg>
+        <pc:spChg chg="add del mod">
+          <ac:chgData name="Ayomide Olanrewaju" userId="9e2ef167a983f186" providerId="LiveId" clId="{5C7725D8-2EA3-40AF-AC7C-B95C809A25E4}" dt="2024-02-14T19:13:02.293" v="36" actId="478"/>
+          <ac:spMkLst>
+            <pc:docMk/>
+            <pc:sldMk cId="276079138" sldId="305"/>
+            <ac:spMk id="39" creationId="{5F0A4B1A-A131-C1E0-E1A9-AE0D038F0395}"/>
+          </ac:spMkLst>
+        </pc:spChg>
+        <pc:spChg chg="add del mod">
+          <ac:chgData name="Ayomide Olanrewaju" userId="9e2ef167a983f186" providerId="LiveId" clId="{5C7725D8-2EA3-40AF-AC7C-B95C809A25E4}" dt="2024-02-14T19:13:07.497" v="38" actId="478"/>
+          <ac:spMkLst>
+            <pc:docMk/>
+            <pc:sldMk cId="276079138" sldId="305"/>
+            <ac:spMk id="41" creationId="{639680A5-91F2-126A-5E24-026EBFE45063}"/>
+          </ac:spMkLst>
+        </pc:spChg>
+        <pc:spChg chg="add del mod">
+          <ac:chgData name="Ayomide Olanrewaju" userId="9e2ef167a983f186" providerId="LiveId" clId="{5C7725D8-2EA3-40AF-AC7C-B95C809A25E4}" dt="2024-02-14T19:13:12.465" v="40" actId="478"/>
+          <ac:spMkLst>
+            <pc:docMk/>
+            <pc:sldMk cId="276079138" sldId="305"/>
+            <ac:spMk id="43" creationId="{B8224419-1622-5004-CE42-90E0F842C825}"/>
+          </ac:spMkLst>
+        </pc:spChg>
+        <pc:picChg chg="del">
+          <ac:chgData name="Ayomide Olanrewaju" userId="9e2ef167a983f186" providerId="LiveId" clId="{5C7725D8-2EA3-40AF-AC7C-B95C809A25E4}" dt="2024-02-14T19:12:07.219" v="15" actId="478"/>
+          <ac:picMkLst>
+            <pc:docMk/>
+            <pc:sldMk cId="276079138" sldId="305"/>
+            <ac:picMk id="25" creationId="{192E2443-3386-4F13-B458-B0DF7511A5FD}"/>
+          </ac:picMkLst>
+        </pc:picChg>
+        <pc:picChg chg="del">
+          <ac:chgData name="Ayomide Olanrewaju" userId="9e2ef167a983f186" providerId="LiveId" clId="{5C7725D8-2EA3-40AF-AC7C-B95C809A25E4}" dt="2024-02-14T19:12:14.127" v="17" actId="478"/>
+          <ac:picMkLst>
+            <pc:docMk/>
+            <pc:sldMk cId="276079138" sldId="305"/>
+            <ac:picMk id="27" creationId="{2E18694F-192C-45F7-A79D-A6644797BCE7}"/>
+          </ac:picMkLst>
+        </pc:picChg>
+        <pc:picChg chg="del">
+          <ac:chgData name="Ayomide Olanrewaju" userId="9e2ef167a983f186" providerId="LiveId" clId="{5C7725D8-2EA3-40AF-AC7C-B95C809A25E4}" dt="2024-02-14T19:12:16.821" v="19" actId="478"/>
+          <ac:picMkLst>
+            <pc:docMk/>
+            <pc:sldMk cId="276079138" sldId="305"/>
+            <ac:picMk id="29" creationId="{AD3CA8A0-C478-4601-B591-250B0F58C3EA}"/>
+          </ac:picMkLst>
+        </pc:picChg>
+        <pc:picChg chg="del mod">
+          <ac:chgData name="Ayomide Olanrewaju" userId="9e2ef167a983f186" providerId="LiveId" clId="{5C7725D8-2EA3-40AF-AC7C-B95C809A25E4}" dt="2024-02-14T19:12:22.163" v="22" actId="478"/>
+          <ac:picMkLst>
+            <pc:docMk/>
+            <pc:sldMk cId="276079138" sldId="305"/>
+            <ac:picMk id="31" creationId="{2215E562-117D-4476-B492-A2B90FA24853}"/>
+          </ac:picMkLst>
+        </pc:picChg>
+        <pc:picChg chg="add">
+          <ac:chgData name="Ayomide Olanrewaju" userId="9e2ef167a983f186" providerId="LiveId" clId="{5C7725D8-2EA3-40AF-AC7C-B95C809A25E4}" dt="2024-02-14T19:13:42.795" v="41" actId="22"/>
+          <ac:picMkLst>
+            <pc:docMk/>
+            <pc:sldMk cId="276079138" sldId="305"/>
+            <ac:picMk id="45" creationId="{39DBE728-D111-7626-45D1-2FA8D5CE66D6}"/>
+          </ac:picMkLst>
+        </pc:picChg>
+      </pc:sldChg>
+      <pc:sldChg chg="addSp delSp modSp mod">
+        <pc:chgData name="Ayomide Olanrewaju" userId="9e2ef167a983f186" providerId="LiveId" clId="{5C7725D8-2EA3-40AF-AC7C-B95C809A25E4}" dt="2024-02-14T19:22:15.902" v="425" actId="14100"/>
+        <pc:sldMkLst>
+          <pc:docMk/>
+          <pc:sldMk cId="4081779217" sldId="307"/>
+        </pc:sldMkLst>
+        <pc:spChg chg="del">
+          <ac:chgData name="Ayomide Olanrewaju" userId="9e2ef167a983f186" providerId="LiveId" clId="{5C7725D8-2EA3-40AF-AC7C-B95C809A25E4}" dt="2024-02-14T19:14:20.469" v="43" actId="478"/>
+          <ac:spMkLst>
+            <pc:docMk/>
+            <pc:sldMk cId="4081779217" sldId="307"/>
+            <ac:spMk id="2" creationId="{F479E736-254A-4657-A88B-DE71C47DA880}"/>
+          </ac:spMkLst>
+        </pc:spChg>
+        <pc:spChg chg="del">
+          <ac:chgData name="Ayomide Olanrewaju" userId="9e2ef167a983f186" providerId="LiveId" clId="{5C7725D8-2EA3-40AF-AC7C-B95C809A25E4}" dt="2024-02-14T19:14:26.090" v="45" actId="478"/>
+          <ac:spMkLst>
+            <pc:docMk/>
+            <pc:sldMk cId="4081779217" sldId="307"/>
+            <ac:spMk id="3" creationId="{DFAB32D2-0B50-4101-875F-A81D7538524C}"/>
+          </ac:spMkLst>
+        </pc:spChg>
+        <pc:spChg chg="del">
+          <ac:chgData name="Ayomide Olanrewaju" userId="9e2ef167a983f186" providerId="LiveId" clId="{5C7725D8-2EA3-40AF-AC7C-B95C809A25E4}" dt="2024-02-14T19:14:43.125" v="51" actId="478"/>
+          <ac:spMkLst>
+            <pc:docMk/>
+            <pc:sldMk cId="4081779217" sldId="307"/>
+            <ac:spMk id="4" creationId="{EA1C3B4B-27E0-48C6-BD24-1444DD46ED0A}"/>
+          </ac:spMkLst>
+        </pc:spChg>
+        <pc:spChg chg="del">
+          <ac:chgData name="Ayomide Olanrewaju" userId="9e2ef167a983f186" providerId="LiveId" clId="{5C7725D8-2EA3-40AF-AC7C-B95C809A25E4}" dt="2024-02-14T19:14:31.784" v="47" actId="478"/>
+          <ac:spMkLst>
+            <pc:docMk/>
+            <pc:sldMk cId="4081779217" sldId="307"/>
+            <ac:spMk id="5" creationId="{ECAC1A88-D97A-4F1E-9C4A-665733C70659}"/>
+          </ac:spMkLst>
+        </pc:spChg>
+        <pc:spChg chg="del">
+          <ac:chgData name="Ayomide Olanrewaju" userId="9e2ef167a983f186" providerId="LiveId" clId="{5C7725D8-2EA3-40AF-AC7C-B95C809A25E4}" dt="2024-02-14T19:14:48.868" v="53" actId="478"/>
+          <ac:spMkLst>
+            <pc:docMk/>
+            <pc:sldMk cId="4081779217" sldId="307"/>
+            <ac:spMk id="6" creationId="{DFB55301-A78F-4ECA-BBC5-6ADBA8452BD6}"/>
+          </ac:spMkLst>
+        </pc:spChg>
+        <pc:spChg chg="del">
+          <ac:chgData name="Ayomide Olanrewaju" userId="9e2ef167a983f186" providerId="LiveId" clId="{5C7725D8-2EA3-40AF-AC7C-B95C809A25E4}" dt="2024-02-14T19:14:36.425" v="49" actId="478"/>
+          <ac:spMkLst>
+            <pc:docMk/>
+            <pc:sldMk cId="4081779217" sldId="307"/>
+            <ac:spMk id="7" creationId="{35BB4409-7785-40D0-9762-248A959B6DE2}"/>
+          </ac:spMkLst>
+        </pc:spChg>
+        <pc:spChg chg="del">
+          <ac:chgData name="Ayomide Olanrewaju" userId="9e2ef167a983f186" providerId="LiveId" clId="{5C7725D8-2EA3-40AF-AC7C-B95C809A25E4}" dt="2024-02-14T19:14:53.413" v="55" actId="478"/>
+          <ac:spMkLst>
+            <pc:docMk/>
+            <pc:sldMk cId="4081779217" sldId="307"/>
+            <ac:spMk id="8" creationId="{978066DD-B3C1-4D98-8770-51E4077B46C0}"/>
+          </ac:spMkLst>
+        </pc:spChg>
+        <pc:spChg chg="add del mod">
+          <ac:chgData name="Ayomide Olanrewaju" userId="9e2ef167a983f186" providerId="LiveId" clId="{5C7725D8-2EA3-40AF-AC7C-B95C809A25E4}" dt="2024-02-14T19:14:22.556" v="44" actId="478"/>
+          <ac:spMkLst>
+            <pc:docMk/>
+            <pc:sldMk cId="4081779217" sldId="307"/>
+            <ac:spMk id="10" creationId="{4013E592-CC5E-2460-4CF2-8BD13289AC14}"/>
+          </ac:spMkLst>
+        </pc:spChg>
+        <pc:spChg chg="add del mod">
+          <ac:chgData name="Ayomide Olanrewaju" userId="9e2ef167a983f186" providerId="LiveId" clId="{5C7725D8-2EA3-40AF-AC7C-B95C809A25E4}" dt="2024-02-14T19:14:28.271" v="46" actId="478"/>
+          <ac:spMkLst>
+            <pc:docMk/>
+            <pc:sldMk cId="4081779217" sldId="307"/>
+            <ac:spMk id="15" creationId="{D127D29F-5C0D-02D9-5E87-79A5D8DDDDF5}"/>
+          </ac:spMkLst>
+        </pc:spChg>
+        <pc:spChg chg="add del mod">
+          <ac:chgData name="Ayomide Olanrewaju" userId="9e2ef167a983f186" providerId="LiveId" clId="{5C7725D8-2EA3-40AF-AC7C-B95C809A25E4}" dt="2024-02-14T19:14:33.568" v="48" actId="478"/>
+          <ac:spMkLst>
+            <pc:docMk/>
+            <pc:sldMk cId="4081779217" sldId="307"/>
+            <ac:spMk id="17" creationId="{743FF54D-FAFB-67DE-911F-574DF158E0D9}"/>
+          </ac:spMkLst>
+        </pc:spChg>
+        <pc:spChg chg="add del mod">
+          <ac:chgData name="Ayomide Olanrewaju" userId="9e2ef167a983f186" providerId="LiveId" clId="{5C7725D8-2EA3-40AF-AC7C-B95C809A25E4}" dt="2024-02-14T19:14:38.874" v="50" actId="478"/>
+          <ac:spMkLst>
+            <pc:docMk/>
+            <pc:sldMk cId="4081779217" sldId="307"/>
+            <ac:spMk id="19" creationId="{784A55E8-6605-970B-83BF-3A43D0328295}"/>
+          </ac:spMkLst>
+        </pc:spChg>
+        <pc:spChg chg="add del mod">
+          <ac:chgData name="Ayomide Olanrewaju" userId="9e2ef167a983f186" providerId="LiveId" clId="{5C7725D8-2EA3-40AF-AC7C-B95C809A25E4}" dt="2024-02-14T19:14:44.995" v="52" actId="478"/>
+          <ac:spMkLst>
+            <pc:docMk/>
+            <pc:sldMk cId="4081779217" sldId="307"/>
+            <ac:spMk id="21" creationId="{38B581BB-6D1C-FD96-8FEE-4B59CFEA4F08}"/>
+          </ac:spMkLst>
+        </pc:spChg>
+        <pc:spChg chg="add del mod">
+          <ac:chgData name="Ayomide Olanrewaju" userId="9e2ef167a983f186" providerId="LiveId" clId="{5C7725D8-2EA3-40AF-AC7C-B95C809A25E4}" dt="2024-02-14T19:14:50.606" v="54" actId="478"/>
+          <ac:spMkLst>
+            <pc:docMk/>
+            <pc:sldMk cId="4081779217" sldId="307"/>
+            <ac:spMk id="23" creationId="{D06E0B5E-7A51-F747-2959-4F54255B3F6A}"/>
+          </ac:spMkLst>
+        </pc:spChg>
+        <pc:spChg chg="add del mod">
+          <ac:chgData name="Ayomide Olanrewaju" userId="9e2ef167a983f186" providerId="LiveId" clId="{5C7725D8-2EA3-40AF-AC7C-B95C809A25E4}" dt="2024-02-14T19:14:54.596" v="56" actId="478"/>
+          <ac:spMkLst>
+            <pc:docMk/>
+            <pc:sldMk cId="4081779217" sldId="307"/>
+            <ac:spMk id="25" creationId="{BBC9EBB3-B90C-91D3-18FF-3DE3F435DD2E}"/>
+          </ac:spMkLst>
+        </pc:spChg>
+        <pc:picChg chg="add mod">
+          <ac:chgData name="Ayomide Olanrewaju" userId="9e2ef167a983f186" providerId="LiveId" clId="{5C7725D8-2EA3-40AF-AC7C-B95C809A25E4}" dt="2024-02-14T19:15:29.359" v="61" actId="14100"/>
+          <ac:picMkLst>
+            <pc:docMk/>
+            <pc:sldMk cId="4081779217" sldId="307"/>
+            <ac:picMk id="27" creationId="{1B3A0B9E-7B3D-95A3-60A2-0F039BE7E330}"/>
+          </ac:picMkLst>
+        </pc:picChg>
+        <pc:picChg chg="add del">
+          <ac:chgData name="Ayomide Olanrewaju" userId="9e2ef167a983f186" providerId="LiveId" clId="{5C7725D8-2EA3-40AF-AC7C-B95C809A25E4}" dt="2024-02-14T19:21:53.704" v="423" actId="22"/>
+          <ac:picMkLst>
+            <pc:docMk/>
+            <pc:sldMk cId="4081779217" sldId="307"/>
+            <ac:picMk id="29" creationId="{947F1553-5015-74F5-5C99-E4B51B40EDF5}"/>
+          </ac:picMkLst>
+        </pc:picChg>
+        <pc:picChg chg="add mod">
+          <ac:chgData name="Ayomide Olanrewaju" userId="9e2ef167a983f186" providerId="LiveId" clId="{5C7725D8-2EA3-40AF-AC7C-B95C809A25E4}" dt="2024-02-14T19:22:15.902" v="425" actId="14100"/>
+          <ac:picMkLst>
+            <pc:docMk/>
+            <pc:sldMk cId="4081779217" sldId="307"/>
+            <ac:picMk id="31" creationId="{8B9C3A9F-4F5B-F350-06FD-A172992C98A4}"/>
+          </ac:picMkLst>
+        </pc:picChg>
+      </pc:sldChg>
+      <pc:sldChg chg="addSp delSp modSp mod">
+        <pc:chgData name="Ayomide Olanrewaju" userId="9e2ef167a983f186" providerId="LiveId" clId="{5C7725D8-2EA3-40AF-AC7C-B95C809A25E4}" dt="2024-02-14T19:04:13.818" v="5" actId="478"/>
+        <pc:sldMkLst>
+          <pc:docMk/>
+          <pc:sldMk cId="3382633633" sldId="309"/>
+        </pc:sldMkLst>
+        <pc:spChg chg="del">
+          <ac:chgData name="Ayomide Olanrewaju" userId="9e2ef167a983f186" providerId="LiveId" clId="{5C7725D8-2EA3-40AF-AC7C-B95C809A25E4}" dt="2024-02-14T19:04:09.343" v="4" actId="478"/>
+          <ac:spMkLst>
+            <pc:docMk/>
+            <pc:sldMk cId="3382633633" sldId="309"/>
+            <ac:spMk id="3" creationId="{D3B7DCE3-A62E-497E-8A96-DF8D1A4904FD}"/>
+          </ac:spMkLst>
+        </pc:spChg>
+        <pc:spChg chg="add del mod">
+          <ac:chgData name="Ayomide Olanrewaju" userId="9e2ef167a983f186" providerId="LiveId" clId="{5C7725D8-2EA3-40AF-AC7C-B95C809A25E4}" dt="2024-02-14T19:03:46.541" v="1" actId="478"/>
+          <ac:spMkLst>
+            <pc:docMk/>
+            <pc:sldMk cId="3382633633" sldId="309"/>
+            <ac:spMk id="7" creationId="{7F19ADC4-4D84-F151-28A5-EAE47A580BAF}"/>
+          </ac:spMkLst>
+        </pc:spChg>
+        <pc:spChg chg="add del mod">
+          <ac:chgData name="Ayomide Olanrewaju" userId="9e2ef167a983f186" providerId="LiveId" clId="{5C7725D8-2EA3-40AF-AC7C-B95C809A25E4}" dt="2024-02-14T19:04:13.818" v="5" actId="478"/>
+          <ac:spMkLst>
+            <pc:docMk/>
+            <pc:sldMk cId="3382633633" sldId="309"/>
+            <ac:spMk id="12" creationId="{F174D788-B8D4-CE70-A6D4-86161BDDE8A5}"/>
+          </ac:spMkLst>
+        </pc:spChg>
+        <pc:graphicFrameChg chg="del">
+          <ac:chgData name="Ayomide Olanrewaju" userId="9e2ef167a983f186" providerId="LiveId" clId="{5C7725D8-2EA3-40AF-AC7C-B95C809A25E4}" dt="2024-02-14T19:03:44.116" v="0" actId="478"/>
+          <ac:graphicFrameMkLst>
+            <pc:docMk/>
+            <pc:sldMk cId="3382633633" sldId="309"/>
+            <ac:graphicFrameMk id="9" creationId="{29099B41-765C-4584-A6CA-8AC4F02907FC}"/>
+          </ac:graphicFrameMkLst>
+        </pc:graphicFrameChg>
+        <pc:picChg chg="add mod">
+          <ac:chgData name="Ayomide Olanrewaju" userId="9e2ef167a983f186" providerId="LiveId" clId="{5C7725D8-2EA3-40AF-AC7C-B95C809A25E4}" dt="2024-02-14T19:04:05.458" v="3" actId="14100"/>
+          <ac:picMkLst>
+            <pc:docMk/>
+            <pc:sldMk cId="3382633633" sldId="309"/>
+            <ac:picMk id="10" creationId="{3C6ED319-C44F-F2B8-2BBC-F62A3631DBF8}"/>
+          </ac:picMkLst>
+        </pc:picChg>
+      </pc:sldChg>
+      <pc:sldChg chg="del">
+        <pc:chgData name="Ayomide Olanrewaju" userId="9e2ef167a983f186" providerId="LiveId" clId="{5C7725D8-2EA3-40AF-AC7C-B95C809A25E4}" dt="2024-02-14T19:14:10.779" v="42" actId="2696"/>
+        <pc:sldMkLst>
+          <pc:docMk/>
+          <pc:sldMk cId="4280447412" sldId="310"/>
+        </pc:sldMkLst>
+      </pc:sldChg>
+    </pc:docChg>
+  </pc:docChgLst>
+</pc:chgInfo>
 </file>
 
 <file path=ppt/handoutMasters/handoutMaster1.xml><?xml version="1.0" encoding="utf-8"?>
@@ -17000,46 +11334,10 @@
       </p:grpSpPr>
       <p:sp>
         <p:nvSpPr>
-          <p:cNvPr id="5" name="Text Placeholder 4">
-            <a:extLst>
-              <a:ext uri="{FF2B5EF4-FFF2-40B4-BE49-F238E27FC236}">
-                <a16:creationId xmlns:a16="http://schemas.microsoft.com/office/drawing/2014/main" id="{77A2ABE5-0226-49ED-8CCF-C68A5DC8C37A}"/>
-              </a:ext>
-            </a:extLst>
-          </p:cNvPr>
-          <p:cNvSpPr>
-            <a:spLocks noGrp="1"/>
-          </p:cNvSpPr>
-          <p:nvPr>
-            <p:ph type="body" sz="quarter" idx="3"/>
-          </p:nvPr>
-        </p:nvSpPr>
-        <p:spPr>
-          <a:xfrm>
-            <a:off x="6096000" y="1092162"/>
-            <a:ext cx="5183188" cy="2336838"/>
-          </a:xfrm>
-        </p:spPr>
-        <p:txBody>
-          <a:bodyPr rtlCol="0">
-            <a:normAutofit/>
-          </a:bodyPr>
-          <a:lstStyle/>
-          <a:p>
-            <a:pPr rtl="0"/>
-            <a:r>
-              <a:rPr lang="en-GB" dirty="0"/>
-              <a:t>Vaccination rates according to demography for each state</a:t>
-            </a:r>
-          </a:p>
-        </p:txBody>
-      </p:sp>
-      <p:sp>
-        <p:nvSpPr>
-          <p:cNvPr id="8" name="Footer Placeholder 7">
-            <a:extLst>
-              <a:ext uri="{FF2B5EF4-FFF2-40B4-BE49-F238E27FC236}">
-                <a16:creationId xmlns:a16="http://schemas.microsoft.com/office/drawing/2014/main" id="{1CB6C385-03DD-40B8-8F1B-4E62C60C85AA}"/>
+          <p:cNvPr id="12" name="Footer Placeholder 11">
+            <a:extLst>
+              <a:ext uri="{FF2B5EF4-FFF2-40B4-BE49-F238E27FC236}">
+                <a16:creationId xmlns:a16="http://schemas.microsoft.com/office/drawing/2014/main" id="{64A4EE82-5E82-4F50-9452-91AD29BC019C}"/>
               </a:ext>
             </a:extLst>
           </p:cNvPr>
@@ -17070,10 +11368,10 @@
       </p:sp>
       <p:sp>
         <p:nvSpPr>
-          <p:cNvPr id="7" name="Date Placeholder 6">
-            <a:extLst>
-              <a:ext uri="{FF2B5EF4-FFF2-40B4-BE49-F238E27FC236}">
-                <a16:creationId xmlns:a16="http://schemas.microsoft.com/office/drawing/2014/main" id="{AF3C5F2A-97FD-42D5-B08A-F20B3EFD7D84}"/>
+          <p:cNvPr id="11" name="Date Placeholder 10">
+            <a:extLst>
+              <a:ext uri="{FF2B5EF4-FFF2-40B4-BE49-F238E27FC236}">
+                <a16:creationId xmlns:a16="http://schemas.microsoft.com/office/drawing/2014/main" id="{196AD7FA-BD30-47CA-B1E9-5A3261C7892A}"/>
               </a:ext>
             </a:extLst>
           </p:cNvPr>
@@ -17104,10 +11402,10 @@
       </p:sp>
       <p:sp>
         <p:nvSpPr>
-          <p:cNvPr id="9" name="Slide Number Placeholder 8">
-            <a:extLst>
-              <a:ext uri="{FF2B5EF4-FFF2-40B4-BE49-F238E27FC236}">
-                <a16:creationId xmlns:a16="http://schemas.microsoft.com/office/drawing/2014/main" id="{203229A0-1321-49E2-9958-3B1F86E2CC8F}"/>
+          <p:cNvPr id="13" name="Slide Number Placeholder 12">
+            <a:extLst>
+              <a:ext uri="{FF2B5EF4-FFF2-40B4-BE49-F238E27FC236}">
+                <a16:creationId xmlns:a16="http://schemas.microsoft.com/office/drawing/2014/main" id="{BF6287AF-451B-4FEA-A984-C734DD46F5F2}"/>
               </a:ext>
             </a:extLst>
           </p:cNvPr>
@@ -17131,86 +11429,77 @@
             <a:pPr rtl="0"/>
             <a:fld id="{312CC964-A50B-4C29-B4E4-2C30BB34CCF3}" type="slidenum">
               <a:rPr lang="en-GB" smtClean="0"/>
-              <a:pPr/>
+              <a:pPr rtl="0"/>
               <a:t>10</a:t>
             </a:fld>
             <a:endParaRPr lang="en-GB" dirty="0"/>
           </a:p>
         </p:txBody>
       </p:sp>
-      <p:sp>
-        <p:nvSpPr>
-          <p:cNvPr id="13" name="Content Placeholder 12">
-            <a:extLst>
-              <a:ext uri="{FF2B5EF4-FFF2-40B4-BE49-F238E27FC236}">
-                <a16:creationId xmlns:a16="http://schemas.microsoft.com/office/drawing/2014/main" id="{0994D6C2-A5E8-ED48-11C9-771F49BA1314}"/>
-              </a:ext>
-            </a:extLst>
-          </p:cNvPr>
-          <p:cNvSpPr>
-            <a:spLocks noGrp="1"/>
-          </p:cNvSpPr>
-          <p:nvPr>
-            <p:ph sz="quarter" idx="4"/>
-          </p:nvPr>
-        </p:nvSpPr>
-        <p:spPr/>
-        <p:txBody>
-          <a:bodyPr/>
-          <a:lstStyle/>
-          <a:p>
-            <a:endParaRPr lang="en-US" dirty="0"/>
-          </a:p>
-          <a:p>
-            <a:endParaRPr lang="en-US" dirty="0"/>
-          </a:p>
-          <a:p>
-            <a:r>
-              <a:rPr lang="en-US" dirty="0"/>
-              <a:t>Where do the government need to direct their awareness outreach to?</a:t>
-            </a:r>
-            <a:endParaRPr lang="en-GB" dirty="0"/>
-          </a:p>
-        </p:txBody>
-      </p:sp>
       <p:pic>
         <p:nvPicPr>
-          <p:cNvPr id="14" name="Picture Placeholder 8" descr="A picture containing blue glass buildings with reflection">
-            <a:extLst>
-              <a:ext uri="{FF2B5EF4-FFF2-40B4-BE49-F238E27FC236}">
-                <a16:creationId xmlns:a16="http://schemas.microsoft.com/office/drawing/2014/main" id="{C4B4CEBB-26F0-92EE-DB7B-D9E5431E85B6}"/>
+          <p:cNvPr id="27" name="Picture 26">
+            <a:extLst>
+              <a:ext uri="{FF2B5EF4-FFF2-40B4-BE49-F238E27FC236}">
+                <a16:creationId xmlns:a16="http://schemas.microsoft.com/office/drawing/2014/main" id="{1B3A0B9E-7B3D-95A3-60A2-0F039BE7E330}"/>
               </a:ext>
             </a:extLst>
           </p:cNvPr>
           <p:cNvPicPr>
-            <a:picLocks noGrp="1" noChangeAspect="1"/>
+            <a:picLocks noChangeAspect="1"/>
           </p:cNvPicPr>
-          <p:nvPr>
-            <p:ph sz="half" idx="2"/>
-          </p:nvPr>
+          <p:nvPr/>
         </p:nvPicPr>
-        <p:blipFill rotWithShape="1">
-          <a:blip r:embed="rId2" cstate="screen">
-            <a:extLst>
-              <a:ext uri="{28A0092B-C50C-407E-A947-70E740481C1C}">
-                <a14:useLocalDpi xmlns:a14="http://schemas.microsoft.com/office/drawing/2010/main"/>
-              </a:ext>
-            </a:extLst>
-          </a:blip>
-          <a:srcRect/>
-          <a:stretch/>
+        <p:blipFill>
+          <a:blip r:embed="rId2"/>
+          <a:stretch>
+            <a:fillRect/>
+          </a:stretch>
         </p:blipFill>
         <p:spPr>
           <a:xfrm>
-            <a:off x="0" y="0"/>
-            <a:ext cx="4377757" cy="6242050"/>
-          </a:xfrm>
+            <a:off x="0" y="400749"/>
+            <a:ext cx="6871447" cy="5529404"/>
+          </a:xfrm>
+          <a:prstGeom prst="rect">
+            <a:avLst/>
+          </a:prstGeom>
+        </p:spPr>
+      </p:pic>
+      <p:pic>
+        <p:nvPicPr>
+          <p:cNvPr id="31" name="Picture 30">
+            <a:extLst>
+              <a:ext uri="{FF2B5EF4-FFF2-40B4-BE49-F238E27FC236}">
+                <a16:creationId xmlns:a16="http://schemas.microsoft.com/office/drawing/2014/main" id="{8B9C3A9F-4F5B-F350-06FD-A172992C98A4}"/>
+              </a:ext>
+            </a:extLst>
+          </p:cNvPr>
+          <p:cNvPicPr>
+            <a:picLocks noChangeAspect="1"/>
+          </p:cNvPicPr>
+          <p:nvPr/>
+        </p:nvPicPr>
+        <p:blipFill>
+          <a:blip r:embed="rId3"/>
+          <a:stretch>
+            <a:fillRect/>
+          </a:stretch>
+        </p:blipFill>
+        <p:spPr>
+          <a:xfrm>
+            <a:off x="5320552" y="3043788"/>
+            <a:ext cx="6871447" cy="3413462"/>
+          </a:xfrm>
+          <a:prstGeom prst="rect">
+            <a:avLst/>
+          </a:prstGeom>
         </p:spPr>
       </p:pic>
     </p:spTree>
     <p:extLst>
       <p:ext uri="{BB962C8B-B14F-4D97-AF65-F5344CB8AC3E}">
-        <p14:creationId xmlns:p14="http://schemas.microsoft.com/office/powerpoint/2010/main" val="742158403"/>
+        <p14:creationId xmlns:p14="http://schemas.microsoft.com/office/powerpoint/2010/main" val="4081779217"/>
       </p:ext>
     </p:extLst>
   </p:cSld>
@@ -17242,7 +11531,7 @@
           <p:cNvPr id="2" name="Title 1">
             <a:extLst>
               <a:ext uri="{FF2B5EF4-FFF2-40B4-BE49-F238E27FC236}">
-                <a16:creationId xmlns:a16="http://schemas.microsoft.com/office/drawing/2014/main" id="{F479E736-254A-4657-A88B-DE71C47DA880}"/>
+                <a16:creationId xmlns:a16="http://schemas.microsoft.com/office/drawing/2014/main" id="{38DE2E09-3A82-4E32-88E3-59E694EFE546}"/>
               </a:ext>
             </a:extLst>
           </p:cNvPr>
@@ -17255,8 +11544,8 @@
         </p:nvSpPr>
         <p:spPr>
           <a:xfrm>
-            <a:off x="839788" y="365125"/>
-            <a:ext cx="10515600" cy="1325563"/>
+            <a:off x="1143001" y="533400"/>
+            <a:ext cx="5496636" cy="1685898"/>
           </a:xfrm>
         </p:spPr>
         <p:txBody>
@@ -17265,32 +11554,32 @@
           <a:p>
             <a:pPr rtl="0"/>
             <a:r>
-              <a:rPr lang="en-GB"/>
-              <a:t>Content 2</a:t>
-            </a:r>
-          </a:p>
-        </p:txBody>
-      </p:sp>
-      <p:sp>
-        <p:nvSpPr>
-          <p:cNvPr id="3" name="Text Placeholder 2">
-            <a:extLst>
-              <a:ext uri="{FF2B5EF4-FFF2-40B4-BE49-F238E27FC236}">
-                <a16:creationId xmlns:a16="http://schemas.microsoft.com/office/drawing/2014/main" id="{DFAB32D2-0B50-4101-875F-A81D7538524C}"/>
-              </a:ext>
-            </a:extLst>
-          </p:cNvPr>
-          <p:cNvSpPr>
-            <a:spLocks noGrp="1"/>
-          </p:cNvSpPr>
-          <p:nvPr>
-            <p:ph type="body" idx="1"/>
-          </p:nvPr>
-        </p:nvSpPr>
-        <p:spPr>
-          <a:xfrm>
-            <a:off x="839788" y="1734325"/>
-            <a:ext cx="3200400" cy="823912"/>
+              <a:rPr lang="en-GB" dirty="0"/>
+              <a:t>Summary</a:t>
+            </a:r>
+          </a:p>
+        </p:txBody>
+      </p:sp>
+      <p:sp>
+        <p:nvSpPr>
+          <p:cNvPr id="3" name="Content Placeholder 2">
+            <a:extLst>
+              <a:ext uri="{FF2B5EF4-FFF2-40B4-BE49-F238E27FC236}">
+                <a16:creationId xmlns:a16="http://schemas.microsoft.com/office/drawing/2014/main" id="{9925E272-AF60-4462-95A9-115739F781AE}"/>
+              </a:ext>
+            </a:extLst>
+          </p:cNvPr>
+          <p:cNvSpPr>
+            <a:spLocks noGrp="1"/>
+          </p:cNvSpPr>
+          <p:nvPr>
+            <p:ph idx="1"/>
+          </p:nvPr>
+        </p:nvSpPr>
+        <p:spPr>
+          <a:xfrm>
+            <a:off x="1143001" y="2229347"/>
+            <a:ext cx="5496636" cy="3821743"/>
           </a:xfrm>
         </p:spPr>
         <p:txBody>
@@ -17299,82 +11588,33 @@
           <a:p>
             <a:pPr rtl="0"/>
             <a:r>
-              <a:rPr lang="en-GB"/>
-              <a:t>Summary	</a:t>
-            </a:r>
-          </a:p>
-        </p:txBody>
-      </p:sp>
-      <p:sp>
-        <p:nvSpPr>
-          <p:cNvPr id="4" name="Content Placeholder 3">
-            <a:extLst>
-              <a:ext uri="{FF2B5EF4-FFF2-40B4-BE49-F238E27FC236}">
-                <a16:creationId xmlns:a16="http://schemas.microsoft.com/office/drawing/2014/main" id="{EA1C3B4B-27E0-48C6-BD24-1444DD46ED0A}"/>
-              </a:ext>
-            </a:extLst>
-          </p:cNvPr>
-          <p:cNvSpPr>
-            <a:spLocks noGrp="1"/>
-          </p:cNvSpPr>
-          <p:nvPr>
-            <p:ph sz="half" idx="2"/>
-          </p:nvPr>
-        </p:nvSpPr>
-        <p:spPr>
-          <a:xfrm>
-            <a:off x="839788" y="2558237"/>
-            <a:ext cx="3200400" cy="3684588"/>
-          </a:xfrm>
-        </p:spPr>
-        <p:txBody>
-          <a:bodyPr rtlCol="0">
-            <a:normAutofit/>
-          </a:bodyPr>
-          <a:lstStyle/>
-          <a:p>
-            <a:pPr lvl="0" rtl="0"/>
-            <a:r>
-              <a:rPr lang="en-GB"/>
-              <a:t>Add text, images, art, and videos. </a:t>
-            </a:r>
-          </a:p>
-          <a:p>
-            <a:pPr lvl="0" rtl="0"/>
-            <a:r>
-              <a:rPr lang="en-GB"/>
-              <a:t>Add transitions, animations, and motion. </a:t>
-            </a:r>
-          </a:p>
-          <a:p>
-            <a:pPr lvl="0" rtl="0"/>
-            <a:r>
-              <a:rPr lang="en-GB"/>
-              <a:t>Save to OneDrive, to get to your presentations from your computer, tablet, or phone.</a:t>
-            </a:r>
-          </a:p>
-        </p:txBody>
-      </p:sp>
-      <p:sp>
-        <p:nvSpPr>
-          <p:cNvPr id="5" name="Text Placeholder 4">
-            <a:extLst>
-              <a:ext uri="{FF2B5EF4-FFF2-40B4-BE49-F238E27FC236}">
-                <a16:creationId xmlns:a16="http://schemas.microsoft.com/office/drawing/2014/main" id="{ECAC1A88-D97A-4F1E-9C4A-665733C70659}"/>
-              </a:ext>
-            </a:extLst>
-          </p:cNvPr>
-          <p:cNvSpPr>
-            <a:spLocks noGrp="1"/>
-          </p:cNvSpPr>
-          <p:nvPr>
-            <p:ph type="body" sz="quarter" idx="3"/>
-          </p:nvPr>
-        </p:nvSpPr>
-        <p:spPr>
-          <a:xfrm>
-            <a:off x="4495800" y="1734325"/>
-            <a:ext cx="3200400" cy="823912"/>
+              <a:rPr lang="en-US" dirty="0"/>
+              <a:t>The top 3 high risk states, with the most deaths, are Texas California and Florida. Visualized on the map. Therefore, the government’s efforts will be focused on these states. The relationship with the demography of each state and the vaccination rate was however inconclusive. </a:t>
+            </a:r>
+            <a:endParaRPr lang="en-GB" dirty="0"/>
+          </a:p>
+        </p:txBody>
+      </p:sp>
+      <p:sp>
+        <p:nvSpPr>
+          <p:cNvPr id="17" name="Footer Placeholder 16">
+            <a:extLst>
+              <a:ext uri="{FF2B5EF4-FFF2-40B4-BE49-F238E27FC236}">
+                <a16:creationId xmlns:a16="http://schemas.microsoft.com/office/drawing/2014/main" id="{A372FF69-5317-4BE5-B218-0E85D7FE0FB1}"/>
+              </a:ext>
+            </a:extLst>
+          </p:cNvPr>
+          <p:cNvSpPr>
+            <a:spLocks noGrp="1"/>
+          </p:cNvSpPr>
+          <p:nvPr>
+            <p:ph type="ftr" sz="quarter" idx="11"/>
+          </p:nvPr>
+        </p:nvSpPr>
+        <p:spPr>
+          <a:xfrm>
+            <a:off x="154429" y="6398878"/>
+            <a:ext cx="4497315" cy="365125"/>
           </a:xfrm>
         </p:spPr>
         <p:txBody>
@@ -17384,74 +11624,167 @@
             <a:pPr rtl="0"/>
             <a:r>
               <a:rPr lang="en-GB"/>
-              <a:t>summary</a:t>
-            </a:r>
-          </a:p>
-        </p:txBody>
-      </p:sp>
-      <p:sp>
-        <p:nvSpPr>
-          <p:cNvPr id="6" name="Content Placeholder 5">
-            <a:extLst>
-              <a:ext uri="{FF2B5EF4-FFF2-40B4-BE49-F238E27FC236}">
-                <a16:creationId xmlns:a16="http://schemas.microsoft.com/office/drawing/2014/main" id="{DFB55301-A78F-4ECA-BBC5-6ADBA8452BD6}"/>
-              </a:ext>
-            </a:extLst>
-          </p:cNvPr>
-          <p:cNvSpPr>
-            <a:spLocks noGrp="1"/>
-          </p:cNvSpPr>
-          <p:nvPr>
-            <p:ph sz="quarter" idx="4"/>
-          </p:nvPr>
-        </p:nvSpPr>
-        <p:spPr>
-          <a:xfrm>
-            <a:off x="4495800" y="2558237"/>
-            <a:ext cx="3200400" cy="3684588"/>
-          </a:xfrm>
-        </p:spPr>
-        <p:txBody>
-          <a:bodyPr rtlCol="0">
-            <a:normAutofit/>
-          </a:bodyPr>
-          <a:lstStyle/>
-          <a:p>
-            <a:pPr rtl="0"/>
-            <a:r>
-              <a:rPr lang="en-GB"/>
-              <a:t>Open the Design Ideas pane for instant slide makeovers. </a:t>
-            </a:r>
-          </a:p>
-          <a:p>
-            <a:pPr rtl="0"/>
-            <a:r>
-              <a:rPr lang="en-GB"/>
-              <a:t>When we have design ideas, we’ll show them to you right there.</a:t>
-            </a:r>
-          </a:p>
-        </p:txBody>
-      </p:sp>
-      <p:sp>
-        <p:nvSpPr>
-          <p:cNvPr id="7" name="Text Placeholder 6">
-            <a:extLst>
-              <a:ext uri="{FF2B5EF4-FFF2-40B4-BE49-F238E27FC236}">
-                <a16:creationId xmlns:a16="http://schemas.microsoft.com/office/drawing/2014/main" id="{35BB4409-7785-40D0-9762-248A959B6DE2}"/>
-              </a:ext>
-            </a:extLst>
-          </p:cNvPr>
-          <p:cNvSpPr>
-            <a:spLocks noGrp="1"/>
-          </p:cNvSpPr>
-          <p:nvPr>
-            <p:ph type="body" sz="quarter" idx="13"/>
-          </p:nvPr>
-        </p:nvSpPr>
-        <p:spPr>
-          <a:xfrm>
-            <a:off x="8151812" y="1734325"/>
-            <a:ext cx="3200400" cy="823912"/>
+              <a:t>Sample Footer Text</a:t>
+            </a:r>
+          </a:p>
+        </p:txBody>
+      </p:sp>
+      <p:pic>
+        <p:nvPicPr>
+          <p:cNvPr id="68" name="Picture Placeholder 67" descr="View of city buildings over the water">
+            <a:extLst>
+              <a:ext uri="{FF2B5EF4-FFF2-40B4-BE49-F238E27FC236}">
+                <a16:creationId xmlns:a16="http://schemas.microsoft.com/office/drawing/2014/main" id="{C700B77F-91C5-4642-9ABF-EA81F3CF6916}"/>
+              </a:ext>
+            </a:extLst>
+          </p:cNvPr>
+          <p:cNvPicPr>
+            <a:picLocks noGrp="1" noChangeAspect="1"/>
+          </p:cNvPicPr>
+          <p:nvPr>
+            <p:ph type="pic" sz="quarter" idx="14"/>
+          </p:nvPr>
+        </p:nvPicPr>
+        <p:blipFill rotWithShape="1">
+          <a:blip r:embed="rId2">
+            <a:extLst>
+              <a:ext uri="{28A0092B-C50C-407E-A947-70E740481C1C}">
+                <a14:useLocalDpi xmlns:a14="http://schemas.microsoft.com/office/drawing/2010/main"/>
+              </a:ext>
+            </a:extLst>
+          </a:blip>
+          <a:srcRect/>
+          <a:stretch/>
+        </p:blipFill>
+        <p:spPr>
+          <a:xfrm>
+            <a:off x="7186070" y="0"/>
+            <a:ext cx="2463897" cy="3429000"/>
+          </a:xfrm>
+        </p:spPr>
+      </p:pic>
+      <p:pic>
+        <p:nvPicPr>
+          <p:cNvPr id="72" name="Picture Placeholder 71" descr="A picture containing blue glass buildings with reflection">
+            <a:extLst>
+              <a:ext uri="{FF2B5EF4-FFF2-40B4-BE49-F238E27FC236}">
+                <a16:creationId xmlns:a16="http://schemas.microsoft.com/office/drawing/2014/main" id="{781FD203-6B96-4232-92C2-850AD4DA0F7D}"/>
+              </a:ext>
+            </a:extLst>
+          </p:cNvPr>
+          <p:cNvPicPr>
+            <a:picLocks noGrp="1" noChangeAspect="1"/>
+          </p:cNvPicPr>
+          <p:nvPr>
+            <p:ph type="pic" sz="quarter" idx="13"/>
+          </p:nvPr>
+        </p:nvPicPr>
+        <p:blipFill rotWithShape="1">
+          <a:blip r:embed="rId3">
+            <a:extLst>
+              <a:ext uri="{28A0092B-C50C-407E-A947-70E740481C1C}">
+                <a14:useLocalDpi xmlns:a14="http://schemas.microsoft.com/office/drawing/2010/main"/>
+              </a:ext>
+            </a:extLst>
+          </a:blip>
+          <a:srcRect/>
+          <a:stretch/>
+        </p:blipFill>
+        <p:spPr>
+          <a:xfrm>
+            <a:off x="9649155" y="0"/>
+            <a:ext cx="2539797" cy="3429000"/>
+          </a:xfrm>
+        </p:spPr>
+      </p:pic>
+      <p:pic>
+        <p:nvPicPr>
+          <p:cNvPr id="74" name="Picture Placeholder 73" descr="Aerial view of city buildings at sunset">
+            <a:extLst>
+              <a:ext uri="{FF2B5EF4-FFF2-40B4-BE49-F238E27FC236}">
+                <a16:creationId xmlns:a16="http://schemas.microsoft.com/office/drawing/2014/main" id="{A84AF2F7-9744-4960-8C3C-77190198196B}"/>
+              </a:ext>
+            </a:extLst>
+          </p:cNvPr>
+          <p:cNvPicPr>
+            <a:picLocks noGrp="1" noChangeAspect="1"/>
+          </p:cNvPicPr>
+          <p:nvPr>
+            <p:ph type="pic" sz="quarter" idx="16"/>
+          </p:nvPr>
+        </p:nvPicPr>
+        <p:blipFill rotWithShape="1">
+          <a:blip r:embed="rId4">
+            <a:extLst>
+              <a:ext uri="{28A0092B-C50C-407E-A947-70E740481C1C}">
+                <a14:useLocalDpi xmlns:a14="http://schemas.microsoft.com/office/drawing/2010/main"/>
+              </a:ext>
+            </a:extLst>
+          </a:blip>
+          <a:srcRect/>
+          <a:stretch/>
+        </p:blipFill>
+        <p:spPr>
+          <a:xfrm>
+            <a:off x="7186070" y="3383280"/>
+            <a:ext cx="2463897" cy="3474720"/>
+          </a:xfrm>
+        </p:spPr>
+      </p:pic>
+      <p:pic>
+        <p:nvPicPr>
+          <p:cNvPr id="78" name="Picture Placeholder 77" descr="View of city buildings over the water from a track">
+            <a:extLst>
+              <a:ext uri="{FF2B5EF4-FFF2-40B4-BE49-F238E27FC236}">
+                <a16:creationId xmlns:a16="http://schemas.microsoft.com/office/drawing/2014/main" id="{D76BFBCE-A55E-4F19-9A0A-78307FDBE964}"/>
+              </a:ext>
+            </a:extLst>
+          </p:cNvPr>
+          <p:cNvPicPr>
+            <a:picLocks noGrp="1" noChangeAspect="1"/>
+          </p:cNvPicPr>
+          <p:nvPr>
+            <p:ph type="pic" sz="quarter" idx="15"/>
+          </p:nvPr>
+        </p:nvPicPr>
+        <p:blipFill rotWithShape="1">
+          <a:blip r:embed="rId5">
+            <a:extLst>
+              <a:ext uri="{28A0092B-C50C-407E-A947-70E740481C1C}">
+                <a14:useLocalDpi xmlns:a14="http://schemas.microsoft.com/office/drawing/2010/main"/>
+              </a:ext>
+            </a:extLst>
+          </a:blip>
+          <a:srcRect/>
+          <a:stretch/>
+        </p:blipFill>
+        <p:spPr>
+          <a:xfrm>
+            <a:off x="9649155" y="3383280"/>
+            <a:ext cx="2539797" cy="3474720"/>
+          </a:xfrm>
+        </p:spPr>
+      </p:pic>
+      <p:sp>
+        <p:nvSpPr>
+          <p:cNvPr id="16" name="Date Placeholder 15">
+            <a:extLst>
+              <a:ext uri="{FF2B5EF4-FFF2-40B4-BE49-F238E27FC236}">
+                <a16:creationId xmlns:a16="http://schemas.microsoft.com/office/drawing/2014/main" id="{4A857185-E16C-40A5-8032-8049177473D1}"/>
+              </a:ext>
+            </a:extLst>
+          </p:cNvPr>
+          <p:cNvSpPr>
+            <a:spLocks noGrp="1"/>
+          </p:cNvSpPr>
+          <p:nvPr>
+            <p:ph type="dt" sz="half" idx="10"/>
+          </p:nvPr>
+        </p:nvSpPr>
+        <p:spPr>
+          <a:xfrm>
+            <a:off x="7337102" y="6398878"/>
+            <a:ext cx="4193908" cy="365125"/>
           </a:xfrm>
         </p:spPr>
         <p:txBody>
@@ -17461,74 +11794,31 @@
             <a:pPr rtl="0"/>
             <a:r>
               <a:rPr lang="en-GB"/>
-              <a:t>summary</a:t>
-            </a:r>
-          </a:p>
-        </p:txBody>
-      </p:sp>
-      <p:sp>
-        <p:nvSpPr>
-          <p:cNvPr id="8" name="Content Placeholder 7">
-            <a:extLst>
-              <a:ext uri="{FF2B5EF4-FFF2-40B4-BE49-F238E27FC236}">
-                <a16:creationId xmlns:a16="http://schemas.microsoft.com/office/drawing/2014/main" id="{978066DD-B3C1-4D98-8770-51E4077B46C0}"/>
-              </a:ext>
-            </a:extLst>
-          </p:cNvPr>
-          <p:cNvSpPr>
-            <a:spLocks noGrp="1"/>
-          </p:cNvSpPr>
-          <p:nvPr>
-            <p:ph sz="quarter" idx="14"/>
-          </p:nvPr>
-        </p:nvSpPr>
-        <p:spPr>
-          <a:xfrm>
-            <a:off x="8151812" y="2558237"/>
-            <a:ext cx="3200400" cy="3684588"/>
-          </a:xfrm>
-        </p:spPr>
-        <p:txBody>
-          <a:bodyPr rtlCol="0">
-            <a:normAutofit/>
-          </a:bodyPr>
-          <a:lstStyle/>
-          <a:p>
-            <a:pPr rtl="0"/>
-            <a:r>
-              <a:rPr lang="en-GB" dirty="0"/>
-              <a:t>This PowerPoint theme uses its own unique set of colours, fonts and effects to create the overall look and feel of these slides. </a:t>
-            </a:r>
-          </a:p>
-          <a:p>
-            <a:pPr rtl="0"/>
-            <a:r>
-              <a:rPr lang="en-GB" dirty="0"/>
-              <a:t>PowerPoint has tons of themes to give your presentation just the right personality. </a:t>
-            </a:r>
-          </a:p>
-        </p:txBody>
-      </p:sp>
-      <p:sp>
-        <p:nvSpPr>
-          <p:cNvPr id="12" name="Footer Placeholder 11">
-            <a:extLst>
-              <a:ext uri="{FF2B5EF4-FFF2-40B4-BE49-F238E27FC236}">
-                <a16:creationId xmlns:a16="http://schemas.microsoft.com/office/drawing/2014/main" id="{64A4EE82-5E82-4F50-9452-91AD29BC019C}"/>
-              </a:ext>
-            </a:extLst>
-          </p:cNvPr>
-          <p:cNvSpPr>
-            <a:spLocks noGrp="1"/>
-          </p:cNvSpPr>
-          <p:nvPr>
-            <p:ph type="ftr" sz="quarter" idx="11"/>
-          </p:nvPr>
-        </p:nvSpPr>
-        <p:spPr>
-          <a:xfrm>
-            <a:off x="154429" y="6398878"/>
-            <a:ext cx="4497315" cy="365125"/>
+              <a:t>2/7/20XX</a:t>
+            </a:r>
+          </a:p>
+        </p:txBody>
+      </p:sp>
+      <p:sp>
+        <p:nvSpPr>
+          <p:cNvPr id="18" name="Slide Number Placeholder 17">
+            <a:extLst>
+              <a:ext uri="{FF2B5EF4-FFF2-40B4-BE49-F238E27FC236}">
+                <a16:creationId xmlns:a16="http://schemas.microsoft.com/office/drawing/2014/main" id="{70961BC8-7B79-40B2-B578-4EB512140BBB}"/>
+              </a:ext>
+            </a:extLst>
+          </p:cNvPr>
+          <p:cNvSpPr>
+            <a:spLocks noGrp="1"/>
+          </p:cNvSpPr>
+          <p:nvPr>
+            <p:ph type="sldNum" sz="quarter" idx="12"/>
+          </p:nvPr>
+        </p:nvSpPr>
+        <p:spPr>
+          <a:xfrm>
+            <a:off x="11602477" y="6398878"/>
+            <a:ext cx="470887" cy="365125"/>
           </a:xfrm>
         </p:spPr>
         <p:txBody>
@@ -17536,77 +11826,9 @@
           <a:lstStyle/>
           <a:p>
             <a:pPr rtl="0"/>
-            <a:r>
-              <a:rPr lang="en-GB"/>
-              <a:t>Sample Footer Text</a:t>
-            </a:r>
-          </a:p>
-        </p:txBody>
-      </p:sp>
-      <p:sp>
-        <p:nvSpPr>
-          <p:cNvPr id="11" name="Date Placeholder 10">
-            <a:extLst>
-              <a:ext uri="{FF2B5EF4-FFF2-40B4-BE49-F238E27FC236}">
-                <a16:creationId xmlns:a16="http://schemas.microsoft.com/office/drawing/2014/main" id="{196AD7FA-BD30-47CA-B1E9-5A3261C7892A}"/>
-              </a:ext>
-            </a:extLst>
-          </p:cNvPr>
-          <p:cNvSpPr>
-            <a:spLocks noGrp="1"/>
-          </p:cNvSpPr>
-          <p:nvPr>
-            <p:ph type="dt" sz="half" idx="10"/>
-          </p:nvPr>
-        </p:nvSpPr>
-        <p:spPr>
-          <a:xfrm>
-            <a:off x="7337102" y="6398878"/>
-            <a:ext cx="4193908" cy="365125"/>
-          </a:xfrm>
-        </p:spPr>
-        <p:txBody>
-          <a:bodyPr rtlCol="0"/>
-          <a:lstStyle/>
-          <a:p>
-            <a:pPr rtl="0"/>
-            <a:r>
-              <a:rPr lang="en-GB"/>
-              <a:t>2/7/20XX</a:t>
-            </a:r>
-          </a:p>
-        </p:txBody>
-      </p:sp>
-      <p:sp>
-        <p:nvSpPr>
-          <p:cNvPr id="13" name="Slide Number Placeholder 12">
-            <a:extLst>
-              <a:ext uri="{FF2B5EF4-FFF2-40B4-BE49-F238E27FC236}">
-                <a16:creationId xmlns:a16="http://schemas.microsoft.com/office/drawing/2014/main" id="{BF6287AF-451B-4FEA-A984-C734DD46F5F2}"/>
-              </a:ext>
-            </a:extLst>
-          </p:cNvPr>
-          <p:cNvSpPr>
-            <a:spLocks noGrp="1"/>
-          </p:cNvSpPr>
-          <p:nvPr>
-            <p:ph type="sldNum" sz="quarter" idx="12"/>
-          </p:nvPr>
-        </p:nvSpPr>
-        <p:spPr>
-          <a:xfrm>
-            <a:off x="11602477" y="6398878"/>
-            <a:ext cx="470887" cy="365125"/>
-          </a:xfrm>
-        </p:spPr>
-        <p:txBody>
-          <a:bodyPr rtlCol="0"/>
-          <a:lstStyle/>
-          <a:p>
-            <a:pPr rtl="0"/>
             <a:fld id="{312CC964-A50B-4C29-B4E4-2C30BB34CCF3}" type="slidenum">
               <a:rPr lang="en-GB" smtClean="0"/>
-              <a:pPr/>
+              <a:pPr rtl="0"/>
               <a:t>11</a:t>
             </a:fld>
             <a:endParaRPr lang="en-GB" dirty="0"/>
@@ -17616,7 +11838,7 @@
     </p:spTree>
     <p:extLst>
       <p:ext uri="{BB962C8B-B14F-4D97-AF65-F5344CB8AC3E}">
-        <p14:creationId xmlns:p14="http://schemas.microsoft.com/office/powerpoint/2010/main" val="4081779217"/>
+        <p14:creationId xmlns:p14="http://schemas.microsoft.com/office/powerpoint/2010/main" val="3495264433"/>
       </p:ext>
     </p:extLst>
   </p:cSld>
@@ -17648,344 +11870,6 @@
           <p:cNvPr id="2" name="Title 1">
             <a:extLst>
               <a:ext uri="{FF2B5EF4-FFF2-40B4-BE49-F238E27FC236}">
-                <a16:creationId xmlns:a16="http://schemas.microsoft.com/office/drawing/2014/main" id="{38DE2E09-3A82-4E32-88E3-59E694EFE546}"/>
-              </a:ext>
-            </a:extLst>
-          </p:cNvPr>
-          <p:cNvSpPr>
-            <a:spLocks noGrp="1"/>
-          </p:cNvSpPr>
-          <p:nvPr>
-            <p:ph type="title"/>
-          </p:nvPr>
-        </p:nvSpPr>
-        <p:spPr>
-          <a:xfrm>
-            <a:off x="1143001" y="533400"/>
-            <a:ext cx="5496636" cy="1685898"/>
-          </a:xfrm>
-        </p:spPr>
-        <p:txBody>
-          <a:bodyPr rtlCol="0"/>
-          <a:lstStyle/>
-          <a:p>
-            <a:pPr rtl="0"/>
-            <a:r>
-              <a:rPr lang="en-GB"/>
-              <a:t>Summary</a:t>
-            </a:r>
-          </a:p>
-        </p:txBody>
-      </p:sp>
-      <p:sp>
-        <p:nvSpPr>
-          <p:cNvPr id="3" name="Content Placeholder 2">
-            <a:extLst>
-              <a:ext uri="{FF2B5EF4-FFF2-40B4-BE49-F238E27FC236}">
-                <a16:creationId xmlns:a16="http://schemas.microsoft.com/office/drawing/2014/main" id="{9925E272-AF60-4462-95A9-115739F781AE}"/>
-              </a:ext>
-            </a:extLst>
-          </p:cNvPr>
-          <p:cNvSpPr>
-            <a:spLocks noGrp="1"/>
-          </p:cNvSpPr>
-          <p:nvPr>
-            <p:ph idx="1"/>
-          </p:nvPr>
-        </p:nvSpPr>
-        <p:spPr>
-          <a:xfrm>
-            <a:off x="1143001" y="2229347"/>
-            <a:ext cx="5496636" cy="3821743"/>
-          </a:xfrm>
-        </p:spPr>
-        <p:txBody>
-          <a:bodyPr rtlCol="0"/>
-          <a:lstStyle/>
-          <a:p>
-            <a:pPr rtl="0"/>
-            <a:r>
-              <a:rPr lang="en-GB"/>
-              <a:t>With PowerPoint, you can create presentations and share your work with others, wherever they are. Type the text you want here to get started. You can also add images, art, and videos on this template. Save to OneDrive and access your presentations from your computer, tablet, or phone. </a:t>
-            </a:r>
-          </a:p>
-        </p:txBody>
-      </p:sp>
-      <p:sp>
-        <p:nvSpPr>
-          <p:cNvPr id="17" name="Footer Placeholder 16">
-            <a:extLst>
-              <a:ext uri="{FF2B5EF4-FFF2-40B4-BE49-F238E27FC236}">
-                <a16:creationId xmlns:a16="http://schemas.microsoft.com/office/drawing/2014/main" id="{A372FF69-5317-4BE5-B218-0E85D7FE0FB1}"/>
-              </a:ext>
-            </a:extLst>
-          </p:cNvPr>
-          <p:cNvSpPr>
-            <a:spLocks noGrp="1"/>
-          </p:cNvSpPr>
-          <p:nvPr>
-            <p:ph type="ftr" sz="quarter" idx="11"/>
-          </p:nvPr>
-        </p:nvSpPr>
-        <p:spPr>
-          <a:xfrm>
-            <a:off x="154429" y="6398878"/>
-            <a:ext cx="4497315" cy="365125"/>
-          </a:xfrm>
-        </p:spPr>
-        <p:txBody>
-          <a:bodyPr rtlCol="0"/>
-          <a:lstStyle/>
-          <a:p>
-            <a:pPr rtl="0"/>
-            <a:r>
-              <a:rPr lang="en-GB"/>
-              <a:t>Sample Footer Text</a:t>
-            </a:r>
-          </a:p>
-        </p:txBody>
-      </p:sp>
-      <p:pic>
-        <p:nvPicPr>
-          <p:cNvPr id="68" name="Picture Placeholder 67" descr="View of city buildings over the water">
-            <a:extLst>
-              <a:ext uri="{FF2B5EF4-FFF2-40B4-BE49-F238E27FC236}">
-                <a16:creationId xmlns:a16="http://schemas.microsoft.com/office/drawing/2014/main" id="{C700B77F-91C5-4642-9ABF-EA81F3CF6916}"/>
-              </a:ext>
-            </a:extLst>
-          </p:cNvPr>
-          <p:cNvPicPr>
-            <a:picLocks noGrp="1" noChangeAspect="1"/>
-          </p:cNvPicPr>
-          <p:nvPr>
-            <p:ph type="pic" sz="quarter" idx="14"/>
-          </p:nvPr>
-        </p:nvPicPr>
-        <p:blipFill rotWithShape="1">
-          <a:blip r:embed="rId2">
-            <a:extLst>
-              <a:ext uri="{28A0092B-C50C-407E-A947-70E740481C1C}">
-                <a14:useLocalDpi xmlns:a14="http://schemas.microsoft.com/office/drawing/2010/main"/>
-              </a:ext>
-            </a:extLst>
-          </a:blip>
-          <a:srcRect/>
-          <a:stretch/>
-        </p:blipFill>
-        <p:spPr>
-          <a:xfrm>
-            <a:off x="7186070" y="0"/>
-            <a:ext cx="2463897" cy="3429000"/>
-          </a:xfrm>
-        </p:spPr>
-      </p:pic>
-      <p:pic>
-        <p:nvPicPr>
-          <p:cNvPr id="72" name="Picture Placeholder 71" descr="A picture containing blue glass buildings with reflection">
-            <a:extLst>
-              <a:ext uri="{FF2B5EF4-FFF2-40B4-BE49-F238E27FC236}">
-                <a16:creationId xmlns:a16="http://schemas.microsoft.com/office/drawing/2014/main" id="{781FD203-6B96-4232-92C2-850AD4DA0F7D}"/>
-              </a:ext>
-            </a:extLst>
-          </p:cNvPr>
-          <p:cNvPicPr>
-            <a:picLocks noGrp="1" noChangeAspect="1"/>
-          </p:cNvPicPr>
-          <p:nvPr>
-            <p:ph type="pic" sz="quarter" idx="13"/>
-          </p:nvPr>
-        </p:nvPicPr>
-        <p:blipFill rotWithShape="1">
-          <a:blip r:embed="rId3">
-            <a:extLst>
-              <a:ext uri="{28A0092B-C50C-407E-A947-70E740481C1C}">
-                <a14:useLocalDpi xmlns:a14="http://schemas.microsoft.com/office/drawing/2010/main"/>
-              </a:ext>
-            </a:extLst>
-          </a:blip>
-          <a:srcRect/>
-          <a:stretch/>
-        </p:blipFill>
-        <p:spPr>
-          <a:xfrm>
-            <a:off x="9649155" y="0"/>
-            <a:ext cx="2539797" cy="3429000"/>
-          </a:xfrm>
-        </p:spPr>
-      </p:pic>
-      <p:pic>
-        <p:nvPicPr>
-          <p:cNvPr id="74" name="Picture Placeholder 73" descr="Aerial view of city buildings at sunset">
-            <a:extLst>
-              <a:ext uri="{FF2B5EF4-FFF2-40B4-BE49-F238E27FC236}">
-                <a16:creationId xmlns:a16="http://schemas.microsoft.com/office/drawing/2014/main" id="{A84AF2F7-9744-4960-8C3C-77190198196B}"/>
-              </a:ext>
-            </a:extLst>
-          </p:cNvPr>
-          <p:cNvPicPr>
-            <a:picLocks noGrp="1" noChangeAspect="1"/>
-          </p:cNvPicPr>
-          <p:nvPr>
-            <p:ph type="pic" sz="quarter" idx="16"/>
-          </p:nvPr>
-        </p:nvPicPr>
-        <p:blipFill rotWithShape="1">
-          <a:blip r:embed="rId4">
-            <a:extLst>
-              <a:ext uri="{28A0092B-C50C-407E-A947-70E740481C1C}">
-                <a14:useLocalDpi xmlns:a14="http://schemas.microsoft.com/office/drawing/2010/main"/>
-              </a:ext>
-            </a:extLst>
-          </a:blip>
-          <a:srcRect/>
-          <a:stretch/>
-        </p:blipFill>
-        <p:spPr>
-          <a:xfrm>
-            <a:off x="7186070" y="3383280"/>
-            <a:ext cx="2463897" cy="3474720"/>
-          </a:xfrm>
-        </p:spPr>
-      </p:pic>
-      <p:pic>
-        <p:nvPicPr>
-          <p:cNvPr id="78" name="Picture Placeholder 77" descr="View of city buildings over the water from a track">
-            <a:extLst>
-              <a:ext uri="{FF2B5EF4-FFF2-40B4-BE49-F238E27FC236}">
-                <a16:creationId xmlns:a16="http://schemas.microsoft.com/office/drawing/2014/main" id="{D76BFBCE-A55E-4F19-9A0A-78307FDBE964}"/>
-              </a:ext>
-            </a:extLst>
-          </p:cNvPr>
-          <p:cNvPicPr>
-            <a:picLocks noGrp="1" noChangeAspect="1"/>
-          </p:cNvPicPr>
-          <p:nvPr>
-            <p:ph type="pic" sz="quarter" idx="15"/>
-          </p:nvPr>
-        </p:nvPicPr>
-        <p:blipFill rotWithShape="1">
-          <a:blip r:embed="rId5">
-            <a:extLst>
-              <a:ext uri="{28A0092B-C50C-407E-A947-70E740481C1C}">
-                <a14:useLocalDpi xmlns:a14="http://schemas.microsoft.com/office/drawing/2010/main"/>
-              </a:ext>
-            </a:extLst>
-          </a:blip>
-          <a:srcRect/>
-          <a:stretch/>
-        </p:blipFill>
-        <p:spPr>
-          <a:xfrm>
-            <a:off x="9649155" y="3383280"/>
-            <a:ext cx="2539797" cy="3474720"/>
-          </a:xfrm>
-        </p:spPr>
-      </p:pic>
-      <p:sp>
-        <p:nvSpPr>
-          <p:cNvPr id="16" name="Date Placeholder 15">
-            <a:extLst>
-              <a:ext uri="{FF2B5EF4-FFF2-40B4-BE49-F238E27FC236}">
-                <a16:creationId xmlns:a16="http://schemas.microsoft.com/office/drawing/2014/main" id="{4A857185-E16C-40A5-8032-8049177473D1}"/>
-              </a:ext>
-            </a:extLst>
-          </p:cNvPr>
-          <p:cNvSpPr>
-            <a:spLocks noGrp="1"/>
-          </p:cNvSpPr>
-          <p:nvPr>
-            <p:ph type="dt" sz="half" idx="10"/>
-          </p:nvPr>
-        </p:nvSpPr>
-        <p:spPr>
-          <a:xfrm>
-            <a:off x="7337102" y="6398878"/>
-            <a:ext cx="4193908" cy="365125"/>
-          </a:xfrm>
-        </p:spPr>
-        <p:txBody>
-          <a:bodyPr rtlCol="0"/>
-          <a:lstStyle/>
-          <a:p>
-            <a:pPr rtl="0"/>
-            <a:r>
-              <a:rPr lang="en-GB"/>
-              <a:t>2/7/20XX</a:t>
-            </a:r>
-          </a:p>
-        </p:txBody>
-      </p:sp>
-      <p:sp>
-        <p:nvSpPr>
-          <p:cNvPr id="18" name="Slide Number Placeholder 17">
-            <a:extLst>
-              <a:ext uri="{FF2B5EF4-FFF2-40B4-BE49-F238E27FC236}">
-                <a16:creationId xmlns:a16="http://schemas.microsoft.com/office/drawing/2014/main" id="{70961BC8-7B79-40B2-B578-4EB512140BBB}"/>
-              </a:ext>
-            </a:extLst>
-          </p:cNvPr>
-          <p:cNvSpPr>
-            <a:spLocks noGrp="1"/>
-          </p:cNvSpPr>
-          <p:nvPr>
-            <p:ph type="sldNum" sz="quarter" idx="12"/>
-          </p:nvPr>
-        </p:nvSpPr>
-        <p:spPr>
-          <a:xfrm>
-            <a:off x="11602477" y="6398878"/>
-            <a:ext cx="470887" cy="365125"/>
-          </a:xfrm>
-        </p:spPr>
-        <p:txBody>
-          <a:bodyPr rtlCol="0"/>
-          <a:lstStyle/>
-          <a:p>
-            <a:pPr rtl="0"/>
-            <a:fld id="{312CC964-A50B-4C29-B4E4-2C30BB34CCF3}" type="slidenum">
-              <a:rPr lang="en-GB" smtClean="0"/>
-              <a:pPr/>
-              <a:t>12</a:t>
-            </a:fld>
-            <a:endParaRPr lang="en-GB" dirty="0"/>
-          </a:p>
-        </p:txBody>
-      </p:sp>
-    </p:spTree>
-    <p:extLst>
-      <p:ext uri="{BB962C8B-B14F-4D97-AF65-F5344CB8AC3E}">
-        <p14:creationId xmlns:p14="http://schemas.microsoft.com/office/powerpoint/2010/main" val="3495264433"/>
-      </p:ext>
-    </p:extLst>
-  </p:cSld>
-  <p:clrMapOvr>
-    <a:masterClrMapping/>
-  </p:clrMapOvr>
-</p:sld>
-</file>
-
-<file path=ppt/slides/slide13.xml><?xml version="1.0" encoding="utf-8"?>
-<p:sld xmlns:a="http://schemas.openxmlformats.org/drawingml/2006/main" xmlns:r="http://schemas.openxmlformats.org/officeDocument/2006/relationships" xmlns:p="http://schemas.openxmlformats.org/presentationml/2006/main">
-  <p:cSld>
-    <p:spTree>
-      <p:nvGrpSpPr>
-        <p:cNvPr id="1" name=""/>
-        <p:cNvGrpSpPr/>
-        <p:nvPr/>
-      </p:nvGrpSpPr>
-      <p:grpSpPr>
-        <a:xfrm>
-          <a:off x="0" y="0"/>
-          <a:ext cx="0" cy="0"/>
-          <a:chOff x="0" y="0"/>
-          <a:chExt cx="0" cy="0"/>
-        </a:xfrm>
-      </p:grpSpPr>
-      <p:sp>
-        <p:nvSpPr>
-          <p:cNvPr id="2" name="Title 1">
-            <a:extLst>
-              <a:ext uri="{FF2B5EF4-FFF2-40B4-BE49-F238E27FC236}">
                 <a16:creationId xmlns:a16="http://schemas.microsoft.com/office/drawing/2014/main" id="{17632718-615D-445E-861C-ADF040C4B2A4}"/>
               </a:ext>
             </a:extLst>
@@ -18154,8 +12038,8 @@
             <a:pPr rtl="0"/>
             <a:fld id="{312CC964-A50B-4C29-B4E4-2C30BB34CCF3}" type="slidenum">
               <a:rPr lang="en-GB" smtClean="0"/>
-              <a:pPr/>
-              <a:t>13</a:t>
+              <a:pPr rtl="0"/>
+              <a:t>12</a:t>
             </a:fld>
             <a:endParaRPr lang="en-GB" dirty="0"/>
           </a:p>
@@ -19062,71 +12946,6 @@
       </p:grpSpPr>
       <p:sp>
         <p:nvSpPr>
-          <p:cNvPr id="3" name="Title 2">
-            <a:extLst>
-              <a:ext uri="{FF2B5EF4-FFF2-40B4-BE49-F238E27FC236}">
-                <a16:creationId xmlns:a16="http://schemas.microsoft.com/office/drawing/2014/main" id="{D3B7DCE3-A62E-497E-8A96-DF8D1A4904FD}"/>
-              </a:ext>
-            </a:extLst>
-          </p:cNvPr>
-          <p:cNvSpPr>
-            <a:spLocks noGrp="1"/>
-          </p:cNvSpPr>
-          <p:nvPr>
-            <p:ph type="title"/>
-          </p:nvPr>
-        </p:nvSpPr>
-        <p:spPr>
-          <a:xfrm>
-            <a:off x="1143000" y="533401"/>
-            <a:ext cx="9906000" cy="1382156"/>
-          </a:xfrm>
-        </p:spPr>
-        <p:txBody>
-          <a:bodyPr rtlCol="0"/>
-          <a:lstStyle/>
-          <a:p>
-            <a:pPr rtl="0"/>
-            <a:r>
-              <a:rPr lang="en-GB"/>
-              <a:t>CHART</a:t>
-            </a:r>
-          </a:p>
-        </p:txBody>
-      </p:sp>
-      <p:graphicFrame>
-        <p:nvGraphicFramePr>
-          <p:cNvPr id="9" name="Content Placeholder 5" descr="Bar Chart Placeholder">
-            <a:extLst>
-              <a:ext uri="{FF2B5EF4-FFF2-40B4-BE49-F238E27FC236}">
-                <a16:creationId xmlns:a16="http://schemas.microsoft.com/office/drawing/2014/main" id="{29099B41-765C-4584-A6CA-8AC4F02907FC}"/>
-              </a:ext>
-            </a:extLst>
-          </p:cNvPr>
-          <p:cNvGraphicFramePr>
-            <a:graphicFrameLocks noGrp="1"/>
-          </p:cNvGraphicFramePr>
-          <p:nvPr>
-            <p:ph idx="1"/>
-            <p:extLst>
-              <p:ext uri="{D42A27DB-BD31-4B8C-83A1-F6EECF244321}">
-                <p14:modId xmlns:p14="http://schemas.microsoft.com/office/powerpoint/2010/main" val="574969445"/>
-              </p:ext>
-            </p:extLst>
-          </p:nvPr>
-        </p:nvGraphicFramePr>
-        <p:xfrm>
-          <a:off x="1143000" y="2009775"/>
-          <a:ext cx="9906000" cy="4024313"/>
-        </p:xfrm>
-        <a:graphic>
-          <a:graphicData uri="http://schemas.openxmlformats.org/drawingml/2006/chart">
-            <c:chart xmlns:c="http://schemas.openxmlformats.org/drawingml/2006/chart" xmlns:r="http://schemas.openxmlformats.org/officeDocument/2006/relationships" r:id="rId2"/>
-          </a:graphicData>
-        </a:graphic>
-      </p:graphicFrame>
-      <p:sp>
-        <p:nvSpPr>
           <p:cNvPr id="4" name="Footer Placeholder 3">
             <a:extLst>
               <a:ext uri="{FF2B5EF4-FFF2-40B4-BE49-F238E27FC236}">
@@ -19229,6 +13048,36 @@
           </a:p>
         </p:txBody>
       </p:sp>
+      <p:pic>
+        <p:nvPicPr>
+          <p:cNvPr id="10" name="Picture 9">
+            <a:extLst>
+              <a:ext uri="{FF2B5EF4-FFF2-40B4-BE49-F238E27FC236}">
+                <a16:creationId xmlns:a16="http://schemas.microsoft.com/office/drawing/2014/main" id="{3C6ED319-C44F-F2B8-2BBC-F62A3631DBF8}"/>
+              </a:ext>
+            </a:extLst>
+          </p:cNvPr>
+          <p:cNvPicPr>
+            <a:picLocks noChangeAspect="1"/>
+          </p:cNvPicPr>
+          <p:nvPr/>
+        </p:nvPicPr>
+        <p:blipFill>
+          <a:blip r:embed="rId2"/>
+          <a:stretch>
+            <a:fillRect/>
+          </a:stretch>
+        </p:blipFill>
+        <p:spPr>
+          <a:xfrm>
+            <a:off x="1855693" y="41900"/>
+            <a:ext cx="8533067" cy="6816100"/>
+          </a:xfrm>
+          <a:prstGeom prst="rect">
+            <a:avLst/>
+          </a:prstGeom>
+        </p:spPr>
+      </p:pic>
     </p:spTree>
     <p:extLst>
       <p:ext uri="{BB962C8B-B14F-4D97-AF65-F5344CB8AC3E}">
@@ -19261,594 +13110,6 @@
       </p:grpSpPr>
       <p:sp>
         <p:nvSpPr>
-          <p:cNvPr id="2" name="Title 1">
-            <a:extLst>
-              <a:ext uri="{FF2B5EF4-FFF2-40B4-BE49-F238E27FC236}">
-                <a16:creationId xmlns:a16="http://schemas.microsoft.com/office/drawing/2014/main" id="{973992A4-0D40-4A0F-BB3B-3E1AE6C3BF9D}"/>
-              </a:ext>
-            </a:extLst>
-          </p:cNvPr>
-          <p:cNvSpPr>
-            <a:spLocks noGrp="1"/>
-          </p:cNvSpPr>
-          <p:nvPr>
-            <p:ph type="title"/>
-          </p:nvPr>
-        </p:nvSpPr>
-        <p:spPr>
-          <a:xfrm>
-            <a:off x="1143000" y="533401"/>
-            <a:ext cx="9906000" cy="1382156"/>
-          </a:xfrm>
-        </p:spPr>
-        <p:txBody>
-          <a:bodyPr rtlCol="0"/>
-          <a:lstStyle/>
-          <a:p>
-            <a:pPr rtl="0"/>
-            <a:r>
-              <a:rPr lang="en-GB"/>
-              <a:t>Table</a:t>
-            </a:r>
-          </a:p>
-        </p:txBody>
-      </p:sp>
-      <p:graphicFrame>
-        <p:nvGraphicFramePr>
-          <p:cNvPr id="39" name="Table 4">
-            <a:extLst>
-              <a:ext uri="{FF2B5EF4-FFF2-40B4-BE49-F238E27FC236}">
-                <a16:creationId xmlns:a16="http://schemas.microsoft.com/office/drawing/2014/main" id="{828FCC7C-9CA7-4A08-B1B6-91B39D2A90C7}"/>
-              </a:ext>
-            </a:extLst>
-          </p:cNvPr>
-          <p:cNvGraphicFramePr>
-            <a:graphicFrameLocks noGrp="1"/>
-          </p:cNvGraphicFramePr>
-          <p:nvPr>
-            <p:ph idx="1"/>
-            <p:extLst>
-              <p:ext uri="{D42A27DB-BD31-4B8C-83A1-F6EECF244321}">
-                <p14:modId xmlns:p14="http://schemas.microsoft.com/office/powerpoint/2010/main" val="2908320921"/>
-              </p:ext>
-            </p:extLst>
-          </p:nvPr>
-        </p:nvGraphicFramePr>
-        <p:xfrm>
-          <a:off x="1143000" y="2009775"/>
-          <a:ext cx="9906000" cy="2649690"/>
-        </p:xfrm>
-        <a:graphic>
-          <a:graphicData uri="http://schemas.openxmlformats.org/drawingml/2006/table">
-            <a:tbl>
-              <a:tblPr firstRow="1" bandRow="1">
-                <a:tableStyleId>{5C22544A-7EE6-4342-B048-85BDC9FD1C3A}</a:tableStyleId>
-              </a:tblPr>
-              <a:tblGrid>
-                <a:gridCol w="1981200">
-                  <a:extLst>
-                    <a:ext uri="{9D8B030D-6E8A-4147-A177-3AD203B41FA5}">
-                      <a16:colId xmlns:a16="http://schemas.microsoft.com/office/drawing/2014/main" val="1196845939"/>
-                    </a:ext>
-                  </a:extLst>
-                </a:gridCol>
-                <a:gridCol w="1981200">
-                  <a:extLst>
-                    <a:ext uri="{9D8B030D-6E8A-4147-A177-3AD203B41FA5}">
-                      <a16:colId xmlns:a16="http://schemas.microsoft.com/office/drawing/2014/main" val="1784600368"/>
-                    </a:ext>
-                  </a:extLst>
-                </a:gridCol>
-                <a:gridCol w="1981200">
-                  <a:extLst>
-                    <a:ext uri="{9D8B030D-6E8A-4147-A177-3AD203B41FA5}">
-                      <a16:colId xmlns:a16="http://schemas.microsoft.com/office/drawing/2014/main" val="1595433812"/>
-                    </a:ext>
-                  </a:extLst>
-                </a:gridCol>
-                <a:gridCol w="1981200">
-                  <a:extLst>
-                    <a:ext uri="{9D8B030D-6E8A-4147-A177-3AD203B41FA5}">
-                      <a16:colId xmlns:a16="http://schemas.microsoft.com/office/drawing/2014/main" val="1847977705"/>
-                    </a:ext>
-                  </a:extLst>
-                </a:gridCol>
-                <a:gridCol w="1981200">
-                  <a:extLst>
-                    <a:ext uri="{9D8B030D-6E8A-4147-A177-3AD203B41FA5}">
-                      <a16:colId xmlns:a16="http://schemas.microsoft.com/office/drawing/2014/main" val="1018915212"/>
-                    </a:ext>
-                  </a:extLst>
-                </a:gridCol>
-              </a:tblGrid>
-              <a:tr h="529938">
-                <a:tc>
-                  <a:txBody>
-                    <a:bodyPr/>
-                    <a:lstStyle/>
-                    <a:p>
-                      <a:pPr algn="ctr" rtl="0"/>
-                      <a:endParaRPr lang="en-GB" dirty="0"/>
-                    </a:p>
-                  </a:txBody>
-                  <a:tcPr anchor="ctr">
-                    <a:lnB w="9525" cap="flat" cmpd="sng" algn="ctr">
-                      <a:solidFill>
-                        <a:schemeClr val="accent1"/>
-                      </a:solidFill>
-                      <a:prstDash val="solid"/>
-                      <a:round/>
-                      <a:headEnd type="none" w="med" len="med"/>
-                      <a:tailEnd type="none" w="med" len="med"/>
-                    </a:lnB>
-                  </a:tcPr>
-                </a:tc>
-                <a:tc>
-                  <a:txBody>
-                    <a:bodyPr/>
-                    <a:lstStyle/>
-                    <a:p>
-                      <a:pPr algn="ctr" rtl="0"/>
-                      <a:r>
-                        <a:rPr lang="en-GB"/>
-                        <a:t>Category 1</a:t>
-                      </a:r>
-                    </a:p>
-                  </a:txBody>
-                  <a:tcPr anchor="ctr">
-                    <a:lnB w="9525" cap="flat" cmpd="sng" algn="ctr">
-                      <a:solidFill>
-                        <a:schemeClr val="accent1"/>
-                      </a:solidFill>
-                      <a:prstDash val="solid"/>
-                      <a:round/>
-                      <a:headEnd type="none" w="med" len="med"/>
-                      <a:tailEnd type="none" w="med" len="med"/>
-                    </a:lnB>
-                  </a:tcPr>
-                </a:tc>
-                <a:tc>
-                  <a:txBody>
-                    <a:bodyPr/>
-                    <a:lstStyle/>
-                    <a:p>
-                      <a:pPr algn="ctr" rtl="0"/>
-                      <a:r>
-                        <a:rPr lang="en-GB"/>
-                        <a:t>Category 2</a:t>
-                      </a:r>
-                    </a:p>
-                  </a:txBody>
-                  <a:tcPr anchor="ctr">
-                    <a:lnB w="9525" cap="flat" cmpd="sng" algn="ctr">
-                      <a:solidFill>
-                        <a:schemeClr val="accent1"/>
-                      </a:solidFill>
-                      <a:prstDash val="solid"/>
-                      <a:round/>
-                      <a:headEnd type="none" w="med" len="med"/>
-                      <a:tailEnd type="none" w="med" len="med"/>
-                    </a:lnB>
-                  </a:tcPr>
-                </a:tc>
-                <a:tc>
-                  <a:txBody>
-                    <a:bodyPr/>
-                    <a:lstStyle/>
-                    <a:p>
-                      <a:pPr algn="ctr" rtl="0"/>
-                      <a:r>
-                        <a:rPr lang="en-GB"/>
-                        <a:t>Category 3</a:t>
-                      </a:r>
-                    </a:p>
-                  </a:txBody>
-                  <a:tcPr anchor="ctr">
-                    <a:lnB w="9525" cap="flat" cmpd="sng" algn="ctr">
-                      <a:solidFill>
-                        <a:schemeClr val="accent1"/>
-                      </a:solidFill>
-                      <a:prstDash val="solid"/>
-                      <a:round/>
-                      <a:headEnd type="none" w="med" len="med"/>
-                      <a:tailEnd type="none" w="med" len="med"/>
-                    </a:lnB>
-                  </a:tcPr>
-                </a:tc>
-                <a:tc>
-                  <a:txBody>
-                    <a:bodyPr/>
-                    <a:lstStyle/>
-                    <a:p>
-                      <a:pPr algn="ctr" rtl="0"/>
-                      <a:r>
-                        <a:rPr lang="en-GB"/>
-                        <a:t>Category 4</a:t>
-                      </a:r>
-                    </a:p>
-                  </a:txBody>
-                  <a:tcPr anchor="ctr">
-                    <a:lnB w="9525" cap="flat" cmpd="sng" algn="ctr">
-                      <a:solidFill>
-                        <a:schemeClr val="accent1"/>
-                      </a:solidFill>
-                      <a:prstDash val="solid"/>
-                      <a:round/>
-                      <a:headEnd type="none" w="med" len="med"/>
-                      <a:tailEnd type="none" w="med" len="med"/>
-                    </a:lnB>
-                  </a:tcPr>
-                </a:tc>
-                <a:extLst>
-                  <a:ext uri="{0D108BD9-81ED-4DB2-BD59-A6C34878D82A}">
-                    <a16:rowId xmlns:a16="http://schemas.microsoft.com/office/drawing/2014/main" val="2052306738"/>
-                  </a:ext>
-                </a:extLst>
-              </a:tr>
-              <a:tr h="529938">
-                <a:tc>
-                  <a:txBody>
-                    <a:bodyPr/>
-                    <a:lstStyle/>
-                    <a:p>
-                      <a:pPr algn="ctr" rtl="0"/>
-                      <a:r>
-                        <a:rPr lang="en-GB"/>
-                        <a:t>Item 1</a:t>
-                      </a:r>
-                    </a:p>
-                  </a:txBody>
-                  <a:tcPr anchor="ctr">
-                    <a:lnT w="9525" cap="flat" cmpd="sng" algn="ctr">
-                      <a:solidFill>
-                        <a:schemeClr val="accent1"/>
-                      </a:solidFill>
-                      <a:prstDash val="solid"/>
-                      <a:round/>
-                      <a:headEnd type="none" w="med" len="med"/>
-                      <a:tailEnd type="none" w="med" len="med"/>
-                    </a:lnT>
-                  </a:tcPr>
-                </a:tc>
-                <a:tc>
-                  <a:txBody>
-                    <a:bodyPr/>
-                    <a:lstStyle/>
-                    <a:p>
-                      <a:pPr algn="ctr" rtl="0"/>
-                      <a:r>
-                        <a:rPr lang="en-GB"/>
-                        <a:t>4.5</a:t>
-                      </a:r>
-                    </a:p>
-                  </a:txBody>
-                  <a:tcPr anchor="ctr">
-                    <a:lnT w="9525" cap="flat" cmpd="sng" algn="ctr">
-                      <a:solidFill>
-                        <a:schemeClr val="accent1"/>
-                      </a:solidFill>
-                      <a:prstDash val="solid"/>
-                      <a:round/>
-                      <a:headEnd type="none" w="med" len="med"/>
-                      <a:tailEnd type="none" w="med" len="med"/>
-                    </a:lnT>
-                  </a:tcPr>
-                </a:tc>
-                <a:tc>
-                  <a:txBody>
-                    <a:bodyPr/>
-                    <a:lstStyle/>
-                    <a:p>
-                      <a:pPr algn="ctr" rtl="0"/>
-                      <a:r>
-                        <a:rPr lang="en-GB"/>
-                        <a:t>2.3</a:t>
-                      </a:r>
-                    </a:p>
-                  </a:txBody>
-                  <a:tcPr anchor="ctr">
-                    <a:lnT w="9525" cap="flat" cmpd="sng" algn="ctr">
-                      <a:solidFill>
-                        <a:schemeClr val="accent1"/>
-                      </a:solidFill>
-                      <a:prstDash val="solid"/>
-                      <a:round/>
-                      <a:headEnd type="none" w="med" len="med"/>
-                      <a:tailEnd type="none" w="med" len="med"/>
-                    </a:lnT>
-                  </a:tcPr>
-                </a:tc>
-                <a:tc>
-                  <a:txBody>
-                    <a:bodyPr/>
-                    <a:lstStyle/>
-                    <a:p>
-                      <a:pPr algn="ctr" rtl="0"/>
-                      <a:r>
-                        <a:rPr lang="en-GB"/>
-                        <a:t>1.7</a:t>
-                      </a:r>
-                    </a:p>
-                  </a:txBody>
-                  <a:tcPr anchor="ctr">
-                    <a:lnT w="9525" cap="flat" cmpd="sng" algn="ctr">
-                      <a:solidFill>
-                        <a:schemeClr val="accent1"/>
-                      </a:solidFill>
-                      <a:prstDash val="solid"/>
-                      <a:round/>
-                      <a:headEnd type="none" w="med" len="med"/>
-                      <a:tailEnd type="none" w="med" len="med"/>
-                    </a:lnT>
-                  </a:tcPr>
-                </a:tc>
-                <a:tc>
-                  <a:txBody>
-                    <a:bodyPr/>
-                    <a:lstStyle/>
-                    <a:p>
-                      <a:pPr algn="ctr" rtl="0"/>
-                      <a:r>
-                        <a:rPr lang="en-GB"/>
-                        <a:t>5</a:t>
-                      </a:r>
-                    </a:p>
-                  </a:txBody>
-                  <a:tcPr anchor="ctr">
-                    <a:lnT w="9525" cap="flat" cmpd="sng" algn="ctr">
-                      <a:solidFill>
-                        <a:schemeClr val="accent1"/>
-                      </a:solidFill>
-                      <a:prstDash val="solid"/>
-                      <a:round/>
-                      <a:headEnd type="none" w="med" len="med"/>
-                      <a:tailEnd type="none" w="med" len="med"/>
-                    </a:lnT>
-                  </a:tcPr>
-                </a:tc>
-                <a:extLst>
-                  <a:ext uri="{0D108BD9-81ED-4DB2-BD59-A6C34878D82A}">
-                    <a16:rowId xmlns:a16="http://schemas.microsoft.com/office/drawing/2014/main" val="4007227135"/>
-                  </a:ext>
-                </a:extLst>
-              </a:tr>
-              <a:tr h="529938">
-                <a:tc>
-                  <a:txBody>
-                    <a:bodyPr/>
-                    <a:lstStyle/>
-                    <a:p>
-                      <a:pPr algn="ctr" rtl="0"/>
-                      <a:r>
-                        <a:rPr lang="en-GB"/>
-                        <a:t>Item 2</a:t>
-                      </a:r>
-                    </a:p>
-                  </a:txBody>
-                  <a:tcPr anchor="ctr"/>
-                </a:tc>
-                <a:tc>
-                  <a:txBody>
-                    <a:bodyPr/>
-                    <a:lstStyle/>
-                    <a:p>
-                      <a:pPr algn="ctr" rtl="0"/>
-                      <a:r>
-                        <a:rPr lang="en-GB"/>
-                        <a:t>3.2</a:t>
-                      </a:r>
-                    </a:p>
-                  </a:txBody>
-                  <a:tcPr anchor="ctr"/>
-                </a:tc>
-                <a:tc>
-                  <a:txBody>
-                    <a:bodyPr/>
-                    <a:lstStyle/>
-                    <a:p>
-                      <a:pPr algn="ctr" rtl="0"/>
-                      <a:r>
-                        <a:rPr lang="en-GB"/>
-                        <a:t>5.1</a:t>
-                      </a:r>
-                    </a:p>
-                  </a:txBody>
-                  <a:tcPr anchor="ctr"/>
-                </a:tc>
-                <a:tc>
-                  <a:txBody>
-                    <a:bodyPr/>
-                    <a:lstStyle/>
-                    <a:p>
-                      <a:pPr algn="ctr" rtl="0"/>
-                      <a:r>
-                        <a:rPr lang="en-GB"/>
-                        <a:t>4.4</a:t>
-                      </a:r>
-                    </a:p>
-                  </a:txBody>
-                  <a:tcPr anchor="ctr"/>
-                </a:tc>
-                <a:tc>
-                  <a:txBody>
-                    <a:bodyPr/>
-                    <a:lstStyle/>
-                    <a:p>
-                      <a:pPr algn="ctr" rtl="0"/>
-                      <a:r>
-                        <a:rPr lang="en-GB"/>
-                        <a:t>3</a:t>
-                      </a:r>
-                    </a:p>
-                  </a:txBody>
-                  <a:tcPr anchor="ctr"/>
-                </a:tc>
-                <a:extLst>
-                  <a:ext uri="{0D108BD9-81ED-4DB2-BD59-A6C34878D82A}">
-                    <a16:rowId xmlns:a16="http://schemas.microsoft.com/office/drawing/2014/main" val="2465055832"/>
-                  </a:ext>
-                </a:extLst>
-              </a:tr>
-              <a:tr h="529938">
-                <a:tc>
-                  <a:txBody>
-                    <a:bodyPr/>
-                    <a:lstStyle/>
-                    <a:p>
-                      <a:pPr algn="ctr" rtl="0"/>
-                      <a:r>
-                        <a:rPr lang="en-GB"/>
-                        <a:t>Item 3</a:t>
-                      </a:r>
-                    </a:p>
-                  </a:txBody>
-                  <a:tcPr anchor="ctr"/>
-                </a:tc>
-                <a:tc>
-                  <a:txBody>
-                    <a:bodyPr/>
-                    <a:lstStyle/>
-                    <a:p>
-                      <a:pPr algn="ctr" rtl="0"/>
-                      <a:r>
-                        <a:rPr lang="en-GB"/>
-                        <a:t>2.1</a:t>
-                      </a:r>
-                    </a:p>
-                  </a:txBody>
-                  <a:tcPr anchor="ctr"/>
-                </a:tc>
-                <a:tc>
-                  <a:txBody>
-                    <a:bodyPr/>
-                    <a:lstStyle/>
-                    <a:p>
-                      <a:pPr algn="ctr" rtl="0"/>
-                      <a:r>
-                        <a:rPr lang="en-GB"/>
-                        <a:t>1.7</a:t>
-                      </a:r>
-                    </a:p>
-                  </a:txBody>
-                  <a:tcPr anchor="ctr"/>
-                </a:tc>
-                <a:tc>
-                  <a:txBody>
-                    <a:bodyPr/>
-                    <a:lstStyle/>
-                    <a:p>
-                      <a:pPr algn="ctr" rtl="0"/>
-                      <a:r>
-                        <a:rPr lang="en-GB"/>
-                        <a:t>2.5</a:t>
-                      </a:r>
-                    </a:p>
-                  </a:txBody>
-                  <a:tcPr anchor="ctr"/>
-                </a:tc>
-                <a:tc>
-                  <a:txBody>
-                    <a:bodyPr/>
-                    <a:lstStyle/>
-                    <a:p>
-                      <a:pPr algn="ctr" rtl="0"/>
-                      <a:r>
-                        <a:rPr lang="en-GB"/>
-                        <a:t>2.8</a:t>
-                      </a:r>
-                    </a:p>
-                  </a:txBody>
-                  <a:tcPr anchor="ctr"/>
-                </a:tc>
-                <a:extLst>
-                  <a:ext uri="{0D108BD9-81ED-4DB2-BD59-A6C34878D82A}">
-                    <a16:rowId xmlns:a16="http://schemas.microsoft.com/office/drawing/2014/main" val="1474616042"/>
-                  </a:ext>
-                </a:extLst>
-              </a:tr>
-              <a:tr h="529938">
-                <a:tc>
-                  <a:txBody>
-                    <a:bodyPr/>
-                    <a:lstStyle/>
-                    <a:p>
-                      <a:pPr algn="ctr" rtl="0"/>
-                      <a:r>
-                        <a:rPr lang="en-GB"/>
-                        <a:t>Item 4</a:t>
-                      </a:r>
-                    </a:p>
-                  </a:txBody>
-                  <a:tcPr anchor="ctr"/>
-                </a:tc>
-                <a:tc>
-                  <a:txBody>
-                    <a:bodyPr/>
-                    <a:lstStyle/>
-                    <a:p>
-                      <a:pPr algn="ctr" rtl="0"/>
-                      <a:r>
-                        <a:rPr lang="en-GB"/>
-                        <a:t>4.5</a:t>
-                      </a:r>
-                    </a:p>
-                  </a:txBody>
-                  <a:tcPr anchor="ctr"/>
-                </a:tc>
-                <a:tc>
-                  <a:txBody>
-                    <a:bodyPr/>
-                    <a:lstStyle/>
-                    <a:p>
-                      <a:pPr algn="ctr" rtl="0"/>
-                      <a:r>
-                        <a:rPr lang="en-GB"/>
-                        <a:t>2.2</a:t>
-                      </a:r>
-                    </a:p>
-                  </a:txBody>
-                  <a:tcPr anchor="ctr"/>
-                </a:tc>
-                <a:tc>
-                  <a:txBody>
-                    <a:bodyPr/>
-                    <a:lstStyle/>
-                    <a:p>
-                      <a:pPr algn="ctr" rtl="0"/>
-                      <a:r>
-                        <a:rPr lang="en-GB"/>
-                        <a:t>1.7</a:t>
-                      </a:r>
-                    </a:p>
-                  </a:txBody>
-                  <a:tcPr anchor="ctr"/>
-                </a:tc>
-                <a:tc>
-                  <a:txBody>
-                    <a:bodyPr/>
-                    <a:lstStyle/>
-                    <a:p>
-                      <a:pPr algn="ctr" rtl="0"/>
-                      <a:r>
-                        <a:rPr lang="en-GB"/>
-                        <a:t>7</a:t>
-                      </a:r>
-                    </a:p>
-                  </a:txBody>
-                  <a:tcPr anchor="ctr"/>
-                </a:tc>
-                <a:extLst>
-                  <a:ext uri="{0D108BD9-81ED-4DB2-BD59-A6C34878D82A}">
-                    <a16:rowId xmlns:a16="http://schemas.microsoft.com/office/drawing/2014/main" val="3248917629"/>
-                  </a:ext>
-                </a:extLst>
-              </a:tr>
-            </a:tbl>
-          </a:graphicData>
-        </a:graphic>
-      </p:graphicFrame>
-      <p:sp>
-        <p:nvSpPr>
           <p:cNvPr id="6" name="Footer Placeholder 5">
             <a:extLst>
               <a:ext uri="{FF2B5EF4-FFF2-40B4-BE49-F238E27FC236}">
@@ -19951,6 +13212,36 @@
           </a:p>
         </p:txBody>
       </p:sp>
+      <p:pic>
+        <p:nvPicPr>
+          <p:cNvPr id="13" name="Picture 12">
+            <a:extLst>
+              <a:ext uri="{FF2B5EF4-FFF2-40B4-BE49-F238E27FC236}">
+                <a16:creationId xmlns:a16="http://schemas.microsoft.com/office/drawing/2014/main" id="{EBBCACB3-E24A-A754-4B7B-ECB6BE8A220F}"/>
+              </a:ext>
+            </a:extLst>
+          </p:cNvPr>
+          <p:cNvPicPr>
+            <a:picLocks noChangeAspect="1"/>
+          </p:cNvPicPr>
+          <p:nvPr/>
+        </p:nvPicPr>
+        <p:blipFill>
+          <a:blip r:embed="rId2"/>
+          <a:stretch>
+            <a:fillRect/>
+          </a:stretch>
+        </p:blipFill>
+        <p:spPr>
+          <a:xfrm>
+            <a:off x="1523604" y="1024681"/>
+            <a:ext cx="9144792" cy="4808637"/>
+          </a:xfrm>
+          <a:prstGeom prst="rect">
+            <a:avLst/>
+          </a:prstGeom>
+        </p:spPr>
+      </p:pic>
     </p:spTree>
     <p:extLst>
       <p:ext uri="{BB962C8B-B14F-4D97-AF65-F5344CB8AC3E}">
@@ -20218,448 +13509,6 @@
       </p:grpSpPr>
       <p:sp>
         <p:nvSpPr>
-          <p:cNvPr id="11" name="Title 10">
-            <a:extLst>
-              <a:ext uri="{FF2B5EF4-FFF2-40B4-BE49-F238E27FC236}">
-                <a16:creationId xmlns:a16="http://schemas.microsoft.com/office/drawing/2014/main" id="{B5FF8487-12CC-455B-BB28-092AAA3E43A4}"/>
-              </a:ext>
-            </a:extLst>
-          </p:cNvPr>
-          <p:cNvSpPr>
-            <a:spLocks noGrp="1"/>
-          </p:cNvSpPr>
-          <p:nvPr>
-            <p:ph type="title"/>
-          </p:nvPr>
-        </p:nvSpPr>
-        <p:spPr>
-          <a:xfrm>
-            <a:off x="1143000" y="533401"/>
-            <a:ext cx="9906000" cy="1382156"/>
-          </a:xfrm>
-        </p:spPr>
-        <p:txBody>
-          <a:bodyPr rtlCol="0"/>
-          <a:lstStyle/>
-          <a:p>
-            <a:pPr rtl="0"/>
-            <a:r>
-              <a:rPr lang="en-GB"/>
-              <a:t>team</a:t>
-            </a:r>
-          </a:p>
-        </p:txBody>
-      </p:sp>
-      <p:pic>
-        <p:nvPicPr>
-          <p:cNvPr id="25" name="Picture Placeholder 24" descr="A person smiling for the camera at the office">
-            <a:extLst>
-              <a:ext uri="{FF2B5EF4-FFF2-40B4-BE49-F238E27FC236}">
-                <a16:creationId xmlns:a16="http://schemas.microsoft.com/office/drawing/2014/main" id="{192E2443-3386-4F13-B458-B0DF7511A5FD}"/>
-              </a:ext>
-            </a:extLst>
-          </p:cNvPr>
-          <p:cNvPicPr>
-            <a:picLocks noGrp="1" noChangeAspect="1"/>
-          </p:cNvPicPr>
-          <p:nvPr>
-            <p:ph type="pic" sz="quarter" idx="20"/>
-          </p:nvPr>
-        </p:nvPicPr>
-        <p:blipFill rotWithShape="1">
-          <a:blip r:embed="rId2" cstate="screen">
-            <a:extLst>
-              <a:ext uri="{28A0092B-C50C-407E-A947-70E740481C1C}">
-                <a14:useLocalDpi xmlns:a14="http://schemas.microsoft.com/office/drawing/2010/main"/>
-              </a:ext>
-            </a:extLst>
-          </a:blip>
-          <a:srcRect/>
-          <a:stretch/>
-        </p:blipFill>
-        <p:spPr>
-          <a:xfrm>
-            <a:off x="1143000" y="2350008"/>
-            <a:ext cx="1965960" cy="1801368"/>
-          </a:xfrm>
-        </p:spPr>
-      </p:pic>
-      <p:sp>
-        <p:nvSpPr>
-          <p:cNvPr id="12" name="Text Placeholder 11">
-            <a:extLst>
-              <a:ext uri="{FF2B5EF4-FFF2-40B4-BE49-F238E27FC236}">
-                <a16:creationId xmlns:a16="http://schemas.microsoft.com/office/drawing/2014/main" id="{9CC19BCA-4923-4952-996B-EDA82BCF117C}"/>
-              </a:ext>
-            </a:extLst>
-          </p:cNvPr>
-          <p:cNvSpPr>
-            <a:spLocks noGrp="1"/>
-          </p:cNvSpPr>
-          <p:nvPr>
-            <p:ph type="body" idx="1"/>
-          </p:nvPr>
-        </p:nvSpPr>
-        <p:spPr>
-          <a:xfrm>
-            <a:off x="1145421" y="4319521"/>
-            <a:ext cx="1963236" cy="365760"/>
-          </a:xfrm>
-        </p:spPr>
-        <p:txBody>
-          <a:bodyPr rtlCol="0"/>
-          <a:lstStyle/>
-          <a:p>
-            <a:pPr rtl="0"/>
-            <a:r>
-              <a:rPr lang="en-GB"/>
-              <a:t>Name</a:t>
-            </a:r>
-          </a:p>
-        </p:txBody>
-      </p:sp>
-      <p:sp>
-        <p:nvSpPr>
-          <p:cNvPr id="13" name="Text Placeholder 12">
-            <a:extLst>
-              <a:ext uri="{FF2B5EF4-FFF2-40B4-BE49-F238E27FC236}">
-                <a16:creationId xmlns:a16="http://schemas.microsoft.com/office/drawing/2014/main" id="{CF48DD50-F55B-417A-A09A-9FF61091CD37}"/>
-              </a:ext>
-            </a:extLst>
-          </p:cNvPr>
-          <p:cNvSpPr>
-            <a:spLocks noGrp="1"/>
-          </p:cNvSpPr>
-          <p:nvPr>
-            <p:ph type="body" idx="13"/>
-          </p:nvPr>
-        </p:nvSpPr>
-        <p:spPr>
-          <a:xfrm>
-            <a:off x="1143000" y="4761768"/>
-            <a:ext cx="1963236" cy="741904"/>
-          </a:xfrm>
-        </p:spPr>
-        <p:txBody>
-          <a:bodyPr rtlCol="0"/>
-          <a:lstStyle/>
-          <a:p>
-            <a:pPr rtl="0"/>
-            <a:r>
-              <a:rPr lang="en-GB"/>
-              <a:t>Title</a:t>
-            </a:r>
-          </a:p>
-        </p:txBody>
-      </p:sp>
-      <p:pic>
-        <p:nvPicPr>
-          <p:cNvPr id="27" name="Picture Placeholder 26" descr="A person smiling for the camera at the office">
-            <a:extLst>
-              <a:ext uri="{FF2B5EF4-FFF2-40B4-BE49-F238E27FC236}">
-                <a16:creationId xmlns:a16="http://schemas.microsoft.com/office/drawing/2014/main" id="{2E18694F-192C-45F7-A79D-A6644797BCE7}"/>
-              </a:ext>
-            </a:extLst>
-          </p:cNvPr>
-          <p:cNvPicPr>
-            <a:picLocks noGrp="1" noChangeAspect="1"/>
-          </p:cNvPicPr>
-          <p:nvPr>
-            <p:ph type="pic" sz="quarter" idx="21"/>
-          </p:nvPr>
-        </p:nvPicPr>
-        <p:blipFill rotWithShape="1">
-          <a:blip r:embed="rId3" cstate="screen">
-            <a:extLst>
-              <a:ext uri="{28A0092B-C50C-407E-A947-70E740481C1C}">
-                <a14:useLocalDpi xmlns:a14="http://schemas.microsoft.com/office/drawing/2010/main"/>
-              </a:ext>
-            </a:extLst>
-          </a:blip>
-          <a:srcRect/>
-          <a:stretch/>
-        </p:blipFill>
-        <p:spPr>
-          <a:xfrm>
-            <a:off x="3784636" y="2350008"/>
-            <a:ext cx="1965960" cy="1801368"/>
-          </a:xfrm>
-        </p:spPr>
-      </p:pic>
-      <p:sp>
-        <p:nvSpPr>
-          <p:cNvPr id="14" name="Text Placeholder 13">
-            <a:extLst>
-              <a:ext uri="{FF2B5EF4-FFF2-40B4-BE49-F238E27FC236}">
-                <a16:creationId xmlns:a16="http://schemas.microsoft.com/office/drawing/2014/main" id="{F7A0AB77-FE60-4102-A808-335BC24E9950}"/>
-              </a:ext>
-            </a:extLst>
-          </p:cNvPr>
-          <p:cNvSpPr>
-            <a:spLocks noGrp="1"/>
-          </p:cNvSpPr>
-          <p:nvPr>
-            <p:ph type="body" idx="14"/>
-          </p:nvPr>
-        </p:nvSpPr>
-        <p:spPr>
-          <a:xfrm>
-            <a:off x="3789781" y="4319520"/>
-            <a:ext cx="1963236" cy="365760"/>
-          </a:xfrm>
-        </p:spPr>
-        <p:txBody>
-          <a:bodyPr rtlCol="0"/>
-          <a:lstStyle/>
-          <a:p>
-            <a:pPr rtl="0"/>
-            <a:r>
-              <a:rPr lang="en-GB"/>
-              <a:t>Name</a:t>
-            </a:r>
-          </a:p>
-        </p:txBody>
-      </p:sp>
-      <p:sp>
-        <p:nvSpPr>
-          <p:cNvPr id="15" name="Text Placeholder 14">
-            <a:extLst>
-              <a:ext uri="{FF2B5EF4-FFF2-40B4-BE49-F238E27FC236}">
-                <a16:creationId xmlns:a16="http://schemas.microsoft.com/office/drawing/2014/main" id="{55900307-389C-4833-9F6D-23CF84A7E974}"/>
-              </a:ext>
-            </a:extLst>
-          </p:cNvPr>
-          <p:cNvSpPr>
-            <a:spLocks noGrp="1"/>
-          </p:cNvSpPr>
-          <p:nvPr>
-            <p:ph type="body" idx="15"/>
-          </p:nvPr>
-        </p:nvSpPr>
-        <p:spPr>
-          <a:xfrm>
-            <a:off x="3787360" y="4761767"/>
-            <a:ext cx="1963236" cy="741904"/>
-          </a:xfrm>
-        </p:spPr>
-        <p:txBody>
-          <a:bodyPr rtlCol="0"/>
-          <a:lstStyle/>
-          <a:p>
-            <a:pPr rtl="0"/>
-            <a:r>
-              <a:rPr lang="en-GB"/>
-              <a:t>Title</a:t>
-            </a:r>
-          </a:p>
-        </p:txBody>
-      </p:sp>
-      <p:pic>
-        <p:nvPicPr>
-          <p:cNvPr id="29" name="Picture Placeholder 28" descr="A person smiling for the camera at the office">
-            <a:extLst>
-              <a:ext uri="{FF2B5EF4-FFF2-40B4-BE49-F238E27FC236}">
-                <a16:creationId xmlns:a16="http://schemas.microsoft.com/office/drawing/2014/main" id="{AD3CA8A0-C478-4601-B591-250B0F58C3EA}"/>
-              </a:ext>
-            </a:extLst>
-          </p:cNvPr>
-          <p:cNvPicPr>
-            <a:picLocks noGrp="1" noChangeAspect="1"/>
-          </p:cNvPicPr>
-          <p:nvPr>
-            <p:ph type="pic" sz="quarter" idx="22"/>
-          </p:nvPr>
-        </p:nvPicPr>
-        <p:blipFill rotWithShape="1">
-          <a:blip r:embed="rId4" cstate="screen">
-            <a:extLst>
-              <a:ext uri="{28A0092B-C50C-407E-A947-70E740481C1C}">
-                <a14:useLocalDpi xmlns:a14="http://schemas.microsoft.com/office/drawing/2010/main"/>
-              </a:ext>
-            </a:extLst>
-          </a:blip>
-          <a:srcRect/>
-          <a:stretch/>
-        </p:blipFill>
-        <p:spPr>
-          <a:xfrm>
-            <a:off x="6437376" y="2350008"/>
-            <a:ext cx="1965960" cy="1801368"/>
-          </a:xfrm>
-        </p:spPr>
-      </p:pic>
-      <p:sp>
-        <p:nvSpPr>
-          <p:cNvPr id="16" name="Text Placeholder 15">
-            <a:extLst>
-              <a:ext uri="{FF2B5EF4-FFF2-40B4-BE49-F238E27FC236}">
-                <a16:creationId xmlns:a16="http://schemas.microsoft.com/office/drawing/2014/main" id="{2D7A6FC1-6929-4A5F-90E7-8D66A6079B21}"/>
-              </a:ext>
-            </a:extLst>
-          </p:cNvPr>
-          <p:cNvSpPr>
-            <a:spLocks noGrp="1"/>
-          </p:cNvSpPr>
-          <p:nvPr>
-            <p:ph type="body" idx="16"/>
-          </p:nvPr>
-        </p:nvSpPr>
-        <p:spPr>
-          <a:xfrm>
-            <a:off x="6441406" y="4319520"/>
-            <a:ext cx="1963236" cy="365760"/>
-          </a:xfrm>
-        </p:spPr>
-        <p:txBody>
-          <a:bodyPr rtlCol="0"/>
-          <a:lstStyle/>
-          <a:p>
-            <a:pPr rtl="0"/>
-            <a:r>
-              <a:rPr lang="en-GB"/>
-              <a:t>Name</a:t>
-            </a:r>
-          </a:p>
-        </p:txBody>
-      </p:sp>
-      <p:sp>
-        <p:nvSpPr>
-          <p:cNvPr id="17" name="Text Placeholder 16">
-            <a:extLst>
-              <a:ext uri="{FF2B5EF4-FFF2-40B4-BE49-F238E27FC236}">
-                <a16:creationId xmlns:a16="http://schemas.microsoft.com/office/drawing/2014/main" id="{2455B81D-74E1-4993-9CB7-C86E383417E1}"/>
-              </a:ext>
-            </a:extLst>
-          </p:cNvPr>
-          <p:cNvSpPr>
-            <a:spLocks noGrp="1"/>
-          </p:cNvSpPr>
-          <p:nvPr>
-            <p:ph type="body" idx="17"/>
-          </p:nvPr>
-        </p:nvSpPr>
-        <p:spPr>
-          <a:xfrm>
-            <a:off x="6438985" y="4761767"/>
-            <a:ext cx="1963236" cy="741904"/>
-          </a:xfrm>
-        </p:spPr>
-        <p:txBody>
-          <a:bodyPr rtlCol="0"/>
-          <a:lstStyle/>
-          <a:p>
-            <a:pPr rtl="0"/>
-            <a:r>
-              <a:rPr lang="en-GB"/>
-              <a:t>Title</a:t>
-            </a:r>
-          </a:p>
-        </p:txBody>
-      </p:sp>
-      <p:pic>
-        <p:nvPicPr>
-          <p:cNvPr id="31" name="Picture Placeholder 30" descr="A person smiling for the camera at the office">
-            <a:extLst>
-              <a:ext uri="{FF2B5EF4-FFF2-40B4-BE49-F238E27FC236}">
-                <a16:creationId xmlns:a16="http://schemas.microsoft.com/office/drawing/2014/main" id="{2215E562-117D-4476-B492-A2B90FA24853}"/>
-              </a:ext>
-            </a:extLst>
-          </p:cNvPr>
-          <p:cNvPicPr>
-            <a:picLocks noGrp="1" noChangeAspect="1"/>
-          </p:cNvPicPr>
-          <p:nvPr>
-            <p:ph type="pic" sz="quarter" idx="23"/>
-          </p:nvPr>
-        </p:nvPicPr>
-        <p:blipFill rotWithShape="1">
-          <a:blip r:embed="rId5" cstate="screen">
-            <a:extLst>
-              <a:ext uri="{28A0092B-C50C-407E-A947-70E740481C1C}">
-                <a14:useLocalDpi xmlns:a14="http://schemas.microsoft.com/office/drawing/2010/main"/>
-              </a:ext>
-            </a:extLst>
-          </a:blip>
-          <a:srcRect/>
-          <a:stretch/>
-        </p:blipFill>
-        <p:spPr>
-          <a:xfrm>
-            <a:off x="9089136" y="2350008"/>
-            <a:ext cx="1965960" cy="1801368"/>
-          </a:xfrm>
-        </p:spPr>
-      </p:pic>
-      <p:sp>
-        <p:nvSpPr>
-          <p:cNvPr id="18" name="Text Placeholder 17">
-            <a:extLst>
-              <a:ext uri="{FF2B5EF4-FFF2-40B4-BE49-F238E27FC236}">
-                <a16:creationId xmlns:a16="http://schemas.microsoft.com/office/drawing/2014/main" id="{B6AF93C3-3990-4E16-BC70-CEEBCF7E9B79}"/>
-              </a:ext>
-            </a:extLst>
-          </p:cNvPr>
-          <p:cNvSpPr>
-            <a:spLocks noGrp="1"/>
-          </p:cNvSpPr>
-          <p:nvPr>
-            <p:ph type="body" idx="18"/>
-          </p:nvPr>
-        </p:nvSpPr>
-        <p:spPr>
-          <a:xfrm>
-            <a:off x="9090610" y="4319520"/>
-            <a:ext cx="1963236" cy="365760"/>
-          </a:xfrm>
-        </p:spPr>
-        <p:txBody>
-          <a:bodyPr rtlCol="0"/>
-          <a:lstStyle/>
-          <a:p>
-            <a:pPr rtl="0"/>
-            <a:r>
-              <a:rPr lang="en-GB"/>
-              <a:t>Name</a:t>
-            </a:r>
-          </a:p>
-        </p:txBody>
-      </p:sp>
-      <p:sp>
-        <p:nvSpPr>
-          <p:cNvPr id="19" name="Text Placeholder 18">
-            <a:extLst>
-              <a:ext uri="{FF2B5EF4-FFF2-40B4-BE49-F238E27FC236}">
-                <a16:creationId xmlns:a16="http://schemas.microsoft.com/office/drawing/2014/main" id="{6D7685B1-86AF-4938-BC50-1C6253189708}"/>
-              </a:ext>
-            </a:extLst>
-          </p:cNvPr>
-          <p:cNvSpPr>
-            <a:spLocks noGrp="1"/>
-          </p:cNvSpPr>
-          <p:nvPr>
-            <p:ph type="body" idx="19"/>
-          </p:nvPr>
-        </p:nvSpPr>
-        <p:spPr>
-          <a:xfrm>
-            <a:off x="9088189" y="4761767"/>
-            <a:ext cx="1963236" cy="741904"/>
-          </a:xfrm>
-        </p:spPr>
-        <p:txBody>
-          <a:bodyPr rtlCol="0"/>
-          <a:lstStyle/>
-          <a:p>
-            <a:pPr rtl="0"/>
-            <a:r>
-              <a:rPr lang="en-GB"/>
-              <a:t>Title</a:t>
-            </a:r>
-          </a:p>
-        </p:txBody>
-      </p:sp>
-      <p:sp>
-        <p:nvSpPr>
           <p:cNvPr id="33" name="Footer Placeholder 32">
             <a:extLst>
               <a:ext uri="{FF2B5EF4-FFF2-40B4-BE49-F238E27FC236}">
@@ -20762,6 +13611,36 @@
           </a:p>
         </p:txBody>
       </p:sp>
+      <p:pic>
+        <p:nvPicPr>
+          <p:cNvPr id="45" name="Picture 44">
+            <a:extLst>
+              <a:ext uri="{FF2B5EF4-FFF2-40B4-BE49-F238E27FC236}">
+                <a16:creationId xmlns:a16="http://schemas.microsoft.com/office/drawing/2014/main" id="{39DBE728-D111-7626-45D1-2FA8D5CE66D6}"/>
+              </a:ext>
+            </a:extLst>
+          </p:cNvPr>
+          <p:cNvPicPr>
+            <a:picLocks noChangeAspect="1"/>
+          </p:cNvPicPr>
+          <p:nvPr/>
+        </p:nvPicPr>
+        <p:blipFill>
+          <a:blip r:embed="rId2"/>
+          <a:stretch>
+            <a:fillRect/>
+          </a:stretch>
+        </p:blipFill>
+        <p:spPr>
+          <a:xfrm>
+            <a:off x="1943100" y="823912"/>
+            <a:ext cx="8305800" cy="5210175"/>
+          </a:xfrm>
+          <a:prstGeom prst="rect">
+            <a:avLst/>
+          </a:prstGeom>
+        </p:spPr>
+      </p:pic>
     </p:spTree>
     <p:extLst>
       <p:ext uri="{BB962C8B-B14F-4D97-AF65-F5344CB8AC3E}">
@@ -20792,57 +13671,62 @@
           <a:chExt cx="0" cy="0"/>
         </a:xfrm>
       </p:grpSpPr>
-      <p:graphicFrame>
-        <p:nvGraphicFramePr>
-          <p:cNvPr id="7" name="Content Placeholder 3" descr="Timeline Placeholder">
-            <a:extLst>
-              <a:ext uri="{FF2B5EF4-FFF2-40B4-BE49-F238E27FC236}">
-                <a16:creationId xmlns:a16="http://schemas.microsoft.com/office/drawing/2014/main" id="{DA394158-22C9-4554-A3A2-3E1C175CE5D9}"/>
-              </a:ext>
-            </a:extLst>
-          </p:cNvPr>
-          <p:cNvGraphicFramePr>
-            <a:graphicFrameLocks noGrp="1"/>
-          </p:cNvGraphicFramePr>
-          <p:nvPr>
-            <p:ph idx="1"/>
-            <p:extLst>
-              <p:ext uri="{D42A27DB-BD31-4B8C-83A1-F6EECF244321}">
-                <p14:modId xmlns:p14="http://schemas.microsoft.com/office/powerpoint/2010/main" val="4106763730"/>
-              </p:ext>
-            </p:extLst>
-          </p:nvPr>
-        </p:nvGraphicFramePr>
-        <p:xfrm>
-          <a:off x="838200" y="1825625"/>
-          <a:ext cx="10693400" cy="4351338"/>
-        </p:xfrm>
-        <a:graphic>
-          <a:graphicData uri="http://schemas.openxmlformats.org/drawingml/2006/diagram">
-            <dgm:relIds xmlns:dgm="http://schemas.openxmlformats.org/drawingml/2006/diagram" xmlns:r="http://schemas.openxmlformats.org/officeDocument/2006/relationships" r:dm="rId2" r:lo="rId3" r:qs="rId4" r:cs="rId5"/>
-          </a:graphicData>
-        </a:graphic>
-      </p:graphicFrame>
-      <p:sp>
-        <p:nvSpPr>
-          <p:cNvPr id="3" name="Title 2">
-            <a:extLst>
-              <a:ext uri="{FF2B5EF4-FFF2-40B4-BE49-F238E27FC236}">
-                <a16:creationId xmlns:a16="http://schemas.microsoft.com/office/drawing/2014/main" id="{BA4EA378-49C7-4674-A713-6300B71864FD}"/>
-              </a:ext>
-            </a:extLst>
-          </p:cNvPr>
-          <p:cNvSpPr>
-            <a:spLocks noGrp="1"/>
-          </p:cNvSpPr>
-          <p:nvPr>
-            <p:ph type="title"/>
-          </p:nvPr>
-        </p:nvSpPr>
-        <p:spPr>
-          <a:xfrm>
-            <a:off x="1143000" y="533401"/>
-            <a:ext cx="9906000" cy="1382156"/>
+      <p:sp>
+        <p:nvSpPr>
+          <p:cNvPr id="5" name="Text Placeholder 4">
+            <a:extLst>
+              <a:ext uri="{FF2B5EF4-FFF2-40B4-BE49-F238E27FC236}">
+                <a16:creationId xmlns:a16="http://schemas.microsoft.com/office/drawing/2014/main" id="{77A2ABE5-0226-49ED-8CCF-C68A5DC8C37A}"/>
+              </a:ext>
+            </a:extLst>
+          </p:cNvPr>
+          <p:cNvSpPr>
+            <a:spLocks noGrp="1"/>
+          </p:cNvSpPr>
+          <p:nvPr>
+            <p:ph type="body" sz="quarter" idx="3"/>
+          </p:nvPr>
+        </p:nvSpPr>
+        <p:spPr>
+          <a:xfrm>
+            <a:off x="6096000" y="1092162"/>
+            <a:ext cx="5183188" cy="2336838"/>
+          </a:xfrm>
+        </p:spPr>
+        <p:txBody>
+          <a:bodyPr rtlCol="0">
+            <a:normAutofit/>
+          </a:bodyPr>
+          <a:lstStyle/>
+          <a:p>
+            <a:pPr rtl="0"/>
+            <a:r>
+              <a:rPr lang="en-GB" dirty="0"/>
+              <a:t>Vaccination rates according to demography for each state</a:t>
+            </a:r>
+          </a:p>
+        </p:txBody>
+      </p:sp>
+      <p:sp>
+        <p:nvSpPr>
+          <p:cNvPr id="8" name="Footer Placeholder 7">
+            <a:extLst>
+              <a:ext uri="{FF2B5EF4-FFF2-40B4-BE49-F238E27FC236}">
+                <a16:creationId xmlns:a16="http://schemas.microsoft.com/office/drawing/2014/main" id="{1CB6C385-03DD-40B8-8F1B-4E62C60C85AA}"/>
+              </a:ext>
+            </a:extLst>
+          </p:cNvPr>
+          <p:cNvSpPr>
+            <a:spLocks noGrp="1"/>
+          </p:cNvSpPr>
+          <p:nvPr>
+            <p:ph type="ftr" sz="quarter" idx="11"/>
+          </p:nvPr>
+        </p:nvSpPr>
+        <p:spPr>
+          <a:xfrm>
+            <a:off x="154429" y="6398878"/>
+            <a:ext cx="4497315" cy="365125"/>
           </a:xfrm>
         </p:spPr>
         <p:txBody>
@@ -20852,31 +13736,31 @@
             <a:pPr rtl="0"/>
             <a:r>
               <a:rPr lang="en-GB"/>
-              <a:t>TIMELINE</a:t>
-            </a:r>
-          </a:p>
-        </p:txBody>
-      </p:sp>
-      <p:sp>
-        <p:nvSpPr>
-          <p:cNvPr id="4" name="Footer Placeholder 3">
-            <a:extLst>
-              <a:ext uri="{FF2B5EF4-FFF2-40B4-BE49-F238E27FC236}">
-                <a16:creationId xmlns:a16="http://schemas.microsoft.com/office/drawing/2014/main" id="{46B35970-86DF-4F11-9D76-FECED88366F0}"/>
-              </a:ext>
-            </a:extLst>
-          </p:cNvPr>
-          <p:cNvSpPr>
-            <a:spLocks noGrp="1"/>
-          </p:cNvSpPr>
-          <p:nvPr>
-            <p:ph type="ftr" sz="quarter" idx="11"/>
-          </p:nvPr>
-        </p:nvSpPr>
-        <p:spPr>
-          <a:xfrm>
-            <a:off x="154429" y="6398878"/>
-            <a:ext cx="4497315" cy="365125"/>
+              <a:t>Sample Footer Text</a:t>
+            </a:r>
+          </a:p>
+        </p:txBody>
+      </p:sp>
+      <p:sp>
+        <p:nvSpPr>
+          <p:cNvPr id="7" name="Date Placeholder 6">
+            <a:extLst>
+              <a:ext uri="{FF2B5EF4-FFF2-40B4-BE49-F238E27FC236}">
+                <a16:creationId xmlns:a16="http://schemas.microsoft.com/office/drawing/2014/main" id="{AF3C5F2A-97FD-42D5-B08A-F20B3EFD7D84}"/>
+              </a:ext>
+            </a:extLst>
+          </p:cNvPr>
+          <p:cNvSpPr>
+            <a:spLocks noGrp="1"/>
+          </p:cNvSpPr>
+          <p:nvPr>
+            <p:ph type="dt" sz="half" idx="10"/>
+          </p:nvPr>
+        </p:nvSpPr>
+        <p:spPr>
+          <a:xfrm>
+            <a:off x="7337102" y="6398878"/>
+            <a:ext cx="4193908" cy="365125"/>
           </a:xfrm>
         </p:spPr>
         <p:txBody>
@@ -20886,31 +13770,31 @@
             <a:pPr rtl="0"/>
             <a:r>
               <a:rPr lang="en-GB"/>
-              <a:t>Sample Footer Text</a:t>
-            </a:r>
-          </a:p>
-        </p:txBody>
-      </p:sp>
-      <p:sp>
-        <p:nvSpPr>
-          <p:cNvPr id="5" name="Date Placeholder 4">
-            <a:extLst>
-              <a:ext uri="{FF2B5EF4-FFF2-40B4-BE49-F238E27FC236}">
-                <a16:creationId xmlns:a16="http://schemas.microsoft.com/office/drawing/2014/main" id="{1A4C12C2-5182-41CE-A07D-11992CF629EA}"/>
-              </a:ext>
-            </a:extLst>
-          </p:cNvPr>
-          <p:cNvSpPr>
-            <a:spLocks noGrp="1"/>
-          </p:cNvSpPr>
-          <p:nvPr>
-            <p:ph type="dt" sz="half" idx="10"/>
-          </p:nvPr>
-        </p:nvSpPr>
-        <p:spPr>
-          <a:xfrm>
-            <a:off x="7337102" y="6398878"/>
-            <a:ext cx="4193908" cy="365125"/>
+              <a:t>2/7/20XX</a:t>
+            </a:r>
+          </a:p>
+        </p:txBody>
+      </p:sp>
+      <p:sp>
+        <p:nvSpPr>
+          <p:cNvPr id="9" name="Slide Number Placeholder 8">
+            <a:extLst>
+              <a:ext uri="{FF2B5EF4-FFF2-40B4-BE49-F238E27FC236}">
+                <a16:creationId xmlns:a16="http://schemas.microsoft.com/office/drawing/2014/main" id="{203229A0-1321-49E2-9958-3B1F86E2CC8F}"/>
+              </a:ext>
+            </a:extLst>
+          </p:cNvPr>
+          <p:cNvSpPr>
+            <a:spLocks noGrp="1"/>
+          </p:cNvSpPr>
+          <p:nvPr>
+            <p:ph type="sldNum" sz="quarter" idx="12"/>
+          </p:nvPr>
+        </p:nvSpPr>
+        <p:spPr>
+          <a:xfrm>
+            <a:off x="11602477" y="6398878"/>
+            <a:ext cx="470887" cy="365125"/>
           </a:xfrm>
         </p:spPr>
         <p:txBody>
@@ -20918,53 +13802,88 @@
           <a:lstStyle/>
           <a:p>
             <a:pPr rtl="0"/>
-            <a:r>
-              <a:rPr lang="en-GB"/>
-              <a:t>2/7/20XX</a:t>
-            </a:r>
-          </a:p>
-        </p:txBody>
-      </p:sp>
-      <p:sp>
-        <p:nvSpPr>
-          <p:cNvPr id="6" name="Slide Number Placeholder 5">
-            <a:extLst>
-              <a:ext uri="{FF2B5EF4-FFF2-40B4-BE49-F238E27FC236}">
-                <a16:creationId xmlns:a16="http://schemas.microsoft.com/office/drawing/2014/main" id="{90A3CABF-07C6-4D28-9459-B48AE520A290}"/>
-              </a:ext>
-            </a:extLst>
-          </p:cNvPr>
-          <p:cNvSpPr>
-            <a:spLocks noGrp="1"/>
-          </p:cNvSpPr>
-          <p:nvPr>
-            <p:ph type="sldNum" sz="quarter" idx="12"/>
-          </p:nvPr>
-        </p:nvSpPr>
-        <p:spPr>
-          <a:xfrm>
-            <a:off x="11602477" y="6398878"/>
-            <a:ext cx="470887" cy="365125"/>
-          </a:xfrm>
-        </p:spPr>
-        <p:txBody>
-          <a:bodyPr rtlCol="0"/>
-          <a:lstStyle/>
-          <a:p>
-            <a:pPr rtl="0"/>
             <a:fld id="{312CC964-A50B-4C29-B4E4-2C30BB34CCF3}" type="slidenum">
               <a:rPr lang="en-GB" smtClean="0"/>
-              <a:pPr/>
+              <a:pPr rtl="0"/>
               <a:t>9</a:t>
             </a:fld>
             <a:endParaRPr lang="en-GB" dirty="0"/>
           </a:p>
         </p:txBody>
       </p:sp>
+      <p:sp>
+        <p:nvSpPr>
+          <p:cNvPr id="13" name="Content Placeholder 12">
+            <a:extLst>
+              <a:ext uri="{FF2B5EF4-FFF2-40B4-BE49-F238E27FC236}">
+                <a16:creationId xmlns:a16="http://schemas.microsoft.com/office/drawing/2014/main" id="{0994D6C2-A5E8-ED48-11C9-771F49BA1314}"/>
+              </a:ext>
+            </a:extLst>
+          </p:cNvPr>
+          <p:cNvSpPr>
+            <a:spLocks noGrp="1"/>
+          </p:cNvSpPr>
+          <p:nvPr>
+            <p:ph sz="quarter" idx="4"/>
+          </p:nvPr>
+        </p:nvSpPr>
+        <p:spPr/>
+        <p:txBody>
+          <a:bodyPr/>
+          <a:lstStyle/>
+          <a:p>
+            <a:endParaRPr lang="en-US" dirty="0"/>
+          </a:p>
+          <a:p>
+            <a:endParaRPr lang="en-US" dirty="0"/>
+          </a:p>
+          <a:p>
+            <a:r>
+              <a:rPr lang="en-US" dirty="0"/>
+              <a:t>Where do the government need to direct their awareness outreach to?</a:t>
+            </a:r>
+            <a:endParaRPr lang="en-GB" dirty="0"/>
+          </a:p>
+        </p:txBody>
+      </p:sp>
+      <p:pic>
+        <p:nvPicPr>
+          <p:cNvPr id="14" name="Picture Placeholder 8" descr="A picture containing blue glass buildings with reflection">
+            <a:extLst>
+              <a:ext uri="{FF2B5EF4-FFF2-40B4-BE49-F238E27FC236}">
+                <a16:creationId xmlns:a16="http://schemas.microsoft.com/office/drawing/2014/main" id="{C4B4CEBB-26F0-92EE-DB7B-D9E5431E85B6}"/>
+              </a:ext>
+            </a:extLst>
+          </p:cNvPr>
+          <p:cNvPicPr>
+            <a:picLocks noGrp="1" noChangeAspect="1"/>
+          </p:cNvPicPr>
+          <p:nvPr>
+            <p:ph sz="half" idx="2"/>
+          </p:nvPr>
+        </p:nvPicPr>
+        <p:blipFill rotWithShape="1">
+          <a:blip r:embed="rId2" cstate="screen">
+            <a:extLst>
+              <a:ext uri="{28A0092B-C50C-407E-A947-70E740481C1C}">
+                <a14:useLocalDpi xmlns:a14="http://schemas.microsoft.com/office/drawing/2010/main"/>
+              </a:ext>
+            </a:extLst>
+          </a:blip>
+          <a:srcRect/>
+          <a:stretch/>
+        </p:blipFill>
+        <p:spPr>
+          <a:xfrm>
+            <a:off x="0" y="0"/>
+            <a:ext cx="4377757" cy="6242050"/>
+          </a:xfrm>
+        </p:spPr>
+      </p:pic>
     </p:spTree>
     <p:extLst>
       <p:ext uri="{BB962C8B-B14F-4D97-AF65-F5344CB8AC3E}">
-        <p14:creationId xmlns:p14="http://schemas.microsoft.com/office/powerpoint/2010/main" val="4280447412"/>
+        <p14:creationId xmlns:p14="http://schemas.microsoft.com/office/powerpoint/2010/main" val="742158403"/>
       </p:ext>
     </p:extLst>
   </p:cSld>
@@ -21766,25 +14685,6 @@
 </file>
 
 <file path=customXml/item1.xml><?xml version="1.0" encoding="utf-8"?>
-<p:properties xmlns:p="http://schemas.microsoft.com/office/2006/metadata/properties" xmlns:xsi="http://www.w3.org/2001/XMLSchema-instance" xmlns:pc="http://schemas.microsoft.com/office/infopath/2007/PartnerControls">
-  <documentManagement>
-    <Status xmlns="71af3243-3dd4-4a8d-8c0d-dd76da1f02a5">Not started</Status>
-    <_ip_UnifiedCompliancePolicyUIAction xmlns="http://schemas.microsoft.com/sharepoint/v3" xsi:nil="true"/>
-    <Image xmlns="71af3243-3dd4-4a8d-8c0d-dd76da1f02a5">
-      <Url xsi:nil="true"/>
-      <Description xsi:nil="true"/>
-    </Image>
-    <_ip_UnifiedCompliancePolicyProperties xmlns="http://schemas.microsoft.com/sharepoint/v3" xsi:nil="true"/>
-    <lcf76f155ced4ddcb4097134ff3c332f xmlns="71af3243-3dd4-4a8d-8c0d-dd76da1f02a5">
-      <Terms xmlns="http://schemas.microsoft.com/office/infopath/2007/PartnerControls"/>
-    </lcf76f155ced4ddcb4097134ff3c332f>
-    <TaxCatchAll xmlns="230e9df3-be65-4c73-a93b-d1236ebd677e"/>
-    <MediaServiceKeyPoints xmlns="71af3243-3dd4-4a8d-8c0d-dd76da1f02a5" xsi:nil="true"/>
-  </documentManagement>
-</p:properties>
-</file>
-
-<file path=customXml/item2.xml><?xml version="1.0" encoding="utf-8"?>
 <ct:contentTypeSchema xmlns:ct="http://schemas.microsoft.com/office/2006/metadata/contentType" xmlns:ma="http://schemas.microsoft.com/office/2006/metadata/properties/metaAttributes" ct:_="" ma:_="" ma:contentTypeName="Document" ma:contentTypeID="0x01010079F111ED35F8CC479449609E8A0923A6" ma:contentTypeVersion="18" ma:contentTypeDescription="Create a new document." ma:contentTypeScope="" ma:versionID="22a266b9fa9a230c5a512669d8b298c3">
   <xsd:schema xmlns:xsd="http://www.w3.org/2001/XMLSchema" xmlns:xs="http://www.w3.org/2001/XMLSchema" xmlns:p="http://schemas.microsoft.com/office/2006/metadata/properties" xmlns:ns1="http://schemas.microsoft.com/sharepoint/v3" xmlns:ns2="71af3243-3dd4-4a8d-8c0d-dd76da1f02a5" xmlns:ns3="16c05727-aa75-4e4a-9b5f-8a80a1165891" xmlns:ns4="230e9df3-be65-4c73-a93b-d1236ebd677e" targetNamespace="http://schemas.microsoft.com/office/2006/metadata/properties" ma:root="true" ma:fieldsID="eddc33fff6b14141ee5c74a0d29ea6a1" ns1:_="" ns2:_="" ns3:_="" ns4:_="">
     <xsd:import namespace="http://schemas.microsoft.com/sharepoint/v3"/>
@@ -22060,6 +14960,25 @@
 </ct:contentTypeSchema>
 </file>
 
+<file path=customXml/item2.xml><?xml version="1.0" encoding="utf-8"?>
+<p:properties xmlns:p="http://schemas.microsoft.com/office/2006/metadata/properties" xmlns:xsi="http://www.w3.org/2001/XMLSchema-instance" xmlns:pc="http://schemas.microsoft.com/office/infopath/2007/PartnerControls">
+  <documentManagement>
+    <Status xmlns="71af3243-3dd4-4a8d-8c0d-dd76da1f02a5">Not started</Status>
+    <_ip_UnifiedCompliancePolicyUIAction xmlns="http://schemas.microsoft.com/sharepoint/v3" xsi:nil="true"/>
+    <Image xmlns="71af3243-3dd4-4a8d-8c0d-dd76da1f02a5">
+      <Url xsi:nil="true"/>
+      <Description xsi:nil="true"/>
+    </Image>
+    <_ip_UnifiedCompliancePolicyProperties xmlns="http://schemas.microsoft.com/sharepoint/v3" xsi:nil="true"/>
+    <lcf76f155ced4ddcb4097134ff3c332f xmlns="71af3243-3dd4-4a8d-8c0d-dd76da1f02a5">
+      <Terms xmlns="http://schemas.microsoft.com/office/infopath/2007/PartnerControls"/>
+    </lcf76f155ced4ddcb4097134ff3c332f>
+    <TaxCatchAll xmlns="230e9df3-be65-4c73-a93b-d1236ebd677e"/>
+    <MediaServiceKeyPoints xmlns="71af3243-3dd4-4a8d-8c0d-dd76da1f02a5" xsi:nil="true"/>
+  </documentManagement>
+</p:properties>
+</file>
+
 <file path=customXml/item3.xml><?xml version="1.0" encoding="utf-8"?>
 <?mso-contentType ?>
 <FormTemplates xmlns="http://schemas.microsoft.com/sharepoint/v3/contenttype/forms">
@@ -22070,18 +14989,6 @@
 </file>
 
 <file path=customXml/itemProps1.xml><?xml version="1.0" encoding="utf-8"?>
-<ds:datastoreItem xmlns:ds="http://schemas.openxmlformats.org/officeDocument/2006/customXml" ds:itemID="{B15CABE4-909F-4611-A0E1-6E45080B3C9E}">
-  <ds:schemaRefs>
-    <ds:schemaRef ds:uri="http://schemas.microsoft.com/office/2006/metadata/properties"/>
-    <ds:schemaRef ds:uri="http://schemas.microsoft.com/office/infopath/2007/PartnerControls"/>
-    <ds:schemaRef ds:uri="71af3243-3dd4-4a8d-8c0d-dd76da1f02a5"/>
-    <ds:schemaRef ds:uri="http://schemas.microsoft.com/sharepoint/v3"/>
-    <ds:schemaRef ds:uri="230e9df3-be65-4c73-a93b-d1236ebd677e"/>
-  </ds:schemaRefs>
-</ds:datastoreItem>
-</file>
-
-<file path=customXml/itemProps2.xml><?xml version="1.0" encoding="utf-8"?>
 <ds:datastoreItem xmlns:ds="http://schemas.openxmlformats.org/officeDocument/2006/customXml" ds:itemID="{AA1E8BDE-7A03-4563-82F6-53B214F89568}">
   <ds:schemaRefs>
     <ds:schemaRef ds:uri="http://schemas.microsoft.com/office/2006/metadata/contentType"/>
@@ -22102,6 +15009,18 @@
 </ds:datastoreItem>
 </file>
 
+<file path=customXml/itemProps2.xml><?xml version="1.0" encoding="utf-8"?>
+<ds:datastoreItem xmlns:ds="http://schemas.openxmlformats.org/officeDocument/2006/customXml" ds:itemID="{B15CABE4-909F-4611-A0E1-6E45080B3C9E}">
+  <ds:schemaRefs>
+    <ds:schemaRef ds:uri="http://schemas.microsoft.com/office/2006/metadata/properties"/>
+    <ds:schemaRef ds:uri="http://schemas.microsoft.com/office/infopath/2007/PartnerControls"/>
+    <ds:schemaRef ds:uri="71af3243-3dd4-4a8d-8c0d-dd76da1f02a5"/>
+    <ds:schemaRef ds:uri="http://schemas.microsoft.com/sharepoint/v3"/>
+    <ds:schemaRef ds:uri="230e9df3-be65-4c73-a93b-d1236ebd677e"/>
+  </ds:schemaRefs>
+</ds:datastoreItem>
+</file>
+
 <file path=customXml/itemProps3.xml><?xml version="1.0" encoding="utf-8"?>
 <ds:datastoreItem xmlns:ds="http://schemas.openxmlformats.org/officeDocument/2006/customXml" ds:itemID="{207C1F5B-A1D0-429A-8E7C-3E271353D1E0}">
   <ds:schemaRefs>
